--- a/dr/Защита.pptx
+++ b/dr/Защита.pptx
@@ -2,10 +2,24 @@
 <file path=ppt/presentation.xml><?xml version="1.0" encoding="utf-8"?>
 <p:presentation xmlns:a="http://schemas.openxmlformats.org/drawingml/2006/main" xmlns:r="http://schemas.openxmlformats.org/officeDocument/2006/relationships" xmlns:p="http://schemas.openxmlformats.org/presentationml/2006/main" saveSubsetFonts="1">
   <p:sldMasterIdLst>
-    <p:sldMasterId id="2147483660" r:id="rId1"/>
+    <p:sldMasterId id="2147483690" r:id="rId1"/>
   </p:sldMasterIdLst>
+  <p:notesMasterIdLst>
+    <p:notesMasterId r:id="rId14"/>
+  </p:notesMasterIdLst>
   <p:sldIdLst>
     <p:sldId id="256" r:id="rId2"/>
+    <p:sldId id="257" r:id="rId3"/>
+    <p:sldId id="258" r:id="rId4"/>
+    <p:sldId id="259" r:id="rId5"/>
+    <p:sldId id="260" r:id="rId6"/>
+    <p:sldId id="261" r:id="rId7"/>
+    <p:sldId id="262" r:id="rId8"/>
+    <p:sldId id="263" r:id="rId9"/>
+    <p:sldId id="264" r:id="rId10"/>
+    <p:sldId id="265" r:id="rId11"/>
+    <p:sldId id="266" r:id="rId12"/>
+    <p:sldId id="267" r:id="rId13"/>
   </p:sldIdLst>
   <p:sldSz cx="9144000" cy="6858000" type="screen4x3"/>
   <p:notesSz cx="6858000" cy="9144000"/>
@@ -121,6 +135,4237 @@
     </p:ext>
   </p:extLst>
 </p:presentation>
+</file>
+
+<file path=ppt/notesMasters/notesMaster1.xml><?xml version="1.0" encoding="utf-8"?>
+<p:notesMaster xmlns:a="http://schemas.openxmlformats.org/drawingml/2006/main" xmlns:r="http://schemas.openxmlformats.org/officeDocument/2006/relationships" xmlns:p="http://schemas.openxmlformats.org/presentationml/2006/main">
+  <p:cSld>
+    <p:bg>
+      <p:bgRef idx="1001">
+        <a:schemeClr val="bg1"/>
+      </p:bgRef>
+    </p:bg>
+    <p:spTree>
+      <p:nvGrpSpPr>
+        <p:cNvPr id="1" name=""/>
+        <p:cNvGrpSpPr/>
+        <p:nvPr/>
+      </p:nvGrpSpPr>
+      <p:grpSpPr>
+        <a:xfrm>
+          <a:off x="0" y="0"/>
+          <a:ext cx="0" cy="0"/>
+          <a:chOff x="0" y="0"/>
+          <a:chExt cx="0" cy="0"/>
+        </a:xfrm>
+      </p:grpSpPr>
+      <p:sp>
+        <p:nvSpPr>
+          <p:cNvPr id="2" name="Контейнер за горния колонтитул 1"/>
+          <p:cNvSpPr>
+            <a:spLocks noGrp="1"/>
+          </p:cNvSpPr>
+          <p:nvPr>
+            <p:ph type="hdr" sz="quarter"/>
+          </p:nvPr>
+        </p:nvSpPr>
+        <p:spPr>
+          <a:xfrm>
+            <a:off x="0" y="0"/>
+            <a:ext cx="2971800" cy="458788"/>
+          </a:xfrm>
+          <a:prstGeom prst="rect">
+            <a:avLst/>
+          </a:prstGeom>
+        </p:spPr>
+        <p:txBody>
+          <a:bodyPr vert="horz" lIns="91440" tIns="45720" rIns="91440" bIns="45720" rtlCol="0"/>
+          <a:lstStyle>
+            <a:lvl1pPr algn="l">
+              <a:defRPr sz="1200"/>
+            </a:lvl1pPr>
+          </a:lstStyle>
+          <a:p>
+            <a:endParaRPr lang="bg-BG"/>
+          </a:p>
+        </p:txBody>
+      </p:sp>
+      <p:sp>
+        <p:nvSpPr>
+          <p:cNvPr id="3" name="Контейнер за дата 2"/>
+          <p:cNvSpPr>
+            <a:spLocks noGrp="1"/>
+          </p:cNvSpPr>
+          <p:nvPr>
+            <p:ph type="dt" idx="1"/>
+          </p:nvPr>
+        </p:nvSpPr>
+        <p:spPr>
+          <a:xfrm>
+            <a:off x="3884613" y="0"/>
+            <a:ext cx="2971800" cy="458788"/>
+          </a:xfrm>
+          <a:prstGeom prst="rect">
+            <a:avLst/>
+          </a:prstGeom>
+        </p:spPr>
+        <p:txBody>
+          <a:bodyPr vert="horz" lIns="91440" tIns="45720" rIns="91440" bIns="45720" rtlCol="0"/>
+          <a:lstStyle>
+            <a:lvl1pPr algn="r">
+              <a:defRPr sz="1200"/>
+            </a:lvl1pPr>
+          </a:lstStyle>
+          <a:p>
+            <a:fld id="{38E7F258-C5CB-487D-925B-D501708AF133}" type="datetimeFigureOut">
+              <a:rPr lang="bg-BG" smtClean="0"/>
+              <a:t>13.5.2025 г.</a:t>
+            </a:fld>
+            <a:endParaRPr lang="bg-BG"/>
+          </a:p>
+        </p:txBody>
+      </p:sp>
+      <p:sp>
+        <p:nvSpPr>
+          <p:cNvPr id="4" name="Контейнер за изображение на слайда 3"/>
+          <p:cNvSpPr>
+            <a:spLocks noGrp="1" noRot="1" noChangeAspect="1"/>
+          </p:cNvSpPr>
+          <p:nvPr>
+            <p:ph type="sldImg" idx="2"/>
+          </p:nvPr>
+        </p:nvSpPr>
+        <p:spPr>
+          <a:xfrm>
+            <a:off x="1371600" y="1143000"/>
+            <a:ext cx="4114800" cy="3086100"/>
+          </a:xfrm>
+          <a:prstGeom prst="rect">
+            <a:avLst/>
+          </a:prstGeom>
+          <a:noFill/>
+          <a:ln w="12700">
+            <a:solidFill>
+              <a:prstClr val="black"/>
+            </a:solidFill>
+          </a:ln>
+        </p:spPr>
+        <p:txBody>
+          <a:bodyPr vert="horz" lIns="91440" tIns="45720" rIns="91440" bIns="45720" rtlCol="0" anchor="ctr"/>
+          <a:lstStyle/>
+          <a:p>
+            <a:endParaRPr lang="bg-BG"/>
+          </a:p>
+        </p:txBody>
+      </p:sp>
+      <p:sp>
+        <p:nvSpPr>
+          <p:cNvPr id="5" name="Контейнер за бележки 4"/>
+          <p:cNvSpPr>
+            <a:spLocks noGrp="1"/>
+          </p:cNvSpPr>
+          <p:nvPr>
+            <p:ph type="body" sz="quarter" idx="3"/>
+          </p:nvPr>
+        </p:nvSpPr>
+        <p:spPr>
+          <a:xfrm>
+            <a:off x="685800" y="4400550"/>
+            <a:ext cx="5486400" cy="3600450"/>
+          </a:xfrm>
+          <a:prstGeom prst="rect">
+            <a:avLst/>
+          </a:prstGeom>
+        </p:spPr>
+        <p:txBody>
+          <a:bodyPr vert="horz" lIns="91440" tIns="45720" rIns="91440" bIns="45720" rtlCol="0"/>
+          <a:lstStyle/>
+          <a:p>
+            <a:pPr lvl="0"/>
+            <a:r>
+              <a:rPr lang="bg-BG" smtClean="0"/>
+              <a:t>Щракнете, за да редактирате стиловете на текста в образеца</a:t>
+            </a:r>
+          </a:p>
+          <a:p>
+            <a:pPr lvl="1"/>
+            <a:r>
+              <a:rPr lang="bg-BG" smtClean="0"/>
+              <a:t>Второ ниво</a:t>
+            </a:r>
+          </a:p>
+          <a:p>
+            <a:pPr lvl="2"/>
+            <a:r>
+              <a:rPr lang="bg-BG" smtClean="0"/>
+              <a:t>Трето ниво</a:t>
+            </a:r>
+          </a:p>
+          <a:p>
+            <a:pPr lvl="3"/>
+            <a:r>
+              <a:rPr lang="bg-BG" smtClean="0"/>
+              <a:t>Четвърто ниво</a:t>
+            </a:r>
+          </a:p>
+          <a:p>
+            <a:pPr lvl="4"/>
+            <a:r>
+              <a:rPr lang="bg-BG" smtClean="0"/>
+              <a:t>Пето ниво</a:t>
+            </a:r>
+            <a:endParaRPr lang="bg-BG"/>
+          </a:p>
+        </p:txBody>
+      </p:sp>
+      <p:sp>
+        <p:nvSpPr>
+          <p:cNvPr id="6" name="Контейнер за долния колонтитул 5"/>
+          <p:cNvSpPr>
+            <a:spLocks noGrp="1"/>
+          </p:cNvSpPr>
+          <p:nvPr>
+            <p:ph type="ftr" sz="quarter" idx="4"/>
+          </p:nvPr>
+        </p:nvSpPr>
+        <p:spPr>
+          <a:xfrm>
+            <a:off x="0" y="8685213"/>
+            <a:ext cx="2971800" cy="458787"/>
+          </a:xfrm>
+          <a:prstGeom prst="rect">
+            <a:avLst/>
+          </a:prstGeom>
+        </p:spPr>
+        <p:txBody>
+          <a:bodyPr vert="horz" lIns="91440" tIns="45720" rIns="91440" bIns="45720" rtlCol="0" anchor="b"/>
+          <a:lstStyle>
+            <a:lvl1pPr algn="l">
+              <a:defRPr sz="1200"/>
+            </a:lvl1pPr>
+          </a:lstStyle>
+          <a:p>
+            <a:endParaRPr lang="bg-BG"/>
+          </a:p>
+        </p:txBody>
+      </p:sp>
+      <p:sp>
+        <p:nvSpPr>
+          <p:cNvPr id="7" name="Контейнер за номер на слайда 6"/>
+          <p:cNvSpPr>
+            <a:spLocks noGrp="1"/>
+          </p:cNvSpPr>
+          <p:nvPr>
+            <p:ph type="sldNum" sz="quarter" idx="5"/>
+          </p:nvPr>
+        </p:nvSpPr>
+        <p:spPr>
+          <a:xfrm>
+            <a:off x="3884613" y="8685213"/>
+            <a:ext cx="2971800" cy="458787"/>
+          </a:xfrm>
+          <a:prstGeom prst="rect">
+            <a:avLst/>
+          </a:prstGeom>
+        </p:spPr>
+        <p:txBody>
+          <a:bodyPr vert="horz" lIns="91440" tIns="45720" rIns="91440" bIns="45720" rtlCol="0" anchor="b"/>
+          <a:lstStyle>
+            <a:lvl1pPr algn="r">
+              <a:defRPr sz="1200"/>
+            </a:lvl1pPr>
+          </a:lstStyle>
+          <a:p>
+            <a:fld id="{92B3BDDD-B122-4854-B130-5A545C054B2F}" type="slidenum">
+              <a:rPr lang="bg-BG" smtClean="0"/>
+              <a:t>‹#›</a:t>
+            </a:fld>
+            <a:endParaRPr lang="bg-BG"/>
+          </a:p>
+        </p:txBody>
+      </p:sp>
+    </p:spTree>
+    <p:extLst>
+      <p:ext uri="{BB962C8B-B14F-4D97-AF65-F5344CB8AC3E}">
+        <p14:creationId xmlns:p14="http://schemas.microsoft.com/office/powerpoint/2010/main" val="3075997731"/>
+      </p:ext>
+    </p:extLst>
+  </p:cSld>
+  <p:clrMap bg1="lt1" tx1="dk1" bg2="lt2" tx2="dk2" accent1="accent1" accent2="accent2" accent3="accent3" accent4="accent4" accent5="accent5" accent6="accent6" hlink="hlink" folHlink="folHlink"/>
+  <p:notesStyle>
+    <a:lvl1pPr marL="0" algn="l" defTabSz="914400" rtl="0" eaLnBrk="1" latinLnBrk="0" hangingPunct="1">
+      <a:defRPr sz="1200" kern="1200">
+        <a:solidFill>
+          <a:schemeClr val="tx1"/>
+        </a:solidFill>
+        <a:latin typeface="+mn-lt"/>
+        <a:ea typeface="+mn-ea"/>
+        <a:cs typeface="+mn-cs"/>
+      </a:defRPr>
+    </a:lvl1pPr>
+    <a:lvl2pPr marL="457200" algn="l" defTabSz="914400" rtl="0" eaLnBrk="1" latinLnBrk="0" hangingPunct="1">
+      <a:defRPr sz="1200" kern="1200">
+        <a:solidFill>
+          <a:schemeClr val="tx1"/>
+        </a:solidFill>
+        <a:latin typeface="+mn-lt"/>
+        <a:ea typeface="+mn-ea"/>
+        <a:cs typeface="+mn-cs"/>
+      </a:defRPr>
+    </a:lvl2pPr>
+    <a:lvl3pPr marL="914400" algn="l" defTabSz="914400" rtl="0" eaLnBrk="1" latinLnBrk="0" hangingPunct="1">
+      <a:defRPr sz="1200" kern="1200">
+        <a:solidFill>
+          <a:schemeClr val="tx1"/>
+        </a:solidFill>
+        <a:latin typeface="+mn-lt"/>
+        <a:ea typeface="+mn-ea"/>
+        <a:cs typeface="+mn-cs"/>
+      </a:defRPr>
+    </a:lvl3pPr>
+    <a:lvl4pPr marL="1371600" algn="l" defTabSz="914400" rtl="0" eaLnBrk="1" latinLnBrk="0" hangingPunct="1">
+      <a:defRPr sz="1200" kern="1200">
+        <a:solidFill>
+          <a:schemeClr val="tx1"/>
+        </a:solidFill>
+        <a:latin typeface="+mn-lt"/>
+        <a:ea typeface="+mn-ea"/>
+        <a:cs typeface="+mn-cs"/>
+      </a:defRPr>
+    </a:lvl4pPr>
+    <a:lvl5pPr marL="1828800" algn="l" defTabSz="914400" rtl="0" eaLnBrk="1" latinLnBrk="0" hangingPunct="1">
+      <a:defRPr sz="1200" kern="1200">
+        <a:solidFill>
+          <a:schemeClr val="tx1"/>
+        </a:solidFill>
+        <a:latin typeface="+mn-lt"/>
+        <a:ea typeface="+mn-ea"/>
+        <a:cs typeface="+mn-cs"/>
+      </a:defRPr>
+    </a:lvl5pPr>
+    <a:lvl6pPr marL="2286000" algn="l" defTabSz="914400" rtl="0" eaLnBrk="1" latinLnBrk="0" hangingPunct="1">
+      <a:defRPr sz="1200" kern="1200">
+        <a:solidFill>
+          <a:schemeClr val="tx1"/>
+        </a:solidFill>
+        <a:latin typeface="+mn-lt"/>
+        <a:ea typeface="+mn-ea"/>
+        <a:cs typeface="+mn-cs"/>
+      </a:defRPr>
+    </a:lvl6pPr>
+    <a:lvl7pPr marL="2743200" algn="l" defTabSz="914400" rtl="0" eaLnBrk="1" latinLnBrk="0" hangingPunct="1">
+      <a:defRPr sz="1200" kern="1200">
+        <a:solidFill>
+          <a:schemeClr val="tx1"/>
+        </a:solidFill>
+        <a:latin typeface="+mn-lt"/>
+        <a:ea typeface="+mn-ea"/>
+        <a:cs typeface="+mn-cs"/>
+      </a:defRPr>
+    </a:lvl7pPr>
+    <a:lvl8pPr marL="3200400" algn="l" defTabSz="914400" rtl="0" eaLnBrk="1" latinLnBrk="0" hangingPunct="1">
+      <a:defRPr sz="1200" kern="1200">
+        <a:solidFill>
+          <a:schemeClr val="tx1"/>
+        </a:solidFill>
+        <a:latin typeface="+mn-lt"/>
+        <a:ea typeface="+mn-ea"/>
+        <a:cs typeface="+mn-cs"/>
+      </a:defRPr>
+    </a:lvl8pPr>
+    <a:lvl9pPr marL="3657600" algn="l" defTabSz="914400" rtl="0" eaLnBrk="1" latinLnBrk="0" hangingPunct="1">
+      <a:defRPr sz="1200" kern="1200">
+        <a:solidFill>
+          <a:schemeClr val="tx1"/>
+        </a:solidFill>
+        <a:latin typeface="+mn-lt"/>
+        <a:ea typeface="+mn-ea"/>
+        <a:cs typeface="+mn-cs"/>
+      </a:defRPr>
+    </a:lvl9pPr>
+  </p:notesStyle>
+</p:notesMaster>
+</file>
+
+<file path=ppt/notesSlides/notesSlide1.xml><?xml version="1.0" encoding="utf-8"?>
+<p:notes xmlns:a="http://schemas.openxmlformats.org/drawingml/2006/main" xmlns:r="http://schemas.openxmlformats.org/officeDocument/2006/relationships" xmlns:p="http://schemas.openxmlformats.org/presentationml/2006/main">
+  <p:cSld>
+    <p:spTree>
+      <p:nvGrpSpPr>
+        <p:cNvPr id="1" name=""/>
+        <p:cNvGrpSpPr/>
+        <p:nvPr/>
+      </p:nvGrpSpPr>
+      <p:grpSpPr>
+        <a:xfrm>
+          <a:off x="0" y="0"/>
+          <a:ext cx="0" cy="0"/>
+          <a:chOff x="0" y="0"/>
+          <a:chExt cx="0" cy="0"/>
+        </a:xfrm>
+      </p:grpSpPr>
+      <p:sp>
+        <p:nvSpPr>
+          <p:cNvPr id="2" name="Контейнер за изображение на слайда 1"/>
+          <p:cNvSpPr>
+            <a:spLocks noGrp="1" noRot="1" noChangeAspect="1"/>
+          </p:cNvSpPr>
+          <p:nvPr>
+            <p:ph type="sldImg"/>
+          </p:nvPr>
+        </p:nvSpPr>
+        <p:spPr/>
+      </p:sp>
+      <p:sp>
+        <p:nvSpPr>
+          <p:cNvPr id="3" name="Контейнер за бележки 2"/>
+          <p:cNvSpPr>
+            <a:spLocks noGrp="1"/>
+          </p:cNvSpPr>
+          <p:nvPr>
+            <p:ph type="body" idx="1"/>
+          </p:nvPr>
+        </p:nvSpPr>
+        <p:spPr/>
+        <p:txBody>
+          <a:bodyPr/>
+          <a:lstStyle/>
+          <a:p>
+            <a:r>
+              <a:rPr lang="ru-RU" dirty="0" smtClean="0"/>
+              <a:t>Уважаема г-</a:t>
+            </a:r>
+            <a:r>
+              <a:rPr lang="ru-RU" dirty="0" err="1" smtClean="0"/>
+              <a:t>жо</a:t>
+            </a:r>
+            <a:r>
+              <a:rPr lang="ru-RU" dirty="0" smtClean="0"/>
+              <a:t> Директор, Уважаема </a:t>
+            </a:r>
+            <a:r>
+              <a:rPr lang="ru-RU" dirty="0" err="1" smtClean="0"/>
+              <a:t>комисия</a:t>
+            </a:r>
+            <a:r>
+              <a:rPr lang="ru-RU" dirty="0" smtClean="0"/>
+              <a:t>, </a:t>
+            </a:r>
+            <a:r>
+              <a:rPr lang="ru-RU" dirty="0" err="1" smtClean="0"/>
+              <a:t>уважаеми</a:t>
+            </a:r>
+            <a:r>
+              <a:rPr lang="ru-RU" dirty="0" smtClean="0"/>
+              <a:t> гости.</a:t>
+            </a:r>
+          </a:p>
+          <a:p>
+            <a:endParaRPr lang="ru-RU" dirty="0" smtClean="0"/>
+          </a:p>
+          <a:p>
+            <a:r>
+              <a:rPr lang="ru-RU" dirty="0" smtClean="0"/>
+              <a:t>Аз </a:t>
+            </a:r>
+            <a:r>
+              <a:rPr lang="ru-RU" dirty="0" err="1" smtClean="0"/>
+              <a:t>съм</a:t>
+            </a:r>
+            <a:r>
+              <a:rPr lang="ru-RU" dirty="0" smtClean="0"/>
+              <a:t> Мирослава </a:t>
+            </a:r>
+            <a:r>
+              <a:rPr lang="ru-RU" dirty="0" err="1" smtClean="0"/>
+              <a:t>Тодева</a:t>
+            </a:r>
+            <a:endParaRPr lang="ru-RU" dirty="0" smtClean="0"/>
+          </a:p>
+          <a:p>
+            <a:endParaRPr lang="ru-RU" dirty="0" smtClean="0"/>
+          </a:p>
+          <a:p>
+            <a:r>
+              <a:rPr lang="ru-RU" dirty="0" err="1" smtClean="0"/>
+              <a:t>Темата</a:t>
+            </a:r>
+            <a:r>
+              <a:rPr lang="ru-RU" dirty="0" smtClean="0"/>
+              <a:t> на </a:t>
+            </a:r>
+            <a:r>
+              <a:rPr lang="ru-RU" dirty="0" err="1" smtClean="0"/>
+              <a:t>моят</a:t>
+            </a:r>
+            <a:r>
+              <a:rPr lang="ru-RU" dirty="0" smtClean="0"/>
+              <a:t> проект е „</a:t>
+            </a:r>
+            <a:r>
+              <a:rPr lang="ru-RU" dirty="0" err="1" smtClean="0"/>
+              <a:t>Удостоверяване</a:t>
+            </a:r>
+            <a:r>
+              <a:rPr lang="ru-RU" dirty="0" smtClean="0"/>
+              <a:t> на </a:t>
+            </a:r>
+            <a:r>
+              <a:rPr lang="ru-RU" dirty="0" err="1" smtClean="0"/>
+              <a:t>самоличността</a:t>
+            </a:r>
+            <a:r>
+              <a:rPr lang="ru-RU" dirty="0" smtClean="0"/>
+              <a:t> и </a:t>
+            </a:r>
+            <a:r>
+              <a:rPr lang="ru-RU" dirty="0" err="1" smtClean="0"/>
+              <a:t>оторизация</a:t>
+            </a:r>
+            <a:r>
+              <a:rPr lang="ru-RU" dirty="0" smtClean="0"/>
+              <a:t> в </a:t>
+            </a:r>
+            <a:r>
+              <a:rPr lang="ru-RU" dirty="0" err="1" smtClean="0"/>
+              <a:t>уеб</a:t>
+            </a:r>
+            <a:r>
+              <a:rPr lang="ru-RU" dirty="0" smtClean="0"/>
+              <a:t> приложения.“</a:t>
+            </a:r>
+          </a:p>
+          <a:p>
+            <a:endParaRPr lang="bg-BG" dirty="0"/>
+          </a:p>
+        </p:txBody>
+      </p:sp>
+      <p:sp>
+        <p:nvSpPr>
+          <p:cNvPr id="4" name="Контейнер за номер на слайда 3"/>
+          <p:cNvSpPr>
+            <a:spLocks noGrp="1"/>
+          </p:cNvSpPr>
+          <p:nvPr>
+            <p:ph type="sldNum" sz="quarter" idx="10"/>
+          </p:nvPr>
+        </p:nvSpPr>
+        <p:spPr/>
+        <p:txBody>
+          <a:bodyPr/>
+          <a:lstStyle/>
+          <a:p>
+            <a:fld id="{92B3BDDD-B122-4854-B130-5A545C054B2F}" type="slidenum">
+              <a:rPr lang="bg-BG" smtClean="0"/>
+              <a:t>1</a:t>
+            </a:fld>
+            <a:endParaRPr lang="bg-BG"/>
+          </a:p>
+        </p:txBody>
+      </p:sp>
+    </p:spTree>
+    <p:extLst>
+      <p:ext uri="{BB962C8B-B14F-4D97-AF65-F5344CB8AC3E}">
+        <p14:creationId xmlns:p14="http://schemas.microsoft.com/office/powerpoint/2010/main" val="39341678"/>
+      </p:ext>
+    </p:extLst>
+  </p:cSld>
+  <p:clrMapOvr>
+    <a:masterClrMapping/>
+  </p:clrMapOvr>
+</p:notes>
+</file>
+
+<file path=ppt/notesSlides/notesSlide10.xml><?xml version="1.0" encoding="utf-8"?>
+<p:notes xmlns:a="http://schemas.openxmlformats.org/drawingml/2006/main" xmlns:r="http://schemas.openxmlformats.org/officeDocument/2006/relationships" xmlns:p="http://schemas.openxmlformats.org/presentationml/2006/main">
+  <p:cSld>
+    <p:spTree>
+      <p:nvGrpSpPr>
+        <p:cNvPr id="1" name=""/>
+        <p:cNvGrpSpPr/>
+        <p:nvPr/>
+      </p:nvGrpSpPr>
+      <p:grpSpPr>
+        <a:xfrm>
+          <a:off x="0" y="0"/>
+          <a:ext cx="0" cy="0"/>
+          <a:chOff x="0" y="0"/>
+          <a:chExt cx="0" cy="0"/>
+        </a:xfrm>
+      </p:grpSpPr>
+      <p:sp>
+        <p:nvSpPr>
+          <p:cNvPr id="2" name="Контейнер за изображение на слайда 1"/>
+          <p:cNvSpPr>
+            <a:spLocks noGrp="1" noRot="1" noChangeAspect="1"/>
+          </p:cNvSpPr>
+          <p:nvPr>
+            <p:ph type="sldImg"/>
+          </p:nvPr>
+        </p:nvSpPr>
+        <p:spPr/>
+      </p:sp>
+      <p:sp>
+        <p:nvSpPr>
+          <p:cNvPr id="3" name="Контейнер за бележки 2"/>
+          <p:cNvSpPr>
+            <a:spLocks noGrp="1"/>
+          </p:cNvSpPr>
+          <p:nvPr>
+            <p:ph type="body" idx="1"/>
+          </p:nvPr>
+        </p:nvSpPr>
+        <p:spPr/>
+        <p:txBody>
+          <a:bodyPr/>
+          <a:lstStyle/>
+          <a:p>
+            <a:r>
+              <a:rPr lang="ru-RU" dirty="0" smtClean="0"/>
+              <a:t>10.	Средства за </a:t>
+            </a:r>
+            <a:r>
+              <a:rPr lang="ru-RU" dirty="0" err="1" smtClean="0"/>
+              <a:t>удостоверяване</a:t>
+            </a:r>
+            <a:r>
+              <a:rPr lang="ru-RU" dirty="0" smtClean="0"/>
+              <a:t> и </a:t>
+            </a:r>
+            <a:r>
+              <a:rPr lang="ru-RU" dirty="0" err="1" smtClean="0"/>
+              <a:t>оторизация</a:t>
+            </a:r>
+            <a:r>
+              <a:rPr lang="ru-RU" dirty="0" smtClean="0"/>
+              <a:t> в </a:t>
+            </a:r>
+            <a:r>
+              <a:rPr lang="ru-RU" dirty="0" err="1" smtClean="0"/>
+              <a:t>Django</a:t>
+            </a:r>
+            <a:endParaRPr lang="ru-RU" dirty="0" smtClean="0"/>
+          </a:p>
+          <a:p>
+            <a:r>
+              <a:rPr lang="ru-RU" dirty="0" err="1" smtClean="0"/>
+              <a:t>Django</a:t>
+            </a:r>
+            <a:r>
+              <a:rPr lang="ru-RU" dirty="0" smtClean="0"/>
+              <a:t> </a:t>
+            </a:r>
+            <a:r>
+              <a:rPr lang="ru-RU" dirty="0" err="1" smtClean="0"/>
+              <a:t>разполага</a:t>
+            </a:r>
+            <a:r>
+              <a:rPr lang="ru-RU" dirty="0" smtClean="0"/>
+              <a:t> с </a:t>
+            </a:r>
+            <a:r>
+              <a:rPr lang="ru-RU" dirty="0" err="1" smtClean="0"/>
+              <a:t>вградена</a:t>
+            </a:r>
+            <a:r>
+              <a:rPr lang="ru-RU" dirty="0" smtClean="0"/>
+              <a:t> система </a:t>
+            </a:r>
+            <a:r>
+              <a:rPr lang="ru-RU" dirty="0" err="1" smtClean="0"/>
+              <a:t>django.contrib.auth</a:t>
+            </a:r>
+            <a:r>
+              <a:rPr lang="ru-RU" dirty="0" smtClean="0"/>
+              <a:t>, </a:t>
+            </a:r>
+            <a:r>
+              <a:rPr lang="ru-RU" dirty="0" err="1" smtClean="0"/>
+              <a:t>която</a:t>
+            </a:r>
+            <a:r>
+              <a:rPr lang="ru-RU" dirty="0" smtClean="0"/>
+              <a:t> </a:t>
+            </a:r>
+            <a:r>
+              <a:rPr lang="ru-RU" dirty="0" err="1" smtClean="0"/>
+              <a:t>предлага</a:t>
+            </a:r>
+            <a:r>
+              <a:rPr lang="ru-RU" dirty="0" smtClean="0"/>
+              <a:t> модели за потребители, </a:t>
+            </a:r>
+            <a:r>
+              <a:rPr lang="ru-RU" dirty="0" err="1" smtClean="0"/>
+              <a:t>групи</a:t>
+            </a:r>
+            <a:r>
+              <a:rPr lang="ru-RU" dirty="0" smtClean="0"/>
+              <a:t> и права. </a:t>
+            </a:r>
+            <a:r>
+              <a:rPr lang="ru-RU" dirty="0" err="1" smtClean="0"/>
+              <a:t>Има</a:t>
+            </a:r>
+            <a:r>
+              <a:rPr lang="ru-RU" dirty="0" smtClean="0"/>
+              <a:t> </a:t>
+            </a:r>
+            <a:r>
+              <a:rPr lang="ru-RU" dirty="0" err="1" smtClean="0"/>
+              <a:t>готови</a:t>
+            </a:r>
+            <a:r>
+              <a:rPr lang="ru-RU" dirty="0" smtClean="0"/>
+              <a:t> </a:t>
+            </a:r>
+            <a:r>
+              <a:rPr lang="ru-RU" dirty="0" err="1" smtClean="0"/>
+              <a:t>форми</a:t>
+            </a:r>
+            <a:r>
+              <a:rPr lang="ru-RU" dirty="0" smtClean="0"/>
+              <a:t> за логин и регистрация, </a:t>
+            </a:r>
+            <a:r>
+              <a:rPr lang="ru-RU" dirty="0" err="1" smtClean="0"/>
+              <a:t>както</a:t>
+            </a:r>
+            <a:r>
+              <a:rPr lang="ru-RU" dirty="0" smtClean="0"/>
+              <a:t> и </a:t>
+            </a:r>
+            <a:r>
+              <a:rPr lang="ru-RU" dirty="0" err="1" smtClean="0"/>
+              <a:t>методи</a:t>
+            </a:r>
+            <a:r>
+              <a:rPr lang="ru-RU" dirty="0" smtClean="0"/>
+              <a:t> за защита чрез </a:t>
+            </a:r>
+            <a:r>
+              <a:rPr lang="ru-RU" dirty="0" err="1" smtClean="0"/>
+              <a:t>декоратори</a:t>
+            </a:r>
+            <a:r>
+              <a:rPr lang="ru-RU" dirty="0" smtClean="0"/>
+              <a:t> </a:t>
+            </a:r>
+            <a:r>
+              <a:rPr lang="ru-RU" dirty="0" err="1" smtClean="0"/>
+              <a:t>като</a:t>
+            </a:r>
+            <a:r>
+              <a:rPr lang="ru-RU" dirty="0" smtClean="0"/>
+              <a:t> @</a:t>
+            </a:r>
+            <a:r>
+              <a:rPr lang="ru-RU" dirty="0" err="1" smtClean="0"/>
+              <a:t>login_required</a:t>
+            </a:r>
+            <a:r>
+              <a:rPr lang="ru-RU" dirty="0" smtClean="0"/>
+              <a:t> и @</a:t>
+            </a:r>
+            <a:r>
+              <a:rPr lang="ru-RU" dirty="0" err="1" smtClean="0"/>
+              <a:t>permission_required</a:t>
+            </a:r>
+            <a:r>
+              <a:rPr lang="ru-RU" dirty="0" smtClean="0"/>
+              <a:t>.</a:t>
+            </a:r>
+          </a:p>
+          <a:p>
+            <a:endParaRPr lang="bg-BG" dirty="0"/>
+          </a:p>
+        </p:txBody>
+      </p:sp>
+      <p:sp>
+        <p:nvSpPr>
+          <p:cNvPr id="4" name="Контейнер за номер на слайда 3"/>
+          <p:cNvSpPr>
+            <a:spLocks noGrp="1"/>
+          </p:cNvSpPr>
+          <p:nvPr>
+            <p:ph type="sldNum" sz="quarter" idx="10"/>
+          </p:nvPr>
+        </p:nvSpPr>
+        <p:spPr/>
+        <p:txBody>
+          <a:bodyPr/>
+          <a:lstStyle/>
+          <a:p>
+            <a:fld id="{92B3BDDD-B122-4854-B130-5A545C054B2F}" type="slidenum">
+              <a:rPr lang="bg-BG" smtClean="0"/>
+              <a:t>10</a:t>
+            </a:fld>
+            <a:endParaRPr lang="bg-BG"/>
+          </a:p>
+        </p:txBody>
+      </p:sp>
+    </p:spTree>
+    <p:extLst>
+      <p:ext uri="{BB962C8B-B14F-4D97-AF65-F5344CB8AC3E}">
+        <p14:creationId xmlns:p14="http://schemas.microsoft.com/office/powerpoint/2010/main" val="2744007852"/>
+      </p:ext>
+    </p:extLst>
+  </p:cSld>
+  <p:clrMapOvr>
+    <a:masterClrMapping/>
+  </p:clrMapOvr>
+</p:notes>
+</file>
+
+<file path=ppt/notesSlides/notesSlide11.xml><?xml version="1.0" encoding="utf-8"?>
+<p:notes xmlns:a="http://schemas.openxmlformats.org/drawingml/2006/main" xmlns:r="http://schemas.openxmlformats.org/officeDocument/2006/relationships" xmlns:p="http://schemas.openxmlformats.org/presentationml/2006/main">
+  <p:cSld>
+    <p:spTree>
+      <p:nvGrpSpPr>
+        <p:cNvPr id="1" name=""/>
+        <p:cNvGrpSpPr/>
+        <p:nvPr/>
+      </p:nvGrpSpPr>
+      <p:grpSpPr>
+        <a:xfrm>
+          <a:off x="0" y="0"/>
+          <a:ext cx="0" cy="0"/>
+          <a:chOff x="0" y="0"/>
+          <a:chExt cx="0" cy="0"/>
+        </a:xfrm>
+      </p:grpSpPr>
+      <p:sp>
+        <p:nvSpPr>
+          <p:cNvPr id="2" name="Контейнер за изображение на слайда 1"/>
+          <p:cNvSpPr>
+            <a:spLocks noGrp="1" noRot="1" noChangeAspect="1"/>
+          </p:cNvSpPr>
+          <p:nvPr>
+            <p:ph type="sldImg"/>
+          </p:nvPr>
+        </p:nvSpPr>
+        <p:spPr/>
+      </p:sp>
+      <p:sp>
+        <p:nvSpPr>
+          <p:cNvPr id="3" name="Контейнер за бележки 2"/>
+          <p:cNvSpPr>
+            <a:spLocks noGrp="1"/>
+          </p:cNvSpPr>
+          <p:nvPr>
+            <p:ph type="body" idx="1"/>
+          </p:nvPr>
+        </p:nvSpPr>
+        <p:spPr/>
+        <p:txBody>
+          <a:bodyPr/>
+          <a:lstStyle/>
+          <a:p>
+            <a:r>
+              <a:rPr lang="ru-RU" dirty="0" smtClean="0"/>
+              <a:t>11.	</a:t>
+            </a:r>
+            <a:r>
+              <a:rPr lang="ru-RU" dirty="0" err="1" smtClean="0"/>
+              <a:t>Практическа</a:t>
+            </a:r>
+            <a:r>
+              <a:rPr lang="ru-RU" dirty="0" smtClean="0"/>
+              <a:t> реализация</a:t>
+            </a:r>
+          </a:p>
+          <a:p>
+            <a:r>
+              <a:rPr lang="ru-RU" dirty="0" smtClean="0"/>
+              <a:t>В </a:t>
+            </a:r>
+            <a:r>
+              <a:rPr lang="ru-RU" dirty="0" err="1" smtClean="0"/>
+              <a:t>рамките</a:t>
+            </a:r>
+            <a:r>
+              <a:rPr lang="ru-RU" dirty="0" smtClean="0"/>
+              <a:t> на проекта </a:t>
+            </a:r>
+            <a:r>
+              <a:rPr lang="ru-RU" dirty="0" err="1" smtClean="0"/>
+              <a:t>беше</a:t>
+            </a:r>
+            <a:r>
+              <a:rPr lang="ru-RU" dirty="0" smtClean="0"/>
+              <a:t> </a:t>
+            </a:r>
+            <a:r>
+              <a:rPr lang="ru-RU" dirty="0" err="1" smtClean="0"/>
+              <a:t>създадено</a:t>
+            </a:r>
+            <a:r>
+              <a:rPr lang="ru-RU" dirty="0" smtClean="0"/>
+              <a:t> </a:t>
+            </a:r>
+            <a:r>
+              <a:rPr lang="ru-RU" dirty="0" err="1" smtClean="0"/>
+              <a:t>уеб</a:t>
+            </a:r>
+            <a:r>
+              <a:rPr lang="ru-RU" dirty="0" smtClean="0"/>
+              <a:t> приложение с </a:t>
+            </a:r>
+            <a:r>
+              <a:rPr lang="ru-RU" dirty="0" err="1" smtClean="0"/>
+              <a:t>използване</a:t>
+            </a:r>
+            <a:r>
+              <a:rPr lang="ru-RU" dirty="0" smtClean="0"/>
+              <a:t> на </a:t>
+            </a:r>
+            <a:r>
+              <a:rPr lang="ru-RU" dirty="0" err="1" smtClean="0"/>
+              <a:t>Django</a:t>
+            </a:r>
+            <a:r>
+              <a:rPr lang="ru-RU" dirty="0" smtClean="0"/>
+              <a:t> </a:t>
+            </a:r>
+            <a:r>
+              <a:rPr lang="ru-RU" dirty="0" err="1" smtClean="0"/>
+              <a:t>framework</a:t>
+            </a:r>
+            <a:r>
+              <a:rPr lang="ru-RU" dirty="0" smtClean="0"/>
+              <a:t>, </a:t>
+            </a:r>
+            <a:r>
+              <a:rPr lang="ru-RU" dirty="0" err="1" smtClean="0"/>
+              <a:t>което</a:t>
+            </a:r>
+            <a:r>
+              <a:rPr lang="ru-RU" dirty="0" smtClean="0"/>
+              <a:t> </a:t>
+            </a:r>
+            <a:r>
+              <a:rPr lang="ru-RU" dirty="0" err="1" smtClean="0"/>
+              <a:t>демонстрира</a:t>
+            </a:r>
+            <a:r>
+              <a:rPr lang="ru-RU" dirty="0" smtClean="0"/>
+              <a:t> </a:t>
+            </a:r>
+            <a:r>
+              <a:rPr lang="ru-RU" dirty="0" err="1" smtClean="0"/>
+              <a:t>процеса</a:t>
+            </a:r>
+            <a:r>
+              <a:rPr lang="ru-RU" dirty="0" smtClean="0"/>
+              <a:t> на </a:t>
+            </a:r>
+            <a:r>
+              <a:rPr lang="ru-RU" dirty="0" err="1" smtClean="0"/>
+              <a:t>удостоверяване</a:t>
+            </a:r>
+            <a:r>
+              <a:rPr lang="ru-RU" dirty="0" smtClean="0"/>
+              <a:t> и </a:t>
+            </a:r>
+            <a:r>
+              <a:rPr lang="ru-RU" dirty="0" err="1" smtClean="0"/>
+              <a:t>оторизация</a:t>
+            </a:r>
+            <a:r>
+              <a:rPr lang="ru-RU" dirty="0" smtClean="0"/>
+              <a:t> на </a:t>
+            </a:r>
+            <a:r>
+              <a:rPr lang="ru-RU" dirty="0" err="1" smtClean="0"/>
+              <a:t>потребителите</a:t>
+            </a:r>
+            <a:r>
+              <a:rPr lang="ru-RU" dirty="0" smtClean="0"/>
+              <a:t>. </a:t>
+            </a:r>
+            <a:r>
+              <a:rPr lang="ru-RU" dirty="0" err="1" smtClean="0"/>
+              <a:t>Реализирани</a:t>
+            </a:r>
+            <a:r>
+              <a:rPr lang="ru-RU" dirty="0" smtClean="0"/>
+              <a:t> </a:t>
+            </a:r>
+            <a:r>
+              <a:rPr lang="ru-RU" dirty="0" err="1" smtClean="0"/>
+              <a:t>бяха</a:t>
+            </a:r>
+            <a:r>
+              <a:rPr lang="ru-RU" dirty="0" smtClean="0"/>
+              <a:t> функции за регистрация, вход, управление на </a:t>
+            </a:r>
+            <a:r>
+              <a:rPr lang="ru-RU" dirty="0" err="1" smtClean="0"/>
+              <a:t>профил</a:t>
+            </a:r>
+            <a:r>
+              <a:rPr lang="ru-RU" dirty="0" smtClean="0"/>
+              <a:t> и </a:t>
+            </a:r>
+            <a:r>
+              <a:rPr lang="ru-RU" dirty="0" err="1" smtClean="0"/>
+              <a:t>контрол</a:t>
+            </a:r>
+            <a:r>
+              <a:rPr lang="ru-RU" dirty="0" smtClean="0"/>
+              <a:t> на </a:t>
+            </a:r>
+            <a:r>
+              <a:rPr lang="ru-RU" dirty="0" err="1" smtClean="0"/>
+              <a:t>достъпа</a:t>
+            </a:r>
+            <a:r>
+              <a:rPr lang="ru-RU" dirty="0" smtClean="0"/>
+              <a:t> до </a:t>
+            </a:r>
+            <a:r>
+              <a:rPr lang="ru-RU" dirty="0" err="1" smtClean="0"/>
+              <a:t>различни</a:t>
+            </a:r>
+            <a:r>
+              <a:rPr lang="ru-RU" dirty="0" smtClean="0"/>
+              <a:t> части на </a:t>
+            </a:r>
+            <a:r>
+              <a:rPr lang="ru-RU" dirty="0" err="1" smtClean="0"/>
+              <a:t>системата</a:t>
+            </a:r>
+            <a:r>
+              <a:rPr lang="ru-RU" dirty="0" smtClean="0"/>
+              <a:t> чрез роли и права. </a:t>
+            </a:r>
+            <a:r>
+              <a:rPr lang="ru-RU" dirty="0" err="1" smtClean="0"/>
+              <a:t>Използваха</a:t>
+            </a:r>
+            <a:r>
+              <a:rPr lang="ru-RU" dirty="0" smtClean="0"/>
+              <a:t> се </a:t>
+            </a:r>
+            <a:r>
+              <a:rPr lang="ru-RU" dirty="0" err="1" smtClean="0"/>
+              <a:t>стандартни</a:t>
+            </a:r>
+            <a:r>
+              <a:rPr lang="ru-RU" dirty="0" smtClean="0"/>
+              <a:t> </a:t>
+            </a:r>
+            <a:r>
+              <a:rPr lang="ru-RU" dirty="0" err="1" smtClean="0"/>
+              <a:t>компоненти</a:t>
+            </a:r>
+            <a:r>
+              <a:rPr lang="ru-RU" dirty="0" smtClean="0"/>
+              <a:t> </a:t>
+            </a:r>
+            <a:r>
+              <a:rPr lang="ru-RU" dirty="0" err="1" smtClean="0"/>
+              <a:t>като</a:t>
+            </a:r>
+            <a:r>
+              <a:rPr lang="ru-RU" dirty="0" smtClean="0"/>
+              <a:t> </a:t>
+            </a:r>
+            <a:r>
+              <a:rPr lang="ru-RU" dirty="0" err="1" smtClean="0"/>
+              <a:t>форми</a:t>
+            </a:r>
+            <a:r>
+              <a:rPr lang="ru-RU" dirty="0" smtClean="0"/>
+              <a:t> за вход, </a:t>
+            </a:r>
+            <a:r>
+              <a:rPr lang="ru-RU" dirty="0" err="1" smtClean="0"/>
+              <a:t>сесии</a:t>
+            </a:r>
+            <a:r>
+              <a:rPr lang="ru-RU" dirty="0" smtClean="0"/>
+              <a:t> и </a:t>
+            </a:r>
+            <a:r>
+              <a:rPr lang="ru-RU" dirty="0" err="1" smtClean="0"/>
+              <a:t>бисквитки</a:t>
+            </a:r>
+            <a:r>
+              <a:rPr lang="ru-RU" dirty="0" smtClean="0"/>
+              <a:t> за </a:t>
+            </a:r>
+            <a:r>
+              <a:rPr lang="ru-RU" dirty="0" err="1" smtClean="0"/>
+              <a:t>съхраняване</a:t>
+            </a:r>
+            <a:r>
+              <a:rPr lang="ru-RU" dirty="0" smtClean="0"/>
+              <a:t> на </a:t>
+            </a:r>
+            <a:r>
+              <a:rPr lang="ru-RU" dirty="0" err="1" smtClean="0"/>
+              <a:t>състоянието</a:t>
+            </a:r>
+            <a:r>
+              <a:rPr lang="ru-RU" dirty="0" smtClean="0"/>
+              <a:t>. </a:t>
+            </a:r>
+            <a:r>
+              <a:rPr lang="ru-RU" dirty="0" err="1" smtClean="0"/>
+              <a:t>Освен</a:t>
+            </a:r>
+            <a:r>
+              <a:rPr lang="ru-RU" dirty="0" smtClean="0"/>
+              <a:t> </a:t>
+            </a:r>
+            <a:r>
+              <a:rPr lang="ru-RU" dirty="0" err="1" smtClean="0"/>
+              <a:t>това</a:t>
+            </a:r>
+            <a:r>
+              <a:rPr lang="ru-RU" dirty="0" smtClean="0"/>
+              <a:t>, </a:t>
+            </a:r>
+            <a:r>
+              <a:rPr lang="ru-RU" dirty="0" err="1" smtClean="0"/>
+              <a:t>беше</a:t>
+            </a:r>
+            <a:r>
+              <a:rPr lang="ru-RU" dirty="0" smtClean="0"/>
+              <a:t> внедрена система за защита </a:t>
+            </a:r>
+            <a:r>
+              <a:rPr lang="ru-RU" dirty="0" err="1" smtClean="0"/>
+              <a:t>срещу</a:t>
+            </a:r>
+            <a:r>
+              <a:rPr lang="ru-RU" dirty="0" smtClean="0"/>
+              <a:t> </a:t>
+            </a:r>
+            <a:r>
+              <a:rPr lang="ru-RU" dirty="0" err="1" smtClean="0"/>
+              <a:t>типични</a:t>
+            </a:r>
+            <a:r>
+              <a:rPr lang="ru-RU" dirty="0" smtClean="0"/>
+              <a:t> уязвимости </a:t>
+            </a:r>
+            <a:r>
+              <a:rPr lang="ru-RU" dirty="0" err="1" smtClean="0"/>
+              <a:t>като</a:t>
+            </a:r>
+            <a:r>
+              <a:rPr lang="ru-RU" dirty="0" smtClean="0"/>
+              <a:t> SQL инжекции и XSS атаки, чрез проверка и </a:t>
+            </a:r>
+            <a:r>
+              <a:rPr lang="ru-RU" dirty="0" err="1" smtClean="0"/>
+              <a:t>валидиране</a:t>
+            </a:r>
+            <a:r>
+              <a:rPr lang="ru-RU" dirty="0" smtClean="0"/>
+              <a:t> на </a:t>
+            </a:r>
+            <a:r>
+              <a:rPr lang="ru-RU" dirty="0" err="1" smtClean="0"/>
+              <a:t>входните</a:t>
+            </a:r>
+            <a:r>
+              <a:rPr lang="ru-RU" dirty="0" smtClean="0"/>
+              <a:t> </a:t>
+            </a:r>
+            <a:r>
+              <a:rPr lang="ru-RU" dirty="0" err="1" smtClean="0"/>
+              <a:t>данни</a:t>
+            </a:r>
+            <a:r>
+              <a:rPr lang="ru-RU" dirty="0" smtClean="0"/>
+              <a:t>, </a:t>
+            </a:r>
+            <a:r>
+              <a:rPr lang="ru-RU" dirty="0" err="1" smtClean="0"/>
+              <a:t>както</a:t>
+            </a:r>
+            <a:r>
+              <a:rPr lang="ru-RU" dirty="0" smtClean="0"/>
+              <a:t> и </a:t>
+            </a:r>
+            <a:r>
+              <a:rPr lang="ru-RU" dirty="0" err="1" smtClean="0"/>
+              <a:t>използване</a:t>
+            </a:r>
+            <a:r>
+              <a:rPr lang="ru-RU" dirty="0" smtClean="0"/>
+              <a:t> на </a:t>
+            </a:r>
+            <a:r>
+              <a:rPr lang="ru-RU" dirty="0" err="1" smtClean="0"/>
+              <a:t>криптиране</a:t>
+            </a:r>
+            <a:r>
+              <a:rPr lang="ru-RU" dirty="0" smtClean="0"/>
+              <a:t> и </a:t>
+            </a:r>
+            <a:r>
+              <a:rPr lang="ru-RU" dirty="0" err="1" smtClean="0"/>
+              <a:t>хеширане</a:t>
+            </a:r>
+            <a:r>
+              <a:rPr lang="ru-RU" dirty="0" smtClean="0"/>
+              <a:t> на пароли.</a:t>
+            </a:r>
+          </a:p>
+          <a:p>
+            <a:endParaRPr lang="bg-BG" dirty="0"/>
+          </a:p>
+        </p:txBody>
+      </p:sp>
+      <p:sp>
+        <p:nvSpPr>
+          <p:cNvPr id="4" name="Контейнер за номер на слайда 3"/>
+          <p:cNvSpPr>
+            <a:spLocks noGrp="1"/>
+          </p:cNvSpPr>
+          <p:nvPr>
+            <p:ph type="sldNum" sz="quarter" idx="10"/>
+          </p:nvPr>
+        </p:nvSpPr>
+        <p:spPr/>
+        <p:txBody>
+          <a:bodyPr/>
+          <a:lstStyle/>
+          <a:p>
+            <a:fld id="{92B3BDDD-B122-4854-B130-5A545C054B2F}" type="slidenum">
+              <a:rPr lang="bg-BG" smtClean="0"/>
+              <a:t>11</a:t>
+            </a:fld>
+            <a:endParaRPr lang="bg-BG"/>
+          </a:p>
+        </p:txBody>
+      </p:sp>
+    </p:spTree>
+    <p:extLst>
+      <p:ext uri="{BB962C8B-B14F-4D97-AF65-F5344CB8AC3E}">
+        <p14:creationId xmlns:p14="http://schemas.microsoft.com/office/powerpoint/2010/main" val="465337417"/>
+      </p:ext>
+    </p:extLst>
+  </p:cSld>
+  <p:clrMapOvr>
+    <a:masterClrMapping/>
+  </p:clrMapOvr>
+</p:notes>
+</file>
+
+<file path=ppt/notesSlides/notesSlide12.xml><?xml version="1.0" encoding="utf-8"?>
+<p:notes xmlns:a="http://schemas.openxmlformats.org/drawingml/2006/main" xmlns:r="http://schemas.openxmlformats.org/officeDocument/2006/relationships" xmlns:p="http://schemas.openxmlformats.org/presentationml/2006/main">
+  <p:cSld>
+    <p:spTree>
+      <p:nvGrpSpPr>
+        <p:cNvPr id="1" name=""/>
+        <p:cNvGrpSpPr/>
+        <p:nvPr/>
+      </p:nvGrpSpPr>
+      <p:grpSpPr>
+        <a:xfrm>
+          <a:off x="0" y="0"/>
+          <a:ext cx="0" cy="0"/>
+          <a:chOff x="0" y="0"/>
+          <a:chExt cx="0" cy="0"/>
+        </a:xfrm>
+      </p:grpSpPr>
+      <p:sp>
+        <p:nvSpPr>
+          <p:cNvPr id="2" name="Контейнер за изображение на слайда 1"/>
+          <p:cNvSpPr>
+            <a:spLocks noGrp="1" noRot="1" noChangeAspect="1"/>
+          </p:cNvSpPr>
+          <p:nvPr>
+            <p:ph type="sldImg"/>
+          </p:nvPr>
+        </p:nvSpPr>
+        <p:spPr/>
+      </p:sp>
+      <p:sp>
+        <p:nvSpPr>
+          <p:cNvPr id="3" name="Контейнер за бележки 2"/>
+          <p:cNvSpPr>
+            <a:spLocks noGrp="1"/>
+          </p:cNvSpPr>
+          <p:nvPr>
+            <p:ph type="body" idx="1"/>
+          </p:nvPr>
+        </p:nvSpPr>
+        <p:spPr/>
+        <p:txBody>
+          <a:bodyPr/>
+          <a:lstStyle/>
+          <a:p>
+            <a:r>
+              <a:rPr lang="ru-RU" dirty="0" smtClean="0"/>
+              <a:t>12.	Обща архитектура на </a:t>
+            </a:r>
+            <a:r>
+              <a:rPr lang="ru-RU" dirty="0" err="1" smtClean="0"/>
+              <a:t>приложението</a:t>
+            </a:r>
+            <a:endParaRPr lang="ru-RU" dirty="0" smtClean="0"/>
+          </a:p>
+          <a:p>
+            <a:r>
+              <a:rPr lang="ru-RU" dirty="0" err="1" smtClean="0"/>
+              <a:t>Приложението</a:t>
+            </a:r>
+            <a:r>
+              <a:rPr lang="ru-RU" dirty="0" smtClean="0"/>
+              <a:t> е </a:t>
+            </a:r>
+            <a:r>
+              <a:rPr lang="ru-RU" dirty="0" err="1" smtClean="0"/>
+              <a:t>базирано</a:t>
+            </a:r>
+            <a:r>
+              <a:rPr lang="ru-RU" dirty="0" smtClean="0"/>
+              <a:t> на </a:t>
+            </a:r>
+            <a:r>
+              <a:rPr lang="ru-RU" dirty="0" err="1" smtClean="0"/>
+              <a:t>тропична</a:t>
+            </a:r>
+            <a:r>
+              <a:rPr lang="ru-RU" dirty="0" smtClean="0"/>
+              <a:t> клиент-</a:t>
+            </a:r>
+            <a:r>
+              <a:rPr lang="ru-RU" dirty="0" err="1" smtClean="0"/>
+              <a:t>сървър</a:t>
+            </a:r>
+            <a:r>
+              <a:rPr lang="ru-RU" dirty="0" smtClean="0"/>
+              <a:t> архитектура, </a:t>
+            </a:r>
+            <a:r>
+              <a:rPr lang="ru-RU" dirty="0" err="1" smtClean="0"/>
+              <a:t>реализирана</a:t>
+            </a:r>
+            <a:r>
+              <a:rPr lang="ru-RU" dirty="0" smtClean="0"/>
+              <a:t> с </a:t>
+            </a:r>
+            <a:r>
+              <a:rPr lang="ru-RU" dirty="0" err="1" smtClean="0"/>
+              <a:t>Django</a:t>
+            </a:r>
+            <a:r>
+              <a:rPr lang="ru-RU" dirty="0" smtClean="0"/>
+              <a:t> </a:t>
+            </a:r>
+            <a:r>
+              <a:rPr lang="ru-RU" dirty="0" err="1" smtClean="0"/>
+              <a:t>като</a:t>
+            </a:r>
+            <a:r>
+              <a:rPr lang="ru-RU" dirty="0" smtClean="0"/>
+              <a:t> </a:t>
+            </a:r>
+            <a:r>
+              <a:rPr lang="ru-RU" dirty="0" err="1" smtClean="0"/>
+              <a:t>сървъчен</a:t>
+            </a:r>
+            <a:r>
+              <a:rPr lang="ru-RU" dirty="0" smtClean="0"/>
+              <a:t> сайт и HTML/CSS/</a:t>
+            </a:r>
+            <a:r>
+              <a:rPr lang="ru-RU" dirty="0" err="1" smtClean="0"/>
+              <a:t>JavaScript</a:t>
+            </a:r>
+            <a:r>
+              <a:rPr lang="ru-RU" dirty="0" smtClean="0"/>
+              <a:t> </a:t>
+            </a:r>
+            <a:r>
+              <a:rPr lang="ru-RU" dirty="0" err="1" smtClean="0"/>
+              <a:t>като</a:t>
+            </a:r>
+            <a:r>
+              <a:rPr lang="ru-RU" dirty="0" smtClean="0"/>
+              <a:t> </a:t>
+            </a:r>
+            <a:r>
+              <a:rPr lang="ru-RU" dirty="0" err="1" smtClean="0"/>
+              <a:t>клиентски</a:t>
+            </a:r>
+            <a:r>
+              <a:rPr lang="ru-RU" dirty="0" smtClean="0"/>
+              <a:t> интерфейс. </a:t>
+            </a:r>
+            <a:r>
+              <a:rPr lang="ru-RU" dirty="0" err="1" smtClean="0"/>
+              <a:t>Backend</a:t>
+            </a:r>
+            <a:r>
+              <a:rPr lang="ru-RU" dirty="0" smtClean="0"/>
+              <a:t> </a:t>
+            </a:r>
+            <a:r>
+              <a:rPr lang="ru-RU" dirty="0" err="1" smtClean="0"/>
+              <a:t>системата</a:t>
+            </a:r>
+            <a:r>
+              <a:rPr lang="ru-RU" dirty="0" smtClean="0"/>
+              <a:t> </a:t>
+            </a:r>
+            <a:r>
+              <a:rPr lang="ru-RU" dirty="0" err="1" smtClean="0"/>
+              <a:t>включва</a:t>
+            </a:r>
+            <a:r>
+              <a:rPr lang="ru-RU" dirty="0" smtClean="0"/>
+              <a:t> модели за потребители, роли и права, </a:t>
+            </a:r>
+            <a:r>
+              <a:rPr lang="ru-RU" dirty="0" err="1" smtClean="0"/>
+              <a:t>както</a:t>
+            </a:r>
+            <a:r>
+              <a:rPr lang="ru-RU" dirty="0" smtClean="0"/>
+              <a:t> и логика за </a:t>
+            </a:r>
+            <a:r>
+              <a:rPr lang="ru-RU" dirty="0" err="1" smtClean="0"/>
+              <a:t>удостоверяване</a:t>
+            </a:r>
+            <a:r>
+              <a:rPr lang="ru-RU" dirty="0" smtClean="0"/>
+              <a:t> и </a:t>
+            </a:r>
+            <a:r>
+              <a:rPr lang="ru-RU" dirty="0" err="1" smtClean="0"/>
+              <a:t>контрол</a:t>
+            </a:r>
+            <a:r>
+              <a:rPr lang="ru-RU" dirty="0" smtClean="0"/>
+              <a:t> на </a:t>
+            </a:r>
+            <a:r>
+              <a:rPr lang="ru-RU" dirty="0" err="1" smtClean="0"/>
+              <a:t>достъпа</a:t>
+            </a:r>
+            <a:r>
+              <a:rPr lang="ru-RU" dirty="0" smtClean="0"/>
+              <a:t>. </a:t>
+            </a:r>
+            <a:r>
+              <a:rPr lang="ru-RU" dirty="0" err="1" smtClean="0"/>
+              <a:t>Данните</a:t>
+            </a:r>
+            <a:r>
+              <a:rPr lang="ru-RU" dirty="0" smtClean="0"/>
+              <a:t> се </a:t>
+            </a:r>
+            <a:r>
+              <a:rPr lang="ru-RU" dirty="0" err="1" smtClean="0"/>
+              <a:t>съхраняват</a:t>
+            </a:r>
+            <a:r>
+              <a:rPr lang="ru-RU" dirty="0" smtClean="0"/>
+              <a:t> в </a:t>
+            </a:r>
+            <a:r>
+              <a:rPr lang="ru-RU" dirty="0" err="1" smtClean="0"/>
+              <a:t>релационна</a:t>
+            </a:r>
+            <a:r>
+              <a:rPr lang="ru-RU" dirty="0" smtClean="0"/>
+              <a:t> база </a:t>
+            </a:r>
+            <a:r>
+              <a:rPr lang="ru-RU" dirty="0" err="1" smtClean="0"/>
+              <a:t>данни</a:t>
+            </a:r>
+            <a:r>
+              <a:rPr lang="ru-RU" dirty="0" smtClean="0"/>
+              <a:t> (например </a:t>
+            </a:r>
+            <a:r>
+              <a:rPr lang="ru-RU" dirty="0" err="1" smtClean="0"/>
+              <a:t>PostgreSQL</a:t>
+            </a:r>
+            <a:r>
+              <a:rPr lang="ru-RU" dirty="0" smtClean="0"/>
+              <a:t>), </a:t>
+            </a:r>
+            <a:r>
+              <a:rPr lang="ru-RU" dirty="0" err="1" smtClean="0"/>
+              <a:t>която</a:t>
+            </a:r>
+            <a:r>
+              <a:rPr lang="ru-RU" dirty="0" smtClean="0"/>
+              <a:t> </a:t>
+            </a:r>
+            <a:r>
+              <a:rPr lang="ru-RU" dirty="0" err="1" smtClean="0"/>
+              <a:t>поддържа</a:t>
+            </a:r>
+            <a:r>
+              <a:rPr lang="ru-RU" dirty="0" smtClean="0"/>
+              <a:t> </a:t>
+            </a:r>
+            <a:r>
+              <a:rPr lang="ru-RU" dirty="0" err="1" smtClean="0"/>
+              <a:t>връзки</a:t>
+            </a:r>
+            <a:r>
+              <a:rPr lang="ru-RU" dirty="0" smtClean="0"/>
+              <a:t> между </a:t>
+            </a:r>
+            <a:r>
+              <a:rPr lang="ru-RU" dirty="0" err="1" smtClean="0"/>
+              <a:t>таблиците</a:t>
+            </a:r>
+            <a:r>
+              <a:rPr lang="ru-RU" dirty="0" smtClean="0"/>
+              <a:t> и </a:t>
+            </a:r>
+            <a:r>
+              <a:rPr lang="ru-RU" dirty="0" err="1" smtClean="0"/>
+              <a:t>гарантира</a:t>
+            </a:r>
+            <a:r>
+              <a:rPr lang="ru-RU" dirty="0" smtClean="0"/>
+              <a:t> </a:t>
+            </a:r>
+            <a:r>
+              <a:rPr lang="ru-RU" dirty="0" err="1" smtClean="0"/>
+              <a:t>цялостност</a:t>
+            </a:r>
+            <a:r>
+              <a:rPr lang="ru-RU" dirty="0" smtClean="0"/>
+              <a:t> и </a:t>
+            </a:r>
+            <a:r>
+              <a:rPr lang="ru-RU" dirty="0" err="1" smtClean="0"/>
+              <a:t>сигурност</a:t>
+            </a:r>
+            <a:r>
+              <a:rPr lang="ru-RU" dirty="0" smtClean="0"/>
+              <a:t> на </a:t>
+            </a:r>
+            <a:r>
+              <a:rPr lang="ru-RU" dirty="0" err="1" smtClean="0"/>
+              <a:t>информацията</a:t>
+            </a:r>
+            <a:r>
+              <a:rPr lang="ru-RU" dirty="0" smtClean="0"/>
+              <a:t>. </a:t>
+            </a:r>
+            <a:r>
+              <a:rPr lang="ru-RU" dirty="0" err="1" smtClean="0"/>
+              <a:t>Клиентската</a:t>
+            </a:r>
+            <a:r>
+              <a:rPr lang="ru-RU" dirty="0" smtClean="0"/>
+              <a:t> част </a:t>
+            </a:r>
+            <a:r>
+              <a:rPr lang="ru-RU" dirty="0" err="1" smtClean="0"/>
+              <a:t>комуникира</a:t>
+            </a:r>
+            <a:r>
+              <a:rPr lang="ru-RU" dirty="0" smtClean="0"/>
+              <a:t> с </a:t>
+            </a:r>
+            <a:r>
+              <a:rPr lang="ru-RU" dirty="0" err="1" smtClean="0"/>
+              <a:t>сървъра</a:t>
+            </a:r>
+            <a:r>
+              <a:rPr lang="ru-RU" dirty="0" smtClean="0"/>
+              <a:t> чрез HTTP заявки, </a:t>
+            </a:r>
+            <a:r>
+              <a:rPr lang="ru-RU" dirty="0" err="1" smtClean="0"/>
+              <a:t>използвайки</a:t>
+            </a:r>
+            <a:r>
+              <a:rPr lang="ru-RU" dirty="0" smtClean="0"/>
+              <a:t> REST API или </a:t>
+            </a:r>
+            <a:r>
+              <a:rPr lang="ru-RU" dirty="0" err="1" smtClean="0"/>
+              <a:t>стандартни</a:t>
+            </a:r>
+            <a:r>
+              <a:rPr lang="ru-RU" dirty="0" smtClean="0"/>
+              <a:t> </a:t>
+            </a:r>
+            <a:r>
+              <a:rPr lang="ru-RU" dirty="0" err="1" smtClean="0"/>
+              <a:t>Django</a:t>
+            </a:r>
+            <a:r>
+              <a:rPr lang="ru-RU" dirty="0" smtClean="0"/>
+              <a:t> </a:t>
+            </a:r>
+            <a:r>
+              <a:rPr lang="ru-RU" dirty="0" err="1" smtClean="0"/>
+              <a:t>изгледи</a:t>
+            </a:r>
+            <a:r>
+              <a:rPr lang="ru-RU" dirty="0" smtClean="0"/>
+              <a:t>, </a:t>
+            </a:r>
+            <a:r>
+              <a:rPr lang="ru-RU" dirty="0" err="1" smtClean="0"/>
+              <a:t>като</a:t>
+            </a:r>
+            <a:r>
+              <a:rPr lang="ru-RU" dirty="0" smtClean="0"/>
+              <a:t> при успешна </a:t>
+            </a:r>
+            <a:r>
+              <a:rPr lang="ru-RU" dirty="0" err="1" smtClean="0"/>
+              <a:t>автентикация</a:t>
+            </a:r>
+            <a:r>
+              <a:rPr lang="ru-RU" dirty="0" smtClean="0"/>
+              <a:t> се </a:t>
+            </a:r>
+            <a:r>
+              <a:rPr lang="ru-RU" dirty="0" err="1" smtClean="0"/>
+              <a:t>използват</a:t>
+            </a:r>
+            <a:r>
+              <a:rPr lang="ru-RU" dirty="0" smtClean="0"/>
+              <a:t> </a:t>
+            </a:r>
+            <a:r>
+              <a:rPr lang="ru-RU" dirty="0" err="1" smtClean="0"/>
+              <a:t>бисквитки</a:t>
+            </a:r>
+            <a:r>
+              <a:rPr lang="ru-RU" dirty="0" smtClean="0"/>
+              <a:t> или JSON </a:t>
+            </a:r>
+            <a:r>
+              <a:rPr lang="ru-RU" dirty="0" err="1" smtClean="0"/>
+              <a:t>Web</a:t>
+            </a:r>
+            <a:r>
+              <a:rPr lang="ru-RU" dirty="0" smtClean="0"/>
+              <a:t> </a:t>
+            </a:r>
+            <a:r>
+              <a:rPr lang="ru-RU" dirty="0" err="1" smtClean="0"/>
+              <a:t>Tokens</a:t>
+            </a:r>
+            <a:r>
+              <a:rPr lang="ru-RU" dirty="0" smtClean="0"/>
+              <a:t> за </a:t>
+            </a:r>
+            <a:r>
+              <a:rPr lang="ru-RU" dirty="0" err="1" smtClean="0"/>
+              <a:t>удостоверяване</a:t>
+            </a:r>
+            <a:r>
+              <a:rPr lang="ru-RU" dirty="0" smtClean="0"/>
+              <a:t> на потребителя. </a:t>
+            </a:r>
+            <a:r>
+              <a:rPr lang="ru-RU" dirty="0" err="1" smtClean="0"/>
+              <a:t>Структурата</a:t>
+            </a:r>
+            <a:r>
+              <a:rPr lang="ru-RU" dirty="0" smtClean="0"/>
+              <a:t> е </a:t>
+            </a:r>
+            <a:r>
+              <a:rPr lang="ru-RU" dirty="0" err="1" smtClean="0"/>
+              <a:t>модулна</a:t>
+            </a:r>
+            <a:r>
+              <a:rPr lang="ru-RU" dirty="0" smtClean="0"/>
+              <a:t> и </a:t>
+            </a:r>
+            <a:r>
+              <a:rPr lang="ru-RU" dirty="0" err="1" smtClean="0"/>
+              <a:t>разширяема</a:t>
+            </a:r>
+            <a:r>
+              <a:rPr lang="ru-RU" dirty="0" smtClean="0"/>
+              <a:t>, </a:t>
+            </a:r>
+            <a:r>
+              <a:rPr lang="ru-RU" dirty="0" err="1" smtClean="0"/>
+              <a:t>което</a:t>
+            </a:r>
+            <a:r>
+              <a:rPr lang="ru-RU" dirty="0" smtClean="0"/>
+              <a:t> </a:t>
+            </a:r>
+            <a:r>
+              <a:rPr lang="ru-RU" dirty="0" err="1" smtClean="0"/>
+              <a:t>позволява</a:t>
+            </a:r>
+            <a:r>
+              <a:rPr lang="ru-RU" dirty="0" smtClean="0"/>
+              <a:t> </a:t>
+            </a:r>
+            <a:r>
+              <a:rPr lang="ru-RU" dirty="0" err="1" smtClean="0"/>
+              <a:t>лесно</a:t>
+            </a:r>
+            <a:r>
+              <a:rPr lang="ru-RU" dirty="0" smtClean="0"/>
+              <a:t> </a:t>
+            </a:r>
+            <a:r>
+              <a:rPr lang="ru-RU" dirty="0" err="1" smtClean="0"/>
+              <a:t>добавяне</a:t>
+            </a:r>
+            <a:r>
+              <a:rPr lang="ru-RU" dirty="0" smtClean="0"/>
+              <a:t> на нови функции и </a:t>
+            </a:r>
+            <a:r>
+              <a:rPr lang="ru-RU" dirty="0" err="1" smtClean="0"/>
+              <a:t>подобряване</a:t>
+            </a:r>
+            <a:r>
+              <a:rPr lang="ru-RU" dirty="0" smtClean="0"/>
+              <a:t> на </a:t>
+            </a:r>
+            <a:r>
+              <a:rPr lang="ru-RU" dirty="0" err="1" smtClean="0"/>
+              <a:t>сигурността</a:t>
+            </a:r>
+            <a:r>
+              <a:rPr lang="ru-RU" dirty="0" smtClean="0"/>
+              <a:t>.</a:t>
+            </a:r>
+          </a:p>
+          <a:p>
+            <a:endParaRPr lang="bg-BG" dirty="0"/>
+          </a:p>
+        </p:txBody>
+      </p:sp>
+      <p:sp>
+        <p:nvSpPr>
+          <p:cNvPr id="4" name="Контейнер за номер на слайда 3"/>
+          <p:cNvSpPr>
+            <a:spLocks noGrp="1"/>
+          </p:cNvSpPr>
+          <p:nvPr>
+            <p:ph type="sldNum" sz="quarter" idx="10"/>
+          </p:nvPr>
+        </p:nvSpPr>
+        <p:spPr/>
+        <p:txBody>
+          <a:bodyPr/>
+          <a:lstStyle/>
+          <a:p>
+            <a:fld id="{92B3BDDD-B122-4854-B130-5A545C054B2F}" type="slidenum">
+              <a:rPr lang="bg-BG" smtClean="0"/>
+              <a:t>12</a:t>
+            </a:fld>
+            <a:endParaRPr lang="bg-BG"/>
+          </a:p>
+        </p:txBody>
+      </p:sp>
+    </p:spTree>
+    <p:extLst>
+      <p:ext uri="{BB962C8B-B14F-4D97-AF65-F5344CB8AC3E}">
+        <p14:creationId xmlns:p14="http://schemas.microsoft.com/office/powerpoint/2010/main" val="2925503882"/>
+      </p:ext>
+    </p:extLst>
+  </p:cSld>
+  <p:clrMapOvr>
+    <a:masterClrMapping/>
+  </p:clrMapOvr>
+</p:notes>
+</file>
+
+<file path=ppt/notesSlides/notesSlide2.xml><?xml version="1.0" encoding="utf-8"?>
+<p:notes xmlns:a="http://schemas.openxmlformats.org/drawingml/2006/main" xmlns:r="http://schemas.openxmlformats.org/officeDocument/2006/relationships" xmlns:p="http://schemas.openxmlformats.org/presentationml/2006/main">
+  <p:cSld>
+    <p:spTree>
+      <p:nvGrpSpPr>
+        <p:cNvPr id="1" name=""/>
+        <p:cNvGrpSpPr/>
+        <p:nvPr/>
+      </p:nvGrpSpPr>
+      <p:grpSpPr>
+        <a:xfrm>
+          <a:off x="0" y="0"/>
+          <a:ext cx="0" cy="0"/>
+          <a:chOff x="0" y="0"/>
+          <a:chExt cx="0" cy="0"/>
+        </a:xfrm>
+      </p:grpSpPr>
+      <p:sp>
+        <p:nvSpPr>
+          <p:cNvPr id="2" name="Контейнер за изображение на слайда 1"/>
+          <p:cNvSpPr>
+            <a:spLocks noGrp="1" noRot="1" noChangeAspect="1"/>
+          </p:cNvSpPr>
+          <p:nvPr>
+            <p:ph type="sldImg"/>
+          </p:nvPr>
+        </p:nvSpPr>
+        <p:spPr/>
+      </p:sp>
+      <p:sp>
+        <p:nvSpPr>
+          <p:cNvPr id="3" name="Контейнер за бележки 2"/>
+          <p:cNvSpPr>
+            <a:spLocks noGrp="1"/>
+          </p:cNvSpPr>
+          <p:nvPr>
+            <p:ph type="body" idx="1"/>
+          </p:nvPr>
+        </p:nvSpPr>
+        <p:spPr/>
+        <p:txBody>
+          <a:bodyPr/>
+          <a:lstStyle/>
+          <a:p>
+            <a:r>
+              <a:rPr lang="ru-RU" dirty="0" smtClean="0"/>
+              <a:t>В </a:t>
+            </a:r>
+            <a:r>
+              <a:rPr lang="ru-RU" dirty="0" err="1" smtClean="0"/>
+              <a:t>днешно</a:t>
+            </a:r>
+            <a:r>
+              <a:rPr lang="ru-RU" dirty="0" smtClean="0"/>
+              <a:t> </a:t>
+            </a:r>
+            <a:r>
+              <a:rPr lang="ru-RU" dirty="0" err="1" smtClean="0"/>
+              <a:t>време</a:t>
+            </a:r>
+            <a:r>
+              <a:rPr lang="ru-RU" dirty="0" smtClean="0"/>
+              <a:t> </a:t>
+            </a:r>
+            <a:r>
+              <a:rPr lang="ru-RU" dirty="0" err="1" smtClean="0"/>
+              <a:t>уеб</a:t>
+            </a:r>
+            <a:r>
+              <a:rPr lang="ru-RU" dirty="0" smtClean="0"/>
+              <a:t> </a:t>
+            </a:r>
+            <a:r>
+              <a:rPr lang="ru-RU" dirty="0" err="1" smtClean="0"/>
+              <a:t>сигурността</a:t>
+            </a:r>
+            <a:r>
+              <a:rPr lang="ru-RU" dirty="0" smtClean="0"/>
+              <a:t> е </a:t>
+            </a:r>
+            <a:r>
+              <a:rPr lang="ru-RU" dirty="0" err="1" smtClean="0"/>
+              <a:t>едно</a:t>
+            </a:r>
+            <a:r>
+              <a:rPr lang="ru-RU" dirty="0" smtClean="0"/>
+              <a:t> от </a:t>
+            </a:r>
+            <a:r>
+              <a:rPr lang="ru-RU" dirty="0" err="1" smtClean="0"/>
+              <a:t>най-важните</a:t>
+            </a:r>
+            <a:r>
+              <a:rPr lang="ru-RU" dirty="0" smtClean="0"/>
+              <a:t> </a:t>
+            </a:r>
+            <a:r>
+              <a:rPr lang="ru-RU" dirty="0" err="1" smtClean="0"/>
+              <a:t>неща</a:t>
+            </a:r>
+            <a:r>
+              <a:rPr lang="ru-RU" dirty="0" smtClean="0"/>
+              <a:t>, </a:t>
+            </a:r>
+            <a:r>
+              <a:rPr lang="ru-RU" dirty="0" err="1" smtClean="0"/>
+              <a:t>когато</a:t>
+            </a:r>
+            <a:r>
+              <a:rPr lang="ru-RU" dirty="0" smtClean="0"/>
+              <a:t> говорим за защита на </a:t>
+            </a:r>
+            <a:r>
+              <a:rPr lang="ru-RU" dirty="0" err="1" smtClean="0"/>
+              <a:t>личните</a:t>
+            </a:r>
+            <a:r>
+              <a:rPr lang="ru-RU" dirty="0" smtClean="0"/>
+              <a:t> </a:t>
+            </a:r>
+            <a:r>
+              <a:rPr lang="ru-RU" dirty="0" err="1" smtClean="0"/>
+              <a:t>данни</a:t>
+            </a:r>
+            <a:r>
+              <a:rPr lang="ru-RU" dirty="0" smtClean="0"/>
+              <a:t> и </a:t>
+            </a:r>
+            <a:r>
+              <a:rPr lang="ru-RU" dirty="0" err="1" smtClean="0"/>
+              <a:t>гарантиране</a:t>
+            </a:r>
+            <a:r>
+              <a:rPr lang="ru-RU" dirty="0" smtClean="0"/>
+              <a:t> на </a:t>
+            </a:r>
+            <a:r>
+              <a:rPr lang="ru-RU" dirty="0" err="1" smtClean="0"/>
+              <a:t>поверителността</a:t>
+            </a:r>
+            <a:r>
+              <a:rPr lang="ru-RU" dirty="0" smtClean="0"/>
+              <a:t> в интернет. </a:t>
+            </a:r>
+            <a:r>
+              <a:rPr lang="ru-RU" dirty="0" err="1" smtClean="0"/>
+              <a:t>Всеки</a:t>
+            </a:r>
+            <a:r>
+              <a:rPr lang="ru-RU" dirty="0" smtClean="0"/>
+              <a:t> </a:t>
+            </a:r>
+            <a:r>
+              <a:rPr lang="ru-RU" dirty="0" err="1" smtClean="0"/>
+              <a:t>ден</a:t>
+            </a:r>
+            <a:r>
+              <a:rPr lang="ru-RU" dirty="0" smtClean="0"/>
+              <a:t> </a:t>
+            </a:r>
+            <a:r>
+              <a:rPr lang="ru-RU" dirty="0" err="1" smtClean="0"/>
+              <a:t>ние</a:t>
+            </a:r>
+            <a:r>
+              <a:rPr lang="ru-RU" dirty="0" smtClean="0"/>
+              <a:t> </a:t>
+            </a:r>
+            <a:r>
+              <a:rPr lang="ru-RU" dirty="0" err="1" smtClean="0"/>
+              <a:t>използваме</a:t>
+            </a:r>
+            <a:r>
+              <a:rPr lang="ru-RU" dirty="0" smtClean="0"/>
+              <a:t> </a:t>
+            </a:r>
+            <a:r>
+              <a:rPr lang="ru-RU" dirty="0" err="1" smtClean="0"/>
+              <a:t>различни</a:t>
+            </a:r>
+            <a:r>
+              <a:rPr lang="ru-RU" dirty="0" smtClean="0"/>
+              <a:t> </a:t>
+            </a:r>
+            <a:r>
+              <a:rPr lang="ru-RU" dirty="0" err="1" smtClean="0"/>
+              <a:t>уеб</a:t>
+            </a:r>
+            <a:r>
+              <a:rPr lang="ru-RU" dirty="0" smtClean="0"/>
+              <a:t> приложения и </a:t>
+            </a:r>
+            <a:r>
+              <a:rPr lang="ru-RU" dirty="0" err="1" smtClean="0"/>
+              <a:t>сайтове</a:t>
+            </a:r>
+            <a:r>
+              <a:rPr lang="ru-RU" dirty="0" smtClean="0"/>
+              <a:t>, и за да </a:t>
+            </a:r>
+            <a:r>
+              <a:rPr lang="ru-RU" dirty="0" err="1" smtClean="0"/>
+              <a:t>сме</a:t>
+            </a:r>
+            <a:r>
+              <a:rPr lang="ru-RU" dirty="0" smtClean="0"/>
+              <a:t> </a:t>
+            </a:r>
+            <a:r>
+              <a:rPr lang="ru-RU" dirty="0" err="1" smtClean="0"/>
+              <a:t>сигурни</a:t>
+            </a:r>
+            <a:r>
+              <a:rPr lang="ru-RU" dirty="0" smtClean="0"/>
+              <a:t>, че само </a:t>
+            </a:r>
+            <a:r>
+              <a:rPr lang="ru-RU" dirty="0" err="1" smtClean="0"/>
+              <a:t>упълномощените</a:t>
+            </a:r>
+            <a:r>
+              <a:rPr lang="ru-RU" dirty="0" smtClean="0"/>
+              <a:t> хора </a:t>
+            </a:r>
+            <a:r>
+              <a:rPr lang="ru-RU" dirty="0" err="1" smtClean="0"/>
+              <a:t>имат</a:t>
+            </a:r>
+            <a:r>
+              <a:rPr lang="ru-RU" dirty="0" smtClean="0"/>
+              <a:t> </a:t>
+            </a:r>
+            <a:r>
+              <a:rPr lang="ru-RU" dirty="0" err="1" smtClean="0"/>
+              <a:t>достъп</a:t>
+            </a:r>
+            <a:r>
+              <a:rPr lang="ru-RU" dirty="0" smtClean="0"/>
+              <a:t> до </a:t>
+            </a:r>
+            <a:r>
+              <a:rPr lang="ru-RU" dirty="0" err="1" smtClean="0"/>
+              <a:t>тях</a:t>
+            </a:r>
+            <a:r>
+              <a:rPr lang="ru-RU" dirty="0" smtClean="0"/>
+              <a:t>, се </a:t>
+            </a:r>
+            <a:r>
+              <a:rPr lang="ru-RU" dirty="0" err="1" smtClean="0"/>
+              <a:t>използват</a:t>
+            </a:r>
+            <a:r>
+              <a:rPr lang="ru-RU" dirty="0" smtClean="0"/>
+              <a:t> </a:t>
+            </a:r>
+            <a:r>
+              <a:rPr lang="ru-RU" dirty="0" err="1" smtClean="0"/>
+              <a:t>различни</a:t>
+            </a:r>
+            <a:r>
+              <a:rPr lang="ru-RU" dirty="0" smtClean="0"/>
+              <a:t> </a:t>
+            </a:r>
+            <a:r>
+              <a:rPr lang="ru-RU" dirty="0" err="1" smtClean="0"/>
+              <a:t>методи</a:t>
+            </a:r>
+            <a:r>
+              <a:rPr lang="ru-RU" dirty="0" smtClean="0"/>
+              <a:t> за </a:t>
+            </a:r>
+            <a:r>
+              <a:rPr lang="ru-RU" dirty="0" err="1" smtClean="0"/>
+              <a:t>удостоверяване</a:t>
+            </a:r>
+            <a:r>
+              <a:rPr lang="ru-RU" dirty="0" smtClean="0"/>
+              <a:t> и </a:t>
+            </a:r>
+            <a:r>
+              <a:rPr lang="ru-RU" dirty="0" err="1" smtClean="0"/>
+              <a:t>оторизация</a:t>
+            </a:r>
+            <a:r>
+              <a:rPr lang="ru-RU" dirty="0" smtClean="0"/>
+              <a:t>.</a:t>
+            </a:r>
+            <a:endParaRPr lang="bg-BG" dirty="0"/>
+          </a:p>
+        </p:txBody>
+      </p:sp>
+      <p:sp>
+        <p:nvSpPr>
+          <p:cNvPr id="4" name="Контейнер за номер на слайда 3"/>
+          <p:cNvSpPr>
+            <a:spLocks noGrp="1"/>
+          </p:cNvSpPr>
+          <p:nvPr>
+            <p:ph type="sldNum" sz="quarter" idx="10"/>
+          </p:nvPr>
+        </p:nvSpPr>
+        <p:spPr/>
+        <p:txBody>
+          <a:bodyPr/>
+          <a:lstStyle/>
+          <a:p>
+            <a:fld id="{92B3BDDD-B122-4854-B130-5A545C054B2F}" type="slidenum">
+              <a:rPr lang="bg-BG" smtClean="0"/>
+              <a:t>2</a:t>
+            </a:fld>
+            <a:endParaRPr lang="bg-BG"/>
+          </a:p>
+        </p:txBody>
+      </p:sp>
+    </p:spTree>
+    <p:extLst>
+      <p:ext uri="{BB962C8B-B14F-4D97-AF65-F5344CB8AC3E}">
+        <p14:creationId xmlns:p14="http://schemas.microsoft.com/office/powerpoint/2010/main" val="460850292"/>
+      </p:ext>
+    </p:extLst>
+  </p:cSld>
+  <p:clrMapOvr>
+    <a:masterClrMapping/>
+  </p:clrMapOvr>
+</p:notes>
+</file>
+
+<file path=ppt/notesSlides/notesSlide3.xml><?xml version="1.0" encoding="utf-8"?>
+<p:notes xmlns:a="http://schemas.openxmlformats.org/drawingml/2006/main" xmlns:r="http://schemas.openxmlformats.org/officeDocument/2006/relationships" xmlns:p="http://schemas.openxmlformats.org/presentationml/2006/main">
+  <p:cSld>
+    <p:spTree>
+      <p:nvGrpSpPr>
+        <p:cNvPr id="1" name=""/>
+        <p:cNvGrpSpPr/>
+        <p:nvPr/>
+      </p:nvGrpSpPr>
+      <p:grpSpPr>
+        <a:xfrm>
+          <a:off x="0" y="0"/>
+          <a:ext cx="0" cy="0"/>
+          <a:chOff x="0" y="0"/>
+          <a:chExt cx="0" cy="0"/>
+        </a:xfrm>
+      </p:grpSpPr>
+      <p:sp>
+        <p:nvSpPr>
+          <p:cNvPr id="2" name="Контейнер за изображение на слайда 1"/>
+          <p:cNvSpPr>
+            <a:spLocks noGrp="1" noRot="1" noChangeAspect="1"/>
+          </p:cNvSpPr>
+          <p:nvPr>
+            <p:ph type="sldImg"/>
+          </p:nvPr>
+        </p:nvSpPr>
+        <p:spPr/>
+      </p:sp>
+      <p:sp>
+        <p:nvSpPr>
+          <p:cNvPr id="3" name="Контейнер за бележки 2"/>
+          <p:cNvSpPr>
+            <a:spLocks noGrp="1"/>
+          </p:cNvSpPr>
+          <p:nvPr>
+            <p:ph type="body" idx="1"/>
+          </p:nvPr>
+        </p:nvSpPr>
+        <p:spPr/>
+        <p:txBody>
+          <a:bodyPr/>
+          <a:lstStyle/>
+          <a:p>
+            <a:r>
+              <a:rPr lang="ru-RU" dirty="0" err="1" smtClean="0"/>
+              <a:t>Удостоверяването</a:t>
+            </a:r>
+            <a:r>
+              <a:rPr lang="ru-RU" dirty="0" smtClean="0"/>
+              <a:t> е </a:t>
+            </a:r>
+            <a:r>
+              <a:rPr lang="ru-RU" dirty="0" err="1" smtClean="0"/>
+              <a:t>процесът</a:t>
+            </a:r>
+            <a:r>
+              <a:rPr lang="ru-RU" dirty="0" smtClean="0"/>
+              <a:t>, чрез </a:t>
+            </a:r>
+            <a:r>
+              <a:rPr lang="ru-RU" dirty="0" err="1" smtClean="0"/>
+              <a:t>който</a:t>
+            </a:r>
+            <a:r>
+              <a:rPr lang="ru-RU" dirty="0" smtClean="0"/>
+              <a:t> </a:t>
+            </a:r>
+            <a:r>
+              <a:rPr lang="ru-RU" dirty="0" err="1" smtClean="0"/>
+              <a:t>системата</a:t>
+            </a:r>
+            <a:r>
+              <a:rPr lang="ru-RU" dirty="0" smtClean="0"/>
+              <a:t> </a:t>
+            </a:r>
+            <a:r>
+              <a:rPr lang="ru-RU" dirty="0" err="1" smtClean="0"/>
+              <a:t>проверява</a:t>
+            </a:r>
+            <a:r>
+              <a:rPr lang="ru-RU" dirty="0" smtClean="0"/>
+              <a:t> кой си </a:t>
+            </a:r>
+            <a:r>
+              <a:rPr lang="ru-RU" dirty="0" err="1" smtClean="0"/>
+              <a:t>ти</a:t>
+            </a:r>
+            <a:r>
+              <a:rPr lang="ru-RU" dirty="0" smtClean="0"/>
+              <a:t>. </a:t>
+            </a:r>
+            <a:r>
+              <a:rPr lang="ru-RU" dirty="0" err="1" smtClean="0"/>
+              <a:t>Обикновено</a:t>
+            </a:r>
+            <a:r>
+              <a:rPr lang="ru-RU" dirty="0" smtClean="0"/>
+              <a:t> </a:t>
+            </a:r>
+            <a:r>
+              <a:rPr lang="ru-RU" dirty="0" err="1" smtClean="0"/>
+              <a:t>това</a:t>
+            </a:r>
+            <a:r>
+              <a:rPr lang="ru-RU" dirty="0" smtClean="0"/>
+              <a:t> става чрез </a:t>
+            </a:r>
+            <a:r>
+              <a:rPr lang="ru-RU" dirty="0" err="1" smtClean="0"/>
+              <a:t>въвеждане</a:t>
+            </a:r>
+            <a:r>
+              <a:rPr lang="ru-RU" dirty="0" smtClean="0"/>
+              <a:t> на </a:t>
+            </a:r>
+            <a:r>
+              <a:rPr lang="ru-RU" dirty="0" err="1" smtClean="0"/>
+              <a:t>потребителско</a:t>
+            </a:r>
+            <a:r>
+              <a:rPr lang="ru-RU" dirty="0" smtClean="0"/>
+              <a:t> </a:t>
+            </a:r>
+            <a:r>
+              <a:rPr lang="ru-RU" dirty="0" err="1" smtClean="0"/>
+              <a:t>име</a:t>
+            </a:r>
+            <a:r>
+              <a:rPr lang="ru-RU" dirty="0" smtClean="0"/>
+              <a:t> и </a:t>
+            </a:r>
+            <a:r>
+              <a:rPr lang="ru-RU" dirty="0" err="1" smtClean="0"/>
+              <a:t>парола</a:t>
+            </a:r>
+            <a:r>
+              <a:rPr lang="ru-RU" dirty="0" smtClean="0"/>
+              <a:t>, но </a:t>
+            </a:r>
+            <a:r>
+              <a:rPr lang="ru-RU" dirty="0" err="1" smtClean="0"/>
+              <a:t>има</a:t>
+            </a:r>
+            <a:r>
+              <a:rPr lang="ru-RU" dirty="0" smtClean="0"/>
+              <a:t> и </a:t>
+            </a:r>
+            <a:r>
+              <a:rPr lang="ru-RU" dirty="0" err="1" smtClean="0"/>
+              <a:t>по-сложни</a:t>
+            </a:r>
+            <a:r>
+              <a:rPr lang="ru-RU" dirty="0" smtClean="0"/>
+              <a:t> начини </a:t>
+            </a:r>
+            <a:r>
+              <a:rPr lang="ru-RU" dirty="0" err="1" smtClean="0"/>
+              <a:t>като</a:t>
+            </a:r>
+            <a:r>
+              <a:rPr lang="ru-RU" dirty="0" smtClean="0"/>
+              <a:t> </a:t>
+            </a:r>
+            <a:r>
+              <a:rPr lang="ru-RU" dirty="0" err="1" smtClean="0"/>
+              <a:t>двуфакторна</a:t>
+            </a:r>
+            <a:r>
+              <a:rPr lang="ru-RU" dirty="0" smtClean="0"/>
+              <a:t> идентификация, </a:t>
+            </a:r>
+            <a:r>
+              <a:rPr lang="ru-RU" dirty="0" err="1" smtClean="0"/>
+              <a:t>където</a:t>
+            </a:r>
+            <a:r>
+              <a:rPr lang="ru-RU" dirty="0" smtClean="0"/>
+              <a:t> </a:t>
+            </a:r>
+            <a:r>
+              <a:rPr lang="ru-RU" dirty="0" err="1" smtClean="0"/>
+              <a:t>трябва</a:t>
+            </a:r>
+            <a:r>
+              <a:rPr lang="ru-RU" dirty="0" smtClean="0"/>
+              <a:t> да </a:t>
+            </a:r>
+            <a:r>
+              <a:rPr lang="ru-RU" dirty="0" err="1" smtClean="0"/>
+              <a:t>въведеш</a:t>
+            </a:r>
+            <a:r>
+              <a:rPr lang="ru-RU" dirty="0" smtClean="0"/>
+              <a:t> код, </a:t>
+            </a:r>
+            <a:r>
+              <a:rPr lang="ru-RU" dirty="0" err="1" smtClean="0"/>
+              <a:t>изпратен</a:t>
+            </a:r>
+            <a:r>
+              <a:rPr lang="ru-RU" dirty="0" smtClean="0"/>
+              <a:t> по SMS, или </a:t>
+            </a:r>
+            <a:r>
+              <a:rPr lang="ru-RU" dirty="0" err="1" smtClean="0"/>
+              <a:t>биометрични</a:t>
+            </a:r>
+            <a:r>
+              <a:rPr lang="ru-RU" dirty="0" smtClean="0"/>
+              <a:t> </a:t>
+            </a:r>
+            <a:r>
+              <a:rPr lang="ru-RU" dirty="0" err="1" smtClean="0"/>
+              <a:t>данни</a:t>
+            </a:r>
+            <a:r>
+              <a:rPr lang="ru-RU" dirty="0" smtClean="0"/>
+              <a:t> </a:t>
+            </a:r>
+            <a:r>
+              <a:rPr lang="ru-RU" dirty="0" err="1" smtClean="0"/>
+              <a:t>като</a:t>
+            </a:r>
+            <a:r>
+              <a:rPr lang="ru-RU" dirty="0" smtClean="0"/>
+              <a:t> </a:t>
+            </a:r>
+            <a:r>
+              <a:rPr lang="ru-RU" dirty="0" err="1" smtClean="0"/>
+              <a:t>пръстов</a:t>
+            </a:r>
+            <a:r>
+              <a:rPr lang="ru-RU" dirty="0" smtClean="0"/>
+              <a:t> </a:t>
+            </a:r>
+            <a:r>
+              <a:rPr lang="ru-RU" dirty="0" err="1" smtClean="0"/>
+              <a:t>отпечатък</a:t>
+            </a:r>
+            <a:r>
+              <a:rPr lang="ru-RU" dirty="0" smtClean="0"/>
+              <a:t>. </a:t>
+            </a:r>
+            <a:r>
+              <a:rPr lang="ru-RU" dirty="0" err="1" smtClean="0"/>
+              <a:t>Важното</a:t>
+            </a:r>
+            <a:r>
+              <a:rPr lang="ru-RU" dirty="0" smtClean="0"/>
+              <a:t> е </a:t>
+            </a:r>
+            <a:r>
+              <a:rPr lang="ru-RU" dirty="0" err="1" smtClean="0"/>
+              <a:t>потребителят</a:t>
+            </a:r>
+            <a:r>
+              <a:rPr lang="ru-RU" dirty="0" smtClean="0"/>
+              <a:t> да </a:t>
+            </a:r>
+            <a:r>
+              <a:rPr lang="ru-RU" dirty="0" err="1" smtClean="0"/>
+              <a:t>докаже</a:t>
+            </a:r>
+            <a:r>
+              <a:rPr lang="ru-RU" dirty="0" smtClean="0"/>
+              <a:t>, че именно той е </a:t>
+            </a:r>
+            <a:r>
+              <a:rPr lang="ru-RU" dirty="0" err="1" smtClean="0"/>
+              <a:t>човека</a:t>
+            </a:r>
+            <a:r>
+              <a:rPr lang="ru-RU" dirty="0" smtClean="0"/>
+              <a:t>, </a:t>
+            </a:r>
+            <a:r>
+              <a:rPr lang="ru-RU" dirty="0" err="1" smtClean="0"/>
+              <a:t>който</a:t>
+            </a:r>
+            <a:r>
+              <a:rPr lang="ru-RU" dirty="0" smtClean="0"/>
+              <a:t> иска </a:t>
+            </a:r>
+            <a:r>
+              <a:rPr lang="ru-RU" dirty="0" err="1" smtClean="0"/>
+              <a:t>достъп</a:t>
+            </a:r>
+            <a:r>
+              <a:rPr lang="ru-RU" dirty="0" smtClean="0"/>
+              <a:t>.</a:t>
+            </a:r>
+            <a:endParaRPr lang="bg-BG" dirty="0"/>
+          </a:p>
+        </p:txBody>
+      </p:sp>
+      <p:sp>
+        <p:nvSpPr>
+          <p:cNvPr id="4" name="Контейнер за номер на слайда 3"/>
+          <p:cNvSpPr>
+            <a:spLocks noGrp="1"/>
+          </p:cNvSpPr>
+          <p:nvPr>
+            <p:ph type="sldNum" sz="quarter" idx="10"/>
+          </p:nvPr>
+        </p:nvSpPr>
+        <p:spPr/>
+        <p:txBody>
+          <a:bodyPr/>
+          <a:lstStyle/>
+          <a:p>
+            <a:fld id="{92B3BDDD-B122-4854-B130-5A545C054B2F}" type="slidenum">
+              <a:rPr lang="bg-BG" smtClean="0"/>
+              <a:t>3</a:t>
+            </a:fld>
+            <a:endParaRPr lang="bg-BG"/>
+          </a:p>
+        </p:txBody>
+      </p:sp>
+    </p:spTree>
+    <p:extLst>
+      <p:ext uri="{BB962C8B-B14F-4D97-AF65-F5344CB8AC3E}">
+        <p14:creationId xmlns:p14="http://schemas.microsoft.com/office/powerpoint/2010/main" val="202617220"/>
+      </p:ext>
+    </p:extLst>
+  </p:cSld>
+  <p:clrMapOvr>
+    <a:masterClrMapping/>
+  </p:clrMapOvr>
+</p:notes>
+</file>
+
+<file path=ppt/notesSlides/notesSlide4.xml><?xml version="1.0" encoding="utf-8"?>
+<p:notes xmlns:a="http://schemas.openxmlformats.org/drawingml/2006/main" xmlns:r="http://schemas.openxmlformats.org/officeDocument/2006/relationships" xmlns:p="http://schemas.openxmlformats.org/presentationml/2006/main">
+  <p:cSld>
+    <p:spTree>
+      <p:nvGrpSpPr>
+        <p:cNvPr id="1" name=""/>
+        <p:cNvGrpSpPr/>
+        <p:nvPr/>
+      </p:nvGrpSpPr>
+      <p:grpSpPr>
+        <a:xfrm>
+          <a:off x="0" y="0"/>
+          <a:ext cx="0" cy="0"/>
+          <a:chOff x="0" y="0"/>
+          <a:chExt cx="0" cy="0"/>
+        </a:xfrm>
+      </p:grpSpPr>
+      <p:sp>
+        <p:nvSpPr>
+          <p:cNvPr id="2" name="Контейнер за изображение на слайда 1"/>
+          <p:cNvSpPr>
+            <a:spLocks noGrp="1" noRot="1" noChangeAspect="1"/>
+          </p:cNvSpPr>
+          <p:nvPr>
+            <p:ph type="sldImg"/>
+          </p:nvPr>
+        </p:nvSpPr>
+        <p:spPr/>
+      </p:sp>
+      <p:sp>
+        <p:nvSpPr>
+          <p:cNvPr id="3" name="Контейнер за бележки 2"/>
+          <p:cNvSpPr>
+            <a:spLocks noGrp="1"/>
+          </p:cNvSpPr>
+          <p:nvPr>
+            <p:ph type="body" idx="1"/>
+          </p:nvPr>
+        </p:nvSpPr>
+        <p:spPr/>
+        <p:txBody>
+          <a:bodyPr/>
+          <a:lstStyle/>
+          <a:p>
+            <a:r>
+              <a:rPr lang="ru-RU" dirty="0" smtClean="0"/>
+              <a:t>След </a:t>
+            </a:r>
+            <a:r>
+              <a:rPr lang="ru-RU" dirty="0" err="1" smtClean="0"/>
+              <a:t>като</a:t>
+            </a:r>
+            <a:r>
+              <a:rPr lang="ru-RU" dirty="0" smtClean="0"/>
+              <a:t> удостоверим потребителя, </a:t>
+            </a:r>
+            <a:r>
+              <a:rPr lang="ru-RU" dirty="0" err="1" smtClean="0"/>
+              <a:t>идва</a:t>
+            </a:r>
+            <a:r>
+              <a:rPr lang="ru-RU" dirty="0" smtClean="0"/>
+              <a:t> </a:t>
+            </a:r>
+            <a:r>
+              <a:rPr lang="ru-RU" dirty="0" err="1" smtClean="0"/>
+              <a:t>ред</a:t>
+            </a:r>
+            <a:r>
+              <a:rPr lang="ru-RU" dirty="0" smtClean="0"/>
+              <a:t> на </a:t>
+            </a:r>
+            <a:r>
+              <a:rPr lang="ru-RU" dirty="0" err="1" smtClean="0"/>
+              <a:t>оторизацията</a:t>
+            </a:r>
+            <a:r>
+              <a:rPr lang="ru-RU" dirty="0" smtClean="0"/>
+              <a:t>. </a:t>
+            </a:r>
+            <a:r>
+              <a:rPr lang="ru-RU" dirty="0" err="1" smtClean="0"/>
+              <a:t>Тя</a:t>
+            </a:r>
+            <a:r>
+              <a:rPr lang="ru-RU" dirty="0" smtClean="0"/>
+              <a:t> </a:t>
+            </a:r>
+            <a:r>
+              <a:rPr lang="ru-RU" dirty="0" err="1" smtClean="0"/>
+              <a:t>определя</a:t>
+            </a:r>
+            <a:r>
+              <a:rPr lang="ru-RU" dirty="0" smtClean="0"/>
+              <a:t> </a:t>
+            </a:r>
+            <a:r>
+              <a:rPr lang="ru-RU" dirty="0" err="1" smtClean="0"/>
+              <a:t>какви</a:t>
+            </a:r>
+            <a:r>
+              <a:rPr lang="ru-RU" dirty="0" smtClean="0"/>
+              <a:t> </a:t>
+            </a:r>
+            <a:r>
+              <a:rPr lang="ru-RU" dirty="0" err="1" smtClean="0"/>
+              <a:t>ресурси</a:t>
+            </a:r>
+            <a:r>
+              <a:rPr lang="ru-RU" dirty="0" smtClean="0"/>
+              <a:t> или действия </a:t>
+            </a:r>
+            <a:r>
+              <a:rPr lang="ru-RU" dirty="0" err="1" smtClean="0"/>
+              <a:t>му</a:t>
+            </a:r>
+            <a:r>
+              <a:rPr lang="ru-RU" dirty="0" smtClean="0"/>
+              <a:t> </a:t>
+            </a:r>
+            <a:r>
+              <a:rPr lang="ru-RU" dirty="0" err="1" smtClean="0"/>
+              <a:t>позволяваме</a:t>
+            </a:r>
+            <a:r>
+              <a:rPr lang="ru-RU" dirty="0" smtClean="0"/>
+              <a:t> да </a:t>
+            </a:r>
+            <a:r>
+              <a:rPr lang="ru-RU" dirty="0" err="1" smtClean="0"/>
+              <a:t>извърши</a:t>
+            </a:r>
+            <a:r>
+              <a:rPr lang="ru-RU" dirty="0" smtClean="0"/>
+              <a:t>. Например, </a:t>
+            </a:r>
+            <a:r>
+              <a:rPr lang="ru-RU" dirty="0" err="1" smtClean="0"/>
+              <a:t>някой</a:t>
+            </a:r>
+            <a:r>
+              <a:rPr lang="ru-RU" dirty="0" smtClean="0"/>
+              <a:t> </a:t>
+            </a:r>
+            <a:r>
+              <a:rPr lang="ru-RU" dirty="0" err="1" smtClean="0"/>
+              <a:t>може</a:t>
+            </a:r>
+            <a:r>
+              <a:rPr lang="ru-RU" dirty="0" smtClean="0"/>
+              <a:t> да </a:t>
+            </a:r>
+            <a:r>
+              <a:rPr lang="ru-RU" dirty="0" err="1" smtClean="0"/>
+              <a:t>има</a:t>
+            </a:r>
+            <a:r>
+              <a:rPr lang="ru-RU" dirty="0" smtClean="0"/>
+              <a:t> право само да </a:t>
+            </a:r>
+            <a:r>
+              <a:rPr lang="ru-RU" dirty="0" err="1" smtClean="0"/>
+              <a:t>гледа</a:t>
+            </a:r>
+            <a:r>
+              <a:rPr lang="ru-RU" dirty="0" smtClean="0"/>
+              <a:t> </a:t>
+            </a:r>
+            <a:r>
+              <a:rPr lang="ru-RU" dirty="0" err="1" smtClean="0"/>
+              <a:t>данни</a:t>
+            </a:r>
+            <a:r>
+              <a:rPr lang="ru-RU" dirty="0" smtClean="0"/>
+              <a:t>, а друг – да </a:t>
+            </a:r>
+            <a:r>
+              <a:rPr lang="ru-RU" dirty="0" err="1" smtClean="0"/>
+              <a:t>ги</a:t>
+            </a:r>
+            <a:r>
+              <a:rPr lang="ru-RU" dirty="0" smtClean="0"/>
+              <a:t> </a:t>
+            </a:r>
+            <a:r>
+              <a:rPr lang="ru-RU" dirty="0" err="1" smtClean="0"/>
+              <a:t>редактира</a:t>
+            </a:r>
+            <a:r>
+              <a:rPr lang="ru-RU" dirty="0" smtClean="0"/>
+              <a:t> или </a:t>
+            </a:r>
+            <a:r>
+              <a:rPr lang="ru-RU" dirty="0" err="1" smtClean="0"/>
+              <a:t>изтрива</a:t>
+            </a:r>
+            <a:r>
+              <a:rPr lang="ru-RU" dirty="0" smtClean="0"/>
+              <a:t>. </a:t>
+            </a:r>
+            <a:r>
+              <a:rPr lang="ru-RU" dirty="0" err="1" smtClean="0"/>
+              <a:t>Влезлият</a:t>
+            </a:r>
+            <a:r>
+              <a:rPr lang="ru-RU" dirty="0" smtClean="0"/>
+              <a:t> в </a:t>
+            </a:r>
+            <a:r>
+              <a:rPr lang="ru-RU" dirty="0" err="1" smtClean="0"/>
+              <a:t>системата</a:t>
+            </a:r>
+            <a:r>
+              <a:rPr lang="ru-RU" dirty="0" smtClean="0"/>
+              <a:t> </a:t>
+            </a:r>
+            <a:r>
+              <a:rPr lang="ru-RU" dirty="0" err="1" smtClean="0"/>
+              <a:t>може</a:t>
+            </a:r>
+            <a:r>
+              <a:rPr lang="ru-RU" dirty="0" smtClean="0"/>
+              <a:t> да </a:t>
+            </a:r>
+            <a:r>
+              <a:rPr lang="ru-RU" dirty="0" err="1" smtClean="0"/>
+              <a:t>има</a:t>
+            </a:r>
+            <a:r>
+              <a:rPr lang="ru-RU" dirty="0" smtClean="0"/>
+              <a:t> </a:t>
+            </a:r>
+            <a:r>
+              <a:rPr lang="ru-RU" dirty="0" err="1" smtClean="0"/>
+              <a:t>различни</a:t>
+            </a:r>
+            <a:r>
+              <a:rPr lang="ru-RU" dirty="0" smtClean="0"/>
+              <a:t> роли: гост, </a:t>
+            </a:r>
+            <a:r>
+              <a:rPr lang="ru-RU" dirty="0" err="1" smtClean="0"/>
+              <a:t>обикновен</a:t>
+            </a:r>
+            <a:r>
+              <a:rPr lang="ru-RU" dirty="0" smtClean="0"/>
+              <a:t> </a:t>
+            </a:r>
+            <a:r>
+              <a:rPr lang="ru-RU" dirty="0" err="1" smtClean="0"/>
+              <a:t>потребител</a:t>
+            </a:r>
+            <a:r>
+              <a:rPr lang="ru-RU" dirty="0" smtClean="0"/>
+              <a:t> или администратор. Всяка роля </a:t>
+            </a:r>
+            <a:r>
+              <a:rPr lang="ru-RU" dirty="0" err="1" smtClean="0"/>
+              <a:t>има</a:t>
+            </a:r>
+            <a:r>
+              <a:rPr lang="ru-RU" dirty="0" smtClean="0"/>
+              <a:t> </a:t>
+            </a:r>
+            <a:r>
+              <a:rPr lang="ru-RU" dirty="0" err="1" smtClean="0"/>
+              <a:t>различни</a:t>
+            </a:r>
+            <a:r>
+              <a:rPr lang="ru-RU" dirty="0" smtClean="0"/>
+              <a:t> права, </a:t>
+            </a:r>
+            <a:r>
+              <a:rPr lang="ru-RU" dirty="0" err="1" smtClean="0"/>
+              <a:t>като</a:t>
+            </a:r>
+            <a:r>
+              <a:rPr lang="ru-RU" dirty="0" smtClean="0"/>
+              <a:t> </a:t>
+            </a:r>
+            <a:r>
+              <a:rPr lang="ru-RU" dirty="0" err="1" smtClean="0"/>
+              <a:t>това</a:t>
+            </a:r>
+            <a:r>
+              <a:rPr lang="ru-RU" dirty="0" smtClean="0"/>
+              <a:t> се </a:t>
+            </a:r>
+            <a:r>
+              <a:rPr lang="ru-RU" dirty="0" err="1" smtClean="0"/>
+              <a:t>нарича</a:t>
+            </a:r>
+            <a:r>
+              <a:rPr lang="ru-RU" dirty="0" smtClean="0"/>
+              <a:t> </a:t>
+            </a:r>
+            <a:r>
+              <a:rPr lang="ru-RU" dirty="0" err="1" smtClean="0"/>
+              <a:t>ролеви</a:t>
+            </a:r>
+            <a:r>
+              <a:rPr lang="ru-RU" dirty="0" smtClean="0"/>
+              <a:t> </a:t>
+            </a:r>
+            <a:r>
+              <a:rPr lang="ru-RU" dirty="0" err="1" smtClean="0"/>
+              <a:t>базиран</a:t>
+            </a:r>
+            <a:r>
+              <a:rPr lang="ru-RU" dirty="0" smtClean="0"/>
+              <a:t> </a:t>
+            </a:r>
+            <a:r>
+              <a:rPr lang="ru-RU" dirty="0" err="1" smtClean="0"/>
+              <a:t>достъп</a:t>
+            </a:r>
+            <a:r>
+              <a:rPr lang="ru-RU" dirty="0" smtClean="0"/>
+              <a:t>.</a:t>
+            </a:r>
+            <a:endParaRPr lang="bg-BG" dirty="0"/>
+          </a:p>
+        </p:txBody>
+      </p:sp>
+      <p:sp>
+        <p:nvSpPr>
+          <p:cNvPr id="4" name="Контейнер за номер на слайда 3"/>
+          <p:cNvSpPr>
+            <a:spLocks noGrp="1"/>
+          </p:cNvSpPr>
+          <p:nvPr>
+            <p:ph type="sldNum" sz="quarter" idx="10"/>
+          </p:nvPr>
+        </p:nvSpPr>
+        <p:spPr/>
+        <p:txBody>
+          <a:bodyPr/>
+          <a:lstStyle/>
+          <a:p>
+            <a:fld id="{92B3BDDD-B122-4854-B130-5A545C054B2F}" type="slidenum">
+              <a:rPr lang="bg-BG" smtClean="0"/>
+              <a:t>4</a:t>
+            </a:fld>
+            <a:endParaRPr lang="bg-BG"/>
+          </a:p>
+        </p:txBody>
+      </p:sp>
+    </p:spTree>
+    <p:extLst>
+      <p:ext uri="{BB962C8B-B14F-4D97-AF65-F5344CB8AC3E}">
+        <p14:creationId xmlns:p14="http://schemas.microsoft.com/office/powerpoint/2010/main" val="4216037454"/>
+      </p:ext>
+    </p:extLst>
+  </p:cSld>
+  <p:clrMapOvr>
+    <a:masterClrMapping/>
+  </p:clrMapOvr>
+</p:notes>
+</file>
+
+<file path=ppt/notesSlides/notesSlide5.xml><?xml version="1.0" encoding="utf-8"?>
+<p:notes xmlns:a="http://schemas.openxmlformats.org/drawingml/2006/main" xmlns:r="http://schemas.openxmlformats.org/officeDocument/2006/relationships" xmlns:p="http://schemas.openxmlformats.org/presentationml/2006/main">
+  <p:cSld>
+    <p:spTree>
+      <p:nvGrpSpPr>
+        <p:cNvPr id="1" name=""/>
+        <p:cNvGrpSpPr/>
+        <p:nvPr/>
+      </p:nvGrpSpPr>
+      <p:grpSpPr>
+        <a:xfrm>
+          <a:off x="0" y="0"/>
+          <a:ext cx="0" cy="0"/>
+          <a:chOff x="0" y="0"/>
+          <a:chExt cx="0" cy="0"/>
+        </a:xfrm>
+      </p:grpSpPr>
+      <p:sp>
+        <p:nvSpPr>
+          <p:cNvPr id="2" name="Контейнер за изображение на слайда 1"/>
+          <p:cNvSpPr>
+            <a:spLocks noGrp="1" noRot="1" noChangeAspect="1"/>
+          </p:cNvSpPr>
+          <p:nvPr>
+            <p:ph type="sldImg"/>
+          </p:nvPr>
+        </p:nvSpPr>
+        <p:spPr/>
+      </p:sp>
+      <p:sp>
+        <p:nvSpPr>
+          <p:cNvPr id="3" name="Контейнер за бележки 2"/>
+          <p:cNvSpPr>
+            <a:spLocks noGrp="1"/>
+          </p:cNvSpPr>
+          <p:nvPr>
+            <p:ph type="body" idx="1"/>
+          </p:nvPr>
+        </p:nvSpPr>
+        <p:spPr/>
+        <p:txBody>
+          <a:bodyPr/>
+          <a:lstStyle/>
+          <a:p>
+            <a:r>
+              <a:rPr lang="ru-RU" dirty="0" smtClean="0"/>
+              <a:t>При </a:t>
+            </a:r>
+            <a:r>
+              <a:rPr lang="ru-RU" dirty="0" err="1" smtClean="0"/>
+              <a:t>реализацията</a:t>
+            </a:r>
+            <a:r>
+              <a:rPr lang="ru-RU" dirty="0" smtClean="0"/>
+              <a:t> на </a:t>
+            </a:r>
+            <a:r>
+              <a:rPr lang="ru-RU" dirty="0" err="1" smtClean="0"/>
+              <a:t>уеб</a:t>
+            </a:r>
+            <a:r>
+              <a:rPr lang="ru-RU" dirty="0" smtClean="0"/>
+              <a:t> приложения </a:t>
+            </a:r>
+            <a:r>
+              <a:rPr lang="ru-RU" dirty="0" err="1" smtClean="0"/>
+              <a:t>тези</a:t>
+            </a:r>
+            <a:r>
+              <a:rPr lang="ru-RU" dirty="0" smtClean="0"/>
+              <a:t> </a:t>
+            </a:r>
+            <a:r>
+              <a:rPr lang="ru-RU" dirty="0" err="1" smtClean="0"/>
+              <a:t>процеси</a:t>
+            </a:r>
+            <a:r>
+              <a:rPr lang="ru-RU" dirty="0" smtClean="0"/>
+              <a:t> </a:t>
+            </a:r>
+            <a:r>
+              <a:rPr lang="ru-RU" dirty="0" err="1" smtClean="0"/>
+              <a:t>обикновено</a:t>
+            </a:r>
+            <a:r>
+              <a:rPr lang="ru-RU" dirty="0" smtClean="0"/>
+              <a:t> се </a:t>
+            </a:r>
+            <a:r>
+              <a:rPr lang="ru-RU" dirty="0" err="1" smtClean="0"/>
+              <a:t>грижат</a:t>
+            </a:r>
+            <a:r>
+              <a:rPr lang="ru-RU" dirty="0" smtClean="0"/>
+              <a:t> за </a:t>
+            </a:r>
+            <a:r>
+              <a:rPr lang="ru-RU" dirty="0" err="1" smtClean="0"/>
+              <a:t>тях</a:t>
+            </a:r>
+            <a:r>
+              <a:rPr lang="ru-RU" dirty="0" smtClean="0"/>
+              <a:t> с </a:t>
+            </a:r>
+            <a:r>
+              <a:rPr lang="ru-RU" dirty="0" err="1" smtClean="0"/>
+              <a:t>помощта</a:t>
+            </a:r>
+            <a:r>
+              <a:rPr lang="ru-RU" dirty="0" smtClean="0"/>
+              <a:t> на </a:t>
+            </a:r>
+            <a:r>
+              <a:rPr lang="ru-RU" dirty="0" err="1" smtClean="0"/>
+              <a:t>специални</a:t>
+            </a:r>
+            <a:r>
+              <a:rPr lang="ru-RU" dirty="0" smtClean="0"/>
+              <a:t> </a:t>
+            </a:r>
+            <a:r>
+              <a:rPr lang="ru-RU" dirty="0" err="1" smtClean="0"/>
+              <a:t>протоколи</a:t>
+            </a:r>
+            <a:r>
+              <a:rPr lang="ru-RU" dirty="0" smtClean="0"/>
+              <a:t> и технологии. Например, </a:t>
+            </a:r>
+            <a:r>
+              <a:rPr lang="ru-RU" dirty="0" err="1" smtClean="0"/>
+              <a:t>използваме</a:t>
+            </a:r>
+            <a:r>
+              <a:rPr lang="ru-RU" dirty="0" smtClean="0"/>
+              <a:t> </a:t>
+            </a:r>
+            <a:r>
+              <a:rPr lang="ru-RU" dirty="0" err="1" smtClean="0"/>
+              <a:t>бисквитки</a:t>
+            </a:r>
+            <a:r>
+              <a:rPr lang="ru-RU" dirty="0" smtClean="0"/>
+              <a:t> или JSON </a:t>
+            </a:r>
+            <a:r>
+              <a:rPr lang="ru-RU" dirty="0" err="1" smtClean="0"/>
+              <a:t>Web</a:t>
+            </a:r>
+            <a:r>
+              <a:rPr lang="ru-RU" dirty="0" smtClean="0"/>
+              <a:t> </a:t>
+            </a:r>
+            <a:r>
+              <a:rPr lang="ru-RU" dirty="0" err="1" smtClean="0"/>
+              <a:t>Token</a:t>
+            </a:r>
+            <a:r>
+              <a:rPr lang="ru-RU" dirty="0" smtClean="0"/>
+              <a:t>, за да запомним кой е </a:t>
+            </a:r>
+            <a:r>
+              <a:rPr lang="ru-RU" dirty="0" err="1" smtClean="0"/>
+              <a:t>влязъл</a:t>
+            </a:r>
+            <a:r>
+              <a:rPr lang="ru-RU" dirty="0" smtClean="0"/>
+              <a:t> и </a:t>
+            </a:r>
+            <a:r>
+              <a:rPr lang="ru-RU" dirty="0" err="1" smtClean="0"/>
+              <a:t>какви</a:t>
+            </a:r>
+            <a:r>
+              <a:rPr lang="ru-RU" dirty="0" smtClean="0"/>
+              <a:t> права </a:t>
+            </a:r>
+            <a:r>
+              <a:rPr lang="ru-RU" dirty="0" err="1" smtClean="0"/>
+              <a:t>има</a:t>
+            </a:r>
+            <a:r>
+              <a:rPr lang="ru-RU" dirty="0" smtClean="0"/>
+              <a:t>. За </a:t>
+            </a:r>
+            <a:r>
+              <a:rPr lang="ru-RU" dirty="0" err="1" smtClean="0"/>
+              <a:t>по-сигурна</a:t>
+            </a:r>
+            <a:r>
+              <a:rPr lang="ru-RU" dirty="0" smtClean="0"/>
+              <a:t> </a:t>
+            </a:r>
+            <a:r>
+              <a:rPr lang="ru-RU" dirty="0" err="1" smtClean="0"/>
+              <a:t>комуникация</a:t>
+            </a:r>
+            <a:r>
+              <a:rPr lang="ru-RU" dirty="0" smtClean="0"/>
+              <a:t> </a:t>
+            </a:r>
+            <a:r>
+              <a:rPr lang="ru-RU" dirty="0" err="1" smtClean="0"/>
+              <a:t>често</a:t>
+            </a:r>
+            <a:r>
+              <a:rPr lang="ru-RU" dirty="0" smtClean="0"/>
+              <a:t> се </a:t>
+            </a:r>
+            <a:r>
+              <a:rPr lang="ru-RU" dirty="0" err="1" smtClean="0"/>
+              <a:t>ползват</a:t>
+            </a:r>
+            <a:r>
+              <a:rPr lang="ru-RU" dirty="0" smtClean="0"/>
+              <a:t> </a:t>
+            </a:r>
+            <a:r>
+              <a:rPr lang="ru-RU" dirty="0" err="1" smtClean="0"/>
+              <a:t>сертификати</a:t>
+            </a:r>
+            <a:r>
+              <a:rPr lang="ru-RU" dirty="0" smtClean="0"/>
+              <a:t> и </a:t>
+            </a:r>
+            <a:r>
+              <a:rPr lang="ru-RU" dirty="0" err="1" smtClean="0"/>
+              <a:t>различни</a:t>
+            </a:r>
+            <a:r>
+              <a:rPr lang="ru-RU" dirty="0" smtClean="0"/>
+              <a:t> </a:t>
+            </a:r>
+            <a:r>
+              <a:rPr lang="ru-RU" dirty="0" err="1" smtClean="0"/>
+              <a:t>стандарти</a:t>
+            </a:r>
+            <a:r>
+              <a:rPr lang="ru-RU" dirty="0" smtClean="0"/>
+              <a:t> </a:t>
+            </a:r>
+            <a:r>
+              <a:rPr lang="ru-RU" dirty="0" err="1" smtClean="0"/>
+              <a:t>като</a:t>
+            </a:r>
+            <a:r>
+              <a:rPr lang="ru-RU" dirty="0" smtClean="0"/>
+              <a:t> </a:t>
+            </a:r>
+            <a:r>
+              <a:rPr lang="ru-RU" dirty="0" err="1" smtClean="0"/>
+              <a:t>OAuth</a:t>
+            </a:r>
+            <a:r>
+              <a:rPr lang="ru-RU" dirty="0" smtClean="0"/>
+              <a:t> или SSO, </a:t>
+            </a:r>
+            <a:r>
+              <a:rPr lang="ru-RU" dirty="0" err="1" smtClean="0"/>
+              <a:t>които</a:t>
+            </a:r>
+            <a:r>
+              <a:rPr lang="ru-RU" dirty="0" smtClean="0"/>
+              <a:t> </a:t>
+            </a:r>
+            <a:r>
+              <a:rPr lang="ru-RU" dirty="0" err="1" smtClean="0"/>
+              <a:t>улесняват</a:t>
+            </a:r>
+            <a:r>
+              <a:rPr lang="ru-RU" dirty="0" smtClean="0"/>
+              <a:t> </a:t>
+            </a:r>
+            <a:r>
+              <a:rPr lang="ru-RU" dirty="0" err="1" smtClean="0"/>
+              <a:t>потребителите</a:t>
+            </a:r>
+            <a:r>
+              <a:rPr lang="ru-RU" dirty="0" smtClean="0"/>
+              <a:t> и </a:t>
+            </a:r>
+            <a:r>
+              <a:rPr lang="ru-RU" dirty="0" err="1" smtClean="0"/>
+              <a:t>същевременно</a:t>
+            </a:r>
+            <a:r>
+              <a:rPr lang="ru-RU" dirty="0" smtClean="0"/>
+              <a:t> </a:t>
+            </a:r>
+            <a:r>
+              <a:rPr lang="ru-RU" dirty="0" err="1" smtClean="0"/>
+              <a:t>изграждат</a:t>
+            </a:r>
+            <a:r>
+              <a:rPr lang="ru-RU" dirty="0" smtClean="0"/>
+              <a:t> </a:t>
+            </a:r>
+            <a:r>
+              <a:rPr lang="ru-RU" dirty="0" err="1" smtClean="0"/>
+              <a:t>надеждна</a:t>
+            </a:r>
+            <a:r>
+              <a:rPr lang="ru-RU" dirty="0" smtClean="0"/>
+              <a:t> защита.</a:t>
+            </a:r>
+            <a:endParaRPr lang="bg-BG" dirty="0"/>
+          </a:p>
+        </p:txBody>
+      </p:sp>
+      <p:sp>
+        <p:nvSpPr>
+          <p:cNvPr id="4" name="Контейнер за номер на слайда 3"/>
+          <p:cNvSpPr>
+            <a:spLocks noGrp="1"/>
+          </p:cNvSpPr>
+          <p:nvPr>
+            <p:ph type="sldNum" sz="quarter" idx="10"/>
+          </p:nvPr>
+        </p:nvSpPr>
+        <p:spPr/>
+        <p:txBody>
+          <a:bodyPr/>
+          <a:lstStyle/>
+          <a:p>
+            <a:fld id="{92B3BDDD-B122-4854-B130-5A545C054B2F}" type="slidenum">
+              <a:rPr lang="bg-BG" smtClean="0"/>
+              <a:t>5</a:t>
+            </a:fld>
+            <a:endParaRPr lang="bg-BG"/>
+          </a:p>
+        </p:txBody>
+      </p:sp>
+    </p:spTree>
+    <p:extLst>
+      <p:ext uri="{BB962C8B-B14F-4D97-AF65-F5344CB8AC3E}">
+        <p14:creationId xmlns:p14="http://schemas.microsoft.com/office/powerpoint/2010/main" val="403217588"/>
+      </p:ext>
+    </p:extLst>
+  </p:cSld>
+  <p:clrMapOvr>
+    <a:masterClrMapping/>
+  </p:clrMapOvr>
+</p:notes>
+</file>
+
+<file path=ppt/notesSlides/notesSlide6.xml><?xml version="1.0" encoding="utf-8"?>
+<p:notes xmlns:a="http://schemas.openxmlformats.org/drawingml/2006/main" xmlns:r="http://schemas.openxmlformats.org/officeDocument/2006/relationships" xmlns:p="http://schemas.openxmlformats.org/presentationml/2006/main">
+  <p:cSld>
+    <p:spTree>
+      <p:nvGrpSpPr>
+        <p:cNvPr id="1" name=""/>
+        <p:cNvGrpSpPr/>
+        <p:nvPr/>
+      </p:nvGrpSpPr>
+      <p:grpSpPr>
+        <a:xfrm>
+          <a:off x="0" y="0"/>
+          <a:ext cx="0" cy="0"/>
+          <a:chOff x="0" y="0"/>
+          <a:chExt cx="0" cy="0"/>
+        </a:xfrm>
+      </p:grpSpPr>
+      <p:sp>
+        <p:nvSpPr>
+          <p:cNvPr id="2" name="Контейнер за изображение на слайда 1"/>
+          <p:cNvSpPr>
+            <a:spLocks noGrp="1" noRot="1" noChangeAspect="1"/>
+          </p:cNvSpPr>
+          <p:nvPr>
+            <p:ph type="sldImg"/>
+          </p:nvPr>
+        </p:nvSpPr>
+        <p:spPr/>
+      </p:sp>
+      <p:sp>
+        <p:nvSpPr>
+          <p:cNvPr id="3" name="Контейнер за бележки 2"/>
+          <p:cNvSpPr>
+            <a:spLocks noGrp="1"/>
+          </p:cNvSpPr>
+          <p:nvPr>
+            <p:ph type="body" idx="1"/>
+          </p:nvPr>
+        </p:nvSpPr>
+        <p:spPr/>
+        <p:txBody>
+          <a:bodyPr/>
+          <a:lstStyle/>
+          <a:p>
+            <a:r>
+              <a:rPr lang="ru-RU" dirty="0" smtClean="0"/>
+              <a:t>6.	</a:t>
+            </a:r>
+            <a:r>
+              <a:rPr lang="ru-RU" dirty="0" err="1" smtClean="0"/>
+              <a:t>Механизми</a:t>
+            </a:r>
+            <a:r>
+              <a:rPr lang="ru-RU" dirty="0" smtClean="0"/>
+              <a:t> и </a:t>
+            </a:r>
+            <a:r>
+              <a:rPr lang="ru-RU" dirty="0" err="1" smtClean="0"/>
+              <a:t>протоколи</a:t>
+            </a:r>
+            <a:r>
+              <a:rPr lang="ru-RU" dirty="0" smtClean="0"/>
+              <a:t> за </a:t>
+            </a:r>
+            <a:r>
+              <a:rPr lang="ru-RU" dirty="0" err="1" smtClean="0"/>
+              <a:t>удостоверяване</a:t>
+            </a:r>
+            <a:endParaRPr lang="ru-RU" dirty="0" smtClean="0"/>
+          </a:p>
+          <a:p>
+            <a:r>
+              <a:rPr lang="ru-RU" dirty="0" err="1" smtClean="0"/>
+              <a:t>Въпреки</a:t>
+            </a:r>
+            <a:r>
+              <a:rPr lang="ru-RU" dirty="0" smtClean="0"/>
+              <a:t> </a:t>
+            </a:r>
+            <a:r>
+              <a:rPr lang="ru-RU" dirty="0" err="1" smtClean="0"/>
+              <a:t>това</a:t>
+            </a:r>
+            <a:r>
+              <a:rPr lang="ru-RU" dirty="0" smtClean="0"/>
+              <a:t>, интернет е </a:t>
+            </a:r>
+            <a:r>
+              <a:rPr lang="ru-RU" dirty="0" err="1" smtClean="0"/>
+              <a:t>пълен</a:t>
+            </a:r>
+            <a:r>
+              <a:rPr lang="ru-RU" dirty="0" smtClean="0"/>
+              <a:t> и с опасности. </a:t>
+            </a:r>
+            <a:r>
+              <a:rPr lang="ru-RU" dirty="0" err="1" smtClean="0"/>
+              <a:t>Лошите</a:t>
+            </a:r>
+            <a:r>
+              <a:rPr lang="ru-RU" dirty="0" smtClean="0"/>
+              <a:t> хора </a:t>
+            </a:r>
+            <a:r>
+              <a:rPr lang="ru-RU" dirty="0" err="1" smtClean="0"/>
+              <a:t>използват</a:t>
+            </a:r>
+            <a:r>
+              <a:rPr lang="ru-RU" dirty="0" smtClean="0"/>
+              <a:t> слабости </a:t>
+            </a:r>
+            <a:r>
+              <a:rPr lang="ru-RU" dirty="0" err="1" smtClean="0"/>
+              <a:t>като</a:t>
+            </a:r>
+            <a:r>
+              <a:rPr lang="ru-RU" dirty="0" smtClean="0"/>
+              <a:t> </a:t>
+            </a:r>
+            <a:r>
+              <a:rPr lang="ru-RU" dirty="0" err="1" smtClean="0"/>
+              <a:t>слаби</a:t>
+            </a:r>
+            <a:r>
+              <a:rPr lang="ru-RU" dirty="0" smtClean="0"/>
+              <a:t> пароли, SQL инжекции или XSS атаки, за да </a:t>
+            </a:r>
+            <a:r>
+              <a:rPr lang="ru-RU" dirty="0" err="1" smtClean="0"/>
+              <a:t>проникнат</a:t>
+            </a:r>
+            <a:r>
+              <a:rPr lang="ru-RU" dirty="0" smtClean="0"/>
+              <a:t> в </a:t>
+            </a:r>
+            <a:r>
+              <a:rPr lang="ru-RU" dirty="0" err="1" smtClean="0"/>
+              <a:t>системите</a:t>
+            </a:r>
+            <a:r>
+              <a:rPr lang="ru-RU" dirty="0" smtClean="0"/>
+              <a:t>. </a:t>
+            </a:r>
+            <a:r>
+              <a:rPr lang="ru-RU" dirty="0" err="1" smtClean="0"/>
+              <a:t>Затова</a:t>
+            </a:r>
+            <a:r>
+              <a:rPr lang="ru-RU" dirty="0" smtClean="0"/>
+              <a:t> е много важно </a:t>
+            </a:r>
+            <a:r>
+              <a:rPr lang="ru-RU" dirty="0" err="1" smtClean="0"/>
+              <a:t>всичко</a:t>
+            </a:r>
+            <a:r>
+              <a:rPr lang="ru-RU" dirty="0" smtClean="0"/>
+              <a:t> да се </a:t>
+            </a:r>
+            <a:r>
+              <a:rPr lang="ru-RU" dirty="0" err="1" smtClean="0"/>
+              <a:t>защитава</a:t>
+            </a:r>
+            <a:r>
+              <a:rPr lang="ru-RU" dirty="0" smtClean="0"/>
+              <a:t> </a:t>
+            </a:r>
+            <a:r>
+              <a:rPr lang="ru-RU" dirty="0" err="1" smtClean="0"/>
+              <a:t>правилно</a:t>
+            </a:r>
+            <a:r>
+              <a:rPr lang="ru-RU" dirty="0" smtClean="0"/>
+              <a:t>: да се </a:t>
+            </a:r>
+            <a:r>
+              <a:rPr lang="ru-RU" dirty="0" err="1" smtClean="0"/>
+              <a:t>използват</a:t>
+            </a:r>
+            <a:r>
+              <a:rPr lang="ru-RU" dirty="0" smtClean="0"/>
+              <a:t> </a:t>
+            </a:r>
+            <a:r>
+              <a:rPr lang="ru-RU" dirty="0" err="1" smtClean="0"/>
+              <a:t>силни</a:t>
+            </a:r>
+            <a:r>
+              <a:rPr lang="ru-RU" dirty="0" smtClean="0"/>
+              <a:t> пароли, </a:t>
+            </a:r>
+            <a:r>
+              <a:rPr lang="ru-RU" dirty="0" err="1" smtClean="0"/>
+              <a:t>криптиране</a:t>
+            </a:r>
+            <a:r>
+              <a:rPr lang="ru-RU" dirty="0" smtClean="0"/>
+              <a:t> и </a:t>
+            </a:r>
+            <a:r>
+              <a:rPr lang="ru-RU" dirty="0" err="1" smtClean="0"/>
+              <a:t>двуфакторна</a:t>
+            </a:r>
+            <a:r>
+              <a:rPr lang="ru-RU" dirty="0" smtClean="0"/>
+              <a:t> </a:t>
+            </a:r>
+            <a:r>
+              <a:rPr lang="ru-RU" dirty="0" err="1" smtClean="0"/>
+              <a:t>автентикация</a:t>
+            </a:r>
+            <a:r>
+              <a:rPr lang="ru-RU" dirty="0" smtClean="0"/>
+              <a:t>. </a:t>
+            </a:r>
+            <a:r>
+              <a:rPr lang="ru-RU" dirty="0" err="1" smtClean="0"/>
+              <a:t>Тази</a:t>
+            </a:r>
+            <a:r>
+              <a:rPr lang="ru-RU" dirty="0" smtClean="0"/>
+              <a:t> </a:t>
+            </a:r>
+            <a:r>
+              <a:rPr lang="ru-RU" dirty="0" err="1" smtClean="0"/>
+              <a:t>сигурност</a:t>
+            </a:r>
+            <a:r>
+              <a:rPr lang="ru-RU" dirty="0" smtClean="0"/>
+              <a:t> е важна не само за </a:t>
+            </a:r>
+            <a:r>
+              <a:rPr lang="ru-RU" dirty="0" err="1" smtClean="0"/>
+              <a:t>личната</a:t>
+            </a:r>
+            <a:r>
+              <a:rPr lang="ru-RU" dirty="0" smtClean="0"/>
+              <a:t> защита, но и за </a:t>
+            </a:r>
+            <a:r>
+              <a:rPr lang="ru-RU" dirty="0" err="1" smtClean="0"/>
+              <a:t>защитата</a:t>
+            </a:r>
+            <a:r>
+              <a:rPr lang="ru-RU" dirty="0" smtClean="0"/>
+              <a:t> на </a:t>
+            </a:r>
+            <a:r>
+              <a:rPr lang="ru-RU" dirty="0" err="1" smtClean="0"/>
+              <a:t>цялата</a:t>
+            </a:r>
+            <a:r>
+              <a:rPr lang="ru-RU" dirty="0" smtClean="0"/>
+              <a:t> система.</a:t>
+            </a:r>
+          </a:p>
+          <a:p>
+            <a:endParaRPr lang="bg-BG" dirty="0"/>
+          </a:p>
+        </p:txBody>
+      </p:sp>
+      <p:sp>
+        <p:nvSpPr>
+          <p:cNvPr id="4" name="Контейнер за номер на слайда 3"/>
+          <p:cNvSpPr>
+            <a:spLocks noGrp="1"/>
+          </p:cNvSpPr>
+          <p:nvPr>
+            <p:ph type="sldNum" sz="quarter" idx="10"/>
+          </p:nvPr>
+        </p:nvSpPr>
+        <p:spPr/>
+        <p:txBody>
+          <a:bodyPr/>
+          <a:lstStyle/>
+          <a:p>
+            <a:fld id="{92B3BDDD-B122-4854-B130-5A545C054B2F}" type="slidenum">
+              <a:rPr lang="bg-BG" smtClean="0"/>
+              <a:t>6</a:t>
+            </a:fld>
+            <a:endParaRPr lang="bg-BG"/>
+          </a:p>
+        </p:txBody>
+      </p:sp>
+    </p:spTree>
+    <p:extLst>
+      <p:ext uri="{BB962C8B-B14F-4D97-AF65-F5344CB8AC3E}">
+        <p14:creationId xmlns:p14="http://schemas.microsoft.com/office/powerpoint/2010/main" val="2365495576"/>
+      </p:ext>
+    </p:extLst>
+  </p:cSld>
+  <p:clrMapOvr>
+    <a:masterClrMapping/>
+  </p:clrMapOvr>
+</p:notes>
+</file>
+
+<file path=ppt/notesSlides/notesSlide7.xml><?xml version="1.0" encoding="utf-8"?>
+<p:notes xmlns:a="http://schemas.openxmlformats.org/drawingml/2006/main" xmlns:r="http://schemas.openxmlformats.org/officeDocument/2006/relationships" xmlns:p="http://schemas.openxmlformats.org/presentationml/2006/main">
+  <p:cSld>
+    <p:spTree>
+      <p:nvGrpSpPr>
+        <p:cNvPr id="1" name=""/>
+        <p:cNvGrpSpPr/>
+        <p:nvPr/>
+      </p:nvGrpSpPr>
+      <p:grpSpPr>
+        <a:xfrm>
+          <a:off x="0" y="0"/>
+          <a:ext cx="0" cy="0"/>
+          <a:chOff x="0" y="0"/>
+          <a:chExt cx="0" cy="0"/>
+        </a:xfrm>
+      </p:grpSpPr>
+      <p:sp>
+        <p:nvSpPr>
+          <p:cNvPr id="2" name="Контейнер за изображение на слайда 1"/>
+          <p:cNvSpPr>
+            <a:spLocks noGrp="1" noRot="1" noChangeAspect="1"/>
+          </p:cNvSpPr>
+          <p:nvPr>
+            <p:ph type="sldImg"/>
+          </p:nvPr>
+        </p:nvSpPr>
+        <p:spPr/>
+      </p:sp>
+      <p:sp>
+        <p:nvSpPr>
+          <p:cNvPr id="3" name="Контейнер за бележки 2"/>
+          <p:cNvSpPr>
+            <a:spLocks noGrp="1"/>
+          </p:cNvSpPr>
+          <p:nvPr>
+            <p:ph type="body" idx="1"/>
+          </p:nvPr>
+        </p:nvSpPr>
+        <p:spPr/>
+        <p:txBody>
+          <a:bodyPr/>
+          <a:lstStyle/>
+          <a:p>
+            <a:r>
+              <a:rPr lang="ru-RU" dirty="0" smtClean="0"/>
+              <a:t>7.	</a:t>
+            </a:r>
+            <a:r>
+              <a:rPr lang="ru-RU" dirty="0" err="1" smtClean="0"/>
+              <a:t>Типични</a:t>
+            </a:r>
+            <a:r>
+              <a:rPr lang="ru-RU" dirty="0" smtClean="0"/>
+              <a:t> уязвимости и </a:t>
+            </a:r>
+            <a:r>
+              <a:rPr lang="ru-RU" dirty="0" err="1" smtClean="0"/>
+              <a:t>добри</a:t>
+            </a:r>
+            <a:r>
+              <a:rPr lang="ru-RU" dirty="0" smtClean="0"/>
+              <a:t> практики</a:t>
+            </a:r>
+          </a:p>
+          <a:p>
+            <a:r>
+              <a:rPr lang="ru-RU" dirty="0" smtClean="0"/>
+              <a:t>Интернет </a:t>
+            </a:r>
+            <a:r>
+              <a:rPr lang="ru-RU" dirty="0" err="1" smtClean="0"/>
+              <a:t>системите</a:t>
+            </a:r>
+            <a:r>
+              <a:rPr lang="ru-RU" dirty="0" smtClean="0"/>
+              <a:t> </a:t>
+            </a:r>
+            <a:r>
+              <a:rPr lang="ru-RU" dirty="0" err="1" smtClean="0"/>
+              <a:t>често</a:t>
+            </a:r>
+            <a:r>
+              <a:rPr lang="ru-RU" dirty="0" smtClean="0"/>
+              <a:t> </a:t>
+            </a:r>
+            <a:r>
+              <a:rPr lang="ru-RU" dirty="0" err="1" smtClean="0"/>
+              <a:t>са</a:t>
+            </a:r>
+            <a:r>
+              <a:rPr lang="ru-RU" dirty="0" smtClean="0"/>
+              <a:t> </a:t>
+            </a:r>
+            <a:r>
+              <a:rPr lang="ru-RU" dirty="0" err="1" smtClean="0"/>
+              <a:t>уязвими</a:t>
+            </a:r>
+            <a:r>
+              <a:rPr lang="ru-RU" dirty="0" smtClean="0"/>
+              <a:t> </a:t>
+            </a:r>
+            <a:r>
+              <a:rPr lang="ru-RU" dirty="0" err="1" smtClean="0"/>
+              <a:t>към</a:t>
+            </a:r>
+            <a:r>
+              <a:rPr lang="ru-RU" dirty="0" smtClean="0"/>
+              <a:t> слабости </a:t>
+            </a:r>
+            <a:r>
+              <a:rPr lang="ru-RU" dirty="0" err="1" smtClean="0"/>
+              <a:t>като</a:t>
+            </a:r>
+            <a:r>
+              <a:rPr lang="ru-RU" dirty="0" smtClean="0"/>
+              <a:t> </a:t>
+            </a:r>
+            <a:r>
+              <a:rPr lang="ru-RU" dirty="0" err="1" smtClean="0"/>
+              <a:t>слаби</a:t>
+            </a:r>
+            <a:r>
+              <a:rPr lang="ru-RU" dirty="0" smtClean="0"/>
+              <a:t> пароли, SQL инжекции, XSS атаки и </a:t>
+            </a:r>
+            <a:r>
+              <a:rPr lang="ru-RU" dirty="0" err="1" smtClean="0"/>
+              <a:t>други</a:t>
+            </a:r>
+            <a:r>
+              <a:rPr lang="ru-RU" dirty="0" smtClean="0"/>
+              <a:t>. За да се </a:t>
+            </a:r>
+            <a:r>
+              <a:rPr lang="ru-RU" dirty="0" err="1" smtClean="0"/>
+              <a:t>предпазим</a:t>
+            </a:r>
+            <a:r>
+              <a:rPr lang="ru-RU" dirty="0" smtClean="0"/>
+              <a:t> от </a:t>
+            </a:r>
+            <a:r>
+              <a:rPr lang="ru-RU" dirty="0" err="1" smtClean="0"/>
+              <a:t>това</a:t>
+            </a:r>
+            <a:r>
+              <a:rPr lang="ru-RU" dirty="0" smtClean="0"/>
+              <a:t> , е важно да </a:t>
+            </a:r>
+            <a:r>
+              <a:rPr lang="ru-RU" dirty="0" err="1" smtClean="0"/>
+              <a:t>използваме</a:t>
+            </a:r>
+            <a:r>
+              <a:rPr lang="ru-RU" dirty="0" smtClean="0"/>
+              <a:t> </a:t>
+            </a:r>
+            <a:r>
+              <a:rPr lang="ru-RU" dirty="0" err="1" smtClean="0"/>
+              <a:t>силни</a:t>
+            </a:r>
+            <a:r>
+              <a:rPr lang="ru-RU" dirty="0" smtClean="0"/>
+              <a:t> пароли, </a:t>
+            </a:r>
+            <a:r>
+              <a:rPr lang="ru-RU" dirty="0" err="1" smtClean="0"/>
+              <a:t>криптиране</a:t>
+            </a:r>
+            <a:r>
+              <a:rPr lang="ru-RU" dirty="0" smtClean="0"/>
+              <a:t> и </a:t>
+            </a:r>
+            <a:r>
+              <a:rPr lang="ru-RU" dirty="0" err="1" smtClean="0"/>
+              <a:t>двуфакторна</a:t>
+            </a:r>
+            <a:r>
+              <a:rPr lang="ru-RU" dirty="0" smtClean="0"/>
+              <a:t> </a:t>
+            </a:r>
+            <a:r>
+              <a:rPr lang="ru-RU" dirty="0" err="1" smtClean="0"/>
+              <a:t>автентикация</a:t>
+            </a:r>
+            <a:r>
+              <a:rPr lang="ru-RU" dirty="0" smtClean="0"/>
+              <a:t>, </a:t>
+            </a:r>
+            <a:r>
+              <a:rPr lang="ru-RU" dirty="0" err="1" smtClean="0"/>
+              <a:t>което</a:t>
+            </a:r>
+            <a:r>
+              <a:rPr lang="ru-RU" dirty="0" smtClean="0"/>
+              <a:t> </a:t>
+            </a:r>
+            <a:r>
+              <a:rPr lang="ru-RU" dirty="0" err="1" smtClean="0"/>
+              <a:t>осигурява</a:t>
+            </a:r>
+            <a:r>
+              <a:rPr lang="ru-RU" dirty="0" smtClean="0"/>
+              <a:t> </a:t>
+            </a:r>
+            <a:r>
+              <a:rPr lang="ru-RU" dirty="0" err="1" smtClean="0"/>
+              <a:t>по-висока</a:t>
+            </a:r>
+            <a:r>
+              <a:rPr lang="ru-RU" dirty="0" smtClean="0"/>
+              <a:t> </a:t>
+            </a:r>
+            <a:r>
+              <a:rPr lang="ru-RU" dirty="0" err="1" smtClean="0"/>
+              <a:t>сигурност</a:t>
+            </a:r>
+            <a:r>
+              <a:rPr lang="ru-RU" dirty="0" smtClean="0"/>
+              <a:t> </a:t>
+            </a:r>
+            <a:r>
+              <a:rPr lang="ru-RU" dirty="0" err="1" smtClean="0"/>
+              <a:t>както</a:t>
+            </a:r>
+            <a:r>
+              <a:rPr lang="ru-RU" dirty="0" smtClean="0"/>
+              <a:t> за </a:t>
+            </a:r>
+            <a:r>
+              <a:rPr lang="ru-RU" dirty="0" err="1" smtClean="0"/>
+              <a:t>личната</a:t>
+            </a:r>
+            <a:r>
+              <a:rPr lang="ru-RU" dirty="0" smtClean="0"/>
+              <a:t> информация, </a:t>
+            </a:r>
+            <a:r>
+              <a:rPr lang="ru-RU" dirty="0" err="1" smtClean="0"/>
+              <a:t>така</a:t>
+            </a:r>
+            <a:r>
+              <a:rPr lang="ru-RU" dirty="0" smtClean="0"/>
+              <a:t> и за </a:t>
+            </a:r>
+            <a:r>
+              <a:rPr lang="ru-RU" dirty="0" err="1" smtClean="0"/>
+              <a:t>цялата</a:t>
+            </a:r>
+            <a:r>
+              <a:rPr lang="ru-RU" dirty="0" smtClean="0"/>
+              <a:t> система.</a:t>
+            </a:r>
+          </a:p>
+          <a:p>
+            <a:endParaRPr lang="bg-BG" dirty="0"/>
+          </a:p>
+        </p:txBody>
+      </p:sp>
+      <p:sp>
+        <p:nvSpPr>
+          <p:cNvPr id="4" name="Контейнер за номер на слайда 3"/>
+          <p:cNvSpPr>
+            <a:spLocks noGrp="1"/>
+          </p:cNvSpPr>
+          <p:nvPr>
+            <p:ph type="sldNum" sz="quarter" idx="10"/>
+          </p:nvPr>
+        </p:nvSpPr>
+        <p:spPr/>
+        <p:txBody>
+          <a:bodyPr/>
+          <a:lstStyle/>
+          <a:p>
+            <a:fld id="{92B3BDDD-B122-4854-B130-5A545C054B2F}" type="slidenum">
+              <a:rPr lang="bg-BG" smtClean="0"/>
+              <a:t>7</a:t>
+            </a:fld>
+            <a:endParaRPr lang="bg-BG"/>
+          </a:p>
+        </p:txBody>
+      </p:sp>
+    </p:spTree>
+    <p:extLst>
+      <p:ext uri="{BB962C8B-B14F-4D97-AF65-F5344CB8AC3E}">
+        <p14:creationId xmlns:p14="http://schemas.microsoft.com/office/powerpoint/2010/main" val="402198134"/>
+      </p:ext>
+    </p:extLst>
+  </p:cSld>
+  <p:clrMapOvr>
+    <a:masterClrMapping/>
+  </p:clrMapOvr>
+</p:notes>
+</file>
+
+<file path=ppt/notesSlides/notesSlide8.xml><?xml version="1.0" encoding="utf-8"?>
+<p:notes xmlns:a="http://schemas.openxmlformats.org/drawingml/2006/main" xmlns:r="http://schemas.openxmlformats.org/officeDocument/2006/relationships" xmlns:p="http://schemas.openxmlformats.org/presentationml/2006/main">
+  <p:cSld>
+    <p:spTree>
+      <p:nvGrpSpPr>
+        <p:cNvPr id="1" name=""/>
+        <p:cNvGrpSpPr/>
+        <p:nvPr/>
+      </p:nvGrpSpPr>
+      <p:grpSpPr>
+        <a:xfrm>
+          <a:off x="0" y="0"/>
+          <a:ext cx="0" cy="0"/>
+          <a:chOff x="0" y="0"/>
+          <a:chExt cx="0" cy="0"/>
+        </a:xfrm>
+      </p:grpSpPr>
+      <p:sp>
+        <p:nvSpPr>
+          <p:cNvPr id="2" name="Контейнер за изображение на слайда 1"/>
+          <p:cNvSpPr>
+            <a:spLocks noGrp="1" noRot="1" noChangeAspect="1"/>
+          </p:cNvSpPr>
+          <p:nvPr>
+            <p:ph type="sldImg"/>
+          </p:nvPr>
+        </p:nvSpPr>
+        <p:spPr/>
+      </p:sp>
+      <p:sp>
+        <p:nvSpPr>
+          <p:cNvPr id="3" name="Контейнер за бележки 2"/>
+          <p:cNvSpPr>
+            <a:spLocks noGrp="1"/>
+          </p:cNvSpPr>
+          <p:nvPr>
+            <p:ph type="body" idx="1"/>
+          </p:nvPr>
+        </p:nvSpPr>
+        <p:spPr/>
+        <p:txBody>
+          <a:bodyPr/>
+          <a:lstStyle/>
+          <a:p>
+            <a:r>
+              <a:rPr lang="ru-RU" dirty="0" smtClean="0"/>
+              <a:t>8.	</a:t>
+            </a:r>
+            <a:r>
+              <a:rPr lang="ru-RU" dirty="0" err="1" smtClean="0"/>
+              <a:t>Процес</a:t>
+            </a:r>
+            <a:r>
+              <a:rPr lang="ru-RU" dirty="0" smtClean="0"/>
+              <a:t> на </a:t>
+            </a:r>
+            <a:r>
+              <a:rPr lang="ru-RU" dirty="0" err="1" smtClean="0"/>
+              <a:t>оторизация</a:t>
+            </a:r>
+            <a:endParaRPr lang="ru-RU" dirty="0" smtClean="0"/>
+          </a:p>
+          <a:p>
+            <a:r>
+              <a:rPr lang="ru-RU" dirty="0" err="1" smtClean="0"/>
+              <a:t>Ролева</a:t>
+            </a:r>
+            <a:r>
+              <a:rPr lang="ru-RU" dirty="0" smtClean="0"/>
+              <a:t> (RBAC) – роли и права, например администратор, </a:t>
+            </a:r>
+            <a:r>
+              <a:rPr lang="ru-RU" dirty="0" err="1" smtClean="0"/>
+              <a:t>потребител</a:t>
+            </a:r>
+            <a:endParaRPr lang="ru-RU" dirty="0" smtClean="0"/>
+          </a:p>
+          <a:p>
+            <a:r>
+              <a:rPr lang="ru-RU" dirty="0" err="1" smtClean="0"/>
+              <a:t>Атрибутна</a:t>
+            </a:r>
+            <a:r>
+              <a:rPr lang="ru-RU" dirty="0" smtClean="0"/>
+              <a:t> (ABAC) – основана на </a:t>
+            </a:r>
+            <a:r>
+              <a:rPr lang="ru-RU" dirty="0" err="1" smtClean="0"/>
+              <a:t>атрибути</a:t>
+            </a:r>
+            <a:r>
+              <a:rPr lang="ru-RU" dirty="0" smtClean="0"/>
+              <a:t> </a:t>
+            </a:r>
+            <a:r>
+              <a:rPr lang="ru-RU" dirty="0" err="1" smtClean="0"/>
+              <a:t>като</a:t>
+            </a:r>
+            <a:r>
+              <a:rPr lang="ru-RU" dirty="0" smtClean="0"/>
+              <a:t> час, местоположение</a:t>
+            </a:r>
+          </a:p>
+          <a:p>
+            <a:r>
+              <a:rPr lang="ru-RU" dirty="0" err="1" smtClean="0"/>
+              <a:t>Примери</a:t>
+            </a:r>
+            <a:r>
+              <a:rPr lang="ru-RU" dirty="0" smtClean="0"/>
+              <a:t> за нива на </a:t>
+            </a:r>
+            <a:r>
+              <a:rPr lang="ru-RU" dirty="0" err="1" smtClean="0"/>
+              <a:t>достъп</a:t>
+            </a:r>
+            <a:r>
+              <a:rPr lang="ru-RU" dirty="0" smtClean="0"/>
+              <a:t>: гост, </a:t>
+            </a:r>
+            <a:r>
+              <a:rPr lang="ru-RU" dirty="0" err="1" smtClean="0"/>
+              <a:t>регистриран</a:t>
+            </a:r>
+            <a:r>
+              <a:rPr lang="ru-RU" dirty="0" smtClean="0"/>
+              <a:t>, администратор.</a:t>
+            </a:r>
+          </a:p>
+          <a:p>
+            <a:r>
+              <a:rPr lang="ru-RU" dirty="0" err="1" smtClean="0"/>
+              <a:t>Оторизацията</a:t>
+            </a:r>
+            <a:r>
+              <a:rPr lang="ru-RU" dirty="0" smtClean="0"/>
+              <a:t> </a:t>
+            </a:r>
+            <a:r>
+              <a:rPr lang="ru-RU" dirty="0" err="1" smtClean="0"/>
+              <a:t>определя</a:t>
+            </a:r>
+            <a:r>
+              <a:rPr lang="ru-RU" dirty="0" smtClean="0"/>
+              <a:t> </a:t>
+            </a:r>
+            <a:r>
+              <a:rPr lang="ru-RU" dirty="0" err="1" smtClean="0"/>
+              <a:t>правата</a:t>
+            </a:r>
+            <a:r>
+              <a:rPr lang="ru-RU" dirty="0" smtClean="0"/>
+              <a:t> на потребителя след </a:t>
+            </a:r>
+            <a:r>
+              <a:rPr lang="ru-RU" dirty="0" err="1" smtClean="0"/>
+              <a:t>удостоверяване</a:t>
+            </a:r>
+            <a:r>
+              <a:rPr lang="ru-RU" dirty="0" smtClean="0"/>
+              <a:t>. </a:t>
+            </a:r>
+            <a:r>
+              <a:rPr lang="ru-RU" dirty="0" err="1" smtClean="0"/>
+              <a:t>Системи</a:t>
+            </a:r>
+            <a:r>
+              <a:rPr lang="ru-RU" dirty="0" smtClean="0"/>
+              <a:t> </a:t>
+            </a:r>
+            <a:r>
+              <a:rPr lang="ru-RU" dirty="0" err="1" smtClean="0"/>
+              <a:t>използват</a:t>
+            </a:r>
+            <a:r>
+              <a:rPr lang="ru-RU" dirty="0" smtClean="0"/>
+              <a:t> </a:t>
+            </a:r>
+            <a:r>
+              <a:rPr lang="ru-RU" dirty="0" err="1" smtClean="0"/>
+              <a:t>ролева</a:t>
+            </a:r>
+            <a:r>
+              <a:rPr lang="ru-RU" dirty="0" smtClean="0"/>
+              <a:t> (RBAC) или </a:t>
+            </a:r>
+            <a:r>
+              <a:rPr lang="ru-RU" dirty="0" err="1" smtClean="0"/>
+              <a:t>атрибутна</a:t>
+            </a:r>
+            <a:r>
+              <a:rPr lang="ru-RU" dirty="0" smtClean="0"/>
+              <a:t> (ABAC) модели. </a:t>
+            </a:r>
+            <a:r>
+              <a:rPr lang="ru-RU" dirty="0" err="1" smtClean="0"/>
+              <a:t>Примери</a:t>
+            </a:r>
+            <a:r>
+              <a:rPr lang="ru-RU" dirty="0" smtClean="0"/>
+              <a:t> за нива на </a:t>
+            </a:r>
+            <a:r>
+              <a:rPr lang="ru-RU" dirty="0" err="1" smtClean="0"/>
+              <a:t>достъп</a:t>
+            </a:r>
+            <a:r>
+              <a:rPr lang="ru-RU" dirty="0" smtClean="0"/>
+              <a:t> </a:t>
+            </a:r>
+            <a:r>
+              <a:rPr lang="ru-RU" dirty="0" err="1" smtClean="0"/>
+              <a:t>са</a:t>
+            </a:r>
+            <a:r>
+              <a:rPr lang="ru-RU" dirty="0" smtClean="0"/>
+              <a:t> гост, </a:t>
+            </a:r>
+            <a:r>
+              <a:rPr lang="ru-RU" dirty="0" err="1" smtClean="0"/>
+              <a:t>регистриран</a:t>
+            </a:r>
+            <a:r>
+              <a:rPr lang="ru-RU" dirty="0" smtClean="0"/>
+              <a:t> или администратор, </a:t>
+            </a:r>
+            <a:r>
+              <a:rPr lang="ru-RU" dirty="0" err="1" smtClean="0"/>
+              <a:t>всеки</a:t>
+            </a:r>
+            <a:r>
+              <a:rPr lang="ru-RU" dirty="0" smtClean="0"/>
+              <a:t> </a:t>
+            </a:r>
+            <a:r>
+              <a:rPr lang="ru-RU" dirty="0" err="1" smtClean="0"/>
+              <a:t>със</a:t>
+            </a:r>
+            <a:r>
+              <a:rPr lang="ru-RU" dirty="0" smtClean="0"/>
+              <a:t> </a:t>
+            </a:r>
+            <a:r>
+              <a:rPr lang="ru-RU" dirty="0" err="1" smtClean="0"/>
+              <a:t>собствен</a:t>
+            </a:r>
+            <a:r>
+              <a:rPr lang="ru-RU" dirty="0" smtClean="0"/>
+              <a:t> набор от права.</a:t>
+            </a:r>
+          </a:p>
+          <a:p>
+            <a:endParaRPr lang="bg-BG" dirty="0"/>
+          </a:p>
+        </p:txBody>
+      </p:sp>
+      <p:sp>
+        <p:nvSpPr>
+          <p:cNvPr id="4" name="Контейнер за номер на слайда 3"/>
+          <p:cNvSpPr>
+            <a:spLocks noGrp="1"/>
+          </p:cNvSpPr>
+          <p:nvPr>
+            <p:ph type="sldNum" sz="quarter" idx="10"/>
+          </p:nvPr>
+        </p:nvSpPr>
+        <p:spPr/>
+        <p:txBody>
+          <a:bodyPr/>
+          <a:lstStyle/>
+          <a:p>
+            <a:fld id="{92B3BDDD-B122-4854-B130-5A545C054B2F}" type="slidenum">
+              <a:rPr lang="bg-BG" smtClean="0"/>
+              <a:t>8</a:t>
+            </a:fld>
+            <a:endParaRPr lang="bg-BG"/>
+          </a:p>
+        </p:txBody>
+      </p:sp>
+    </p:spTree>
+    <p:extLst>
+      <p:ext uri="{BB962C8B-B14F-4D97-AF65-F5344CB8AC3E}">
+        <p14:creationId xmlns:p14="http://schemas.microsoft.com/office/powerpoint/2010/main" val="789688810"/>
+      </p:ext>
+    </p:extLst>
+  </p:cSld>
+  <p:clrMapOvr>
+    <a:masterClrMapping/>
+  </p:clrMapOvr>
+</p:notes>
+</file>
+
+<file path=ppt/notesSlides/notesSlide9.xml><?xml version="1.0" encoding="utf-8"?>
+<p:notes xmlns:a="http://schemas.openxmlformats.org/drawingml/2006/main" xmlns:r="http://schemas.openxmlformats.org/officeDocument/2006/relationships" xmlns:p="http://schemas.openxmlformats.org/presentationml/2006/main">
+  <p:cSld>
+    <p:spTree>
+      <p:nvGrpSpPr>
+        <p:cNvPr id="1" name=""/>
+        <p:cNvGrpSpPr/>
+        <p:nvPr/>
+      </p:nvGrpSpPr>
+      <p:grpSpPr>
+        <a:xfrm>
+          <a:off x="0" y="0"/>
+          <a:ext cx="0" cy="0"/>
+          <a:chOff x="0" y="0"/>
+          <a:chExt cx="0" cy="0"/>
+        </a:xfrm>
+      </p:grpSpPr>
+      <p:sp>
+        <p:nvSpPr>
+          <p:cNvPr id="2" name="Контейнер за изображение на слайда 1"/>
+          <p:cNvSpPr>
+            <a:spLocks noGrp="1" noRot="1" noChangeAspect="1"/>
+          </p:cNvSpPr>
+          <p:nvPr>
+            <p:ph type="sldImg"/>
+          </p:nvPr>
+        </p:nvSpPr>
+        <p:spPr/>
+      </p:sp>
+      <p:sp>
+        <p:nvSpPr>
+          <p:cNvPr id="3" name="Контейнер за бележки 2"/>
+          <p:cNvSpPr>
+            <a:spLocks noGrp="1"/>
+          </p:cNvSpPr>
+          <p:nvPr>
+            <p:ph type="body" idx="1"/>
+          </p:nvPr>
+        </p:nvSpPr>
+        <p:spPr/>
+        <p:txBody>
+          <a:bodyPr/>
+          <a:lstStyle/>
+          <a:p>
+            <a:r>
+              <a:rPr lang="ru-RU" dirty="0" smtClean="0"/>
+              <a:t>9.	</a:t>
+            </a:r>
+            <a:r>
+              <a:rPr lang="ru-RU" dirty="0" err="1" smtClean="0"/>
+              <a:t>Архитектурни</a:t>
+            </a:r>
+            <a:r>
+              <a:rPr lang="ru-RU" dirty="0" smtClean="0"/>
+              <a:t> модели и </a:t>
+            </a:r>
+            <a:r>
+              <a:rPr lang="ru-RU" dirty="0" err="1" smtClean="0"/>
+              <a:t>стандарти</a:t>
+            </a:r>
+            <a:endParaRPr lang="ru-RU" dirty="0" smtClean="0"/>
+          </a:p>
+          <a:p>
+            <a:r>
+              <a:rPr lang="ru-RU" dirty="0" err="1" smtClean="0"/>
+              <a:t>Използват</a:t>
+            </a:r>
+            <a:r>
+              <a:rPr lang="ru-RU" dirty="0" smtClean="0"/>
+              <a:t> се </a:t>
+            </a:r>
+            <a:r>
+              <a:rPr lang="ru-RU" dirty="0" err="1" smtClean="0"/>
+              <a:t>механизми</a:t>
+            </a:r>
+            <a:r>
+              <a:rPr lang="ru-RU" dirty="0" smtClean="0"/>
+              <a:t> </a:t>
+            </a:r>
+            <a:r>
+              <a:rPr lang="ru-RU" dirty="0" err="1" smtClean="0"/>
+              <a:t>като</a:t>
+            </a:r>
+            <a:r>
+              <a:rPr lang="ru-RU" dirty="0" smtClean="0"/>
+              <a:t> </a:t>
+            </a:r>
+            <a:r>
+              <a:rPr lang="ru-RU" dirty="0" err="1" smtClean="0"/>
+              <a:t>сесии</a:t>
+            </a:r>
+            <a:r>
+              <a:rPr lang="ru-RU" dirty="0" smtClean="0"/>
+              <a:t>, </a:t>
+            </a:r>
+            <a:r>
+              <a:rPr lang="ru-RU" dirty="0" err="1" smtClean="0"/>
+              <a:t>бисквитки</a:t>
+            </a:r>
+            <a:r>
+              <a:rPr lang="ru-RU" dirty="0" smtClean="0"/>
+              <a:t> и JSON </a:t>
+            </a:r>
+            <a:r>
+              <a:rPr lang="ru-RU" dirty="0" err="1" smtClean="0"/>
+              <a:t>Web</a:t>
+            </a:r>
+            <a:r>
+              <a:rPr lang="ru-RU" dirty="0" smtClean="0"/>
+              <a:t> </a:t>
+            </a:r>
+            <a:r>
+              <a:rPr lang="ru-RU" dirty="0" err="1" smtClean="0"/>
+              <a:t>Tokens</a:t>
+            </a:r>
+            <a:r>
+              <a:rPr lang="ru-RU" dirty="0" smtClean="0"/>
+              <a:t> (JWT) за управление на </a:t>
+            </a:r>
+            <a:r>
+              <a:rPr lang="ru-RU" dirty="0" err="1" smtClean="0"/>
+              <a:t>удостоверяването</a:t>
+            </a:r>
+            <a:r>
+              <a:rPr lang="ru-RU" dirty="0" smtClean="0"/>
+              <a:t> и </a:t>
+            </a:r>
+            <a:r>
+              <a:rPr lang="ru-RU" dirty="0" err="1" smtClean="0"/>
+              <a:t>достъпа</a:t>
+            </a:r>
+            <a:r>
+              <a:rPr lang="ru-RU" dirty="0" smtClean="0"/>
+              <a:t>. </a:t>
+            </a:r>
+            <a:r>
+              <a:rPr lang="ru-RU" dirty="0" err="1" smtClean="0"/>
+              <a:t>Възможно</a:t>
+            </a:r>
+            <a:r>
+              <a:rPr lang="ru-RU" dirty="0" smtClean="0"/>
+              <a:t> е </a:t>
+            </a:r>
+            <a:r>
+              <a:rPr lang="ru-RU" dirty="0" err="1" smtClean="0"/>
+              <a:t>използване</a:t>
+            </a:r>
+            <a:r>
+              <a:rPr lang="ru-RU" dirty="0" smtClean="0"/>
+              <a:t> на </a:t>
+            </a:r>
+            <a:r>
+              <a:rPr lang="ru-RU" dirty="0" err="1" smtClean="0"/>
+              <a:t>различни</a:t>
+            </a:r>
+            <a:r>
+              <a:rPr lang="ru-RU" dirty="0" smtClean="0"/>
+              <a:t> библиотеки и рамки </a:t>
+            </a:r>
+            <a:r>
+              <a:rPr lang="ru-RU" dirty="0" err="1" smtClean="0"/>
+              <a:t>като</a:t>
+            </a:r>
+            <a:r>
+              <a:rPr lang="ru-RU" dirty="0" smtClean="0"/>
+              <a:t> </a:t>
+            </a:r>
+            <a:r>
+              <a:rPr lang="ru-RU" dirty="0" err="1" smtClean="0"/>
+              <a:t>Django</a:t>
+            </a:r>
+            <a:r>
+              <a:rPr lang="ru-RU" dirty="0" smtClean="0"/>
+              <a:t> </a:t>
+            </a:r>
+            <a:r>
+              <a:rPr lang="ru-RU" dirty="0" err="1" smtClean="0"/>
+              <a:t>системата</a:t>
+            </a:r>
+            <a:r>
+              <a:rPr lang="ru-RU" dirty="0" smtClean="0"/>
+              <a:t> за </a:t>
+            </a:r>
+            <a:r>
+              <a:rPr lang="ru-RU" dirty="0" err="1" smtClean="0"/>
+              <a:t>удостоверяване</a:t>
+            </a:r>
+            <a:r>
+              <a:rPr lang="ru-RU" dirty="0" smtClean="0"/>
+              <a:t> и авторизация.</a:t>
+            </a:r>
+          </a:p>
+          <a:p>
+            <a:endParaRPr lang="bg-BG" dirty="0"/>
+          </a:p>
+        </p:txBody>
+      </p:sp>
+      <p:sp>
+        <p:nvSpPr>
+          <p:cNvPr id="4" name="Контейнер за номер на слайда 3"/>
+          <p:cNvSpPr>
+            <a:spLocks noGrp="1"/>
+          </p:cNvSpPr>
+          <p:nvPr>
+            <p:ph type="sldNum" sz="quarter" idx="10"/>
+          </p:nvPr>
+        </p:nvSpPr>
+        <p:spPr/>
+        <p:txBody>
+          <a:bodyPr/>
+          <a:lstStyle/>
+          <a:p>
+            <a:fld id="{92B3BDDD-B122-4854-B130-5A545C054B2F}" type="slidenum">
+              <a:rPr lang="bg-BG" smtClean="0"/>
+              <a:t>9</a:t>
+            </a:fld>
+            <a:endParaRPr lang="bg-BG"/>
+          </a:p>
+        </p:txBody>
+      </p:sp>
+    </p:spTree>
+    <p:extLst>
+      <p:ext uri="{BB962C8B-B14F-4D97-AF65-F5344CB8AC3E}">
+        <p14:creationId xmlns:p14="http://schemas.microsoft.com/office/powerpoint/2010/main" val="2413617764"/>
+      </p:ext>
+    </p:extLst>
+  </p:cSld>
+  <p:clrMapOvr>
+    <a:masterClrMapping/>
+  </p:clrMapOvr>
+</p:notes>
 </file>
 
 <file path=ppt/slideLayouts/slideLayout1.xml><?xml version="1.0" encoding="utf-8"?>
@@ -505,7 +4750,7 @@
             <a:fld id="{1D8BD707-D9CF-40AE-B4C6-C98DA3205C09}" type="datetimeFigureOut">
               <a:rPr lang="en-US" smtClean="0"/>
               <a:pPr/>
-              <a:t>5/9/2025</a:t>
+              <a:t>5/13/2025</a:t>
             </a:fld>
             <a:endParaRPr lang="en-US"/>
           </a:p>
@@ -557,7 +4802,7 @@
     </p:spTree>
     <p:extLst>
       <p:ext uri="{BB962C8B-B14F-4D97-AF65-F5344CB8AC3E}">
-        <p14:creationId xmlns:p14="http://schemas.microsoft.com/office/powerpoint/2010/main" val="747093458"/>
+        <p14:creationId xmlns:p14="http://schemas.microsoft.com/office/powerpoint/2010/main" val="3688838823"/>
       </p:ext>
     </p:extLst>
   </p:cSld>
@@ -773,7 +5018,7 @@
             <a:fld id="{1D8BD707-D9CF-40AE-B4C6-C98DA3205C09}" type="datetimeFigureOut">
               <a:rPr lang="en-US" smtClean="0"/>
               <a:pPr/>
-              <a:t>5/9/2025</a:t>
+              <a:t>5/13/2025</a:t>
             </a:fld>
             <a:endParaRPr lang="en-US"/>
           </a:p>
@@ -825,7 +5070,7 @@
     </p:spTree>
     <p:extLst>
       <p:ext uri="{BB962C8B-B14F-4D97-AF65-F5344CB8AC3E}">
-        <p14:creationId xmlns:p14="http://schemas.microsoft.com/office/powerpoint/2010/main" val="2443409760"/>
+        <p14:creationId xmlns:p14="http://schemas.microsoft.com/office/powerpoint/2010/main" val="610306884"/>
       </p:ext>
     </p:extLst>
   </p:cSld>
@@ -1025,7 +5270,7 @@
             <a:fld id="{1D8BD707-D9CF-40AE-B4C6-C98DA3205C09}" type="datetimeFigureOut">
               <a:rPr lang="en-US" smtClean="0"/>
               <a:pPr/>
-              <a:t>5/9/2025</a:t>
+              <a:t>5/13/2025</a:t>
             </a:fld>
             <a:endParaRPr lang="en-US"/>
           </a:p>
@@ -1077,7 +5322,7 @@
     </p:spTree>
     <p:extLst>
       <p:ext uri="{BB962C8B-B14F-4D97-AF65-F5344CB8AC3E}">
-        <p14:creationId xmlns:p14="http://schemas.microsoft.com/office/powerpoint/2010/main" val="3711126517"/>
+        <p14:creationId xmlns:p14="http://schemas.microsoft.com/office/powerpoint/2010/main" val="3151842496"/>
       </p:ext>
     </p:extLst>
   </p:cSld>
@@ -1335,7 +5580,7 @@
             <a:fld id="{1D8BD707-D9CF-40AE-B4C6-C98DA3205C09}" type="datetimeFigureOut">
               <a:rPr lang="en-US" smtClean="0"/>
               <a:pPr/>
-              <a:t>5/9/2025</a:t>
+              <a:t>5/13/2025</a:t>
             </a:fld>
             <a:endParaRPr lang="en-US"/>
           </a:p>
@@ -1455,7 +5700,7 @@
     </p:spTree>
     <p:extLst>
       <p:ext uri="{BB962C8B-B14F-4D97-AF65-F5344CB8AC3E}">
-        <p14:creationId xmlns:p14="http://schemas.microsoft.com/office/powerpoint/2010/main" val="3648113796"/>
+        <p14:creationId xmlns:p14="http://schemas.microsoft.com/office/powerpoint/2010/main" val="1039884674"/>
       </p:ext>
     </p:extLst>
   </p:cSld>
@@ -1655,7 +5900,7 @@
             <a:fld id="{1D8BD707-D9CF-40AE-B4C6-C98DA3205C09}" type="datetimeFigureOut">
               <a:rPr lang="en-US" smtClean="0"/>
               <a:pPr/>
-              <a:t>5/9/2025</a:t>
+              <a:t>5/13/2025</a:t>
             </a:fld>
             <a:endParaRPr lang="en-US"/>
           </a:p>
@@ -1707,7 +5952,7 @@
     </p:spTree>
     <p:extLst>
       <p:ext uri="{BB962C8B-B14F-4D97-AF65-F5344CB8AC3E}">
-        <p14:creationId xmlns:p14="http://schemas.microsoft.com/office/powerpoint/2010/main" val="3104305022"/>
+        <p14:creationId xmlns:p14="http://schemas.microsoft.com/office/powerpoint/2010/main" val="1620824489"/>
       </p:ext>
     </p:extLst>
   </p:cSld>
@@ -1959,7 +6204,7 @@
             <a:fld id="{1D8BD707-D9CF-40AE-B4C6-C98DA3205C09}" type="datetimeFigureOut">
               <a:rPr lang="en-US" smtClean="0"/>
               <a:pPr/>
-              <a:t>5/9/2025</a:t>
+              <a:t>5/13/2025</a:t>
             </a:fld>
             <a:endParaRPr lang="en-US"/>
           </a:p>
@@ -2079,7 +6324,7 @@
     </p:spTree>
     <p:extLst>
       <p:ext uri="{BB962C8B-B14F-4D97-AF65-F5344CB8AC3E}">
-        <p14:creationId xmlns:p14="http://schemas.microsoft.com/office/powerpoint/2010/main" val="1185502657"/>
+        <p14:creationId xmlns:p14="http://schemas.microsoft.com/office/powerpoint/2010/main" val="1238927592"/>
       </p:ext>
     </p:extLst>
   </p:cSld>
@@ -2328,7 +6573,7 @@
             <a:fld id="{1D8BD707-D9CF-40AE-B4C6-C98DA3205C09}" type="datetimeFigureOut">
               <a:rPr lang="en-US" smtClean="0"/>
               <a:pPr/>
-              <a:t>5/9/2025</a:t>
+              <a:t>5/13/2025</a:t>
             </a:fld>
             <a:endParaRPr lang="en-US"/>
           </a:p>
@@ -2380,7 +6625,7 @@
     </p:spTree>
     <p:extLst>
       <p:ext uri="{BB962C8B-B14F-4D97-AF65-F5344CB8AC3E}">
-        <p14:creationId xmlns:p14="http://schemas.microsoft.com/office/powerpoint/2010/main" val="3169355549"/>
+        <p14:creationId xmlns:p14="http://schemas.microsoft.com/office/powerpoint/2010/main" val="374385934"/>
       </p:ext>
     </p:extLst>
   </p:cSld>
@@ -2516,7 +6761,7 @@
             <a:fld id="{1D8BD707-D9CF-40AE-B4C6-C98DA3205C09}" type="datetimeFigureOut">
               <a:rPr lang="en-US" smtClean="0"/>
               <a:pPr/>
-              <a:t>5/9/2025</a:t>
+              <a:t>5/13/2025</a:t>
             </a:fld>
             <a:endParaRPr lang="en-US"/>
           </a:p>
@@ -2568,7 +6813,7 @@
     </p:spTree>
     <p:extLst>
       <p:ext uri="{BB962C8B-B14F-4D97-AF65-F5344CB8AC3E}">
-        <p14:creationId xmlns:p14="http://schemas.microsoft.com/office/powerpoint/2010/main" val="37905037"/>
+        <p14:creationId xmlns:p14="http://schemas.microsoft.com/office/powerpoint/2010/main" val="511428760"/>
       </p:ext>
     </p:extLst>
   </p:cSld>
@@ -2704,7 +6949,7 @@
             <a:fld id="{1D8BD707-D9CF-40AE-B4C6-C98DA3205C09}" type="datetimeFigureOut">
               <a:rPr lang="en-US" smtClean="0"/>
               <a:pPr/>
-              <a:t>5/9/2025</a:t>
+              <a:t>5/13/2025</a:t>
             </a:fld>
             <a:endParaRPr lang="en-US"/>
           </a:p>
@@ -2756,7 +7001,7 @@
     </p:spTree>
     <p:extLst>
       <p:ext uri="{BB962C8B-B14F-4D97-AF65-F5344CB8AC3E}">
-        <p14:creationId xmlns:p14="http://schemas.microsoft.com/office/powerpoint/2010/main" val="153329146"/>
+        <p14:creationId xmlns:p14="http://schemas.microsoft.com/office/powerpoint/2010/main" val="3067053747"/>
       </p:ext>
     </p:extLst>
   </p:cSld>
@@ -2886,7 +7131,7 @@
             <a:fld id="{1D8BD707-D9CF-40AE-B4C6-C98DA3205C09}" type="datetimeFigureOut">
               <a:rPr lang="en-US" smtClean="0"/>
               <a:pPr/>
-              <a:t>5/9/2025</a:t>
+              <a:t>5/13/2025</a:t>
             </a:fld>
             <a:endParaRPr lang="en-US"/>
           </a:p>
@@ -2938,7 +7183,7 @@
     </p:spTree>
     <p:extLst>
       <p:ext uri="{BB962C8B-B14F-4D97-AF65-F5344CB8AC3E}">
-        <p14:creationId xmlns:p14="http://schemas.microsoft.com/office/powerpoint/2010/main" val="797760814"/>
+        <p14:creationId xmlns:p14="http://schemas.microsoft.com/office/powerpoint/2010/main" val="2716024519"/>
       </p:ext>
     </p:extLst>
   </p:cSld>
@@ -3138,7 +7383,7 @@
             <a:fld id="{1D8BD707-D9CF-40AE-B4C6-C98DA3205C09}" type="datetimeFigureOut">
               <a:rPr lang="en-US" smtClean="0"/>
               <a:pPr/>
-              <a:t>5/9/2025</a:t>
+              <a:t>5/13/2025</a:t>
             </a:fld>
             <a:endParaRPr lang="en-US"/>
           </a:p>
@@ -3190,7 +7435,7 @@
     </p:spTree>
     <p:extLst>
       <p:ext uri="{BB962C8B-B14F-4D97-AF65-F5344CB8AC3E}">
-        <p14:creationId xmlns:p14="http://schemas.microsoft.com/office/powerpoint/2010/main" val="688517471"/>
+        <p14:creationId xmlns:p14="http://schemas.microsoft.com/office/powerpoint/2010/main" val="2440438307"/>
       </p:ext>
     </p:extLst>
   </p:cSld>
@@ -3387,7 +7632,7 @@
             <a:fld id="{1D8BD707-D9CF-40AE-B4C6-C98DA3205C09}" type="datetimeFigureOut">
               <a:rPr lang="en-US" smtClean="0"/>
               <a:pPr/>
-              <a:t>5/9/2025</a:t>
+              <a:t>5/13/2025</a:t>
             </a:fld>
             <a:endParaRPr lang="en-US"/>
           </a:p>
@@ -3439,7 +7684,7 @@
     </p:spTree>
     <p:extLst>
       <p:ext uri="{BB962C8B-B14F-4D97-AF65-F5344CB8AC3E}">
-        <p14:creationId xmlns:p14="http://schemas.microsoft.com/office/powerpoint/2010/main" val="1733110881"/>
+        <p14:creationId xmlns:p14="http://schemas.microsoft.com/office/powerpoint/2010/main" val="755600129"/>
       </p:ext>
     </p:extLst>
   </p:cSld>
@@ -3778,7 +8023,7 @@
             <a:fld id="{1D8BD707-D9CF-40AE-B4C6-C98DA3205C09}" type="datetimeFigureOut">
               <a:rPr lang="en-US" smtClean="0"/>
               <a:pPr/>
-              <a:t>5/9/2025</a:t>
+              <a:t>5/13/2025</a:t>
             </a:fld>
             <a:endParaRPr lang="en-US"/>
           </a:p>
@@ -3830,7 +8075,7 @@
     </p:spTree>
     <p:extLst>
       <p:ext uri="{BB962C8B-B14F-4D97-AF65-F5344CB8AC3E}">
-        <p14:creationId xmlns:p14="http://schemas.microsoft.com/office/powerpoint/2010/main" val="3458038065"/>
+        <p14:creationId xmlns:p14="http://schemas.microsoft.com/office/powerpoint/2010/main" val="2076555618"/>
       </p:ext>
     </p:extLst>
   </p:cSld>
@@ -3909,7 +8154,7 @@
             <a:fld id="{1D8BD707-D9CF-40AE-B4C6-C98DA3205C09}" type="datetimeFigureOut">
               <a:rPr lang="en-US" smtClean="0"/>
               <a:pPr/>
-              <a:t>5/9/2025</a:t>
+              <a:t>5/13/2025</a:t>
             </a:fld>
             <a:endParaRPr lang="en-US"/>
           </a:p>
@@ -3961,7 +8206,7 @@
     </p:spTree>
     <p:extLst>
       <p:ext uri="{BB962C8B-B14F-4D97-AF65-F5344CB8AC3E}">
-        <p14:creationId xmlns:p14="http://schemas.microsoft.com/office/powerpoint/2010/main" val="4199753326"/>
+        <p14:creationId xmlns:p14="http://schemas.microsoft.com/office/powerpoint/2010/main" val="2608841032"/>
       </p:ext>
     </p:extLst>
   </p:cSld>
@@ -4006,7 +8251,7 @@
             <a:fld id="{1D8BD707-D9CF-40AE-B4C6-C98DA3205C09}" type="datetimeFigureOut">
               <a:rPr lang="en-US" smtClean="0"/>
               <a:pPr/>
-              <a:t>5/9/2025</a:t>
+              <a:t>5/13/2025</a:t>
             </a:fld>
             <a:endParaRPr lang="en-US"/>
           </a:p>
@@ -4058,7 +8303,7 @@
     </p:spTree>
     <p:extLst>
       <p:ext uri="{BB962C8B-B14F-4D97-AF65-F5344CB8AC3E}">
-        <p14:creationId xmlns:p14="http://schemas.microsoft.com/office/powerpoint/2010/main" val="3010021030"/>
+        <p14:creationId xmlns:p14="http://schemas.microsoft.com/office/powerpoint/2010/main" val="2789184366"/>
       </p:ext>
     </p:extLst>
   </p:cSld>
@@ -4263,7 +8508,7 @@
             <a:fld id="{1D8BD707-D9CF-40AE-B4C6-C98DA3205C09}" type="datetimeFigureOut">
               <a:rPr lang="en-US" smtClean="0"/>
               <a:pPr/>
-              <a:t>5/9/2025</a:t>
+              <a:t>5/13/2025</a:t>
             </a:fld>
             <a:endParaRPr lang="en-US"/>
           </a:p>
@@ -4315,7 +8560,7 @@
     </p:spTree>
     <p:extLst>
       <p:ext uri="{BB962C8B-B14F-4D97-AF65-F5344CB8AC3E}">
-        <p14:creationId xmlns:p14="http://schemas.microsoft.com/office/powerpoint/2010/main" val="1130729495"/>
+        <p14:creationId xmlns:p14="http://schemas.microsoft.com/office/powerpoint/2010/main" val="311220215"/>
       </p:ext>
     </p:extLst>
   </p:cSld>
@@ -4548,7 +8793,7 @@
             <a:fld id="{1D8BD707-D9CF-40AE-B4C6-C98DA3205C09}" type="datetimeFigureOut">
               <a:rPr lang="en-US" smtClean="0"/>
               <a:pPr/>
-              <a:t>5/9/2025</a:t>
+              <a:t>5/13/2025</a:t>
             </a:fld>
             <a:endParaRPr lang="en-US"/>
           </a:p>
@@ -4605,7 +8850,7 @@
     </p:spTree>
     <p:extLst>
       <p:ext uri="{BB962C8B-B14F-4D97-AF65-F5344CB8AC3E}">
-        <p14:creationId xmlns:p14="http://schemas.microsoft.com/office/powerpoint/2010/main" val="2338946212"/>
+        <p14:creationId xmlns:p14="http://schemas.microsoft.com/office/powerpoint/2010/main" val="1497474995"/>
       </p:ext>
     </p:extLst>
   </p:cSld>
@@ -4961,7 +9206,7 @@
             <a:fld id="{1D8BD707-D9CF-40AE-B4C6-C98DA3205C09}" type="datetimeFigureOut">
               <a:rPr lang="en-US" smtClean="0"/>
               <a:pPr/>
-              <a:t>5/9/2025</a:t>
+              <a:t>5/13/2025</a:t>
             </a:fld>
             <a:endParaRPr lang="en-US"/>
           </a:p>
@@ -5053,29 +9298,29 @@
     </p:spTree>
     <p:extLst>
       <p:ext uri="{BB962C8B-B14F-4D97-AF65-F5344CB8AC3E}">
-        <p14:creationId xmlns:p14="http://schemas.microsoft.com/office/powerpoint/2010/main" val="2069632989"/>
+        <p14:creationId xmlns:p14="http://schemas.microsoft.com/office/powerpoint/2010/main" val="2013664040"/>
       </p:ext>
     </p:extLst>
   </p:cSld>
   <p:clrMap bg1="dk1" tx1="lt1" bg2="dk2" tx2="lt2" accent1="accent1" accent2="accent2" accent3="accent3" accent4="accent4" accent5="accent5" accent6="accent6" hlink="hlink" folHlink="folHlink"/>
   <p:sldLayoutIdLst>
-    <p:sldLayoutId id="2147483661" r:id="rId1"/>
-    <p:sldLayoutId id="2147483662" r:id="rId2"/>
-    <p:sldLayoutId id="2147483663" r:id="rId3"/>
-    <p:sldLayoutId id="2147483664" r:id="rId4"/>
-    <p:sldLayoutId id="2147483665" r:id="rId5"/>
-    <p:sldLayoutId id="2147483666" r:id="rId6"/>
-    <p:sldLayoutId id="2147483667" r:id="rId7"/>
-    <p:sldLayoutId id="2147483668" r:id="rId8"/>
-    <p:sldLayoutId id="2147483669" r:id="rId9"/>
-    <p:sldLayoutId id="2147483670" r:id="rId10"/>
-    <p:sldLayoutId id="2147483671" r:id="rId11"/>
-    <p:sldLayoutId id="2147483672" r:id="rId12"/>
-    <p:sldLayoutId id="2147483673" r:id="rId13"/>
-    <p:sldLayoutId id="2147483674" r:id="rId14"/>
-    <p:sldLayoutId id="2147483675" r:id="rId15"/>
-    <p:sldLayoutId id="2147483676" r:id="rId16"/>
-    <p:sldLayoutId id="2147483677" r:id="rId17"/>
+    <p:sldLayoutId id="2147483691" r:id="rId1"/>
+    <p:sldLayoutId id="2147483692" r:id="rId2"/>
+    <p:sldLayoutId id="2147483693" r:id="rId3"/>
+    <p:sldLayoutId id="2147483694" r:id="rId4"/>
+    <p:sldLayoutId id="2147483695" r:id="rId5"/>
+    <p:sldLayoutId id="2147483696" r:id="rId6"/>
+    <p:sldLayoutId id="2147483697" r:id="rId7"/>
+    <p:sldLayoutId id="2147483698" r:id="rId8"/>
+    <p:sldLayoutId id="2147483699" r:id="rId9"/>
+    <p:sldLayoutId id="2147483700" r:id="rId10"/>
+    <p:sldLayoutId id="2147483701" r:id="rId11"/>
+    <p:sldLayoutId id="2147483702" r:id="rId12"/>
+    <p:sldLayoutId id="2147483703" r:id="rId13"/>
+    <p:sldLayoutId id="2147483704" r:id="rId14"/>
+    <p:sldLayoutId id="2147483705" r:id="rId15"/>
+    <p:sldLayoutId id="2147483706" r:id="rId16"/>
+    <p:sldLayoutId id="2147483707" r:id="rId17"/>
   </p:sldLayoutIdLst>
   <p:txStyles>
     <p:titleStyle>
@@ -5521,125 +9766,125 @@
           <a:p>
             <a:pPr algn="ctr"/>
             <a:r>
-              <a:rPr lang="ru-RU" sz="1050" b="1" dirty="0" err="1"/>
+              <a:rPr lang="ru-RU" sz="1200" b="1" dirty="0" err="1"/>
               <a:t>Държавен</a:t>
             </a:r>
             <a:r>
-              <a:rPr lang="ru-RU" sz="1050" b="1" dirty="0"/>
-              <a:t> </a:t>
-            </a:r>
-            <a:r>
-              <a:rPr lang="ru-RU" sz="1050" b="1" dirty="0" err="1"/>
+              <a:rPr lang="ru-RU" sz="1200" b="1" dirty="0"/>
+              <a:t> </a:t>
+            </a:r>
+            <a:r>
+              <a:rPr lang="ru-RU" sz="1200" b="1" dirty="0" err="1"/>
               <a:t>изпит</a:t>
             </a:r>
             <a:r>
-              <a:rPr lang="ru-RU" sz="1050" b="1" dirty="0"/>
+              <a:rPr lang="ru-RU" sz="1200" b="1" dirty="0"/>
               <a:t> за </a:t>
             </a:r>
             <a:r>
-              <a:rPr lang="ru-RU" sz="1050" b="1" dirty="0" err="1"/>
+              <a:rPr lang="ru-RU" sz="1200" b="1" dirty="0" err="1"/>
               <a:t>придобиване</a:t>
             </a:r>
             <a:r>
-              <a:rPr lang="ru-RU" sz="1050" b="1" dirty="0"/>
+              <a:rPr lang="ru-RU" sz="1200" b="1" dirty="0"/>
               <a:t> на </a:t>
             </a:r>
             <a:r>
-              <a:rPr lang="ru-RU" sz="1050" b="1" dirty="0" err="1"/>
+              <a:rPr lang="ru-RU" sz="1200" b="1" dirty="0" err="1"/>
               <a:t>трета</a:t>
             </a:r>
             <a:r>
-              <a:rPr lang="ru-RU" sz="1050" b="1" dirty="0"/>
+              <a:rPr lang="ru-RU" sz="1200" b="1" dirty="0"/>
               <a:t> степен на </a:t>
             </a:r>
             <a:r>
-              <a:rPr lang="ru-RU" sz="1050" b="1" dirty="0" err="1"/>
+              <a:rPr lang="ru-RU" sz="1200" b="1" dirty="0" err="1"/>
               <a:t>професионална</a:t>
             </a:r>
             <a:r>
-              <a:rPr lang="ru-RU" sz="1050" b="1" dirty="0"/>
+              <a:rPr lang="ru-RU" sz="1200" b="1" dirty="0"/>
               <a:t> квалификация – част по теория</a:t>
             </a:r>
             <a:br>
-              <a:rPr lang="ru-RU" sz="1050" b="1" dirty="0"/>
+              <a:rPr lang="ru-RU" sz="1200" b="1" dirty="0"/>
             </a:br>
             <a:r>
-              <a:rPr lang="ru-RU" sz="1050" b="1" dirty="0"/>
+              <a:rPr lang="ru-RU" sz="1200" b="1" dirty="0"/>
               <a:t>на </a:t>
             </a:r>
             <a:r>
-              <a:rPr lang="ru-RU" sz="1050" b="1" dirty="0" err="1"/>
+              <a:rPr lang="ru-RU" sz="1200" b="1" dirty="0" err="1"/>
               <a:t>професията</a:t>
             </a:r>
             <a:r>
-              <a:rPr lang="ru-RU" sz="1050" b="1" dirty="0"/>
+              <a:rPr lang="ru-RU" sz="1200" b="1" dirty="0"/>
               <a:t/>
             </a:r>
             <a:br>
-              <a:rPr lang="ru-RU" sz="1050" b="1" dirty="0"/>
+              <a:rPr lang="ru-RU" sz="1200" b="1" dirty="0"/>
             </a:br>
             <a:r>
-              <a:rPr lang="ru-RU" sz="1050" b="1" dirty="0"/>
+              <a:rPr lang="ru-RU" sz="1200" b="1" dirty="0"/>
               <a:t/>
             </a:r>
             <a:br>
-              <a:rPr lang="ru-RU" sz="1050" b="1" dirty="0"/>
+              <a:rPr lang="ru-RU" sz="1200" b="1" dirty="0"/>
             </a:br>
             <a:r>
-              <a:rPr lang="ru-RU" sz="1050" b="1" dirty="0"/>
+              <a:rPr lang="ru-RU" sz="1200" b="1" dirty="0"/>
               <a:t>по </a:t>
             </a:r>
             <a:r>
-              <a:rPr lang="ru-RU" sz="1050" b="1" dirty="0" err="1"/>
+              <a:rPr lang="ru-RU" sz="1200" b="1" dirty="0" err="1"/>
               <a:t>професия</a:t>
             </a:r>
             <a:r>
-              <a:rPr lang="ru-RU" sz="1050" b="1" dirty="0"/>
+              <a:rPr lang="ru-RU" sz="1200" b="1" dirty="0"/>
               <a:t> код 481030 „Приложен </a:t>
             </a:r>
             <a:r>
-              <a:rPr lang="ru-RU" sz="1050" b="1" dirty="0" err="1"/>
+              <a:rPr lang="ru-RU" sz="1200" b="1" dirty="0" err="1"/>
               <a:t>програмист</a:t>
             </a:r>
             <a:r>
-              <a:rPr lang="ru-RU" sz="1050" b="1" dirty="0"/>
+              <a:rPr lang="ru-RU" sz="1200" b="1" dirty="0"/>
               <a:t>”</a:t>
             </a:r>
             <a:br>
-              <a:rPr lang="ru-RU" sz="1050" b="1" dirty="0"/>
+              <a:rPr lang="ru-RU" sz="1200" b="1" dirty="0"/>
             </a:br>
             <a:r>
-              <a:rPr lang="ru-RU" sz="1050" b="1" dirty="0"/>
+              <a:rPr lang="ru-RU" sz="1200" b="1" dirty="0"/>
               <a:t/>
             </a:r>
             <a:br>
-              <a:rPr lang="ru-RU" sz="1050" b="1" dirty="0"/>
+              <a:rPr lang="ru-RU" sz="1200" b="1" dirty="0"/>
             </a:br>
             <a:r>
-              <a:rPr lang="ru-RU" sz="1050" b="1" dirty="0" err="1"/>
+              <a:rPr lang="ru-RU" sz="1200" b="1" dirty="0" err="1"/>
               <a:t>специалност</a:t>
             </a:r>
             <a:r>
-              <a:rPr lang="ru-RU" sz="1050" b="1" dirty="0"/>
+              <a:rPr lang="ru-RU" sz="1200" b="1" dirty="0"/>
               <a:t> код 4810301 „</a:t>
             </a:r>
             <a:r>
-              <a:rPr lang="ru-RU" sz="1050" b="1" dirty="0" err="1"/>
+              <a:rPr lang="ru-RU" sz="1200" b="1" dirty="0" err="1"/>
               <a:t>Приложно</a:t>
             </a:r>
             <a:r>
-              <a:rPr lang="ru-RU" sz="1050" b="1" dirty="0"/>
-              <a:t> </a:t>
-            </a:r>
-            <a:r>
-              <a:rPr lang="ru-RU" sz="1050" b="1" dirty="0" err="1"/>
+              <a:rPr lang="ru-RU" sz="1200" b="1" dirty="0"/>
+              <a:t> </a:t>
+            </a:r>
+            <a:r>
+              <a:rPr lang="ru-RU" sz="1200" b="1" dirty="0" err="1"/>
               <a:t>програмиране</a:t>
             </a:r>
             <a:r>
-              <a:rPr lang="ru-RU" sz="1050" b="1" dirty="0"/>
+              <a:rPr lang="ru-RU" sz="1200" b="1" dirty="0"/>
               <a:t>”</a:t>
             </a:r>
-            <a:endParaRPr lang="bg-BG" sz="1050" b="1" dirty="0"/>
+            <a:endParaRPr lang="bg-BG" sz="1200" b="1" dirty="0"/>
           </a:p>
         </p:txBody>
       </p:sp>
@@ -5811,14 +10056,14 @@
           <p:nvPr/>
         </p:nvPicPr>
         <p:blipFill>
-          <a:blip r:embed="rId2"/>
+          <a:blip r:embed="rId3"/>
           <a:stretch>
             <a:fillRect/>
           </a:stretch>
         </p:blipFill>
         <p:spPr>
           <a:xfrm>
-            <a:off x="152400" y="244241"/>
+            <a:off x="304800" y="228600"/>
             <a:ext cx="1627773" cy="1633870"/>
           </a:xfrm>
           <a:prstGeom prst="rect">
@@ -5830,6 +10075,965 @@
     <p:extLst>
       <p:ext uri="{BB962C8B-B14F-4D97-AF65-F5344CB8AC3E}">
         <p14:creationId xmlns:p14="http://schemas.microsoft.com/office/powerpoint/2010/main" val="1385305163"/>
+      </p:ext>
+    </p:extLst>
+  </p:cSld>
+  <p:clrMapOvr>
+    <a:masterClrMapping/>
+  </p:clrMapOvr>
+</p:sld>
+</file>
+
+<file path=ppt/slides/slide10.xml><?xml version="1.0" encoding="utf-8"?>
+<p:sld xmlns:a="http://schemas.openxmlformats.org/drawingml/2006/main" xmlns:r="http://schemas.openxmlformats.org/officeDocument/2006/relationships" xmlns:p="http://schemas.openxmlformats.org/presentationml/2006/main">
+  <p:cSld>
+    <p:spTree>
+      <p:nvGrpSpPr>
+        <p:cNvPr id="1" name=""/>
+        <p:cNvGrpSpPr/>
+        <p:nvPr/>
+      </p:nvGrpSpPr>
+      <p:grpSpPr>
+        <a:xfrm>
+          <a:off x="0" y="0"/>
+          <a:ext cx="0" cy="0"/>
+          <a:chOff x="0" y="0"/>
+          <a:chExt cx="0" cy="0"/>
+        </a:xfrm>
+      </p:grpSpPr>
+    </p:spTree>
+    <p:extLst>
+      <p:ext uri="{BB962C8B-B14F-4D97-AF65-F5344CB8AC3E}">
+        <p14:creationId xmlns:p14="http://schemas.microsoft.com/office/powerpoint/2010/main" val="1543765005"/>
+      </p:ext>
+    </p:extLst>
+  </p:cSld>
+  <p:clrMapOvr>
+    <a:masterClrMapping/>
+  </p:clrMapOvr>
+</p:sld>
+</file>
+
+<file path=ppt/slides/slide11.xml><?xml version="1.0" encoding="utf-8"?>
+<p:sld xmlns:a="http://schemas.openxmlformats.org/drawingml/2006/main" xmlns:r="http://schemas.openxmlformats.org/officeDocument/2006/relationships" xmlns:p="http://schemas.openxmlformats.org/presentationml/2006/main">
+  <p:cSld>
+    <p:spTree>
+      <p:nvGrpSpPr>
+        <p:cNvPr id="1" name=""/>
+        <p:cNvGrpSpPr/>
+        <p:nvPr/>
+      </p:nvGrpSpPr>
+      <p:grpSpPr>
+        <a:xfrm>
+          <a:off x="0" y="0"/>
+          <a:ext cx="0" cy="0"/>
+          <a:chOff x="0" y="0"/>
+          <a:chExt cx="0" cy="0"/>
+        </a:xfrm>
+      </p:grpSpPr>
+    </p:spTree>
+    <p:extLst>
+      <p:ext uri="{BB962C8B-B14F-4D97-AF65-F5344CB8AC3E}">
+        <p14:creationId xmlns:p14="http://schemas.microsoft.com/office/powerpoint/2010/main" val="2248424844"/>
+      </p:ext>
+    </p:extLst>
+  </p:cSld>
+  <p:clrMapOvr>
+    <a:masterClrMapping/>
+  </p:clrMapOvr>
+</p:sld>
+</file>
+
+<file path=ppt/slides/slide12.xml><?xml version="1.0" encoding="utf-8"?>
+<p:sld xmlns:a="http://schemas.openxmlformats.org/drawingml/2006/main" xmlns:r="http://schemas.openxmlformats.org/officeDocument/2006/relationships" xmlns:p="http://schemas.openxmlformats.org/presentationml/2006/main">
+  <p:cSld>
+    <p:spTree>
+      <p:nvGrpSpPr>
+        <p:cNvPr id="1" name=""/>
+        <p:cNvGrpSpPr/>
+        <p:nvPr/>
+      </p:nvGrpSpPr>
+      <p:grpSpPr>
+        <a:xfrm>
+          <a:off x="0" y="0"/>
+          <a:ext cx="0" cy="0"/>
+          <a:chOff x="0" y="0"/>
+          <a:chExt cx="0" cy="0"/>
+        </a:xfrm>
+      </p:grpSpPr>
+    </p:spTree>
+    <p:extLst>
+      <p:ext uri="{BB962C8B-B14F-4D97-AF65-F5344CB8AC3E}">
+        <p14:creationId xmlns:p14="http://schemas.microsoft.com/office/powerpoint/2010/main" val="25323764"/>
+      </p:ext>
+    </p:extLst>
+  </p:cSld>
+  <p:clrMapOvr>
+    <a:masterClrMapping/>
+  </p:clrMapOvr>
+</p:sld>
+</file>
+
+<file path=ppt/slides/slide2.xml><?xml version="1.0" encoding="utf-8"?>
+<p:sld xmlns:a="http://schemas.openxmlformats.org/drawingml/2006/main" xmlns:r="http://schemas.openxmlformats.org/officeDocument/2006/relationships" xmlns:p="http://schemas.openxmlformats.org/presentationml/2006/main">
+  <p:cSld>
+    <p:bg>
+      <p:bgPr>
+        <a:solidFill>
+          <a:srgbClr val="FFFFFF">
+            <a:shade val="85000"/>
+          </a:srgbClr>
+        </a:solidFill>
+        <a:effectLst/>
+      </p:bgPr>
+    </p:bg>
+    <p:spTree>
+      <p:nvGrpSpPr>
+        <p:cNvPr id="1" name=""/>
+        <p:cNvGrpSpPr/>
+        <p:nvPr/>
+      </p:nvGrpSpPr>
+      <p:grpSpPr>
+        <a:xfrm>
+          <a:off x="0" y="0"/>
+          <a:ext cx="0" cy="0"/>
+          <a:chOff x="0" y="0"/>
+          <a:chExt cx="0" cy="0"/>
+        </a:xfrm>
+      </p:grpSpPr>
+      <p:sp>
+        <p:nvSpPr>
+          <p:cNvPr id="2" name="Заглавие 1"/>
+          <p:cNvSpPr>
+            <a:spLocks noGrp="1"/>
+          </p:cNvSpPr>
+          <p:nvPr>
+            <p:ph type="title"/>
+          </p:nvPr>
+        </p:nvSpPr>
+        <p:spPr>
+          <a:xfrm>
+            <a:off x="63790" y="5105400"/>
+            <a:ext cx="7556210" cy="1600200"/>
+          </a:xfrm>
+        </p:spPr>
+        <p:txBody>
+          <a:bodyPr/>
+          <a:lstStyle/>
+          <a:p>
+            <a:r>
+              <a:rPr lang="ru-RU" dirty="0">
+                <a:solidFill>
+                  <a:schemeClr val="bg1"/>
+                </a:solidFill>
+              </a:rPr>
+              <a:t>	</a:t>
+            </a:r>
+            <a:r>
+              <a:rPr lang="ru-RU" dirty="0" err="1">
+                <a:solidFill>
+                  <a:schemeClr val="bg1"/>
+                </a:solidFill>
+              </a:rPr>
+              <a:t>Въведение</a:t>
+            </a:r>
+            <a:r>
+              <a:rPr lang="ru-RU" dirty="0">
+                <a:solidFill>
+                  <a:schemeClr val="bg1"/>
+                </a:solidFill>
+              </a:rPr>
+              <a:t> в </a:t>
+            </a:r>
+            <a:r>
+              <a:rPr lang="ru-RU" dirty="0" err="1">
+                <a:solidFill>
+                  <a:schemeClr val="bg1"/>
+                </a:solidFill>
+              </a:rPr>
+              <a:t>уеб</a:t>
+            </a:r>
+            <a:r>
+              <a:rPr lang="ru-RU" dirty="0">
+                <a:solidFill>
+                  <a:schemeClr val="bg1"/>
+                </a:solidFill>
+              </a:rPr>
+              <a:t> </a:t>
+            </a:r>
+            <a:r>
+              <a:rPr lang="ru-RU" dirty="0" err="1">
+                <a:solidFill>
+                  <a:schemeClr val="bg1"/>
+                </a:solidFill>
+              </a:rPr>
+              <a:t>сигурността</a:t>
+            </a:r>
+            <a:endParaRPr lang="bg-BG" dirty="0">
+              <a:solidFill>
+                <a:schemeClr val="bg1"/>
+              </a:solidFill>
+            </a:endParaRPr>
+          </a:p>
+        </p:txBody>
+      </p:sp>
+      <p:pic>
+        <p:nvPicPr>
+          <p:cNvPr id="4" name="Контейнер за съдържание 3"/>
+          <p:cNvPicPr>
+            <a:picLocks noGrp="1" noChangeAspect="1"/>
+          </p:cNvPicPr>
+          <p:nvPr>
+            <p:ph idx="1"/>
+          </p:nvPr>
+        </p:nvPicPr>
+        <p:blipFill>
+          <a:blip r:embed="rId3">
+            <a:extLst>
+              <a:ext uri="{28A0092B-C50C-407E-A947-70E740481C1C}">
+                <a14:useLocalDpi xmlns:a14="http://schemas.microsoft.com/office/drawing/2010/main" val="0"/>
+              </a:ext>
+            </a:extLst>
+          </a:blip>
+          <a:stretch>
+            <a:fillRect/>
+          </a:stretch>
+        </p:blipFill>
+        <p:spPr>
+          <a:xfrm>
+            <a:off x="914400" y="381000"/>
+            <a:ext cx="6554788" cy="3688973"/>
+          </a:xfrm>
+          <a:prstGeom prst="roundRect">
+            <a:avLst>
+              <a:gd name="adj" fmla="val 8594"/>
+            </a:avLst>
+          </a:prstGeom>
+          <a:solidFill>
+            <a:srgbClr val="FFFFFF">
+              <a:shade val="85000"/>
+            </a:srgbClr>
+          </a:solidFill>
+          <a:ln>
+            <a:noFill/>
+          </a:ln>
+          <a:effectLst>
+            <a:reflection blurRad="12700" stA="38000" endPos="28000" dist="5000" dir="5400000" sy="-100000" algn="bl" rotWithShape="0"/>
+          </a:effectLst>
+        </p:spPr>
+      </p:pic>
+    </p:spTree>
+    <p:extLst>
+      <p:ext uri="{BB962C8B-B14F-4D97-AF65-F5344CB8AC3E}">
+        <p14:creationId xmlns:p14="http://schemas.microsoft.com/office/powerpoint/2010/main" val="187389014"/>
+      </p:ext>
+    </p:extLst>
+  </p:cSld>
+  <p:clrMapOvr>
+    <a:masterClrMapping/>
+  </p:clrMapOvr>
+</p:sld>
+</file>
+
+<file path=ppt/slides/slide3.xml><?xml version="1.0" encoding="utf-8"?>
+<p:sld xmlns:a="http://schemas.openxmlformats.org/drawingml/2006/main" xmlns:r="http://schemas.openxmlformats.org/officeDocument/2006/relationships" xmlns:p="http://schemas.openxmlformats.org/presentationml/2006/main">
+  <p:cSld>
+    <p:bg>
+      <p:bgPr>
+        <a:solidFill>
+          <a:srgbClr val="FFFFFF">
+            <a:shade val="85000"/>
+          </a:srgbClr>
+        </a:solidFill>
+        <a:effectLst/>
+      </p:bgPr>
+    </p:bg>
+    <p:spTree>
+      <p:nvGrpSpPr>
+        <p:cNvPr id="1" name=""/>
+        <p:cNvGrpSpPr/>
+        <p:nvPr/>
+      </p:nvGrpSpPr>
+      <p:grpSpPr>
+        <a:xfrm>
+          <a:off x="0" y="0"/>
+          <a:ext cx="0" cy="0"/>
+          <a:chOff x="0" y="0"/>
+          <a:chExt cx="0" cy="0"/>
+        </a:xfrm>
+      </p:grpSpPr>
+      <p:pic>
+        <p:nvPicPr>
+          <p:cNvPr id="3" name="Картина 2"/>
+          <p:cNvPicPr>
+            <a:picLocks noChangeAspect="1"/>
+          </p:cNvPicPr>
+          <p:nvPr/>
+        </p:nvPicPr>
+        <p:blipFill>
+          <a:blip r:embed="rId3">
+            <a:extLst>
+              <a:ext uri="{28A0092B-C50C-407E-A947-70E740481C1C}">
+                <a14:useLocalDpi xmlns:a14="http://schemas.microsoft.com/office/drawing/2010/main" val="0"/>
+              </a:ext>
+            </a:extLst>
+          </a:blip>
+          <a:stretch>
+            <a:fillRect/>
+          </a:stretch>
+        </p:blipFill>
+        <p:spPr>
+          <a:xfrm>
+            <a:off x="2466681" y="380574"/>
+            <a:ext cx="4210638" cy="6096851"/>
+          </a:xfrm>
+          <a:prstGeom prst="roundRect">
+            <a:avLst>
+              <a:gd name="adj" fmla="val 8594"/>
+            </a:avLst>
+          </a:prstGeom>
+          <a:solidFill>
+            <a:srgbClr val="FFFFFF">
+              <a:shade val="85000"/>
+            </a:srgbClr>
+          </a:solidFill>
+          <a:ln>
+            <a:noFill/>
+          </a:ln>
+          <a:effectLst>
+            <a:reflection blurRad="12700" stA="38000" endPos="28000" dist="5000" dir="5400000" sy="-100000" algn="bl" rotWithShape="0"/>
+          </a:effectLst>
+        </p:spPr>
+      </p:pic>
+    </p:spTree>
+    <p:extLst>
+      <p:ext uri="{BB962C8B-B14F-4D97-AF65-F5344CB8AC3E}">
+        <p14:creationId xmlns:p14="http://schemas.microsoft.com/office/powerpoint/2010/main" val="3900000810"/>
+      </p:ext>
+    </p:extLst>
+  </p:cSld>
+  <p:clrMapOvr>
+    <a:masterClrMapping/>
+  </p:clrMapOvr>
+</p:sld>
+</file>
+
+<file path=ppt/slides/slide4.xml><?xml version="1.0" encoding="utf-8"?>
+<p:sld xmlns:a="http://schemas.openxmlformats.org/drawingml/2006/main" xmlns:r="http://schemas.openxmlformats.org/officeDocument/2006/relationships" xmlns:p="http://schemas.openxmlformats.org/presentationml/2006/main">
+  <p:cSld>
+    <p:bg>
+      <p:bgPr>
+        <a:solidFill>
+          <a:srgbClr val="FFFFFF">
+            <a:shade val="85000"/>
+          </a:srgbClr>
+        </a:solidFill>
+        <a:effectLst/>
+      </p:bgPr>
+    </p:bg>
+    <p:spTree>
+      <p:nvGrpSpPr>
+        <p:cNvPr id="1" name=""/>
+        <p:cNvGrpSpPr/>
+        <p:nvPr/>
+      </p:nvGrpSpPr>
+      <p:grpSpPr>
+        <a:xfrm>
+          <a:off x="0" y="0"/>
+          <a:ext cx="0" cy="0"/>
+          <a:chOff x="0" y="0"/>
+          <a:chExt cx="0" cy="0"/>
+        </a:xfrm>
+      </p:grpSpPr>
+      <p:pic>
+        <p:nvPicPr>
+          <p:cNvPr id="2" name="Картина 1"/>
+          <p:cNvPicPr>
+            <a:picLocks noChangeAspect="1"/>
+          </p:cNvPicPr>
+          <p:nvPr/>
+        </p:nvPicPr>
+        <p:blipFill>
+          <a:blip r:embed="rId3">
+            <a:extLst>
+              <a:ext uri="{28A0092B-C50C-407E-A947-70E740481C1C}">
+                <a14:useLocalDpi xmlns:a14="http://schemas.microsoft.com/office/drawing/2010/main" val="0"/>
+              </a:ext>
+            </a:extLst>
+          </a:blip>
+          <a:stretch>
+            <a:fillRect/>
+          </a:stretch>
+        </p:blipFill>
+        <p:spPr>
+          <a:xfrm>
+            <a:off x="914400" y="1905000"/>
+            <a:ext cx="7315200" cy="3657600"/>
+          </a:xfrm>
+          <a:prstGeom prst="rect">
+            <a:avLst/>
+          </a:prstGeom>
+          <a:ln>
+            <a:noFill/>
+          </a:ln>
+          <a:effectLst>
+            <a:reflection blurRad="12700" stA="30000" endPos="30000" dist="5000" dir="5400000" sy="-100000" algn="bl" rotWithShape="0"/>
+          </a:effectLst>
+          <a:scene3d>
+            <a:camera prst="perspectiveContrastingLeftFacing">
+              <a:rot lat="300000" lon="19800000" rev="0"/>
+            </a:camera>
+            <a:lightRig rig="threePt" dir="t">
+              <a:rot lat="0" lon="0" rev="2700000"/>
+            </a:lightRig>
+          </a:scene3d>
+          <a:sp3d>
+            <a:bevelT w="63500" h="50800"/>
+          </a:sp3d>
+        </p:spPr>
+      </p:pic>
+      <p:sp>
+        <p:nvSpPr>
+          <p:cNvPr id="4" name="Текстово поле 3"/>
+          <p:cNvSpPr txBox="1"/>
+          <p:nvPr/>
+        </p:nvSpPr>
+        <p:spPr>
+          <a:xfrm>
+            <a:off x="4191000" y="533400"/>
+            <a:ext cx="4953000" cy="646331"/>
+          </a:xfrm>
+          <a:prstGeom prst="rect">
+            <a:avLst/>
+          </a:prstGeom>
+          <a:noFill/>
+        </p:spPr>
+        <p:txBody>
+          <a:bodyPr wrap="square" rtlCol="0">
+            <a:spAutoFit/>
+          </a:bodyPr>
+          <a:lstStyle/>
+          <a:p>
+            <a:r>
+              <a:rPr lang="ru-RU" dirty="0" smtClean="0">
+                <a:solidFill>
+                  <a:schemeClr val="bg1"/>
+                </a:solidFill>
+              </a:rPr>
+              <a:t>Значение </a:t>
+            </a:r>
+            <a:r>
+              <a:rPr lang="ru-RU" dirty="0">
+                <a:solidFill>
+                  <a:schemeClr val="bg1"/>
+                </a:solidFill>
+              </a:rPr>
+              <a:t>на </a:t>
+            </a:r>
+            <a:r>
+              <a:rPr lang="ru-RU" dirty="0" err="1">
+                <a:solidFill>
+                  <a:schemeClr val="bg1"/>
+                </a:solidFill>
+              </a:rPr>
+              <a:t>сигурността</a:t>
+            </a:r>
+            <a:r>
+              <a:rPr lang="ru-RU" dirty="0">
+                <a:solidFill>
+                  <a:schemeClr val="bg1"/>
+                </a:solidFill>
+              </a:rPr>
+              <a:t> в </a:t>
+            </a:r>
+            <a:r>
+              <a:rPr lang="ru-RU" dirty="0" err="1" smtClean="0">
+                <a:solidFill>
+                  <a:schemeClr val="bg1"/>
+                </a:solidFill>
+              </a:rPr>
+              <a:t>уеб</a:t>
+            </a:r>
+            <a:r>
+              <a:rPr lang="en-US" dirty="0" smtClean="0">
+                <a:solidFill>
+                  <a:schemeClr val="bg1"/>
+                </a:solidFill>
+              </a:rPr>
+              <a:t> </a:t>
+            </a:r>
+            <a:r>
+              <a:rPr lang="ru-RU" dirty="0" smtClean="0">
+                <a:solidFill>
+                  <a:schemeClr val="bg1"/>
+                </a:solidFill>
+              </a:rPr>
+              <a:t> </a:t>
+            </a:r>
+            <a:r>
+              <a:rPr lang="ru-RU" dirty="0" err="1">
+                <a:solidFill>
+                  <a:schemeClr val="bg1"/>
+                </a:solidFill>
+              </a:rPr>
+              <a:t>приложенията</a:t>
+            </a:r>
+            <a:endParaRPr lang="bg-BG" dirty="0">
+              <a:solidFill>
+                <a:schemeClr val="bg1"/>
+              </a:solidFill>
+            </a:endParaRPr>
+          </a:p>
+        </p:txBody>
+      </p:sp>
+    </p:spTree>
+    <p:extLst>
+      <p:ext uri="{BB962C8B-B14F-4D97-AF65-F5344CB8AC3E}">
+        <p14:creationId xmlns:p14="http://schemas.microsoft.com/office/powerpoint/2010/main" val="425575345"/>
+      </p:ext>
+    </p:extLst>
+  </p:cSld>
+  <p:clrMapOvr>
+    <a:masterClrMapping/>
+  </p:clrMapOvr>
+</p:sld>
+</file>
+
+<file path=ppt/slides/slide5.xml><?xml version="1.0" encoding="utf-8"?>
+<p:sld xmlns:a="http://schemas.openxmlformats.org/drawingml/2006/main" xmlns:r="http://schemas.openxmlformats.org/officeDocument/2006/relationships" xmlns:p="http://schemas.openxmlformats.org/presentationml/2006/main">
+  <p:cSld>
+    <p:spTree>
+      <p:nvGrpSpPr>
+        <p:cNvPr id="1" name=""/>
+        <p:cNvGrpSpPr/>
+        <p:nvPr/>
+      </p:nvGrpSpPr>
+      <p:grpSpPr>
+        <a:xfrm>
+          <a:off x="0" y="0"/>
+          <a:ext cx="0" cy="0"/>
+          <a:chOff x="0" y="0"/>
+          <a:chExt cx="0" cy="0"/>
+        </a:xfrm>
+      </p:grpSpPr>
+      <p:pic>
+        <p:nvPicPr>
+          <p:cNvPr id="2" name="Картина 1"/>
+          <p:cNvPicPr>
+            <a:picLocks noChangeAspect="1"/>
+          </p:cNvPicPr>
+          <p:nvPr/>
+        </p:nvPicPr>
+        <p:blipFill>
+          <a:blip r:embed="rId3">
+            <a:extLst>
+              <a:ext uri="{28A0092B-C50C-407E-A947-70E740481C1C}">
+                <a14:useLocalDpi xmlns:a14="http://schemas.microsoft.com/office/drawing/2010/main" val="0"/>
+              </a:ext>
+            </a:extLst>
+          </a:blip>
+          <a:stretch>
+            <a:fillRect/>
+          </a:stretch>
+        </p:blipFill>
+        <p:spPr>
+          <a:xfrm>
+            <a:off x="1828800" y="1752600"/>
+            <a:ext cx="4495800" cy="2700338"/>
+          </a:xfrm>
+          <a:prstGeom prst="roundRect">
+            <a:avLst>
+              <a:gd name="adj" fmla="val 8594"/>
+            </a:avLst>
+          </a:prstGeom>
+          <a:solidFill>
+            <a:srgbClr val="FFFFFF">
+              <a:shade val="85000"/>
+            </a:srgbClr>
+          </a:solidFill>
+          <a:ln>
+            <a:noFill/>
+          </a:ln>
+          <a:effectLst>
+            <a:glow rad="393700">
+              <a:schemeClr val="accent1">
+                <a:alpha val="40000"/>
+              </a:schemeClr>
+            </a:glow>
+            <a:reflection blurRad="76200" stA="38000" endPos="28000" dist="5000" dir="5400000" sy="-100000" algn="bl" rotWithShape="0"/>
+            <a:softEdge rad="0"/>
+          </a:effectLst>
+          <a:scene3d>
+            <a:camera prst="orthographicFront"/>
+            <a:lightRig rig="threePt" dir="t"/>
+          </a:scene3d>
+          <a:sp3d>
+            <a:bevelT prst="relaxedInset"/>
+            <a:bevelB/>
+          </a:sp3d>
+        </p:spPr>
+      </p:pic>
+      <p:sp>
+        <p:nvSpPr>
+          <p:cNvPr id="3" name="Текстово поле 2"/>
+          <p:cNvSpPr txBox="1"/>
+          <p:nvPr/>
+        </p:nvSpPr>
+        <p:spPr>
+          <a:xfrm>
+            <a:off x="-228600" y="5715000"/>
+            <a:ext cx="6553200" cy="400110"/>
+          </a:xfrm>
+          <a:prstGeom prst="rect">
+            <a:avLst/>
+          </a:prstGeom>
+          <a:noFill/>
+        </p:spPr>
+        <p:txBody>
+          <a:bodyPr wrap="square" rtlCol="0">
+            <a:spAutoFit/>
+          </a:bodyPr>
+          <a:lstStyle/>
+          <a:p>
+            <a:r>
+              <a:rPr lang="ru-RU" dirty="0"/>
+              <a:t>	</a:t>
+            </a:r>
+            <a:r>
+              <a:rPr lang="ru-RU" sz="2000" dirty="0" err="1"/>
+              <a:t>Основни</a:t>
+            </a:r>
+            <a:r>
+              <a:rPr lang="ru-RU" sz="2000" dirty="0"/>
+              <a:t> подходи за </a:t>
+            </a:r>
+            <a:r>
+              <a:rPr lang="ru-RU" sz="2000" dirty="0" err="1"/>
+              <a:t>удостоверяване</a:t>
+            </a:r>
+            <a:endParaRPr lang="bg-BG" sz="2000" dirty="0"/>
+          </a:p>
+        </p:txBody>
+      </p:sp>
+    </p:spTree>
+    <p:extLst>
+      <p:ext uri="{BB962C8B-B14F-4D97-AF65-F5344CB8AC3E}">
+        <p14:creationId xmlns:p14="http://schemas.microsoft.com/office/powerpoint/2010/main" val="1154835601"/>
+      </p:ext>
+    </p:extLst>
+  </p:cSld>
+  <p:clrMapOvr>
+    <a:masterClrMapping/>
+  </p:clrMapOvr>
+</p:sld>
+</file>
+
+<file path=ppt/slides/slide6.xml><?xml version="1.0" encoding="utf-8"?>
+<p:sld xmlns:a="http://schemas.openxmlformats.org/drawingml/2006/main" xmlns:r="http://schemas.openxmlformats.org/officeDocument/2006/relationships" xmlns:p="http://schemas.openxmlformats.org/presentationml/2006/main">
+  <p:cSld>
+    <p:spTree>
+      <p:nvGrpSpPr>
+        <p:cNvPr id="1" name=""/>
+        <p:cNvGrpSpPr/>
+        <p:nvPr/>
+      </p:nvGrpSpPr>
+      <p:grpSpPr>
+        <a:xfrm>
+          <a:off x="0" y="0"/>
+          <a:ext cx="0" cy="0"/>
+          <a:chOff x="0" y="0"/>
+          <a:chExt cx="0" cy="0"/>
+        </a:xfrm>
+      </p:grpSpPr>
+      <p:pic>
+        <p:nvPicPr>
+          <p:cNvPr id="2" name="Картина 1"/>
+          <p:cNvPicPr>
+            <a:picLocks noChangeAspect="1"/>
+          </p:cNvPicPr>
+          <p:nvPr/>
+        </p:nvPicPr>
+        <p:blipFill>
+          <a:blip r:embed="rId3">
+            <a:extLst>
+              <a:ext uri="{28A0092B-C50C-407E-A947-70E740481C1C}">
+                <a14:useLocalDpi xmlns:a14="http://schemas.microsoft.com/office/drawing/2010/main" val="0"/>
+              </a:ext>
+            </a:extLst>
+          </a:blip>
+          <a:stretch>
+            <a:fillRect/>
+          </a:stretch>
+        </p:blipFill>
+        <p:spPr>
+          <a:xfrm>
+            <a:off x="0" y="914400"/>
+            <a:ext cx="9144000" cy="5972577"/>
+          </a:xfrm>
+          <a:prstGeom prst="rect">
+            <a:avLst/>
+          </a:prstGeom>
+        </p:spPr>
+      </p:pic>
+      <p:sp>
+        <p:nvSpPr>
+          <p:cNvPr id="3" name="Текстово поле 2"/>
+          <p:cNvSpPr txBox="1"/>
+          <p:nvPr/>
+        </p:nvSpPr>
+        <p:spPr>
+          <a:xfrm>
+            <a:off x="1219200" y="457200"/>
+            <a:ext cx="6934200" cy="400110"/>
+          </a:xfrm>
+          <a:prstGeom prst="rect">
+            <a:avLst/>
+          </a:prstGeom>
+          <a:noFill/>
+        </p:spPr>
+        <p:txBody>
+          <a:bodyPr wrap="square" rtlCol="0">
+            <a:spAutoFit/>
+          </a:bodyPr>
+          <a:lstStyle/>
+          <a:p>
+            <a:r>
+              <a:rPr lang="ru-RU" dirty="0"/>
+              <a:t>	</a:t>
+            </a:r>
+            <a:r>
+              <a:rPr lang="ru-RU" sz="2000" dirty="0" err="1"/>
+              <a:t>Механизми</a:t>
+            </a:r>
+            <a:r>
+              <a:rPr lang="ru-RU" sz="2000" dirty="0"/>
+              <a:t> и </a:t>
+            </a:r>
+            <a:r>
+              <a:rPr lang="ru-RU" sz="2000" dirty="0" err="1"/>
+              <a:t>протоколи</a:t>
+            </a:r>
+            <a:r>
+              <a:rPr lang="ru-RU" sz="2000" dirty="0"/>
+              <a:t> за </a:t>
+            </a:r>
+            <a:r>
+              <a:rPr lang="ru-RU" sz="2000" dirty="0" err="1"/>
+              <a:t>удостоверяване</a:t>
+            </a:r>
+            <a:endParaRPr lang="bg-BG" sz="2000" dirty="0"/>
+          </a:p>
+        </p:txBody>
+      </p:sp>
+    </p:spTree>
+    <p:extLst>
+      <p:ext uri="{BB962C8B-B14F-4D97-AF65-F5344CB8AC3E}">
+        <p14:creationId xmlns:p14="http://schemas.microsoft.com/office/powerpoint/2010/main" val="3457832280"/>
+      </p:ext>
+    </p:extLst>
+  </p:cSld>
+  <p:clrMapOvr>
+    <a:masterClrMapping/>
+  </p:clrMapOvr>
+</p:sld>
+</file>
+
+<file path=ppt/slides/slide7.xml><?xml version="1.0" encoding="utf-8"?>
+<p:sld xmlns:a="http://schemas.openxmlformats.org/drawingml/2006/main" xmlns:r="http://schemas.openxmlformats.org/officeDocument/2006/relationships" xmlns:p="http://schemas.openxmlformats.org/presentationml/2006/main">
+  <p:cSld>
+    <p:spTree>
+      <p:nvGrpSpPr>
+        <p:cNvPr id="1" name=""/>
+        <p:cNvGrpSpPr/>
+        <p:nvPr/>
+      </p:nvGrpSpPr>
+      <p:grpSpPr>
+        <a:xfrm>
+          <a:off x="0" y="0"/>
+          <a:ext cx="0" cy="0"/>
+          <a:chOff x="0" y="0"/>
+          <a:chExt cx="0" cy="0"/>
+        </a:xfrm>
+      </p:grpSpPr>
+    </p:spTree>
+    <p:extLst>
+      <p:ext uri="{BB962C8B-B14F-4D97-AF65-F5344CB8AC3E}">
+        <p14:creationId xmlns:p14="http://schemas.microsoft.com/office/powerpoint/2010/main" val="577031929"/>
+      </p:ext>
+    </p:extLst>
+  </p:cSld>
+  <p:clrMapOvr>
+    <a:masterClrMapping/>
+  </p:clrMapOvr>
+</p:sld>
+</file>
+
+<file path=ppt/slides/slide8.xml><?xml version="1.0" encoding="utf-8"?>
+<p:sld xmlns:a="http://schemas.openxmlformats.org/drawingml/2006/main" xmlns:r="http://schemas.openxmlformats.org/officeDocument/2006/relationships" xmlns:p="http://schemas.openxmlformats.org/presentationml/2006/main">
+  <p:cSld>
+    <p:spTree>
+      <p:nvGrpSpPr>
+        <p:cNvPr id="1" name=""/>
+        <p:cNvGrpSpPr/>
+        <p:nvPr/>
+      </p:nvGrpSpPr>
+      <p:grpSpPr>
+        <a:xfrm>
+          <a:off x="0" y="0"/>
+          <a:ext cx="0" cy="0"/>
+          <a:chOff x="0" y="0"/>
+          <a:chExt cx="0" cy="0"/>
+        </a:xfrm>
+      </p:grpSpPr>
+      <p:pic>
+        <p:nvPicPr>
+          <p:cNvPr id="2" name="Картина 1"/>
+          <p:cNvPicPr>
+            <a:picLocks noChangeAspect="1"/>
+          </p:cNvPicPr>
+          <p:nvPr/>
+        </p:nvPicPr>
+        <p:blipFill>
+          <a:blip r:embed="rId3">
+            <a:extLst>
+              <a:ext uri="{28A0092B-C50C-407E-A947-70E740481C1C}">
+                <a14:useLocalDpi xmlns:a14="http://schemas.microsoft.com/office/drawing/2010/main" val="0"/>
+              </a:ext>
+            </a:extLst>
+          </a:blip>
+          <a:stretch>
+            <a:fillRect/>
+          </a:stretch>
+        </p:blipFill>
+        <p:spPr>
+          <a:xfrm>
+            <a:off x="18245" y="1447800"/>
+            <a:ext cx="9144000" cy="4786313"/>
+          </a:xfrm>
+          <a:prstGeom prst="rect">
+            <a:avLst/>
+          </a:prstGeom>
+          <a:ln>
+            <a:noFill/>
+          </a:ln>
+          <a:effectLst>
+            <a:softEdge rad="112500"/>
+          </a:effectLst>
+        </p:spPr>
+      </p:pic>
+      <p:sp>
+        <p:nvSpPr>
+          <p:cNvPr id="3" name="Текстово поле 2"/>
+          <p:cNvSpPr txBox="1"/>
+          <p:nvPr/>
+        </p:nvSpPr>
+        <p:spPr>
+          <a:xfrm>
+            <a:off x="457200" y="533400"/>
+            <a:ext cx="7696200" cy="400110"/>
+          </a:xfrm>
+          <a:prstGeom prst="rect">
+            <a:avLst/>
+          </a:prstGeom>
+          <a:noFill/>
+        </p:spPr>
+        <p:txBody>
+          <a:bodyPr wrap="square" rtlCol="0">
+            <a:spAutoFit/>
+          </a:bodyPr>
+          <a:lstStyle/>
+          <a:p>
+            <a:pPr algn="ctr"/>
+            <a:r>
+              <a:rPr lang="ru-RU" dirty="0"/>
+              <a:t>	</a:t>
+            </a:r>
+            <a:r>
+              <a:rPr lang="ru-RU" sz="2000" b="1" dirty="0" err="1"/>
+              <a:t>Процес</a:t>
+            </a:r>
+            <a:r>
+              <a:rPr lang="ru-RU" sz="2000" b="1" dirty="0"/>
+              <a:t> на </a:t>
+            </a:r>
+            <a:r>
+              <a:rPr lang="ru-RU" sz="2000" b="1" dirty="0" err="1"/>
+              <a:t>оторизация</a:t>
+            </a:r>
+            <a:endParaRPr lang="bg-BG" sz="2000" b="1" dirty="0"/>
+          </a:p>
+        </p:txBody>
+      </p:sp>
+    </p:spTree>
+    <p:extLst>
+      <p:ext uri="{BB962C8B-B14F-4D97-AF65-F5344CB8AC3E}">
+        <p14:creationId xmlns:p14="http://schemas.microsoft.com/office/powerpoint/2010/main" val="3926402535"/>
+      </p:ext>
+    </p:extLst>
+  </p:cSld>
+  <p:clrMapOvr>
+    <a:masterClrMapping/>
+  </p:clrMapOvr>
+</p:sld>
+</file>
+
+<file path=ppt/slides/slide9.xml><?xml version="1.0" encoding="utf-8"?>
+<p:sld xmlns:a="http://schemas.openxmlformats.org/drawingml/2006/main" xmlns:r="http://schemas.openxmlformats.org/officeDocument/2006/relationships" xmlns:p="http://schemas.openxmlformats.org/presentationml/2006/main">
+  <p:cSld>
+    <p:spTree>
+      <p:nvGrpSpPr>
+        <p:cNvPr id="1" name=""/>
+        <p:cNvGrpSpPr/>
+        <p:nvPr/>
+      </p:nvGrpSpPr>
+      <p:grpSpPr>
+        <a:xfrm>
+          <a:off x="0" y="0"/>
+          <a:ext cx="0" cy="0"/>
+          <a:chOff x="0" y="0"/>
+          <a:chExt cx="0" cy="0"/>
+        </a:xfrm>
+      </p:grpSpPr>
+      <p:pic>
+        <p:nvPicPr>
+          <p:cNvPr id="2" name="Картина 1"/>
+          <p:cNvPicPr>
+            <a:picLocks noChangeAspect="1"/>
+          </p:cNvPicPr>
+          <p:nvPr/>
+        </p:nvPicPr>
+        <p:blipFill>
+          <a:blip r:embed="rId3">
+            <a:extLst>
+              <a:ext uri="{28A0092B-C50C-407E-A947-70E740481C1C}">
+                <a14:useLocalDpi xmlns:a14="http://schemas.microsoft.com/office/drawing/2010/main" val="0"/>
+              </a:ext>
+            </a:extLst>
+          </a:blip>
+          <a:stretch>
+            <a:fillRect/>
+          </a:stretch>
+        </p:blipFill>
+        <p:spPr>
+          <a:xfrm>
+            <a:off x="285750" y="571500"/>
+            <a:ext cx="8572500" cy="5715000"/>
+          </a:xfrm>
+          <a:prstGeom prst="rect">
+            <a:avLst/>
+          </a:prstGeom>
+          <a:ln>
+            <a:noFill/>
+          </a:ln>
+          <a:effectLst>
+            <a:softEdge rad="112500"/>
+          </a:effectLst>
+        </p:spPr>
+      </p:pic>
+    </p:spTree>
+    <p:extLst>
+      <p:ext uri="{BB962C8B-B14F-4D97-AF65-F5344CB8AC3E}">
+        <p14:creationId xmlns:p14="http://schemas.microsoft.com/office/powerpoint/2010/main" val="988392689"/>
       </p:ext>
     </p:extLst>
   </p:cSld>
@@ -6111,4 +11315,265 @@
     </a:ext>
   </a:extLst>
 </a:theme>
+</file>
+
+<file path=ppt/theme/theme2.xml><?xml version="1.0" encoding="utf-8"?>
+<a:theme xmlns:a="http://schemas.openxmlformats.org/drawingml/2006/main" name="Office тема">
+  <a:themeElements>
+    <a:clrScheme name="Оffice">
+      <a:dk1>
+        <a:sysClr val="windowText" lastClr="000000"/>
+      </a:dk1>
+      <a:lt1>
+        <a:sysClr val="window" lastClr="FFFFFF"/>
+      </a:lt1>
+      <a:dk2>
+        <a:srgbClr val="44546A"/>
+      </a:dk2>
+      <a:lt2>
+        <a:srgbClr val="E7E6E6"/>
+      </a:lt2>
+      <a:accent1>
+        <a:srgbClr val="5B9BD5"/>
+      </a:accent1>
+      <a:accent2>
+        <a:srgbClr val="ED7D31"/>
+      </a:accent2>
+      <a:accent3>
+        <a:srgbClr val="A5A5A5"/>
+      </a:accent3>
+      <a:accent4>
+        <a:srgbClr val="FFC000"/>
+      </a:accent4>
+      <a:accent5>
+        <a:srgbClr val="4472C4"/>
+      </a:accent5>
+      <a:accent6>
+        <a:srgbClr val="70AD47"/>
+      </a:accent6>
+      <a:hlink>
+        <a:srgbClr val="0563C1"/>
+      </a:hlink>
+      <a:folHlink>
+        <a:srgbClr val="954F72"/>
+      </a:folHlink>
+    </a:clrScheme>
+    <a:fontScheme name="Оffice">
+      <a:majorFont>
+        <a:latin typeface="Calibri Light" panose="020F0302020204030204"/>
+        <a:ea typeface=""/>
+        <a:cs typeface=""/>
+        <a:font script="Jpan" typeface="ＭＳ Ｐゴシック"/>
+        <a:font script="Hang" typeface="맑은 고딕"/>
+        <a:font script="Hans" typeface="宋体"/>
+        <a:font script="Hant" typeface="新細明體"/>
+        <a:font script="Arab" typeface="Times New Roman"/>
+        <a:font script="Hebr" typeface="Times New Roman"/>
+        <a:font script="Thai" typeface="Angsana New"/>
+        <a:font script="Ethi" typeface="Nyala"/>
+        <a:font script="Beng" typeface="Vrinda"/>
+        <a:font script="Gujr" typeface="Shruti"/>
+        <a:font script="Khmr" typeface="MoolBoran"/>
+        <a:font script="Knda" typeface="Tunga"/>
+        <a:font script="Guru" typeface="Raavi"/>
+        <a:font script="Cans" typeface="Euphemia"/>
+        <a:font script="Cher" typeface="Plantagenet Cherokee"/>
+        <a:font script="Yiii" typeface="Microsoft Yi Baiti"/>
+        <a:font script="Tibt" typeface="Microsoft Himalaya"/>
+        <a:font script="Thaa" typeface="MV Boli"/>
+        <a:font script="Deva" typeface="Mangal"/>
+        <a:font script="Telu" typeface="Gautami"/>
+        <a:font script="Taml" typeface="Latha"/>
+        <a:font script="Syrc" typeface="Estrangelo Edessa"/>
+        <a:font script="Orya" typeface="Kalinga"/>
+        <a:font script="Mlym" typeface="Kartika"/>
+        <a:font script="Laoo" typeface="DokChampa"/>
+        <a:font script="Sinh" typeface="Iskoola Pota"/>
+        <a:font script="Mong" typeface="Mongolian Baiti"/>
+        <a:font script="Viet" typeface="Times New Roman"/>
+        <a:font script="Uigh" typeface="Microsoft Uighur"/>
+        <a:font script="Geor" typeface="Sylfaen"/>
+      </a:majorFont>
+      <a:minorFont>
+        <a:latin typeface="Calibri" panose="020F0502020204030204"/>
+        <a:ea typeface=""/>
+        <a:cs typeface=""/>
+        <a:font script="Jpan" typeface="ＭＳ Ｐゴシック"/>
+        <a:font script="Hang" typeface="맑은 고딕"/>
+        <a:font script="Hans" typeface="宋体"/>
+        <a:font script="Hant" typeface="新細明體"/>
+        <a:font script="Arab" typeface="Arial"/>
+        <a:font script="Hebr" typeface="Arial"/>
+        <a:font script="Thai" typeface="Cordia New"/>
+        <a:font script="Ethi" typeface="Nyala"/>
+        <a:font script="Beng" typeface="Vrinda"/>
+        <a:font script="Gujr" typeface="Shruti"/>
+        <a:font script="Khmr" typeface="DaunPenh"/>
+        <a:font script="Knda" typeface="Tunga"/>
+        <a:font script="Guru" typeface="Raavi"/>
+        <a:font script="Cans" typeface="Euphemia"/>
+        <a:font script="Cher" typeface="Plantagenet Cherokee"/>
+        <a:font script="Yiii" typeface="Microsoft Yi Baiti"/>
+        <a:font script="Tibt" typeface="Microsoft Himalaya"/>
+        <a:font script="Thaa" typeface="MV Boli"/>
+        <a:font script="Deva" typeface="Mangal"/>
+        <a:font script="Telu" typeface="Gautami"/>
+        <a:font script="Taml" typeface="Latha"/>
+        <a:font script="Syrc" typeface="Estrangelo Edessa"/>
+        <a:font script="Orya" typeface="Kalinga"/>
+        <a:font script="Mlym" typeface="Kartika"/>
+        <a:font script="Laoo" typeface="DokChampa"/>
+        <a:font script="Sinh" typeface="Iskoola Pota"/>
+        <a:font script="Mong" typeface="Mongolian Baiti"/>
+        <a:font script="Viet" typeface="Arial"/>
+        <a:font script="Uigh" typeface="Microsoft Uighur"/>
+        <a:font script="Geor" typeface="Sylfaen"/>
+      </a:minorFont>
+    </a:fontScheme>
+    <a:fmtScheme name="Оffice">
+      <a:fillStyleLst>
+        <a:solidFill>
+          <a:schemeClr val="phClr"/>
+        </a:solidFill>
+        <a:gradFill rotWithShape="1">
+          <a:gsLst>
+            <a:gs pos="0">
+              <a:schemeClr val="phClr">
+                <a:lumMod val="110000"/>
+                <a:satMod val="105000"/>
+                <a:tint val="67000"/>
+              </a:schemeClr>
+            </a:gs>
+            <a:gs pos="50000">
+              <a:schemeClr val="phClr">
+                <a:lumMod val="105000"/>
+                <a:satMod val="103000"/>
+                <a:tint val="73000"/>
+              </a:schemeClr>
+            </a:gs>
+            <a:gs pos="100000">
+              <a:schemeClr val="phClr">
+                <a:lumMod val="105000"/>
+                <a:satMod val="109000"/>
+                <a:tint val="81000"/>
+              </a:schemeClr>
+            </a:gs>
+          </a:gsLst>
+          <a:lin ang="5400000" scaled="0"/>
+        </a:gradFill>
+        <a:gradFill rotWithShape="1">
+          <a:gsLst>
+            <a:gs pos="0">
+              <a:schemeClr val="phClr">
+                <a:satMod val="103000"/>
+                <a:lumMod val="102000"/>
+                <a:tint val="94000"/>
+              </a:schemeClr>
+            </a:gs>
+            <a:gs pos="50000">
+              <a:schemeClr val="phClr">
+                <a:satMod val="110000"/>
+                <a:lumMod val="100000"/>
+                <a:shade val="100000"/>
+              </a:schemeClr>
+            </a:gs>
+            <a:gs pos="100000">
+              <a:schemeClr val="phClr">
+                <a:lumMod val="99000"/>
+                <a:satMod val="120000"/>
+                <a:shade val="78000"/>
+              </a:schemeClr>
+            </a:gs>
+          </a:gsLst>
+          <a:lin ang="5400000" scaled="0"/>
+        </a:gradFill>
+      </a:fillStyleLst>
+      <a:lnStyleLst>
+        <a:ln w="6350" cap="flat" cmpd="sng" algn="ctr">
+          <a:solidFill>
+            <a:schemeClr val="phClr"/>
+          </a:solidFill>
+          <a:prstDash val="solid"/>
+          <a:miter lim="800000"/>
+        </a:ln>
+        <a:ln w="12700" cap="flat" cmpd="sng" algn="ctr">
+          <a:solidFill>
+            <a:schemeClr val="phClr"/>
+          </a:solidFill>
+          <a:prstDash val="solid"/>
+          <a:miter lim="800000"/>
+        </a:ln>
+        <a:ln w="19050" cap="flat" cmpd="sng" algn="ctr">
+          <a:solidFill>
+            <a:schemeClr val="phClr"/>
+          </a:solidFill>
+          <a:prstDash val="solid"/>
+          <a:miter lim="800000"/>
+        </a:ln>
+      </a:lnStyleLst>
+      <a:effectStyleLst>
+        <a:effectStyle>
+          <a:effectLst/>
+        </a:effectStyle>
+        <a:effectStyle>
+          <a:effectLst/>
+        </a:effectStyle>
+        <a:effectStyle>
+          <a:effectLst>
+            <a:outerShdw blurRad="57150" dist="19050" dir="5400000" algn="ctr" rotWithShape="0">
+              <a:srgbClr val="000000">
+                <a:alpha val="63000"/>
+              </a:srgbClr>
+            </a:outerShdw>
+          </a:effectLst>
+        </a:effectStyle>
+      </a:effectStyleLst>
+      <a:bgFillStyleLst>
+        <a:solidFill>
+          <a:schemeClr val="phClr"/>
+        </a:solidFill>
+        <a:solidFill>
+          <a:schemeClr val="phClr">
+            <a:tint val="95000"/>
+            <a:satMod val="170000"/>
+          </a:schemeClr>
+        </a:solidFill>
+        <a:gradFill rotWithShape="1">
+          <a:gsLst>
+            <a:gs pos="0">
+              <a:schemeClr val="phClr">
+                <a:tint val="93000"/>
+                <a:satMod val="150000"/>
+                <a:shade val="98000"/>
+                <a:lumMod val="102000"/>
+              </a:schemeClr>
+            </a:gs>
+            <a:gs pos="50000">
+              <a:schemeClr val="phClr">
+                <a:tint val="98000"/>
+                <a:satMod val="130000"/>
+                <a:shade val="90000"/>
+                <a:lumMod val="103000"/>
+              </a:schemeClr>
+            </a:gs>
+            <a:gs pos="100000">
+              <a:schemeClr val="phClr">
+                <a:shade val="63000"/>
+                <a:satMod val="120000"/>
+              </a:schemeClr>
+            </a:gs>
+          </a:gsLst>
+          <a:lin ang="5400000" scaled="0"/>
+        </a:gradFill>
+      </a:bgFillStyleLst>
+    </a:fmtScheme>
+  </a:themeElements>
+  <a:objectDefaults/>
+  <a:extraClrSchemeLst/>
+  <a:extLst>
+    <a:ext uri="{05A4C25C-085E-4340-85A3-A5531E510DB2}">
+      <thm15:themeFamily xmlns:thm15="http://schemas.microsoft.com/office/thememl/2012/main" name="Office Theme" id="{62F939B6-93AF-4DB8-9C6B-D6C7DFDC589F}" vid="{4A3C46E8-61CC-4603-A589-7422A47A8E4A}"/>
+    </a:ext>
+  </a:extLst>
+</a:theme>
 </file>
--- a/dr/Защита.pptx
+++ b/dr/Защита.pptx
@@ -5,7 +5,7 @@
     <p:sldMasterId id="2147483690" r:id="rId1"/>
   </p:sldMasterIdLst>
   <p:notesMasterIdLst>
-    <p:notesMasterId r:id="rId14"/>
+    <p:notesMasterId r:id="rId15"/>
   </p:notesMasterIdLst>
   <p:sldIdLst>
     <p:sldId id="256" r:id="rId2"/>
@@ -20,6 +20,7 @@
     <p:sldId id="265" r:id="rId11"/>
     <p:sldId id="266" r:id="rId12"/>
     <p:sldId id="267" r:id="rId13"/>
+    <p:sldId id="268" r:id="rId14"/>
   </p:sldIdLst>
   <p:sldSz cx="9144000" cy="6858000" type="screen4x3"/>
   <p:notesSz cx="6858000" cy="9144000"/>
@@ -219,7 +220,7 @@
           <a:p>
             <a:fld id="{38E7F258-C5CB-487D-925B-D501708AF133}" type="datetimeFigureOut">
               <a:rPr lang="bg-BG" smtClean="0"/>
-              <a:t>13.5.2025 г.</a:t>
+              <a:t>14.5.2025 г.</a:t>
             </a:fld>
             <a:endParaRPr lang="bg-BG"/>
           </a:p>
@@ -722,7 +723,87 @@
           <a:p>
             <a:r>
               <a:rPr lang="ru-RU" dirty="0" smtClean="0"/>
-              <a:t>10.	Средства за </a:t>
+              <a:t>В </a:t>
+            </a:r>
+            <a:r>
+              <a:rPr lang="ru-RU" dirty="0" err="1" smtClean="0"/>
+              <a:t>рамките</a:t>
+            </a:r>
+            <a:r>
+              <a:rPr lang="ru-RU" dirty="0" smtClean="0"/>
+              <a:t> на проекта </a:t>
+            </a:r>
+            <a:r>
+              <a:rPr lang="ru-RU" dirty="0" err="1" smtClean="0"/>
+              <a:t>беше</a:t>
+            </a:r>
+            <a:r>
+              <a:rPr lang="ru-RU" dirty="0" smtClean="0"/>
+              <a:t> </a:t>
+            </a:r>
+            <a:r>
+              <a:rPr lang="ru-RU" dirty="0" err="1" smtClean="0"/>
+              <a:t>създадено</a:t>
+            </a:r>
+            <a:r>
+              <a:rPr lang="ru-RU" dirty="0" smtClean="0"/>
+              <a:t> </a:t>
+            </a:r>
+            <a:r>
+              <a:rPr lang="ru-RU" dirty="0" err="1" smtClean="0"/>
+              <a:t>уеб</a:t>
+            </a:r>
+            <a:r>
+              <a:rPr lang="ru-RU" dirty="0" smtClean="0"/>
+              <a:t> приложение с </a:t>
+            </a:r>
+            <a:r>
+              <a:rPr lang="ru-RU" dirty="0" err="1" smtClean="0"/>
+              <a:t>използване</a:t>
+            </a:r>
+            <a:r>
+              <a:rPr lang="ru-RU" dirty="0" smtClean="0"/>
+              <a:t> на </a:t>
+            </a:r>
+            <a:r>
+              <a:rPr lang="ru-RU" dirty="0" err="1" smtClean="0"/>
+              <a:t>Django</a:t>
+            </a:r>
+            <a:r>
+              <a:rPr lang="ru-RU" dirty="0" smtClean="0"/>
+              <a:t> </a:t>
+            </a:r>
+            <a:r>
+              <a:rPr lang="ru-RU" dirty="0" err="1" smtClean="0"/>
+              <a:t>framework</a:t>
+            </a:r>
+            <a:r>
+              <a:rPr lang="ru-RU" dirty="0" smtClean="0"/>
+              <a:t>, </a:t>
+            </a:r>
+            <a:r>
+              <a:rPr lang="ru-RU" dirty="0" err="1" smtClean="0"/>
+              <a:t>което</a:t>
+            </a:r>
+            <a:r>
+              <a:rPr lang="ru-RU" dirty="0" smtClean="0"/>
+              <a:t> </a:t>
+            </a:r>
+            <a:r>
+              <a:rPr lang="ru-RU" dirty="0" err="1" smtClean="0"/>
+              <a:t>демонстрира</a:t>
+            </a:r>
+            <a:r>
+              <a:rPr lang="ru-RU" dirty="0" smtClean="0"/>
+              <a:t> </a:t>
+            </a:r>
+            <a:r>
+              <a:rPr lang="ru-RU" dirty="0" err="1" smtClean="0"/>
+              <a:t>процеса</a:t>
+            </a:r>
+            <a:r>
+              <a:rPr lang="ru-RU" dirty="0" smtClean="0"/>
+              <a:t> на </a:t>
             </a:r>
             <a:r>
               <a:rPr lang="ru-RU" dirty="0" err="1" smtClean="0"/>
@@ -738,42 +819,155 @@
             </a:r>
             <a:r>
               <a:rPr lang="ru-RU" dirty="0" smtClean="0"/>
-              <a:t> в </a:t>
-            </a:r>
-            <a:r>
-              <a:rPr lang="ru-RU" dirty="0" err="1" smtClean="0"/>
-              <a:t>Django</a:t>
-            </a:r>
-            <a:endParaRPr lang="ru-RU" dirty="0" smtClean="0"/>
-          </a:p>
-          <a:p>
-            <a:r>
-              <a:rPr lang="ru-RU" dirty="0" err="1" smtClean="0"/>
-              <a:t>Django</a:t>
-            </a:r>
-            <a:r>
-              <a:rPr lang="ru-RU" dirty="0" smtClean="0"/>
-              <a:t> </a:t>
-            </a:r>
-            <a:r>
-              <a:rPr lang="ru-RU" dirty="0" err="1" smtClean="0"/>
-              <a:t>разполага</a:t>
-            </a:r>
-            <a:r>
-              <a:rPr lang="ru-RU" dirty="0" smtClean="0"/>
-              <a:t> с </a:t>
-            </a:r>
-            <a:r>
-              <a:rPr lang="ru-RU" dirty="0" err="1" smtClean="0"/>
-              <a:t>вградена</a:t>
-            </a:r>
-            <a:r>
-              <a:rPr lang="ru-RU" dirty="0" smtClean="0"/>
-              <a:t> система </a:t>
-            </a:r>
-            <a:r>
-              <a:rPr lang="ru-RU" dirty="0" err="1" smtClean="0"/>
-              <a:t>django.contrib.auth</a:t>
+              <a:t> на </a:t>
+            </a:r>
+            <a:r>
+              <a:rPr lang="ru-RU" dirty="0" err="1" smtClean="0"/>
+              <a:t>потребителите</a:t>
+            </a:r>
+            <a:r>
+              <a:rPr lang="ru-RU" dirty="0" smtClean="0"/>
+              <a:t>. </a:t>
+            </a:r>
+            <a:r>
+              <a:rPr lang="ru-RU" dirty="0" err="1" smtClean="0"/>
+              <a:t>Реализирани</a:t>
+            </a:r>
+            <a:r>
+              <a:rPr lang="ru-RU" dirty="0" smtClean="0"/>
+              <a:t> </a:t>
+            </a:r>
+            <a:r>
+              <a:rPr lang="ru-RU" dirty="0" err="1" smtClean="0"/>
+              <a:t>бяха</a:t>
+            </a:r>
+            <a:r>
+              <a:rPr lang="ru-RU" dirty="0" smtClean="0"/>
+              <a:t> функции за регистрация, вход, управление на </a:t>
+            </a:r>
+            <a:r>
+              <a:rPr lang="ru-RU" dirty="0" err="1" smtClean="0"/>
+              <a:t>профил</a:t>
+            </a:r>
+            <a:r>
+              <a:rPr lang="ru-RU" dirty="0" smtClean="0"/>
+              <a:t> и </a:t>
+            </a:r>
+            <a:r>
+              <a:rPr lang="ru-RU" dirty="0" err="1" smtClean="0"/>
+              <a:t>контрол</a:t>
+            </a:r>
+            <a:r>
+              <a:rPr lang="ru-RU" dirty="0" smtClean="0"/>
+              <a:t> на </a:t>
+            </a:r>
+            <a:r>
+              <a:rPr lang="ru-RU" dirty="0" err="1" smtClean="0"/>
+              <a:t>достъпа</a:t>
+            </a:r>
+            <a:r>
+              <a:rPr lang="ru-RU" dirty="0" smtClean="0"/>
+              <a:t> до </a:t>
+            </a:r>
+            <a:r>
+              <a:rPr lang="ru-RU" dirty="0" err="1" smtClean="0"/>
+              <a:t>различни</a:t>
+            </a:r>
+            <a:r>
+              <a:rPr lang="ru-RU" dirty="0" smtClean="0"/>
+              <a:t> части на </a:t>
+            </a:r>
+            <a:r>
+              <a:rPr lang="ru-RU" dirty="0" err="1" smtClean="0"/>
+              <a:t>системата</a:t>
+            </a:r>
+            <a:r>
+              <a:rPr lang="ru-RU" dirty="0" smtClean="0"/>
+              <a:t> чрез роли и права. </a:t>
+            </a:r>
+            <a:r>
+              <a:rPr lang="ru-RU" dirty="0" err="1" smtClean="0"/>
+              <a:t>Използваха</a:t>
+            </a:r>
+            <a:r>
+              <a:rPr lang="ru-RU" dirty="0" smtClean="0"/>
+              <a:t> се </a:t>
+            </a:r>
+            <a:r>
+              <a:rPr lang="ru-RU" dirty="0" err="1" smtClean="0"/>
+              <a:t>стандартни</a:t>
+            </a:r>
+            <a:r>
+              <a:rPr lang="ru-RU" dirty="0" smtClean="0"/>
+              <a:t> </a:t>
+            </a:r>
+            <a:r>
+              <a:rPr lang="ru-RU" dirty="0" err="1" smtClean="0"/>
+              <a:t>компоненти</a:t>
+            </a:r>
+            <a:r>
+              <a:rPr lang="ru-RU" dirty="0" smtClean="0"/>
+              <a:t> </a:t>
+            </a:r>
+            <a:r>
+              <a:rPr lang="ru-RU" dirty="0" err="1" smtClean="0"/>
+              <a:t>като</a:t>
+            </a:r>
+            <a:r>
+              <a:rPr lang="ru-RU" dirty="0" smtClean="0"/>
+              <a:t> </a:t>
+            </a:r>
+            <a:r>
+              <a:rPr lang="ru-RU" dirty="0" err="1" smtClean="0"/>
+              <a:t>форми</a:t>
+            </a:r>
+            <a:r>
+              <a:rPr lang="ru-RU" dirty="0" smtClean="0"/>
+              <a:t> за вход, </a:t>
+            </a:r>
+            <a:r>
+              <a:rPr lang="ru-RU" dirty="0" err="1" smtClean="0"/>
+              <a:t>сесии</a:t>
+            </a:r>
+            <a:r>
+              <a:rPr lang="ru-RU" dirty="0" smtClean="0"/>
+              <a:t> и </a:t>
+            </a:r>
+            <a:r>
+              <a:rPr lang="ru-RU" dirty="0" err="1" smtClean="0"/>
+              <a:t>бисквитки</a:t>
+            </a:r>
+            <a:r>
+              <a:rPr lang="ru-RU" dirty="0" smtClean="0"/>
+              <a:t> за </a:t>
+            </a:r>
+            <a:r>
+              <a:rPr lang="ru-RU" dirty="0" err="1" smtClean="0"/>
+              <a:t>съхраняване</a:t>
+            </a:r>
+            <a:r>
+              <a:rPr lang="ru-RU" dirty="0" smtClean="0"/>
+              <a:t> на </a:t>
+            </a:r>
+            <a:r>
+              <a:rPr lang="ru-RU" dirty="0" err="1" smtClean="0"/>
+              <a:t>състоянието</a:t>
+            </a:r>
+            <a:r>
+              <a:rPr lang="ru-RU" dirty="0" smtClean="0"/>
+              <a:t>. </a:t>
+            </a:r>
+            <a:r>
+              <a:rPr lang="ru-RU" dirty="0" err="1" smtClean="0"/>
+              <a:t>Освен</a:t>
+            </a:r>
+            <a:r>
+              <a:rPr lang="ru-RU" dirty="0" smtClean="0"/>
+              <a:t> </a:t>
+            </a:r>
+            <a:r>
+              <a:rPr lang="ru-RU" dirty="0" err="1" smtClean="0"/>
+              <a:t>това</a:t>
             </a:r>
             <a:r>
               <a:rPr lang="ru-RU" dirty="0" smtClean="0"/>
@@ -781,51 +975,59 @@
             </a:r>
             <a:r>
               <a:rPr lang="ru-RU" dirty="0" err="1" smtClean="0"/>
-              <a:t>която</a:t>
-            </a:r>
-            <a:r>
-              <a:rPr lang="ru-RU" dirty="0" smtClean="0"/>
-              <a:t> </a:t>
-            </a:r>
-            <a:r>
-              <a:rPr lang="ru-RU" dirty="0" err="1" smtClean="0"/>
-              <a:t>предлага</a:t>
-            </a:r>
-            <a:r>
-              <a:rPr lang="ru-RU" dirty="0" smtClean="0"/>
-              <a:t> модели за потребители, </a:t>
-            </a:r>
-            <a:r>
-              <a:rPr lang="ru-RU" dirty="0" err="1" smtClean="0"/>
-              <a:t>групи</a:t>
-            </a:r>
-            <a:r>
-              <a:rPr lang="ru-RU" dirty="0" smtClean="0"/>
-              <a:t> и права. </a:t>
-            </a:r>
-            <a:r>
-              <a:rPr lang="ru-RU" dirty="0" err="1" smtClean="0"/>
-              <a:t>Има</a:t>
-            </a:r>
-            <a:r>
-              <a:rPr lang="ru-RU" dirty="0" smtClean="0"/>
-              <a:t> </a:t>
-            </a:r>
-            <a:r>
-              <a:rPr lang="ru-RU" dirty="0" err="1" smtClean="0"/>
-              <a:t>готови</a:t>
-            </a:r>
-            <a:r>
-              <a:rPr lang="ru-RU" dirty="0" smtClean="0"/>
-              <a:t> </a:t>
-            </a:r>
-            <a:r>
-              <a:rPr lang="ru-RU" dirty="0" err="1" smtClean="0"/>
-              <a:t>форми</a:t>
-            </a:r>
-            <a:r>
-              <a:rPr lang="ru-RU" dirty="0" smtClean="0"/>
-              <a:t> за логин и регистрация, </a:t>
+              <a:t>беше</a:t>
+            </a:r>
+            <a:r>
+              <a:rPr lang="ru-RU" dirty="0" smtClean="0"/>
+              <a:t> внедрена система за защита </a:t>
+            </a:r>
+            <a:r>
+              <a:rPr lang="ru-RU" dirty="0" err="1" smtClean="0"/>
+              <a:t>срещу</a:t>
+            </a:r>
+            <a:r>
+              <a:rPr lang="ru-RU" dirty="0" smtClean="0"/>
+              <a:t> </a:t>
+            </a:r>
+            <a:r>
+              <a:rPr lang="ru-RU" dirty="0" err="1" smtClean="0"/>
+              <a:t>типични</a:t>
+            </a:r>
+            <a:r>
+              <a:rPr lang="ru-RU" dirty="0" smtClean="0"/>
+              <a:t> уязвимости </a:t>
+            </a:r>
+            <a:r>
+              <a:rPr lang="ru-RU" dirty="0" err="1" smtClean="0"/>
+              <a:t>като</a:t>
+            </a:r>
+            <a:r>
+              <a:rPr lang="ru-RU" dirty="0" smtClean="0"/>
+              <a:t> SQL инжекции и XSS атаки, чрез проверка и </a:t>
+            </a:r>
+            <a:r>
+              <a:rPr lang="ru-RU" dirty="0" err="1" smtClean="0"/>
+              <a:t>валидиране</a:t>
+            </a:r>
+            <a:r>
+              <a:rPr lang="ru-RU" dirty="0" smtClean="0"/>
+              <a:t> на </a:t>
+            </a:r>
+            <a:r>
+              <a:rPr lang="ru-RU" dirty="0" err="1" smtClean="0"/>
+              <a:t>входните</a:t>
+            </a:r>
+            <a:r>
+              <a:rPr lang="ru-RU" dirty="0" smtClean="0"/>
+              <a:t> </a:t>
+            </a:r>
+            <a:r>
+              <a:rPr lang="ru-RU" dirty="0" err="1" smtClean="0"/>
+              <a:t>данни</a:t>
+            </a:r>
+            <a:r>
+              <a:rPr lang="ru-RU" dirty="0" smtClean="0"/>
+              <a:t>, </a:t>
             </a:r>
             <a:r>
               <a:rPr lang="ru-RU" dirty="0" err="1" smtClean="0"/>
@@ -837,46 +1039,28 @@
             </a:r>
             <a:r>
               <a:rPr lang="ru-RU" dirty="0" err="1" smtClean="0"/>
-              <a:t>методи</a:t>
-            </a:r>
-            <a:r>
-              <a:rPr lang="ru-RU" dirty="0" smtClean="0"/>
-              <a:t> за защита чрез </a:t>
-            </a:r>
-            <a:r>
-              <a:rPr lang="ru-RU" dirty="0" err="1" smtClean="0"/>
-              <a:t>декоратори</a:t>
-            </a:r>
-            <a:r>
-              <a:rPr lang="ru-RU" dirty="0" smtClean="0"/>
-              <a:t> </a:t>
-            </a:r>
-            <a:r>
-              <a:rPr lang="ru-RU" dirty="0" err="1" smtClean="0"/>
-              <a:t>като</a:t>
-            </a:r>
-            <a:r>
-              <a:rPr lang="ru-RU" dirty="0" smtClean="0"/>
-              <a:t> @</a:t>
-            </a:r>
-            <a:r>
-              <a:rPr lang="ru-RU" dirty="0" err="1" smtClean="0"/>
-              <a:t>login_required</a:t>
-            </a:r>
-            <a:r>
-              <a:rPr lang="ru-RU" dirty="0" smtClean="0"/>
-              <a:t> и @</a:t>
-            </a:r>
-            <a:r>
-              <a:rPr lang="ru-RU" dirty="0" err="1" smtClean="0"/>
-              <a:t>permission_required</a:t>
-            </a:r>
-            <a:r>
-              <a:rPr lang="ru-RU" dirty="0" smtClean="0"/>
-              <a:t>.</a:t>
-            </a:r>
-          </a:p>
-          <a:p>
+              <a:t>използване</a:t>
+            </a:r>
+            <a:r>
+              <a:rPr lang="ru-RU" dirty="0" smtClean="0"/>
+              <a:t> на </a:t>
+            </a:r>
+            <a:r>
+              <a:rPr lang="ru-RU" dirty="0" err="1" smtClean="0"/>
+              <a:t>криптиране</a:t>
+            </a:r>
+            <a:r>
+              <a:rPr lang="ru-RU" dirty="0" smtClean="0"/>
+              <a:t> и </a:t>
+            </a:r>
+            <a:r>
+              <a:rPr lang="ru-RU" dirty="0" err="1" smtClean="0"/>
+              <a:t>хеширане</a:t>
+            </a:r>
+            <a:r>
+              <a:rPr lang="ru-RU" dirty="0" smtClean="0"/>
+              <a:t> на пароли.</a:t>
+            </a:r>
             <a:endParaRPr lang="bg-BG" dirty="0"/>
           </a:p>
         </p:txBody>
@@ -962,58 +1146,16 @@
           <a:lstStyle/>
           <a:p>
             <a:r>
-              <a:rPr lang="ru-RU" dirty="0" smtClean="0"/>
-              <a:t>11.	</a:t>
-            </a:r>
-            <a:r>
-              <a:rPr lang="ru-RU" dirty="0" err="1" smtClean="0"/>
-              <a:t>Практическа</a:t>
-            </a:r>
-            <a:r>
-              <a:rPr lang="ru-RU" dirty="0" smtClean="0"/>
-              <a:t> реализация</a:t>
-            </a:r>
-          </a:p>
-          <a:p>
-            <a:r>
-              <a:rPr lang="ru-RU" dirty="0" smtClean="0"/>
-              <a:t>В </a:t>
-            </a:r>
-            <a:r>
-              <a:rPr lang="ru-RU" dirty="0" err="1" smtClean="0"/>
-              <a:t>рамките</a:t>
-            </a:r>
-            <a:r>
-              <a:rPr lang="ru-RU" dirty="0" smtClean="0"/>
-              <a:t> на проекта </a:t>
-            </a:r>
-            <a:r>
-              <a:rPr lang="ru-RU" dirty="0" err="1" smtClean="0"/>
-              <a:t>беше</a:t>
-            </a:r>
-            <a:r>
-              <a:rPr lang="ru-RU" dirty="0" smtClean="0"/>
-              <a:t> </a:t>
-            </a:r>
-            <a:r>
-              <a:rPr lang="ru-RU" dirty="0" err="1" smtClean="0"/>
-              <a:t>създадено</a:t>
-            </a:r>
-            <a:r>
-              <a:rPr lang="ru-RU" dirty="0" smtClean="0"/>
-              <a:t> </a:t>
-            </a:r>
-            <a:r>
-              <a:rPr lang="ru-RU" dirty="0" err="1" smtClean="0"/>
-              <a:t>уеб</a:t>
-            </a:r>
-            <a:r>
-              <a:rPr lang="ru-RU" dirty="0" smtClean="0"/>
-              <a:t> приложение с </a:t>
-            </a:r>
-            <a:r>
-              <a:rPr lang="ru-RU" dirty="0" err="1" smtClean="0"/>
-              <a:t>използване</a:t>
+              <a:rPr lang="ru-RU" dirty="0" err="1" smtClean="0"/>
+              <a:t>Приложението</a:t>
+            </a:r>
+            <a:r>
+              <a:rPr lang="ru-RU" dirty="0" smtClean="0"/>
+              <a:t> е </a:t>
+            </a:r>
+            <a:r>
+              <a:rPr lang="ru-RU" dirty="0" err="1" smtClean="0"/>
+              <a:t>базирано</a:t>
             </a:r>
             <a:r>
               <a:rPr lang="ru-RU" dirty="0" smtClean="0"/>
@@ -1021,6 +1163,30 @@
             </a:r>
             <a:r>
               <a:rPr lang="ru-RU" dirty="0" err="1" smtClean="0"/>
+              <a:t>тропична</a:t>
+            </a:r>
+            <a:r>
+              <a:rPr lang="ru-RU" dirty="0" smtClean="0"/>
+              <a:t> клиент-</a:t>
+            </a:r>
+            <a:r>
+              <a:rPr lang="ru-RU" dirty="0" err="1" smtClean="0"/>
+              <a:t>сървър</a:t>
+            </a:r>
+            <a:r>
+              <a:rPr lang="ru-RU" dirty="0" smtClean="0"/>
+              <a:t> архитектура, </a:t>
+            </a:r>
+            <a:r>
+              <a:rPr lang="ru-RU" dirty="0" err="1" smtClean="0"/>
+              <a:t>реализирана</a:t>
+            </a:r>
+            <a:r>
+              <a:rPr lang="ru-RU" dirty="0" smtClean="0"/>
+              <a:t> с </a:t>
+            </a:r>
+            <a:r>
+              <a:rPr lang="ru-RU" dirty="0" err="1" smtClean="0"/>
               <a:t>Django</a:t>
             </a:r>
             <a:r>
@@ -1029,7 +1195,263 @@
             </a:r>
             <a:r>
               <a:rPr lang="ru-RU" dirty="0" err="1" smtClean="0"/>
-              <a:t>framework</a:t>
+              <a:t>като</a:t>
+            </a:r>
+            <a:r>
+              <a:rPr lang="ru-RU" dirty="0" smtClean="0"/>
+              <a:t> </a:t>
+            </a:r>
+            <a:r>
+              <a:rPr lang="ru-RU" dirty="0" err="1" smtClean="0"/>
+              <a:t>сървъ</a:t>
+            </a:r>
+            <a:r>
+              <a:rPr lang="bg-BG" dirty="0" smtClean="0"/>
+              <a:t>р</a:t>
+            </a:r>
+            <a:r>
+              <a:rPr lang="bg-BG" baseline="0" dirty="0" smtClean="0"/>
+              <a:t> </a:t>
+            </a:r>
+            <a:r>
+              <a:rPr lang="ru-RU" dirty="0" smtClean="0"/>
+              <a:t>сайт и HTML/CSS/</a:t>
+            </a:r>
+            <a:r>
+              <a:rPr lang="ru-RU" dirty="0" err="1" smtClean="0"/>
+              <a:t>JavaScript</a:t>
+            </a:r>
+            <a:r>
+              <a:rPr lang="ru-RU" dirty="0" smtClean="0"/>
+              <a:t> </a:t>
+            </a:r>
+            <a:r>
+              <a:rPr lang="ru-RU" dirty="0" err="1" smtClean="0"/>
+              <a:t>като</a:t>
+            </a:r>
+            <a:r>
+              <a:rPr lang="ru-RU" dirty="0" smtClean="0"/>
+              <a:t> </a:t>
+            </a:r>
+            <a:r>
+              <a:rPr lang="ru-RU" dirty="0" err="1" smtClean="0"/>
+              <a:t>клиентски</a:t>
+            </a:r>
+            <a:r>
+              <a:rPr lang="ru-RU" dirty="0" smtClean="0"/>
+              <a:t> интерфейс. </a:t>
+            </a:r>
+            <a:r>
+              <a:rPr lang="ru-RU" dirty="0" err="1" smtClean="0"/>
+              <a:t>Backend</a:t>
+            </a:r>
+            <a:r>
+              <a:rPr lang="ru-RU" dirty="0" smtClean="0"/>
+              <a:t> </a:t>
+            </a:r>
+            <a:r>
+              <a:rPr lang="ru-RU" dirty="0" err="1" smtClean="0"/>
+              <a:t>системата</a:t>
+            </a:r>
+            <a:r>
+              <a:rPr lang="ru-RU" dirty="0" smtClean="0"/>
+              <a:t> </a:t>
+            </a:r>
+            <a:r>
+              <a:rPr lang="ru-RU" dirty="0" err="1" smtClean="0"/>
+              <a:t>включва</a:t>
+            </a:r>
+            <a:r>
+              <a:rPr lang="ru-RU" dirty="0" smtClean="0"/>
+              <a:t> модели за потребители, роли и права, </a:t>
+            </a:r>
+            <a:r>
+              <a:rPr lang="ru-RU" dirty="0" err="1" smtClean="0"/>
+              <a:t>както</a:t>
+            </a:r>
+            <a:r>
+              <a:rPr lang="ru-RU" dirty="0" smtClean="0"/>
+              <a:t> и логика за </a:t>
+            </a:r>
+            <a:r>
+              <a:rPr lang="ru-RU" dirty="0" err="1" smtClean="0"/>
+              <a:t>удостоверяване</a:t>
+            </a:r>
+            <a:r>
+              <a:rPr lang="ru-RU" dirty="0" smtClean="0"/>
+              <a:t> и </a:t>
+            </a:r>
+            <a:r>
+              <a:rPr lang="ru-RU" dirty="0" err="1" smtClean="0"/>
+              <a:t>контрол</a:t>
+            </a:r>
+            <a:r>
+              <a:rPr lang="ru-RU" dirty="0" smtClean="0"/>
+              <a:t> на </a:t>
+            </a:r>
+            <a:r>
+              <a:rPr lang="ru-RU" dirty="0" err="1" smtClean="0"/>
+              <a:t>достъпа</a:t>
+            </a:r>
+            <a:r>
+              <a:rPr lang="ru-RU" dirty="0" smtClean="0"/>
+              <a:t>. </a:t>
+            </a:r>
+            <a:r>
+              <a:rPr lang="ru-RU" dirty="0" err="1" smtClean="0"/>
+              <a:t>Данните</a:t>
+            </a:r>
+            <a:r>
+              <a:rPr lang="ru-RU" dirty="0" smtClean="0"/>
+              <a:t> се </a:t>
+            </a:r>
+            <a:r>
+              <a:rPr lang="ru-RU" dirty="0" err="1" smtClean="0"/>
+              <a:t>съхраняват</a:t>
+            </a:r>
+            <a:r>
+              <a:rPr lang="ru-RU" dirty="0" smtClean="0"/>
+              <a:t> в </a:t>
+            </a:r>
+            <a:r>
+              <a:rPr lang="ru-RU" dirty="0" err="1" smtClean="0"/>
+              <a:t>релационна</a:t>
+            </a:r>
+            <a:r>
+              <a:rPr lang="ru-RU" dirty="0" smtClean="0"/>
+              <a:t> база </a:t>
+            </a:r>
+            <a:r>
+              <a:rPr lang="ru-RU" dirty="0" err="1" smtClean="0"/>
+              <a:t>данни</a:t>
+            </a:r>
+            <a:r>
+              <a:rPr lang="ru-RU" dirty="0" smtClean="0"/>
+              <a:t> (например </a:t>
+            </a:r>
+            <a:r>
+              <a:rPr lang="ru-RU" dirty="0" err="1" smtClean="0"/>
+              <a:t>PostgreSQL</a:t>
+            </a:r>
+            <a:r>
+              <a:rPr lang="ru-RU" dirty="0" smtClean="0"/>
+              <a:t>), </a:t>
+            </a:r>
+            <a:r>
+              <a:rPr lang="ru-RU" dirty="0" err="1" smtClean="0"/>
+              <a:t>която</a:t>
+            </a:r>
+            <a:r>
+              <a:rPr lang="ru-RU" dirty="0" smtClean="0"/>
+              <a:t> </a:t>
+            </a:r>
+            <a:r>
+              <a:rPr lang="ru-RU" dirty="0" err="1" smtClean="0"/>
+              <a:t>поддържа</a:t>
+            </a:r>
+            <a:r>
+              <a:rPr lang="ru-RU" dirty="0" smtClean="0"/>
+              <a:t> </a:t>
+            </a:r>
+            <a:r>
+              <a:rPr lang="ru-RU" dirty="0" err="1" smtClean="0"/>
+              <a:t>връзки</a:t>
+            </a:r>
+            <a:r>
+              <a:rPr lang="ru-RU" dirty="0" smtClean="0"/>
+              <a:t> между </a:t>
+            </a:r>
+            <a:r>
+              <a:rPr lang="ru-RU" dirty="0" err="1" smtClean="0"/>
+              <a:t>таблиците</a:t>
+            </a:r>
+            <a:r>
+              <a:rPr lang="ru-RU" dirty="0" smtClean="0"/>
+              <a:t> и </a:t>
+            </a:r>
+            <a:r>
+              <a:rPr lang="ru-RU" dirty="0" err="1" smtClean="0"/>
+              <a:t>гарантира</a:t>
+            </a:r>
+            <a:r>
+              <a:rPr lang="ru-RU" dirty="0" smtClean="0"/>
+              <a:t> </a:t>
+            </a:r>
+            <a:r>
+              <a:rPr lang="ru-RU" dirty="0" err="1" smtClean="0"/>
+              <a:t>цялостност</a:t>
+            </a:r>
+            <a:r>
+              <a:rPr lang="ru-RU" dirty="0" smtClean="0"/>
+              <a:t> и </a:t>
+            </a:r>
+            <a:r>
+              <a:rPr lang="ru-RU" dirty="0" err="1" smtClean="0"/>
+              <a:t>сигурност</a:t>
+            </a:r>
+            <a:r>
+              <a:rPr lang="ru-RU" dirty="0" smtClean="0"/>
+              <a:t> на </a:t>
+            </a:r>
+            <a:r>
+              <a:rPr lang="ru-RU" dirty="0" err="1" smtClean="0"/>
+              <a:t>информацията</a:t>
+            </a:r>
+            <a:r>
+              <a:rPr lang="ru-RU" dirty="0" smtClean="0"/>
+              <a:t>. </a:t>
+            </a:r>
+            <a:r>
+              <a:rPr lang="ru-RU" dirty="0" err="1" smtClean="0"/>
+              <a:t>Клиентската</a:t>
+            </a:r>
+            <a:r>
+              <a:rPr lang="ru-RU" dirty="0" smtClean="0"/>
+              <a:t> част </a:t>
+            </a:r>
+            <a:r>
+              <a:rPr lang="ru-RU" dirty="0" err="1" smtClean="0"/>
+              <a:t>комуникира</a:t>
+            </a:r>
+            <a:r>
+              <a:rPr lang="ru-RU" dirty="0" smtClean="0"/>
+              <a:t> с </a:t>
+            </a:r>
+            <a:r>
+              <a:rPr lang="ru-RU" dirty="0" err="1" smtClean="0"/>
+              <a:t>сървъра</a:t>
+            </a:r>
+            <a:r>
+              <a:rPr lang="ru-RU" dirty="0" smtClean="0"/>
+              <a:t> чрез HTTP заявки, </a:t>
+            </a:r>
+            <a:r>
+              <a:rPr lang="ru-RU" dirty="0" err="1" smtClean="0"/>
+              <a:t>използвайки</a:t>
+            </a:r>
+            <a:r>
+              <a:rPr lang="ru-RU" dirty="0" smtClean="0"/>
+              <a:t> REST API или </a:t>
+            </a:r>
+            <a:r>
+              <a:rPr lang="ru-RU" dirty="0" err="1" smtClean="0"/>
+              <a:t>стандартни</a:t>
+            </a:r>
+            <a:r>
+              <a:rPr lang="ru-RU" dirty="0" smtClean="0"/>
+              <a:t> </a:t>
+            </a:r>
+            <a:r>
+              <a:rPr lang="ru-RU" dirty="0" err="1" smtClean="0"/>
+              <a:t>Django</a:t>
+            </a:r>
+            <a:r>
+              <a:rPr lang="ru-RU" dirty="0" smtClean="0"/>
+              <a:t> </a:t>
+            </a:r>
+            <a:r>
+              <a:rPr lang="ru-RU" dirty="0" err="1" smtClean="0"/>
+              <a:t>изгледи</a:t>
             </a:r>
             <a:r>
               <a:rPr lang="ru-RU" dirty="0" smtClean="0"/>
@@ -1037,111 +1459,15 @@
             </a:r>
             <a:r>
               <a:rPr lang="ru-RU" dirty="0" err="1" smtClean="0"/>
-              <a:t>което</a:t>
-            </a:r>
-            <a:r>
-              <a:rPr lang="ru-RU" dirty="0" smtClean="0"/>
-              <a:t> </a:t>
-            </a:r>
-            <a:r>
-              <a:rPr lang="ru-RU" dirty="0" err="1" smtClean="0"/>
-              <a:t>демонстрира</a:t>
-            </a:r>
-            <a:r>
-              <a:rPr lang="ru-RU" dirty="0" smtClean="0"/>
-              <a:t> </a:t>
-            </a:r>
-            <a:r>
-              <a:rPr lang="ru-RU" dirty="0" err="1" smtClean="0"/>
-              <a:t>процеса</a:t>
-            </a:r>
-            <a:r>
-              <a:rPr lang="ru-RU" dirty="0" smtClean="0"/>
-              <a:t> на </a:t>
-            </a:r>
-            <a:r>
-              <a:rPr lang="ru-RU" dirty="0" err="1" smtClean="0"/>
-              <a:t>удостоверяване</a:t>
-            </a:r>
-            <a:r>
-              <a:rPr lang="ru-RU" dirty="0" smtClean="0"/>
-              <a:t> и </a:t>
-            </a:r>
-            <a:r>
-              <a:rPr lang="ru-RU" dirty="0" err="1" smtClean="0"/>
-              <a:t>оторизация</a:t>
-            </a:r>
-            <a:r>
-              <a:rPr lang="ru-RU" dirty="0" smtClean="0"/>
-              <a:t> на </a:t>
-            </a:r>
-            <a:r>
-              <a:rPr lang="ru-RU" dirty="0" err="1" smtClean="0"/>
-              <a:t>потребителите</a:t>
-            </a:r>
-            <a:r>
-              <a:rPr lang="ru-RU" dirty="0" smtClean="0"/>
-              <a:t>. </a:t>
-            </a:r>
-            <a:r>
-              <a:rPr lang="ru-RU" dirty="0" err="1" smtClean="0"/>
-              <a:t>Реализирани</a:t>
-            </a:r>
-            <a:r>
-              <a:rPr lang="ru-RU" dirty="0" smtClean="0"/>
-              <a:t> </a:t>
-            </a:r>
-            <a:r>
-              <a:rPr lang="ru-RU" dirty="0" err="1" smtClean="0"/>
-              <a:t>бяха</a:t>
-            </a:r>
-            <a:r>
-              <a:rPr lang="ru-RU" dirty="0" smtClean="0"/>
-              <a:t> функции за регистрация, вход, управление на </a:t>
-            </a:r>
-            <a:r>
-              <a:rPr lang="ru-RU" dirty="0" err="1" smtClean="0"/>
-              <a:t>профил</a:t>
-            </a:r>
-            <a:r>
-              <a:rPr lang="ru-RU" dirty="0" smtClean="0"/>
-              <a:t> и </a:t>
-            </a:r>
-            <a:r>
-              <a:rPr lang="ru-RU" dirty="0" err="1" smtClean="0"/>
-              <a:t>контрол</a:t>
-            </a:r>
-            <a:r>
-              <a:rPr lang="ru-RU" dirty="0" smtClean="0"/>
-              <a:t> на </a:t>
-            </a:r>
-            <a:r>
-              <a:rPr lang="ru-RU" dirty="0" err="1" smtClean="0"/>
-              <a:t>достъпа</a:t>
-            </a:r>
-            <a:r>
-              <a:rPr lang="ru-RU" dirty="0" smtClean="0"/>
-              <a:t> до </a:t>
-            </a:r>
-            <a:r>
-              <a:rPr lang="ru-RU" dirty="0" err="1" smtClean="0"/>
-              <a:t>различни</a:t>
-            </a:r>
-            <a:r>
-              <a:rPr lang="ru-RU" dirty="0" smtClean="0"/>
-              <a:t> части на </a:t>
-            </a:r>
-            <a:r>
-              <a:rPr lang="ru-RU" dirty="0" err="1" smtClean="0"/>
-              <a:t>системата</a:t>
-            </a:r>
-            <a:r>
-              <a:rPr lang="ru-RU" dirty="0" smtClean="0"/>
-              <a:t> чрез роли и права. </a:t>
-            </a:r>
-            <a:r>
-              <a:rPr lang="ru-RU" dirty="0" err="1" smtClean="0"/>
-              <a:t>Използваха</a:t>
+              <a:t>като</a:t>
+            </a:r>
+            <a:r>
+              <a:rPr lang="ru-RU" dirty="0" smtClean="0"/>
+              <a:t> при успешна </a:t>
+            </a:r>
+            <a:r>
+              <a:rPr lang="ru-RU" dirty="0" err="1" smtClean="0"/>
+              <a:t>автентикация</a:t>
             </a:r>
             <a:r>
               <a:rPr lang="ru-RU" dirty="0" smtClean="0"/>
@@ -1149,43 +1475,11 @@
             </a:r>
             <a:r>
               <a:rPr lang="ru-RU" dirty="0" err="1" smtClean="0"/>
-              <a:t>стандартни</a:t>
-            </a:r>
-            <a:r>
-              <a:rPr lang="ru-RU" dirty="0" smtClean="0"/>
-              <a:t> </a:t>
-            </a:r>
-            <a:r>
-              <a:rPr lang="ru-RU" dirty="0" err="1" smtClean="0"/>
-              <a:t>компоненти</a:t>
-            </a:r>
-            <a:r>
-              <a:rPr lang="ru-RU" dirty="0" smtClean="0"/>
-              <a:t> </a:t>
-            </a:r>
-            <a:r>
-              <a:rPr lang="ru-RU" dirty="0" err="1" smtClean="0"/>
-              <a:t>като</a:t>
-            </a:r>
-            <a:r>
-              <a:rPr lang="ru-RU" dirty="0" smtClean="0"/>
-              <a:t> </a:t>
-            </a:r>
-            <a:r>
-              <a:rPr lang="ru-RU" dirty="0" err="1" smtClean="0"/>
-              <a:t>форми</a:t>
-            </a:r>
-            <a:r>
-              <a:rPr lang="ru-RU" dirty="0" smtClean="0"/>
-              <a:t> за вход, </a:t>
-            </a:r>
-            <a:r>
-              <a:rPr lang="ru-RU" dirty="0" err="1" smtClean="0"/>
-              <a:t>сесии</a:t>
-            </a:r>
-            <a:r>
-              <a:rPr lang="ru-RU" dirty="0" smtClean="0"/>
-              <a:t> и </a:t>
+              <a:t>използват</a:t>
+            </a:r>
+            <a:r>
+              <a:rPr lang="ru-RU" dirty="0" smtClean="0"/>
+              <a:t> </a:t>
             </a:r>
             <a:r>
               <a:rPr lang="ru-RU" dirty="0" err="1" smtClean="0"/>
@@ -1193,130 +1487,24 @@
             </a:r>
             <a:r>
               <a:rPr lang="ru-RU" dirty="0" smtClean="0"/>
+              <a:t> или JSON </a:t>
+            </a:r>
+            <a:r>
+              <a:rPr lang="ru-RU" dirty="0" err="1" smtClean="0"/>
+              <a:t>Web</a:t>
+            </a:r>
+            <a:r>
+              <a:rPr lang="ru-RU" dirty="0" smtClean="0"/>
+              <a:t> </a:t>
+            </a:r>
+            <a:r>
+              <a:rPr lang="ru-RU" dirty="0" err="1" smtClean="0"/>
+              <a:t>Tokens</a:t>
+            </a:r>
+            <a:r>
+              <a:rPr lang="ru-RU" dirty="0" smtClean="0"/>
               <a:t> за </a:t>
             </a:r>
-            <a:r>
-              <a:rPr lang="ru-RU" dirty="0" err="1" smtClean="0"/>
-              <a:t>съхраняване</a:t>
-            </a:r>
-            <a:r>
-              <a:rPr lang="ru-RU" dirty="0" smtClean="0"/>
-              <a:t> на </a:t>
-            </a:r>
-            <a:r>
-              <a:rPr lang="ru-RU" dirty="0" err="1" smtClean="0"/>
-              <a:t>състоянието</a:t>
-            </a:r>
-            <a:r>
-              <a:rPr lang="ru-RU" dirty="0" smtClean="0"/>
-              <a:t>. </a:t>
-            </a:r>
-            <a:r>
-              <a:rPr lang="ru-RU" dirty="0" err="1" smtClean="0"/>
-              <a:t>Освен</a:t>
-            </a:r>
-            <a:r>
-              <a:rPr lang="ru-RU" dirty="0" smtClean="0"/>
-              <a:t> </a:t>
-            </a:r>
-            <a:r>
-              <a:rPr lang="ru-RU" dirty="0" err="1" smtClean="0"/>
-              <a:t>това</a:t>
-            </a:r>
-            <a:r>
-              <a:rPr lang="ru-RU" dirty="0" smtClean="0"/>
-              <a:t>, </a:t>
-            </a:r>
-            <a:r>
-              <a:rPr lang="ru-RU" dirty="0" err="1" smtClean="0"/>
-              <a:t>беше</a:t>
-            </a:r>
-            <a:r>
-              <a:rPr lang="ru-RU" dirty="0" smtClean="0"/>
-              <a:t> внедрена система за защита </a:t>
-            </a:r>
-            <a:r>
-              <a:rPr lang="ru-RU" dirty="0" err="1" smtClean="0"/>
-              <a:t>срещу</a:t>
-            </a:r>
-            <a:r>
-              <a:rPr lang="ru-RU" dirty="0" smtClean="0"/>
-              <a:t> </a:t>
-            </a:r>
-            <a:r>
-              <a:rPr lang="ru-RU" dirty="0" err="1" smtClean="0"/>
-              <a:t>типични</a:t>
-            </a:r>
-            <a:r>
-              <a:rPr lang="ru-RU" dirty="0" smtClean="0"/>
-              <a:t> уязвимости </a:t>
-            </a:r>
-            <a:r>
-              <a:rPr lang="ru-RU" dirty="0" err="1" smtClean="0"/>
-              <a:t>като</a:t>
-            </a:r>
-            <a:r>
-              <a:rPr lang="ru-RU" dirty="0" smtClean="0"/>
-              <a:t> SQL инжекции и XSS атаки, чрез проверка и </a:t>
-            </a:r>
-            <a:r>
-              <a:rPr lang="ru-RU" dirty="0" err="1" smtClean="0"/>
-              <a:t>валидиране</a:t>
-            </a:r>
-            <a:r>
-              <a:rPr lang="ru-RU" dirty="0" smtClean="0"/>
-              <a:t> на </a:t>
-            </a:r>
-            <a:r>
-              <a:rPr lang="ru-RU" dirty="0" err="1" smtClean="0"/>
-              <a:t>входните</a:t>
-            </a:r>
-            <a:r>
-              <a:rPr lang="ru-RU" dirty="0" smtClean="0"/>
-              <a:t> </a:t>
-            </a:r>
-            <a:r>
-              <a:rPr lang="ru-RU" dirty="0" err="1" smtClean="0"/>
-              <a:t>данни</a:t>
-            </a:r>
-            <a:r>
-              <a:rPr lang="ru-RU" dirty="0" smtClean="0"/>
-              <a:t>, </a:t>
-            </a:r>
-            <a:r>
-              <a:rPr lang="ru-RU" dirty="0" err="1" smtClean="0"/>
-              <a:t>както</a:t>
-            </a:r>
-            <a:r>
-              <a:rPr lang="ru-RU" dirty="0" smtClean="0"/>
-              <a:t> и </a:t>
-            </a:r>
-            <a:r>
-              <a:rPr lang="ru-RU" dirty="0" err="1" smtClean="0"/>
-              <a:t>използване</a:t>
-            </a:r>
-            <a:r>
-              <a:rPr lang="ru-RU" dirty="0" smtClean="0"/>
-              <a:t> на </a:t>
-            </a:r>
-            <a:r>
-              <a:rPr lang="ru-RU" dirty="0" err="1" smtClean="0"/>
-              <a:t>криптиране</a:t>
-            </a:r>
-            <a:r>
-              <a:rPr lang="ru-RU" dirty="0" smtClean="0"/>
-              <a:t> и </a:t>
-            </a:r>
-            <a:r>
-              <a:rPr lang="ru-RU" dirty="0" err="1" smtClean="0"/>
-              <a:t>хеширане</a:t>
-            </a:r>
-            <a:r>
-              <a:rPr lang="ru-RU" dirty="0" smtClean="0"/>
-              <a:t> на пароли.</a:t>
-            </a:r>
-          </a:p>
-          <a:p>
             <a:endParaRPr lang="bg-BG" dirty="0"/>
           </a:p>
         </p:txBody>
@@ -1402,19 +1590,40 @@
           <a:lstStyle/>
           <a:p>
             <a:r>
-              <a:rPr lang="ru-RU" dirty="0" smtClean="0"/>
-              <a:t>12.	Обща архитектура на </a:t>
-            </a:r>
-            <a:r>
-              <a:rPr lang="ru-RU" dirty="0" err="1" smtClean="0"/>
-              <a:t>приложението</a:t>
-            </a:r>
-            <a:endParaRPr lang="ru-RU" dirty="0" smtClean="0"/>
-          </a:p>
-          <a:p>
-            <a:r>
-              <a:rPr lang="ru-RU" dirty="0" err="1" smtClean="0"/>
-              <a:t>Приложението</a:t>
+              <a:rPr lang="ru-RU" dirty="0" err="1" smtClean="0"/>
+              <a:t>Обобщавайки</a:t>
+            </a:r>
+            <a:r>
+              <a:rPr lang="ru-RU" dirty="0" smtClean="0"/>
+              <a:t> </a:t>
+            </a:r>
+            <a:r>
+              <a:rPr lang="ru-RU" dirty="0" err="1" smtClean="0"/>
+              <a:t>всичко</a:t>
+            </a:r>
+            <a:r>
+              <a:rPr lang="ru-RU" dirty="0" smtClean="0"/>
+              <a:t>, можем да кажем, че </a:t>
+            </a:r>
+            <a:r>
+              <a:rPr lang="ru-RU" dirty="0" err="1" smtClean="0"/>
+              <a:t>сигурността</a:t>
+            </a:r>
+            <a:r>
+              <a:rPr lang="ru-RU" dirty="0" smtClean="0"/>
+              <a:t> на </a:t>
+            </a:r>
+            <a:r>
+              <a:rPr lang="ru-RU" dirty="0" err="1" smtClean="0"/>
+              <a:t>уеб</a:t>
+            </a:r>
+            <a:r>
+              <a:rPr lang="ru-RU" dirty="0" smtClean="0"/>
+              <a:t> </a:t>
+            </a:r>
+            <a:r>
+              <a:rPr lang="ru-RU" dirty="0" err="1" smtClean="0"/>
+              <a:t>приложенията</a:t>
             </a:r>
             <a:r>
               <a:rPr lang="ru-RU" dirty="0" smtClean="0"/>
@@ -1422,7 +1631,127 @@
             </a:r>
             <a:r>
               <a:rPr lang="ru-RU" dirty="0" err="1" smtClean="0"/>
-              <a:t>базирано</a:t>
+              <a:t>нещо</a:t>
+            </a:r>
+            <a:r>
+              <a:rPr lang="ru-RU" dirty="0" smtClean="0"/>
+              <a:t> </a:t>
+            </a:r>
+            <a:r>
+              <a:rPr lang="ru-RU" dirty="0" err="1" smtClean="0"/>
+              <a:t>изключително</a:t>
+            </a:r>
+            <a:r>
+              <a:rPr lang="ru-RU" dirty="0" smtClean="0"/>
+              <a:t> важно и </a:t>
+            </a:r>
+            <a:r>
+              <a:rPr lang="ru-RU" dirty="0" err="1" smtClean="0"/>
+              <a:t>трябва</a:t>
+            </a:r>
+            <a:r>
+              <a:rPr lang="ru-RU" dirty="0" smtClean="0"/>
+              <a:t> да се </a:t>
+            </a:r>
+            <a:r>
+              <a:rPr lang="ru-RU" dirty="0" err="1" smtClean="0"/>
+              <a:t>поддържа</a:t>
+            </a:r>
+            <a:r>
+              <a:rPr lang="ru-RU" dirty="0" smtClean="0"/>
+              <a:t> постоянно. </a:t>
+            </a:r>
+            <a:r>
+              <a:rPr lang="ru-RU" dirty="0" err="1" smtClean="0"/>
+              <a:t>Трябва</a:t>
+            </a:r>
+            <a:r>
+              <a:rPr lang="ru-RU" dirty="0" smtClean="0"/>
+              <a:t> да </a:t>
+            </a:r>
+            <a:r>
+              <a:rPr lang="ru-RU" dirty="0" err="1" smtClean="0"/>
+              <a:t>използваме</a:t>
+            </a:r>
+            <a:r>
+              <a:rPr lang="ru-RU" dirty="0" smtClean="0"/>
+              <a:t> </a:t>
+            </a:r>
+            <a:r>
+              <a:rPr lang="ru-RU" dirty="0" err="1" smtClean="0"/>
+              <a:t>всички</a:t>
+            </a:r>
+            <a:r>
+              <a:rPr lang="ru-RU" dirty="0" smtClean="0"/>
+              <a:t> </a:t>
+            </a:r>
+            <a:r>
+              <a:rPr lang="ru-RU" dirty="0" err="1" smtClean="0"/>
+              <a:t>съвременни</a:t>
+            </a:r>
+            <a:r>
+              <a:rPr lang="ru-RU" dirty="0" smtClean="0"/>
+              <a:t> </a:t>
+            </a:r>
+            <a:r>
+              <a:rPr lang="ru-RU" dirty="0" err="1" smtClean="0"/>
+              <a:t>методи</a:t>
+            </a:r>
+            <a:r>
+              <a:rPr lang="ru-RU" dirty="0" smtClean="0"/>
+              <a:t> и технологии, </a:t>
+            </a:r>
+            <a:r>
+              <a:rPr lang="ru-RU" dirty="0" err="1" smtClean="0"/>
+              <a:t>както</a:t>
+            </a:r>
+            <a:r>
+              <a:rPr lang="ru-RU" dirty="0" smtClean="0"/>
+              <a:t> и да </a:t>
+            </a:r>
+            <a:r>
+              <a:rPr lang="ru-RU" dirty="0" err="1" smtClean="0"/>
+              <a:t>обучаваме</a:t>
+            </a:r>
+            <a:r>
+              <a:rPr lang="ru-RU" dirty="0" smtClean="0"/>
+              <a:t> </a:t>
+            </a:r>
+            <a:r>
+              <a:rPr lang="ru-RU" dirty="0" err="1" smtClean="0"/>
+              <a:t>потребителите</a:t>
+            </a:r>
+            <a:r>
+              <a:rPr lang="ru-RU" dirty="0" smtClean="0"/>
+              <a:t> как да </a:t>
+            </a:r>
+            <a:r>
+              <a:rPr lang="ru-RU" dirty="0" err="1" smtClean="0"/>
+              <a:t>защитават</a:t>
+            </a:r>
+            <a:r>
+              <a:rPr lang="ru-RU" dirty="0" smtClean="0"/>
+              <a:t> себе си. </a:t>
+            </a:r>
+            <a:r>
+              <a:rPr lang="ru-RU" dirty="0" err="1" smtClean="0"/>
+              <a:t>Това</a:t>
+            </a:r>
+            <a:r>
+              <a:rPr lang="ru-RU" dirty="0" smtClean="0"/>
+              <a:t> е не само </a:t>
+            </a:r>
+            <a:r>
+              <a:rPr lang="ru-RU" dirty="0" err="1" smtClean="0"/>
+              <a:t>бъдещето</a:t>
+            </a:r>
+            <a:r>
+              <a:rPr lang="ru-RU" dirty="0" smtClean="0"/>
+              <a:t> на интернет, но и </a:t>
+            </a:r>
+            <a:r>
+              <a:rPr lang="ru-RU" dirty="0" err="1" smtClean="0"/>
+              <a:t>отговорност</a:t>
             </a:r>
             <a:r>
               <a:rPr lang="ru-RU" dirty="0" smtClean="0"/>
@@ -1430,23 +1759,23 @@
             </a:r>
             <a:r>
               <a:rPr lang="ru-RU" dirty="0" err="1" smtClean="0"/>
-              <a:t>тропична</a:t>
-            </a:r>
-            <a:r>
-              <a:rPr lang="ru-RU" dirty="0" smtClean="0"/>
-              <a:t> клиент-</a:t>
-            </a:r>
-            <a:r>
-              <a:rPr lang="ru-RU" dirty="0" err="1" smtClean="0"/>
-              <a:t>сървър</a:t>
-            </a:r>
-            <a:r>
-              <a:rPr lang="ru-RU" dirty="0" smtClean="0"/>
-              <a:t> архитектура, </a:t>
-            </a:r>
-            <a:r>
-              <a:rPr lang="ru-RU" dirty="0" err="1" smtClean="0"/>
-              <a:t>реализирана</a:t>
+              <a:t>всеки</a:t>
+            </a:r>
+            <a:r>
+              <a:rPr lang="ru-RU" dirty="0" smtClean="0"/>
+              <a:t>, </a:t>
+            </a:r>
+            <a:r>
+              <a:rPr lang="ru-RU" dirty="0" err="1" smtClean="0"/>
+              <a:t>който</a:t>
+            </a:r>
+            <a:r>
+              <a:rPr lang="ru-RU" dirty="0" smtClean="0"/>
+              <a:t> </a:t>
+            </a:r>
+            <a:r>
+              <a:rPr lang="ru-RU" dirty="0" err="1" smtClean="0"/>
+              <a:t>работи</a:t>
             </a:r>
             <a:r>
               <a:rPr lang="ru-RU" dirty="0" smtClean="0"/>
@@ -1454,398 +1783,20 @@
             </a:r>
             <a:r>
               <a:rPr lang="ru-RU" dirty="0" err="1" smtClean="0"/>
-              <a:t>Django</a:t>
-            </a:r>
-            <a:r>
-              <a:rPr lang="ru-RU" dirty="0" smtClean="0"/>
-              <a:t> </a:t>
-            </a:r>
-            <a:r>
-              <a:rPr lang="ru-RU" dirty="0" err="1" smtClean="0"/>
-              <a:t>като</a:t>
-            </a:r>
-            <a:r>
-              <a:rPr lang="ru-RU" dirty="0" smtClean="0"/>
-              <a:t> </a:t>
-            </a:r>
-            <a:r>
-              <a:rPr lang="ru-RU" dirty="0" err="1" smtClean="0"/>
-              <a:t>сървъчен</a:t>
-            </a:r>
-            <a:r>
-              <a:rPr lang="ru-RU" dirty="0" smtClean="0"/>
-              <a:t> сайт и HTML/CSS/</a:t>
-            </a:r>
-            <a:r>
-              <a:rPr lang="ru-RU" dirty="0" err="1" smtClean="0"/>
-              <a:t>JavaScript</a:t>
-            </a:r>
-            <a:r>
-              <a:rPr lang="ru-RU" dirty="0" smtClean="0"/>
-              <a:t> </a:t>
-            </a:r>
-            <a:r>
-              <a:rPr lang="ru-RU" dirty="0" err="1" smtClean="0"/>
-              <a:t>като</a:t>
-            </a:r>
-            <a:r>
-              <a:rPr lang="ru-RU" dirty="0" smtClean="0"/>
-              <a:t> </a:t>
-            </a:r>
-            <a:r>
-              <a:rPr lang="ru-RU" dirty="0" err="1" smtClean="0"/>
-              <a:t>клиентски</a:t>
-            </a:r>
-            <a:r>
-              <a:rPr lang="ru-RU" dirty="0" smtClean="0"/>
-              <a:t> интерфейс. </a:t>
-            </a:r>
-            <a:r>
-              <a:rPr lang="ru-RU" dirty="0" err="1" smtClean="0"/>
-              <a:t>Backend</a:t>
-            </a:r>
-            <a:r>
-              <a:rPr lang="ru-RU" dirty="0" smtClean="0"/>
-              <a:t> </a:t>
-            </a:r>
-            <a:r>
-              <a:rPr lang="ru-RU" dirty="0" err="1" smtClean="0"/>
-              <a:t>системата</a:t>
-            </a:r>
-            <a:r>
-              <a:rPr lang="ru-RU" dirty="0" smtClean="0"/>
-              <a:t> </a:t>
-            </a:r>
-            <a:r>
-              <a:rPr lang="ru-RU" dirty="0" err="1" smtClean="0"/>
-              <a:t>включва</a:t>
-            </a:r>
-            <a:r>
-              <a:rPr lang="ru-RU" dirty="0" smtClean="0"/>
-              <a:t> модели за потребители, роли и права, </a:t>
-            </a:r>
-            <a:r>
-              <a:rPr lang="ru-RU" dirty="0" err="1" smtClean="0"/>
-              <a:t>както</a:t>
-            </a:r>
-            <a:r>
-              <a:rPr lang="ru-RU" dirty="0" smtClean="0"/>
-              <a:t> и логика за </a:t>
-            </a:r>
-            <a:r>
-              <a:rPr lang="ru-RU" dirty="0" err="1" smtClean="0"/>
-              <a:t>удостоверяване</a:t>
-            </a:r>
-            <a:r>
-              <a:rPr lang="ru-RU" dirty="0" smtClean="0"/>
-              <a:t> и </a:t>
-            </a:r>
-            <a:r>
-              <a:rPr lang="ru-RU" dirty="0" err="1" smtClean="0"/>
-              <a:t>контрол</a:t>
-            </a:r>
-            <a:r>
-              <a:rPr lang="ru-RU" dirty="0" smtClean="0"/>
-              <a:t> на </a:t>
-            </a:r>
-            <a:r>
-              <a:rPr lang="ru-RU" dirty="0" err="1" smtClean="0"/>
-              <a:t>достъпа</a:t>
-            </a:r>
-            <a:r>
-              <a:rPr lang="ru-RU" dirty="0" smtClean="0"/>
-              <a:t>. </a:t>
-            </a:r>
-            <a:r>
-              <a:rPr lang="ru-RU" dirty="0" err="1" smtClean="0"/>
-              <a:t>Данните</a:t>
-            </a:r>
-            <a:r>
-              <a:rPr lang="ru-RU" dirty="0" smtClean="0"/>
-              <a:t> се </a:t>
-            </a:r>
-            <a:r>
-              <a:rPr lang="ru-RU" dirty="0" err="1" smtClean="0"/>
-              <a:t>съхраняват</a:t>
-            </a:r>
-            <a:r>
-              <a:rPr lang="ru-RU" dirty="0" smtClean="0"/>
-              <a:t> в </a:t>
-            </a:r>
-            <a:r>
-              <a:rPr lang="ru-RU" dirty="0" err="1" smtClean="0"/>
-              <a:t>релационна</a:t>
-            </a:r>
-            <a:r>
-              <a:rPr lang="ru-RU" dirty="0" smtClean="0"/>
-              <a:t> база </a:t>
-            </a:r>
-            <a:r>
-              <a:rPr lang="ru-RU" dirty="0" err="1" smtClean="0"/>
-              <a:t>данни</a:t>
-            </a:r>
-            <a:r>
-              <a:rPr lang="ru-RU" dirty="0" smtClean="0"/>
-              <a:t> (например </a:t>
-            </a:r>
-            <a:r>
-              <a:rPr lang="ru-RU" dirty="0" err="1" smtClean="0"/>
-              <a:t>PostgreSQL</a:t>
-            </a:r>
-            <a:r>
-              <a:rPr lang="ru-RU" dirty="0" smtClean="0"/>
-              <a:t>), </a:t>
-            </a:r>
-            <a:r>
-              <a:rPr lang="ru-RU" dirty="0" err="1" smtClean="0"/>
-              <a:t>която</a:t>
-            </a:r>
-            <a:r>
-              <a:rPr lang="ru-RU" dirty="0" smtClean="0"/>
-              <a:t> </a:t>
-            </a:r>
-            <a:r>
-              <a:rPr lang="ru-RU" dirty="0" err="1" smtClean="0"/>
-              <a:t>поддържа</a:t>
-            </a:r>
-            <a:r>
-              <a:rPr lang="ru-RU" dirty="0" smtClean="0"/>
-              <a:t> </a:t>
-            </a:r>
-            <a:r>
-              <a:rPr lang="ru-RU" dirty="0" err="1" smtClean="0"/>
-              <a:t>връзки</a:t>
-            </a:r>
-            <a:r>
-              <a:rPr lang="ru-RU" dirty="0" smtClean="0"/>
-              <a:t> между </a:t>
-            </a:r>
-            <a:r>
-              <a:rPr lang="ru-RU" dirty="0" err="1" smtClean="0"/>
-              <a:t>таблиците</a:t>
-            </a:r>
-            <a:r>
-              <a:rPr lang="ru-RU" dirty="0" smtClean="0"/>
-              <a:t> и </a:t>
-            </a:r>
-            <a:r>
-              <a:rPr lang="ru-RU" dirty="0" err="1" smtClean="0"/>
-              <a:t>гарантира</a:t>
-            </a:r>
-            <a:r>
-              <a:rPr lang="ru-RU" dirty="0" smtClean="0"/>
-              <a:t> </a:t>
-            </a:r>
-            <a:r>
-              <a:rPr lang="ru-RU" dirty="0" err="1" smtClean="0"/>
-              <a:t>цялостност</a:t>
-            </a:r>
-            <a:r>
-              <a:rPr lang="ru-RU" dirty="0" smtClean="0"/>
-              <a:t> и </a:t>
-            </a:r>
-            <a:r>
-              <a:rPr lang="ru-RU" dirty="0" err="1" smtClean="0"/>
-              <a:t>сигурност</a:t>
-            </a:r>
-            <a:r>
-              <a:rPr lang="ru-RU" dirty="0" smtClean="0"/>
-              <a:t> на </a:t>
-            </a:r>
-            <a:r>
-              <a:rPr lang="ru-RU" dirty="0" err="1" smtClean="0"/>
-              <a:t>информацията</a:t>
-            </a:r>
-            <a:r>
-              <a:rPr lang="ru-RU" dirty="0" smtClean="0"/>
-              <a:t>. </a:t>
-            </a:r>
-            <a:r>
-              <a:rPr lang="ru-RU" dirty="0" err="1" smtClean="0"/>
-              <a:t>Клиентската</a:t>
-            </a:r>
-            <a:r>
-              <a:rPr lang="ru-RU" dirty="0" smtClean="0"/>
-              <a:t> част </a:t>
-            </a:r>
-            <a:r>
-              <a:rPr lang="ru-RU" dirty="0" err="1" smtClean="0"/>
-              <a:t>комуникира</a:t>
-            </a:r>
-            <a:r>
-              <a:rPr lang="ru-RU" dirty="0" smtClean="0"/>
-              <a:t> с </a:t>
-            </a:r>
-            <a:r>
-              <a:rPr lang="ru-RU" dirty="0" err="1" smtClean="0"/>
-              <a:t>сървъра</a:t>
-            </a:r>
-            <a:r>
-              <a:rPr lang="ru-RU" dirty="0" smtClean="0"/>
-              <a:t> чрез HTTP заявки, </a:t>
-            </a:r>
-            <a:r>
-              <a:rPr lang="ru-RU" dirty="0" err="1" smtClean="0"/>
-              <a:t>използвайки</a:t>
-            </a:r>
-            <a:r>
-              <a:rPr lang="ru-RU" dirty="0" smtClean="0"/>
-              <a:t> REST API или </a:t>
-            </a:r>
-            <a:r>
-              <a:rPr lang="ru-RU" dirty="0" err="1" smtClean="0"/>
-              <a:t>стандартни</a:t>
-            </a:r>
-            <a:r>
-              <a:rPr lang="ru-RU" dirty="0" smtClean="0"/>
-              <a:t> </a:t>
-            </a:r>
-            <a:r>
-              <a:rPr lang="ru-RU" dirty="0" err="1" smtClean="0"/>
-              <a:t>Django</a:t>
-            </a:r>
-            <a:r>
-              <a:rPr lang="ru-RU" dirty="0" smtClean="0"/>
-              <a:t> </a:t>
-            </a:r>
-            <a:r>
-              <a:rPr lang="ru-RU" dirty="0" err="1" smtClean="0"/>
-              <a:t>изгледи</a:t>
-            </a:r>
-            <a:r>
-              <a:rPr lang="ru-RU" dirty="0" smtClean="0"/>
-              <a:t>, </a:t>
-            </a:r>
-            <a:r>
-              <a:rPr lang="ru-RU" dirty="0" err="1" smtClean="0"/>
-              <a:t>като</a:t>
-            </a:r>
-            <a:r>
-              <a:rPr lang="ru-RU" dirty="0" smtClean="0"/>
-              <a:t> при успешна </a:t>
-            </a:r>
-            <a:r>
-              <a:rPr lang="ru-RU" dirty="0" err="1" smtClean="0"/>
-              <a:t>автентикация</a:t>
-            </a:r>
-            <a:r>
-              <a:rPr lang="ru-RU" dirty="0" smtClean="0"/>
-              <a:t> се </a:t>
-            </a:r>
-            <a:r>
-              <a:rPr lang="ru-RU" dirty="0" err="1" smtClean="0"/>
-              <a:t>използват</a:t>
-            </a:r>
-            <a:r>
-              <a:rPr lang="ru-RU" dirty="0" smtClean="0"/>
-              <a:t> </a:t>
-            </a:r>
-            <a:r>
-              <a:rPr lang="ru-RU" dirty="0" err="1" smtClean="0"/>
-              <a:t>бисквитки</a:t>
-            </a:r>
-            <a:r>
-              <a:rPr lang="ru-RU" dirty="0" smtClean="0"/>
-              <a:t> или JSON </a:t>
-            </a:r>
-            <a:r>
-              <a:rPr lang="ru-RU" dirty="0" err="1" smtClean="0"/>
-              <a:t>Web</a:t>
-            </a:r>
-            <a:r>
-              <a:rPr lang="ru-RU" dirty="0" smtClean="0"/>
-              <a:t> </a:t>
-            </a:r>
-            <a:r>
-              <a:rPr lang="ru-RU" dirty="0" err="1" smtClean="0"/>
-              <a:t>Tokens</a:t>
-            </a:r>
-            <a:r>
-              <a:rPr lang="ru-RU" dirty="0" smtClean="0"/>
-              <a:t> за </a:t>
-            </a:r>
-            <a:r>
-              <a:rPr lang="ru-RU" dirty="0" err="1" smtClean="0"/>
-              <a:t>удостоверяване</a:t>
-            </a:r>
-            <a:r>
-              <a:rPr lang="ru-RU" dirty="0" smtClean="0"/>
-              <a:t> на потребителя. </a:t>
-            </a:r>
-            <a:r>
-              <a:rPr lang="ru-RU" dirty="0" err="1" smtClean="0"/>
-              <a:t>Структурата</a:t>
-            </a:r>
-            <a:r>
-              <a:rPr lang="ru-RU" dirty="0" smtClean="0"/>
-              <a:t> е </a:t>
-            </a:r>
-            <a:r>
-              <a:rPr lang="ru-RU" dirty="0" err="1" smtClean="0"/>
-              <a:t>модулна</a:t>
-            </a:r>
-            <a:r>
-              <a:rPr lang="ru-RU" dirty="0" smtClean="0"/>
-              <a:t> и </a:t>
-            </a:r>
-            <a:r>
-              <a:rPr lang="ru-RU" dirty="0" err="1" smtClean="0"/>
-              <a:t>разширяема</a:t>
-            </a:r>
-            <a:r>
-              <a:rPr lang="ru-RU" dirty="0" smtClean="0"/>
-              <a:t>, </a:t>
-            </a:r>
-            <a:r>
-              <a:rPr lang="ru-RU" dirty="0" err="1" smtClean="0"/>
-              <a:t>което</a:t>
-            </a:r>
-            <a:r>
-              <a:rPr lang="ru-RU" dirty="0" smtClean="0"/>
-              <a:t> </a:t>
-            </a:r>
-            <a:r>
-              <a:rPr lang="ru-RU" dirty="0" err="1" smtClean="0"/>
-              <a:t>позволява</a:t>
-            </a:r>
-            <a:r>
-              <a:rPr lang="ru-RU" dirty="0" smtClean="0"/>
-              <a:t> </a:t>
-            </a:r>
-            <a:r>
-              <a:rPr lang="ru-RU" dirty="0" err="1" smtClean="0"/>
-              <a:t>лесно</a:t>
-            </a:r>
-            <a:r>
-              <a:rPr lang="ru-RU" dirty="0" smtClean="0"/>
-              <a:t> </a:t>
-            </a:r>
-            <a:r>
-              <a:rPr lang="ru-RU" dirty="0" err="1" smtClean="0"/>
-              <a:t>добавяне</a:t>
-            </a:r>
-            <a:r>
-              <a:rPr lang="ru-RU" dirty="0" smtClean="0"/>
-              <a:t> на нови функции и </a:t>
-            </a:r>
-            <a:r>
-              <a:rPr lang="ru-RU" dirty="0" err="1" smtClean="0"/>
-              <a:t>подобряване</a:t>
-            </a:r>
-            <a:r>
-              <a:rPr lang="ru-RU" dirty="0" smtClean="0"/>
-              <a:t> на </a:t>
-            </a:r>
-            <a:r>
-              <a:rPr lang="ru-RU" dirty="0" err="1" smtClean="0"/>
-              <a:t>сигурността</a:t>
+              <a:t>такива</a:t>
+            </a:r>
+            <a:r>
+              <a:rPr lang="ru-RU" dirty="0" smtClean="0"/>
+              <a:t> </a:t>
+            </a:r>
+            <a:r>
+              <a:rPr lang="ru-RU" dirty="0" err="1" smtClean="0"/>
+              <a:t>системи</a:t>
             </a:r>
             <a:r>
               <a:rPr lang="ru-RU" dirty="0" smtClean="0"/>
               <a:t>.</a:t>
             </a:r>
-          </a:p>
-          <a:p>
             <a:endParaRPr lang="bg-BG" dirty="0"/>
           </a:p>
         </p:txBody>
@@ -3296,11 +3247,111 @@
           <a:p>
             <a:r>
               <a:rPr lang="ru-RU" dirty="0" smtClean="0"/>
-              <a:t>6.	</a:t>
-            </a:r>
-            <a:r>
-              <a:rPr lang="ru-RU" dirty="0" err="1" smtClean="0"/>
-              <a:t>Механизми</a:t>
+              <a:t>6</a:t>
+            </a:r>
+            <a:r>
+              <a:rPr lang="ru-RU" dirty="0" smtClean="0"/>
+              <a:t>. Интернет </a:t>
+            </a:r>
+            <a:r>
+              <a:rPr lang="ru-RU" dirty="0" err="1" smtClean="0"/>
+              <a:t>системите</a:t>
+            </a:r>
+            <a:r>
+              <a:rPr lang="ru-RU" dirty="0" smtClean="0"/>
+              <a:t> </a:t>
+            </a:r>
+            <a:r>
+              <a:rPr lang="ru-RU" dirty="0" err="1" smtClean="0"/>
+              <a:t>често</a:t>
+            </a:r>
+            <a:r>
+              <a:rPr lang="ru-RU" dirty="0" smtClean="0"/>
+              <a:t> </a:t>
+            </a:r>
+            <a:r>
+              <a:rPr lang="ru-RU" dirty="0" err="1" smtClean="0"/>
+              <a:t>са</a:t>
+            </a:r>
+            <a:r>
+              <a:rPr lang="ru-RU" dirty="0" smtClean="0"/>
+              <a:t> </a:t>
+            </a:r>
+            <a:r>
+              <a:rPr lang="ru-RU" dirty="0" err="1" smtClean="0"/>
+              <a:t>уязвими</a:t>
+            </a:r>
+            <a:r>
+              <a:rPr lang="ru-RU" dirty="0" smtClean="0"/>
+              <a:t> </a:t>
+            </a:r>
+            <a:r>
+              <a:rPr lang="ru-RU" dirty="0" err="1" smtClean="0"/>
+              <a:t>към</a:t>
+            </a:r>
+            <a:r>
+              <a:rPr lang="ru-RU" dirty="0" smtClean="0"/>
+              <a:t> слабости </a:t>
+            </a:r>
+            <a:r>
+              <a:rPr lang="ru-RU" dirty="0" err="1" smtClean="0"/>
+              <a:t>като</a:t>
+            </a:r>
+            <a:r>
+              <a:rPr lang="ru-RU" dirty="0" smtClean="0"/>
+              <a:t> </a:t>
+            </a:r>
+            <a:r>
+              <a:rPr lang="ru-RU" dirty="0" err="1" smtClean="0"/>
+              <a:t>слаби</a:t>
+            </a:r>
+            <a:r>
+              <a:rPr lang="ru-RU" dirty="0" smtClean="0"/>
+              <a:t> пароли, SQL инжекции, XSS атаки и </a:t>
+            </a:r>
+            <a:r>
+              <a:rPr lang="ru-RU" dirty="0" err="1" smtClean="0"/>
+              <a:t>други</a:t>
+            </a:r>
+            <a:r>
+              <a:rPr lang="ru-RU" dirty="0" smtClean="0"/>
+              <a:t>. За да се </a:t>
+            </a:r>
+            <a:r>
+              <a:rPr lang="ru-RU" dirty="0" err="1" smtClean="0"/>
+              <a:t>предпазим</a:t>
+            </a:r>
+            <a:r>
+              <a:rPr lang="ru-RU" dirty="0" smtClean="0"/>
+              <a:t> от </a:t>
+            </a:r>
+            <a:r>
+              <a:rPr lang="ru-RU" dirty="0" err="1" smtClean="0"/>
+              <a:t>това</a:t>
+            </a:r>
+            <a:r>
+              <a:rPr lang="ru-RU" dirty="0" smtClean="0"/>
+              <a:t> , е важно да </a:t>
+            </a:r>
+            <a:r>
+              <a:rPr lang="ru-RU" dirty="0" err="1" smtClean="0"/>
+              <a:t>използваме</a:t>
+            </a:r>
+            <a:r>
+              <a:rPr lang="ru-RU" dirty="0" smtClean="0"/>
+              <a:t> </a:t>
+            </a:r>
+            <a:r>
+              <a:rPr lang="ru-RU" dirty="0" err="1" smtClean="0"/>
+              <a:t>силни</a:t>
+            </a:r>
+            <a:r>
+              <a:rPr lang="ru-RU" dirty="0" smtClean="0"/>
+              <a:t> пароли, </a:t>
+            </a:r>
+            <a:r>
+              <a:rPr lang="ru-RU" dirty="0" err="1" smtClean="0"/>
+              <a:t>криптиране</a:t>
             </a:r>
             <a:r>
               <a:rPr lang="ru-RU" dirty="0" smtClean="0"/>
@@ -3308,7 +3359,55 @@
             </a:r>
             <a:r>
               <a:rPr lang="ru-RU" dirty="0" err="1" smtClean="0"/>
-              <a:t>протоколи</a:t>
+              <a:t>двуфакторна</a:t>
+            </a:r>
+            <a:r>
+              <a:rPr lang="ru-RU" dirty="0" smtClean="0"/>
+              <a:t> </a:t>
+            </a:r>
+            <a:r>
+              <a:rPr lang="ru-RU" dirty="0" err="1" smtClean="0"/>
+              <a:t>автентикация</a:t>
+            </a:r>
+            <a:r>
+              <a:rPr lang="ru-RU" dirty="0" smtClean="0"/>
+              <a:t>, </a:t>
+            </a:r>
+            <a:r>
+              <a:rPr lang="ru-RU" dirty="0" err="1" smtClean="0"/>
+              <a:t>което</a:t>
+            </a:r>
+            <a:r>
+              <a:rPr lang="ru-RU" dirty="0" smtClean="0"/>
+              <a:t> </a:t>
+            </a:r>
+            <a:r>
+              <a:rPr lang="ru-RU" dirty="0" err="1" smtClean="0"/>
+              <a:t>осигурява</a:t>
+            </a:r>
+            <a:r>
+              <a:rPr lang="ru-RU" dirty="0" smtClean="0"/>
+              <a:t> </a:t>
+            </a:r>
+            <a:r>
+              <a:rPr lang="ru-RU" dirty="0" err="1" smtClean="0"/>
+              <a:t>по-висока</a:t>
+            </a:r>
+            <a:r>
+              <a:rPr lang="ru-RU" dirty="0" smtClean="0"/>
+              <a:t> </a:t>
+            </a:r>
+            <a:r>
+              <a:rPr lang="ru-RU" dirty="0" err="1" smtClean="0"/>
+              <a:t>сигурност</a:t>
+            </a:r>
+            <a:r>
+              <a:rPr lang="ru-RU" dirty="0" smtClean="0"/>
+              <a:t> </a:t>
+            </a:r>
+            <a:r>
+              <a:rPr lang="ru-RU" dirty="0" err="1" smtClean="0"/>
+              <a:t>както</a:t>
             </a:r>
             <a:r>
               <a:rPr lang="ru-RU" dirty="0" smtClean="0"/>
@@ -3316,186 +3415,19 @@
             </a:r>
             <a:r>
               <a:rPr lang="ru-RU" dirty="0" err="1" smtClean="0"/>
-              <a:t>удостоверяване</a:t>
-            </a:r>
-            <a:endParaRPr lang="ru-RU" dirty="0" smtClean="0"/>
-          </a:p>
-          <a:p>
-            <a:r>
-              <a:rPr lang="ru-RU" dirty="0" err="1" smtClean="0"/>
-              <a:t>Въпреки</a:t>
-            </a:r>
-            <a:r>
-              <a:rPr lang="ru-RU" dirty="0" smtClean="0"/>
-              <a:t> </a:t>
-            </a:r>
-            <a:r>
-              <a:rPr lang="ru-RU" dirty="0" err="1" smtClean="0"/>
-              <a:t>това</a:t>
-            </a:r>
-            <a:r>
-              <a:rPr lang="ru-RU" dirty="0" smtClean="0"/>
-              <a:t>, интернет е </a:t>
-            </a:r>
-            <a:r>
-              <a:rPr lang="ru-RU" dirty="0" err="1" smtClean="0"/>
-              <a:t>пълен</a:t>
-            </a:r>
-            <a:r>
-              <a:rPr lang="ru-RU" dirty="0" smtClean="0"/>
-              <a:t> и с опасности. </a:t>
-            </a:r>
-            <a:r>
-              <a:rPr lang="ru-RU" dirty="0" err="1" smtClean="0"/>
-              <a:t>Лошите</a:t>
-            </a:r>
-            <a:r>
-              <a:rPr lang="ru-RU" dirty="0" smtClean="0"/>
-              <a:t> хора </a:t>
-            </a:r>
-            <a:r>
-              <a:rPr lang="ru-RU" dirty="0" err="1" smtClean="0"/>
-              <a:t>използват</a:t>
-            </a:r>
-            <a:r>
-              <a:rPr lang="ru-RU" dirty="0" smtClean="0"/>
-              <a:t> слабости </a:t>
-            </a:r>
-            <a:r>
-              <a:rPr lang="ru-RU" dirty="0" err="1" smtClean="0"/>
-              <a:t>като</a:t>
-            </a:r>
-            <a:r>
-              <a:rPr lang="ru-RU" dirty="0" smtClean="0"/>
-              <a:t> </a:t>
-            </a:r>
-            <a:r>
-              <a:rPr lang="ru-RU" dirty="0" err="1" smtClean="0"/>
-              <a:t>слаби</a:t>
-            </a:r>
-            <a:r>
-              <a:rPr lang="ru-RU" dirty="0" smtClean="0"/>
-              <a:t> пароли, SQL инжекции или XSS атаки, за да </a:t>
-            </a:r>
-            <a:r>
-              <a:rPr lang="ru-RU" dirty="0" err="1" smtClean="0"/>
-              <a:t>проникнат</a:t>
-            </a:r>
-            <a:r>
-              <a:rPr lang="ru-RU" dirty="0" smtClean="0"/>
-              <a:t> в </a:t>
-            </a:r>
-            <a:r>
-              <a:rPr lang="ru-RU" dirty="0" err="1" smtClean="0"/>
-              <a:t>системите</a:t>
-            </a:r>
-            <a:r>
-              <a:rPr lang="ru-RU" dirty="0" smtClean="0"/>
-              <a:t>. </a:t>
-            </a:r>
-            <a:r>
-              <a:rPr lang="ru-RU" dirty="0" err="1" smtClean="0"/>
-              <a:t>Затова</a:t>
-            </a:r>
-            <a:r>
-              <a:rPr lang="ru-RU" dirty="0" smtClean="0"/>
-              <a:t> е много важно </a:t>
-            </a:r>
-            <a:r>
-              <a:rPr lang="ru-RU" dirty="0" err="1" smtClean="0"/>
-              <a:t>всичко</a:t>
-            </a:r>
-            <a:r>
-              <a:rPr lang="ru-RU" dirty="0" smtClean="0"/>
-              <a:t> да се </a:t>
-            </a:r>
-            <a:r>
-              <a:rPr lang="ru-RU" dirty="0" err="1" smtClean="0"/>
-              <a:t>защитава</a:t>
-            </a:r>
-            <a:r>
-              <a:rPr lang="ru-RU" dirty="0" smtClean="0"/>
-              <a:t> </a:t>
-            </a:r>
-            <a:r>
-              <a:rPr lang="ru-RU" dirty="0" err="1" smtClean="0"/>
-              <a:t>правилно</a:t>
-            </a:r>
-            <a:r>
-              <a:rPr lang="ru-RU" dirty="0" smtClean="0"/>
-              <a:t>: да се </a:t>
-            </a:r>
-            <a:r>
-              <a:rPr lang="ru-RU" dirty="0" err="1" smtClean="0"/>
-              <a:t>използват</a:t>
-            </a:r>
-            <a:r>
-              <a:rPr lang="ru-RU" dirty="0" smtClean="0"/>
-              <a:t> </a:t>
-            </a:r>
-            <a:r>
-              <a:rPr lang="ru-RU" dirty="0" err="1" smtClean="0"/>
-              <a:t>силни</a:t>
-            </a:r>
-            <a:r>
-              <a:rPr lang="ru-RU" dirty="0" smtClean="0"/>
-              <a:t> пароли, </a:t>
-            </a:r>
-            <a:r>
-              <a:rPr lang="ru-RU" dirty="0" err="1" smtClean="0"/>
-              <a:t>криптиране</a:t>
-            </a:r>
-            <a:r>
-              <a:rPr lang="ru-RU" dirty="0" smtClean="0"/>
-              <a:t> и </a:t>
-            </a:r>
-            <a:r>
-              <a:rPr lang="ru-RU" dirty="0" err="1" smtClean="0"/>
-              <a:t>двуфакторна</a:t>
-            </a:r>
-            <a:r>
-              <a:rPr lang="ru-RU" dirty="0" smtClean="0"/>
-              <a:t> </a:t>
-            </a:r>
-            <a:r>
-              <a:rPr lang="ru-RU" dirty="0" err="1" smtClean="0"/>
-              <a:t>автентикация</a:t>
-            </a:r>
-            <a:r>
-              <a:rPr lang="ru-RU" dirty="0" smtClean="0"/>
-              <a:t>. </a:t>
-            </a:r>
-            <a:r>
-              <a:rPr lang="ru-RU" dirty="0" err="1" smtClean="0"/>
-              <a:t>Тази</a:t>
-            </a:r>
-            <a:r>
-              <a:rPr lang="ru-RU" dirty="0" smtClean="0"/>
-              <a:t> </a:t>
-            </a:r>
-            <a:r>
-              <a:rPr lang="ru-RU" dirty="0" err="1" smtClean="0"/>
-              <a:t>сигурност</a:t>
-            </a:r>
-            <a:r>
-              <a:rPr lang="ru-RU" dirty="0" smtClean="0"/>
-              <a:t> е важна не само за </a:t>
-            </a:r>
-            <a:r>
-              <a:rPr lang="ru-RU" dirty="0" err="1" smtClean="0"/>
               <a:t>личната</a:t>
             </a:r>
             <a:r>
               <a:rPr lang="ru-RU" dirty="0" smtClean="0"/>
-              <a:t> защита, но и за </a:t>
-            </a:r>
-            <a:r>
-              <a:rPr lang="ru-RU" dirty="0" err="1" smtClean="0"/>
-              <a:t>защитата</a:t>
-            </a:r>
-            <a:r>
-              <a:rPr lang="ru-RU" dirty="0" smtClean="0"/>
-              <a:t> на </a:t>
+              <a:t> информация, </a:t>
+            </a:r>
+            <a:r>
+              <a:rPr lang="ru-RU" dirty="0" err="1" smtClean="0"/>
+              <a:t>така</a:t>
+            </a:r>
+            <a:r>
+              <a:rPr lang="ru-RU" dirty="0" smtClean="0"/>
+              <a:t> и за </a:t>
             </a:r>
             <a:r>
               <a:rPr lang="ru-RU" dirty="0" err="1" smtClean="0"/>
@@ -3505,8 +3437,10 @@
               <a:rPr lang="ru-RU" dirty="0" smtClean="0"/>
               <a:t> система.</a:t>
             </a:r>
-          </a:p>
-          <a:p>
+            <a:r>
+              <a:rPr lang="ru-RU" dirty="0" smtClean="0"/>
+              <a:t>	</a:t>
+            </a:r>
             <a:endParaRPr lang="bg-BG" dirty="0"/>
           </a:p>
         </p:txBody>
@@ -3593,213 +3527,169 @@
           <a:p>
             <a:r>
               <a:rPr lang="ru-RU" dirty="0" smtClean="0"/>
-              <a:t>7.	</a:t>
-            </a:r>
-            <a:r>
-              <a:rPr lang="ru-RU" dirty="0" err="1" smtClean="0"/>
-              <a:t>Типични</a:t>
-            </a:r>
-            <a:r>
-              <a:rPr lang="ru-RU" dirty="0" smtClean="0"/>
-              <a:t> уязвимости и </a:t>
-            </a:r>
-            <a:r>
-              <a:rPr lang="ru-RU" dirty="0" err="1" smtClean="0"/>
-              <a:t>добри</a:t>
-            </a:r>
-            <a:r>
-              <a:rPr lang="ru-RU" dirty="0" smtClean="0"/>
-              <a:t> практики</a:t>
-            </a:r>
-          </a:p>
-          <a:p>
-            <a:r>
-              <a:rPr lang="ru-RU" dirty="0" smtClean="0"/>
-              <a:t>Интернет </a:t>
-            </a:r>
-            <a:r>
-              <a:rPr lang="ru-RU" dirty="0" err="1" smtClean="0"/>
-              <a:t>системите</a:t>
-            </a:r>
-            <a:r>
-              <a:rPr lang="ru-RU" dirty="0" smtClean="0"/>
-              <a:t> </a:t>
-            </a:r>
-            <a:r>
-              <a:rPr lang="ru-RU" dirty="0" err="1" smtClean="0"/>
-              <a:t>често</a:t>
-            </a:r>
-            <a:r>
-              <a:rPr lang="ru-RU" dirty="0" smtClean="0"/>
-              <a:t> </a:t>
-            </a:r>
-            <a:r>
-              <a:rPr lang="ru-RU" dirty="0" err="1" smtClean="0"/>
+              <a:t>Примерите за </a:t>
+            </a:r>
+            <a:r>
+              <a:rPr lang="ru-RU" dirty="0" err="1" smtClean="0"/>
+              <a:t>нивата</a:t>
+            </a:r>
+            <a:r>
+              <a:rPr lang="ru-RU" baseline="0" dirty="0" smtClean="0"/>
+              <a:t> </a:t>
+            </a:r>
+            <a:r>
+              <a:rPr lang="ru-RU" dirty="0" smtClean="0"/>
+              <a:t>на </a:t>
+            </a:r>
+            <a:r>
+              <a:rPr lang="ru-RU" dirty="0" err="1" smtClean="0"/>
+              <a:t>достъп</a:t>
+            </a:r>
+            <a:r>
+              <a:rPr lang="ru-RU" baseline="0" dirty="0" smtClean="0"/>
+              <a:t> </a:t>
+            </a:r>
+            <a:r>
+              <a:rPr lang="ru-RU" baseline="0" dirty="0" err="1" smtClean="0"/>
               <a:t>са</a:t>
             </a:r>
             <a:r>
-              <a:rPr lang="ru-RU" dirty="0" smtClean="0"/>
-              <a:t> </a:t>
-            </a:r>
-            <a:r>
-              <a:rPr lang="ru-RU" dirty="0" err="1" smtClean="0"/>
-              <a:t>уязвими</a:t>
-            </a:r>
-            <a:r>
-              <a:rPr lang="ru-RU" dirty="0" smtClean="0"/>
-              <a:t> </a:t>
-            </a:r>
-            <a:r>
-              <a:rPr lang="ru-RU" dirty="0" err="1" smtClean="0"/>
-              <a:t>към</a:t>
-            </a:r>
-            <a:r>
-              <a:rPr lang="ru-RU" dirty="0" smtClean="0"/>
-              <a:t> слабости </a:t>
-            </a:r>
-            <a:r>
-              <a:rPr lang="ru-RU" dirty="0" err="1" smtClean="0"/>
-              <a:t>като</a:t>
-            </a:r>
-            <a:r>
-              <a:rPr lang="ru-RU" dirty="0" smtClean="0"/>
-              <a:t> </a:t>
-            </a:r>
-            <a:r>
-              <a:rPr lang="ru-RU" dirty="0" err="1" smtClean="0"/>
-              <a:t>слаби</a:t>
-            </a:r>
-            <a:r>
-              <a:rPr lang="ru-RU" dirty="0" smtClean="0"/>
-              <a:t> пароли, SQL инжекции, XSS атаки и </a:t>
-            </a:r>
-            <a:r>
-              <a:rPr lang="ru-RU" dirty="0" err="1" smtClean="0"/>
-              <a:t>други</a:t>
-            </a:r>
-            <a:r>
-              <a:rPr lang="ru-RU" dirty="0" smtClean="0"/>
-              <a:t>. За да се </a:t>
-            </a:r>
-            <a:r>
-              <a:rPr lang="ru-RU" dirty="0" err="1" smtClean="0"/>
-              <a:t>предпазим</a:t>
-            </a:r>
-            <a:r>
-              <a:rPr lang="ru-RU" dirty="0" smtClean="0"/>
-              <a:t> от </a:t>
-            </a:r>
-            <a:r>
-              <a:rPr lang="ru-RU" dirty="0" err="1" smtClean="0"/>
-              <a:t>това</a:t>
-            </a:r>
-            <a:r>
-              <a:rPr lang="ru-RU" dirty="0" smtClean="0"/>
-              <a:t> , е важно да </a:t>
-            </a:r>
-            <a:r>
-              <a:rPr lang="ru-RU" dirty="0" err="1" smtClean="0"/>
-              <a:t>използваме</a:t>
-            </a:r>
-            <a:r>
-              <a:rPr lang="ru-RU" dirty="0" smtClean="0"/>
-              <a:t> </a:t>
-            </a:r>
-            <a:r>
-              <a:rPr lang="ru-RU" dirty="0" err="1" smtClean="0"/>
-              <a:t>силни</a:t>
-            </a:r>
-            <a:r>
-              <a:rPr lang="ru-RU" dirty="0" smtClean="0"/>
-              <a:t> пароли, </a:t>
-            </a:r>
-            <a:r>
-              <a:rPr lang="ru-RU" dirty="0" err="1" smtClean="0"/>
-              <a:t>криптиране</a:t>
-            </a:r>
-            <a:r>
-              <a:rPr lang="ru-RU" dirty="0" smtClean="0"/>
-              <a:t> и </a:t>
-            </a:r>
-            <a:r>
-              <a:rPr lang="ru-RU" dirty="0" err="1" smtClean="0"/>
-              <a:t>двуфакторна</a:t>
-            </a:r>
-            <a:r>
-              <a:rPr lang="ru-RU" dirty="0" smtClean="0"/>
-              <a:t> </a:t>
-            </a:r>
-            <a:r>
-              <a:rPr lang="ru-RU" dirty="0" err="1" smtClean="0"/>
-              <a:t>автентикация</a:t>
-            </a:r>
-            <a:r>
-              <a:rPr lang="ru-RU" dirty="0" smtClean="0"/>
-              <a:t>, </a:t>
-            </a:r>
-            <a:r>
-              <a:rPr lang="ru-RU" dirty="0" err="1" smtClean="0"/>
-              <a:t>което</a:t>
-            </a:r>
-            <a:r>
-              <a:rPr lang="ru-RU" dirty="0" smtClean="0"/>
-              <a:t> </a:t>
-            </a:r>
-            <a:r>
-              <a:rPr lang="ru-RU" dirty="0" err="1" smtClean="0"/>
-              <a:t>осигурява</a:t>
-            </a:r>
-            <a:r>
-              <a:rPr lang="ru-RU" dirty="0" smtClean="0"/>
-              <a:t> </a:t>
-            </a:r>
-            <a:r>
-              <a:rPr lang="ru-RU" dirty="0" err="1" smtClean="0"/>
-              <a:t>по-висока</a:t>
-            </a:r>
-            <a:r>
-              <a:rPr lang="ru-RU" dirty="0" smtClean="0"/>
-              <a:t> </a:t>
-            </a:r>
-            <a:r>
-              <a:rPr lang="ru-RU" dirty="0" err="1" smtClean="0"/>
-              <a:t>сигурност</a:t>
-            </a:r>
-            <a:r>
-              <a:rPr lang="ru-RU" dirty="0" smtClean="0"/>
-              <a:t> </a:t>
-            </a:r>
-            <a:r>
-              <a:rPr lang="ru-RU" dirty="0" err="1" smtClean="0"/>
-              <a:t>както</a:t>
-            </a:r>
-            <a:r>
-              <a:rPr lang="ru-RU" dirty="0" smtClean="0"/>
-              <a:t> за </a:t>
-            </a:r>
-            <a:r>
-              <a:rPr lang="ru-RU" dirty="0" err="1" smtClean="0"/>
-              <a:t>личната</a:t>
-            </a:r>
-            <a:r>
-              <a:rPr lang="ru-RU" dirty="0" smtClean="0"/>
-              <a:t> информация, </a:t>
-            </a:r>
-            <a:r>
-              <a:rPr lang="ru-RU" dirty="0" err="1" smtClean="0"/>
-              <a:t>така</a:t>
-            </a:r>
-            <a:r>
-              <a:rPr lang="ru-RU" dirty="0" smtClean="0"/>
-              <a:t> и за </a:t>
-            </a:r>
-            <a:r>
-              <a:rPr lang="ru-RU" dirty="0" err="1" smtClean="0"/>
-              <a:t>цялата</a:t>
-            </a:r>
-            <a:r>
-              <a:rPr lang="ru-RU" dirty="0" smtClean="0"/>
-              <a:t> система.</a:t>
+              <a:rPr lang="ru-RU" baseline="0" dirty="0" smtClean="0"/>
+              <a:t> </a:t>
+            </a:r>
+            <a:r>
+              <a:rPr lang="ru-RU" dirty="0" smtClean="0"/>
+              <a:t>гост, </a:t>
+            </a:r>
+            <a:r>
+              <a:rPr lang="ru-RU" dirty="0" err="1" smtClean="0"/>
+              <a:t>регистриран</a:t>
+            </a:r>
+            <a:r>
+              <a:rPr lang="ru-RU" dirty="0" smtClean="0"/>
+              <a:t>, администратор.</a:t>
+            </a:r>
+          </a:p>
+          <a:p>
+            <a:r>
+              <a:rPr lang="ru-RU" dirty="0" err="1" smtClean="0"/>
+              <a:t>Оторизацията</a:t>
+            </a:r>
+            <a:r>
+              <a:rPr lang="ru-RU" dirty="0" smtClean="0"/>
+              <a:t> </a:t>
+            </a:r>
+            <a:r>
+              <a:rPr lang="ru-RU" dirty="0" err="1" smtClean="0"/>
+              <a:t>определя</a:t>
+            </a:r>
+            <a:r>
+              <a:rPr lang="ru-RU" dirty="0" smtClean="0"/>
+              <a:t> </a:t>
+            </a:r>
+            <a:r>
+              <a:rPr lang="ru-RU" dirty="0" err="1" smtClean="0"/>
+              <a:t>правата</a:t>
+            </a:r>
+            <a:r>
+              <a:rPr lang="ru-RU" dirty="0" smtClean="0"/>
+              <a:t> на потребителя след </a:t>
+            </a:r>
+            <a:r>
+              <a:rPr lang="ru-RU" dirty="0" err="1" smtClean="0"/>
+              <a:t>удостоверяване</a:t>
+            </a:r>
+            <a:r>
+              <a:rPr lang="ru-RU" dirty="0" smtClean="0"/>
+              <a:t>. </a:t>
+            </a:r>
+            <a:r>
+              <a:rPr lang="ru-RU" dirty="0" err="1" smtClean="0"/>
+              <a:t>Системи</a:t>
+            </a:r>
+            <a:r>
+              <a:rPr lang="ru-RU" dirty="0" smtClean="0"/>
+              <a:t> </a:t>
+            </a:r>
+            <a:r>
+              <a:rPr lang="ru-RU" dirty="0" err="1" smtClean="0"/>
+              <a:t>използват</a:t>
+            </a:r>
+            <a:r>
+              <a:rPr lang="ru-RU" dirty="0" smtClean="0"/>
+              <a:t> </a:t>
+            </a:r>
+            <a:r>
+              <a:rPr lang="ru-RU" dirty="0" err="1" smtClean="0"/>
+              <a:t>ролева</a:t>
+            </a:r>
+            <a:r>
+              <a:rPr lang="ru-RU" dirty="0" smtClean="0"/>
+              <a:t> (RBAC) или </a:t>
+            </a:r>
+            <a:r>
+              <a:rPr lang="ru-RU" dirty="0" err="1" smtClean="0"/>
+              <a:t>атрибутна</a:t>
+            </a:r>
+            <a:r>
+              <a:rPr lang="ru-RU" dirty="0" smtClean="0"/>
+              <a:t> (ABAC) модели. </a:t>
+            </a:r>
+            <a:r>
+              <a:rPr lang="ru-RU" dirty="0" err="1" smtClean="0"/>
+              <a:t>Примери</a:t>
+            </a:r>
+            <a:r>
+              <a:rPr lang="ru-RU" dirty="0" smtClean="0"/>
+              <a:t> за нива на </a:t>
+            </a:r>
+            <a:r>
+              <a:rPr lang="ru-RU" dirty="0" err="1" smtClean="0"/>
+              <a:t>достъп</a:t>
+            </a:r>
+            <a:r>
+              <a:rPr lang="ru-RU" dirty="0" smtClean="0"/>
+              <a:t> </a:t>
+            </a:r>
+            <a:r>
+              <a:rPr lang="ru-RU" dirty="0" err="1" smtClean="0"/>
+              <a:t>са</a:t>
+            </a:r>
+            <a:r>
+              <a:rPr lang="ru-RU" dirty="0" smtClean="0"/>
+              <a:t> гост, </a:t>
+            </a:r>
+            <a:r>
+              <a:rPr lang="ru-RU" dirty="0" err="1" smtClean="0"/>
+              <a:t>регистриран</a:t>
+            </a:r>
+            <a:r>
+              <a:rPr lang="ru-RU" dirty="0" smtClean="0"/>
+              <a:t> или администратор, </a:t>
+            </a:r>
+            <a:r>
+              <a:rPr lang="ru-RU" dirty="0" err="1" smtClean="0"/>
+              <a:t>всеки</a:t>
+            </a:r>
+            <a:r>
+              <a:rPr lang="ru-RU" dirty="0" smtClean="0"/>
+              <a:t> </a:t>
+            </a:r>
+            <a:r>
+              <a:rPr lang="ru-RU" dirty="0" err="1" smtClean="0"/>
+              <a:t>със</a:t>
+            </a:r>
+            <a:r>
+              <a:rPr lang="ru-RU" dirty="0" smtClean="0"/>
+              <a:t> </a:t>
+            </a:r>
+            <a:r>
+              <a:rPr lang="ru-RU" dirty="0" err="1" smtClean="0"/>
+              <a:t>собствен</a:t>
+            </a:r>
+            <a:r>
+              <a:rPr lang="ru-RU" dirty="0" smtClean="0"/>
+              <a:t> набор от права.</a:t>
             </a:r>
           </a:p>
           <a:p>
@@ -3888,214 +3778,134 @@
           <a:lstStyle/>
           <a:p>
             <a:r>
-              <a:rPr lang="ru-RU" dirty="0" smtClean="0"/>
-              <a:t>8.	</a:t>
-            </a:r>
-            <a:r>
-              <a:rPr lang="ru-RU" dirty="0" err="1" smtClean="0"/>
-              <a:t>Процес</a:t>
-            </a:r>
-            <a:r>
-              <a:rPr lang="ru-RU" dirty="0" smtClean="0"/>
+              <a:rPr lang="ru-RU" sz="3200" dirty="0" err="1" smtClean="0"/>
+              <a:t>Използват</a:t>
+            </a:r>
+            <a:r>
+              <a:rPr lang="ru-RU" sz="3200" dirty="0" smtClean="0"/>
+              <a:t> се </a:t>
+            </a:r>
+            <a:r>
+              <a:rPr lang="ru-RU" sz="3200" dirty="0" err="1" smtClean="0"/>
+              <a:t>механизми</a:t>
+            </a:r>
+            <a:r>
+              <a:rPr lang="ru-RU" sz="3200" dirty="0" smtClean="0"/>
+              <a:t> </a:t>
+            </a:r>
+            <a:r>
+              <a:rPr lang="ru-RU" sz="3200" dirty="0" err="1" smtClean="0"/>
+              <a:t>като</a:t>
+            </a:r>
+            <a:r>
+              <a:rPr lang="ru-RU" sz="3200" dirty="0" smtClean="0"/>
+              <a:t> </a:t>
+            </a:r>
+            <a:r>
+              <a:rPr lang="ru-RU" sz="3200" dirty="0" err="1" smtClean="0"/>
+              <a:t>сесии</a:t>
+            </a:r>
+            <a:r>
+              <a:rPr lang="ru-RU" sz="3200" dirty="0" smtClean="0"/>
+              <a:t>, </a:t>
+            </a:r>
+            <a:r>
+              <a:rPr lang="ru-RU" sz="3200" dirty="0" err="1" smtClean="0"/>
+              <a:t>бисквитки</a:t>
+            </a:r>
+            <a:r>
+              <a:rPr lang="ru-RU" sz="3200" dirty="0" smtClean="0"/>
+              <a:t> и JSON </a:t>
+            </a:r>
+            <a:r>
+              <a:rPr lang="ru-RU" sz="3200" dirty="0" err="1" smtClean="0"/>
+              <a:t>Web</a:t>
+            </a:r>
+            <a:r>
+              <a:rPr lang="ru-RU" sz="3200" dirty="0" smtClean="0"/>
+              <a:t> </a:t>
+            </a:r>
+            <a:r>
+              <a:rPr lang="ru-RU" sz="3200" dirty="0" err="1" smtClean="0"/>
+              <a:t>Tokens</a:t>
+            </a:r>
+            <a:r>
+              <a:rPr lang="ru-RU" sz="3200" dirty="0" smtClean="0"/>
+              <a:t> (JWT) за управление на </a:t>
+            </a:r>
+            <a:r>
+              <a:rPr lang="ru-RU" sz="3200" dirty="0" err="1" smtClean="0"/>
+              <a:t>удостоверяването</a:t>
+            </a:r>
+            <a:r>
+              <a:rPr lang="ru-RU" sz="3200" dirty="0" smtClean="0"/>
+              <a:t> и </a:t>
+            </a:r>
+            <a:r>
+              <a:rPr lang="ru-RU" sz="3200" dirty="0" err="1" smtClean="0"/>
+              <a:t>достъпа</a:t>
+            </a:r>
+            <a:r>
+              <a:rPr lang="ru-RU" sz="3200" dirty="0" smtClean="0"/>
+              <a:t>. </a:t>
+            </a:r>
+            <a:r>
+              <a:rPr lang="ru-RU" sz="3200" dirty="0" err="1" smtClean="0"/>
+              <a:t>Възможно</a:t>
+            </a:r>
+            <a:r>
+              <a:rPr lang="ru-RU" sz="3200" dirty="0" smtClean="0"/>
+              <a:t> е </a:t>
+            </a:r>
+            <a:r>
+              <a:rPr lang="ru-RU" sz="3200" dirty="0" err="1" smtClean="0"/>
+              <a:t>използване</a:t>
+            </a:r>
+            <a:r>
+              <a:rPr lang="ru-RU" sz="3200" dirty="0" smtClean="0"/>
               <a:t> на </a:t>
             </a:r>
             <a:r>
-              <a:rPr lang="ru-RU" dirty="0" err="1" smtClean="0"/>
-              <a:t>оторизация</a:t>
-            </a:r>
-            <a:endParaRPr lang="ru-RU" dirty="0" smtClean="0"/>
-          </a:p>
-          <a:p>
-            <a:r>
-              <a:rPr lang="ru-RU" dirty="0" err="1" smtClean="0"/>
-              <a:t>Ролева</a:t>
-            </a:r>
-            <a:r>
-              <a:rPr lang="ru-RU" dirty="0" smtClean="0"/>
-              <a:t> (RBAC) – роли и права, например администратор, </a:t>
-            </a:r>
-            <a:r>
-              <a:rPr lang="ru-RU" dirty="0" err="1" smtClean="0"/>
-              <a:t>потребител</a:t>
-            </a:r>
-            <a:endParaRPr lang="ru-RU" dirty="0" smtClean="0"/>
-          </a:p>
-          <a:p>
-            <a:r>
-              <a:rPr lang="ru-RU" dirty="0" err="1" smtClean="0"/>
-              <a:t>Атрибутна</a:t>
-            </a:r>
-            <a:r>
-              <a:rPr lang="ru-RU" dirty="0" smtClean="0"/>
-              <a:t> (ABAC) – основана на </a:t>
-            </a:r>
-            <a:r>
-              <a:rPr lang="ru-RU" dirty="0" err="1" smtClean="0"/>
-              <a:t>атрибути</a:t>
-            </a:r>
-            <a:r>
-              <a:rPr lang="ru-RU" dirty="0" smtClean="0"/>
-              <a:t> </a:t>
-            </a:r>
-            <a:r>
-              <a:rPr lang="ru-RU" dirty="0" err="1" smtClean="0"/>
+              <a:rPr lang="ru-RU" sz="3200" dirty="0" err="1" smtClean="0"/>
+              <a:t>различни</a:t>
+            </a:r>
+            <a:r>
+              <a:rPr lang="ru-RU" sz="3200" dirty="0" smtClean="0"/>
+              <a:t> библиотеки и рамки </a:t>
+            </a:r>
+            <a:r>
+              <a:rPr lang="ru-RU" sz="3200" dirty="0" err="1" smtClean="0"/>
               <a:t>като</a:t>
             </a:r>
             <a:r>
-              <a:rPr lang="ru-RU" dirty="0" smtClean="0"/>
-              <a:t> час, местоположение</a:t>
-            </a:r>
-          </a:p>
-          <a:p>
-            <a:r>
-              <a:rPr lang="ru-RU" dirty="0" err="1" smtClean="0"/>
-              <a:t>Примери</a:t>
-            </a:r>
-            <a:r>
-              <a:rPr lang="ru-RU" dirty="0" smtClean="0"/>
-              <a:t> за нива на </a:t>
-            </a:r>
-            <a:r>
-              <a:rPr lang="ru-RU" dirty="0" err="1" smtClean="0"/>
-              <a:t>достъп</a:t>
-            </a:r>
-            <a:r>
-              <a:rPr lang="ru-RU" dirty="0" smtClean="0"/>
-              <a:t>: гост, </a:t>
-            </a:r>
-            <a:r>
-              <a:rPr lang="ru-RU" dirty="0" err="1" smtClean="0"/>
-              <a:t>регистриран</a:t>
-            </a:r>
-            <a:r>
-              <a:rPr lang="ru-RU" dirty="0" smtClean="0"/>
-              <a:t>, администратор.</a:t>
-            </a:r>
-          </a:p>
-          <a:p>
-            <a:r>
-              <a:rPr lang="ru-RU" dirty="0" err="1" smtClean="0"/>
-              <a:t>Оторизацията</a:t>
-            </a:r>
-            <a:r>
-              <a:rPr lang="ru-RU" dirty="0" smtClean="0"/>
-              <a:t> </a:t>
-            </a:r>
-            <a:r>
-              <a:rPr lang="ru-RU" dirty="0" err="1" smtClean="0"/>
-              <a:t>определя</a:t>
-            </a:r>
-            <a:r>
-              <a:rPr lang="ru-RU" dirty="0" smtClean="0"/>
-              <a:t> </a:t>
-            </a:r>
-            <a:r>
-              <a:rPr lang="ru-RU" dirty="0" err="1" smtClean="0"/>
-              <a:t>правата</a:t>
-            </a:r>
-            <a:r>
-              <a:rPr lang="ru-RU" dirty="0" smtClean="0"/>
-              <a:t> на потребителя след </a:t>
-            </a:r>
-            <a:r>
-              <a:rPr lang="ru-RU" dirty="0" err="1" smtClean="0"/>
+              <a:rPr lang="ru-RU" sz="3200" dirty="0" smtClean="0"/>
+              <a:t> </a:t>
+            </a:r>
+            <a:r>
+              <a:rPr lang="ru-RU" sz="3200" dirty="0" err="1" smtClean="0"/>
+              <a:t>Django</a:t>
+            </a:r>
+            <a:r>
+              <a:rPr lang="ru-RU" sz="3200" dirty="0" smtClean="0"/>
+              <a:t> </a:t>
+            </a:r>
+            <a:r>
+              <a:rPr lang="ru-RU" sz="3200" dirty="0" err="1" smtClean="0"/>
+              <a:t>системата</a:t>
+            </a:r>
+            <a:r>
+              <a:rPr lang="ru-RU" sz="3200" dirty="0" smtClean="0"/>
+              <a:t> за </a:t>
+            </a:r>
+            <a:r>
+              <a:rPr lang="ru-RU" sz="3200" dirty="0" err="1" smtClean="0"/>
               <a:t>удостоверяване</a:t>
             </a:r>
             <a:r>
-              <a:rPr lang="ru-RU" dirty="0" smtClean="0"/>
-              <a:t>. </a:t>
-            </a:r>
-            <a:r>
-              <a:rPr lang="ru-RU" dirty="0" err="1" smtClean="0"/>
-              <a:t>Системи</a:t>
-            </a:r>
-            <a:r>
-              <a:rPr lang="ru-RU" dirty="0" smtClean="0"/>
-              <a:t> </a:t>
-            </a:r>
-            <a:r>
-              <a:rPr lang="ru-RU" dirty="0" err="1" smtClean="0"/>
-              <a:t>използват</a:t>
-            </a:r>
-            <a:r>
-              <a:rPr lang="ru-RU" dirty="0" smtClean="0"/>
-              <a:t> </a:t>
-            </a:r>
-            <a:r>
-              <a:rPr lang="ru-RU" dirty="0" err="1" smtClean="0"/>
-              <a:t>ролева</a:t>
-            </a:r>
-            <a:r>
-              <a:rPr lang="ru-RU" dirty="0" smtClean="0"/>
-              <a:t> (RBAC) или </a:t>
-            </a:r>
-            <a:r>
-              <a:rPr lang="ru-RU" dirty="0" err="1" smtClean="0"/>
-              <a:t>атрибутна</a:t>
-            </a:r>
-            <a:r>
-              <a:rPr lang="ru-RU" dirty="0" smtClean="0"/>
-              <a:t> (ABAC) модели. </a:t>
-            </a:r>
-            <a:r>
-              <a:rPr lang="ru-RU" dirty="0" err="1" smtClean="0"/>
-              <a:t>Примери</a:t>
-            </a:r>
-            <a:r>
-              <a:rPr lang="ru-RU" dirty="0" smtClean="0"/>
-              <a:t> за нива на </a:t>
-            </a:r>
-            <a:r>
-              <a:rPr lang="ru-RU" dirty="0" err="1" smtClean="0"/>
-              <a:t>достъп</a:t>
-            </a:r>
-            <a:r>
-              <a:rPr lang="ru-RU" dirty="0" smtClean="0"/>
-              <a:t> </a:t>
-            </a:r>
-            <a:r>
-              <a:rPr lang="ru-RU" dirty="0" err="1" smtClean="0"/>
-              <a:t>са</a:t>
-            </a:r>
-            <a:r>
-              <a:rPr lang="ru-RU" dirty="0" smtClean="0"/>
-              <a:t> гост, </a:t>
-            </a:r>
-            <a:r>
-              <a:rPr lang="ru-RU" dirty="0" err="1" smtClean="0"/>
-              <a:t>регистриран</a:t>
-            </a:r>
-            <a:r>
-              <a:rPr lang="ru-RU" dirty="0" smtClean="0"/>
-              <a:t> или администратор, </a:t>
-            </a:r>
-            <a:r>
-              <a:rPr lang="ru-RU" dirty="0" err="1" smtClean="0"/>
-              <a:t>всеки</a:t>
-            </a:r>
-            <a:r>
-              <a:rPr lang="ru-RU" dirty="0" smtClean="0"/>
-              <a:t> </a:t>
-            </a:r>
-            <a:r>
-              <a:rPr lang="ru-RU" dirty="0" err="1" smtClean="0"/>
-              <a:t>със</a:t>
-            </a:r>
-            <a:r>
-              <a:rPr lang="ru-RU" dirty="0" smtClean="0"/>
-              <a:t> </a:t>
-            </a:r>
-            <a:r>
-              <a:rPr lang="ru-RU" dirty="0" err="1" smtClean="0"/>
-              <a:t>собствен</a:t>
-            </a:r>
-            <a:r>
-              <a:rPr lang="ru-RU" dirty="0" smtClean="0"/>
-              <a:t> набор от права.</a:t>
-            </a:r>
-          </a:p>
-          <a:p>
-            <a:endParaRPr lang="bg-BG" dirty="0"/>
+              <a:rPr lang="ru-RU" sz="3200" dirty="0" smtClean="0"/>
+              <a:t> и авторизация.</a:t>
+            </a:r>
+            <a:endParaRPr lang="bg-BG" sz="3200" dirty="0"/>
           </a:p>
         </p:txBody>
       </p:sp>
@@ -4180,35 +3990,104 @@
           <a:lstStyle/>
           <a:p>
             <a:r>
-              <a:rPr lang="ru-RU" dirty="0" smtClean="0"/>
-              <a:t>9.	</a:t>
-            </a:r>
-            <a:r>
-              <a:rPr lang="ru-RU" dirty="0" err="1" smtClean="0"/>
-              <a:t>Архитектурни</a:t>
-            </a:r>
-            <a:r>
-              <a:rPr lang="ru-RU" dirty="0" smtClean="0"/>
-              <a:t> модели и </a:t>
-            </a:r>
-            <a:r>
-              <a:rPr lang="ru-RU" dirty="0" err="1" smtClean="0"/>
-              <a:t>стандарти</a:t>
-            </a:r>
-            <a:endParaRPr lang="ru-RU" dirty="0" smtClean="0"/>
-          </a:p>
-          <a:p>
-            <a:r>
-              <a:rPr lang="ru-RU" dirty="0" err="1" smtClean="0"/>
-              <a:t>Използват</a:t>
-            </a:r>
-            <a:r>
-              <a:rPr lang="ru-RU" dirty="0" smtClean="0"/>
-              <a:t> се </a:t>
-            </a:r>
-            <a:r>
-              <a:rPr lang="ru-RU" dirty="0" err="1" smtClean="0"/>
-              <a:t>механизми</a:t>
+              <a:rPr lang="ru-RU" dirty="0" err="1" smtClean="0"/>
+              <a:t>Django</a:t>
+            </a:r>
+            <a:r>
+              <a:rPr lang="ru-RU" dirty="0" smtClean="0"/>
+              <a:t> </a:t>
+            </a:r>
+            <a:r>
+              <a:rPr lang="ru-RU" dirty="0" err="1" smtClean="0"/>
+              <a:t>разполага</a:t>
+            </a:r>
+            <a:r>
+              <a:rPr lang="ru-RU" dirty="0" smtClean="0"/>
+              <a:t> с </a:t>
+            </a:r>
+            <a:r>
+              <a:rPr lang="ru-RU" dirty="0" err="1" smtClean="0"/>
+              <a:t>вградена</a:t>
+            </a:r>
+            <a:r>
+              <a:rPr lang="ru-RU" dirty="0" smtClean="0"/>
+              <a:t> система </a:t>
+            </a:r>
+            <a:r>
+              <a:rPr lang="ru-RU" dirty="0" err="1" smtClean="0"/>
+              <a:t>django.contrib.auth</a:t>
+            </a:r>
+            <a:r>
+              <a:rPr lang="ru-RU" dirty="0" smtClean="0"/>
+              <a:t>, </a:t>
+            </a:r>
+            <a:r>
+              <a:rPr lang="ru-RU" dirty="0" err="1" smtClean="0"/>
+              <a:t>която</a:t>
+            </a:r>
+            <a:r>
+              <a:rPr lang="ru-RU" dirty="0" smtClean="0"/>
+              <a:t> </a:t>
+            </a:r>
+            <a:r>
+              <a:rPr lang="ru-RU" dirty="0" err="1" smtClean="0"/>
+              <a:t>предлага</a:t>
+            </a:r>
+            <a:r>
+              <a:rPr lang="ru-RU" dirty="0" smtClean="0"/>
+              <a:t> модели за потребители, </a:t>
+            </a:r>
+            <a:r>
+              <a:rPr lang="ru-RU" dirty="0" err="1" smtClean="0"/>
+              <a:t>групи</a:t>
+            </a:r>
+            <a:r>
+              <a:rPr lang="ru-RU" dirty="0" smtClean="0"/>
+              <a:t> и права. </a:t>
+            </a:r>
+            <a:r>
+              <a:rPr lang="ru-RU" dirty="0" err="1" smtClean="0"/>
+              <a:t>Има</a:t>
+            </a:r>
+            <a:r>
+              <a:rPr lang="ru-RU" dirty="0" smtClean="0"/>
+              <a:t> </a:t>
+            </a:r>
+            <a:r>
+              <a:rPr lang="ru-RU" dirty="0" err="1" smtClean="0"/>
+              <a:t>готови</a:t>
+            </a:r>
+            <a:r>
+              <a:rPr lang="ru-RU" dirty="0" smtClean="0"/>
+              <a:t> </a:t>
+            </a:r>
+            <a:r>
+              <a:rPr lang="ru-RU" dirty="0" err="1" smtClean="0"/>
+              <a:t>форми</a:t>
+            </a:r>
+            <a:r>
+              <a:rPr lang="ru-RU" dirty="0" smtClean="0"/>
+              <a:t> за логин и регистрация, </a:t>
+            </a:r>
+            <a:r>
+              <a:rPr lang="ru-RU" dirty="0" err="1" smtClean="0"/>
+              <a:t>както</a:t>
+            </a:r>
+            <a:r>
+              <a:rPr lang="ru-RU" dirty="0" smtClean="0"/>
+              <a:t> и </a:t>
+            </a:r>
+            <a:r>
+              <a:rPr lang="ru-RU" dirty="0" err="1" smtClean="0"/>
+              <a:t>методи</a:t>
+            </a:r>
+            <a:r>
+              <a:rPr lang="ru-RU" dirty="0" smtClean="0"/>
+              <a:t> за защита чрез </a:t>
+            </a:r>
+            <a:r>
+              <a:rPr lang="ru-RU" dirty="0" err="1" smtClean="0"/>
+              <a:t>декоратори</a:t>
             </a:r>
             <a:r>
               <a:rPr lang="ru-RU" dirty="0" smtClean="0"/>
@@ -4220,114 +4099,24 @@
             </a:r>
             <a:r>
               <a:rPr lang="ru-RU" dirty="0" smtClean="0"/>
-              <a:t> </a:t>
-            </a:r>
-            <a:r>
-              <a:rPr lang="ru-RU" dirty="0" err="1" smtClean="0"/>
-              <a:t>сесии</a:t>
-            </a:r>
-            <a:r>
-              <a:rPr lang="ru-RU" dirty="0" smtClean="0"/>
-              <a:t>, </a:t>
-            </a:r>
-            <a:r>
-              <a:rPr lang="ru-RU" dirty="0" err="1" smtClean="0"/>
-              <a:t>бисквитки</a:t>
-            </a:r>
-            <a:r>
-              <a:rPr lang="ru-RU" dirty="0" smtClean="0"/>
-              <a:t> и JSON </a:t>
-            </a:r>
-            <a:r>
-              <a:rPr lang="ru-RU" dirty="0" err="1" smtClean="0"/>
-              <a:t>Web</a:t>
-            </a:r>
-            <a:r>
-              <a:rPr lang="ru-RU" dirty="0" smtClean="0"/>
-              <a:t> </a:t>
-            </a:r>
-            <a:r>
-              <a:rPr lang="ru-RU" dirty="0" err="1" smtClean="0"/>
-              <a:t>Tokens</a:t>
-            </a:r>
-            <a:r>
-              <a:rPr lang="ru-RU" dirty="0" smtClean="0"/>
-              <a:t> (JWT) за управление на </a:t>
-            </a:r>
-            <a:r>
-              <a:rPr lang="ru-RU" dirty="0" err="1" smtClean="0"/>
-              <a:t>удостоверяването</a:t>
-            </a:r>
-            <a:r>
-              <a:rPr lang="ru-RU" dirty="0" smtClean="0"/>
-              <a:t> и </a:t>
-            </a:r>
-            <a:r>
-              <a:rPr lang="ru-RU" dirty="0" err="1" smtClean="0"/>
-              <a:t>достъпа</a:t>
-            </a:r>
-            <a:r>
-              <a:rPr lang="ru-RU" dirty="0" smtClean="0"/>
-              <a:t>. </a:t>
-            </a:r>
-            <a:r>
-              <a:rPr lang="ru-RU" dirty="0" err="1" smtClean="0"/>
-              <a:t>Възможно</a:t>
-            </a:r>
-            <a:r>
-              <a:rPr lang="ru-RU" dirty="0" smtClean="0"/>
-              <a:t> е </a:t>
-            </a:r>
-            <a:r>
-              <a:rPr lang="ru-RU" dirty="0" err="1" smtClean="0"/>
-              <a:t>използване</a:t>
-            </a:r>
-            <a:r>
-              <a:rPr lang="ru-RU" dirty="0" smtClean="0"/>
-              <a:t> на </a:t>
-            </a:r>
-            <a:r>
-              <a:rPr lang="ru-RU" dirty="0" err="1" smtClean="0"/>
-              <a:t>различни</a:t>
-            </a:r>
-            <a:r>
-              <a:rPr lang="ru-RU" dirty="0" smtClean="0"/>
-              <a:t> библиотеки и рамки </a:t>
-            </a:r>
-            <a:r>
-              <a:rPr lang="ru-RU" dirty="0" err="1" smtClean="0"/>
-              <a:t>като</a:t>
-            </a:r>
-            <a:r>
-              <a:rPr lang="ru-RU" dirty="0" smtClean="0"/>
-              <a:t> </a:t>
-            </a:r>
-            <a:r>
-              <a:rPr lang="ru-RU" dirty="0" err="1" smtClean="0"/>
-              <a:t>Django</a:t>
-            </a:r>
-            <a:r>
-              <a:rPr lang="ru-RU" dirty="0" smtClean="0"/>
-              <a:t> </a:t>
-            </a:r>
-            <a:r>
-              <a:rPr lang="ru-RU" dirty="0" err="1" smtClean="0"/>
-              <a:t>системата</a:t>
-            </a:r>
-            <a:r>
-              <a:rPr lang="ru-RU" dirty="0" smtClean="0"/>
-              <a:t> за </a:t>
-            </a:r>
-            <a:r>
-              <a:rPr lang="ru-RU" dirty="0" err="1" smtClean="0"/>
-              <a:t>удостоверяване</a:t>
-            </a:r>
-            <a:r>
-              <a:rPr lang="ru-RU" dirty="0" smtClean="0"/>
-              <a:t> и авторизация.</a:t>
-            </a:r>
-          </a:p>
-          <a:p>
+              <a:t> @</a:t>
+            </a:r>
+            <a:r>
+              <a:rPr lang="ru-RU" dirty="0" err="1" smtClean="0"/>
+              <a:t>login_required</a:t>
+            </a:r>
+            <a:r>
+              <a:rPr lang="ru-RU" dirty="0" smtClean="0"/>
+              <a:t> и @</a:t>
+            </a:r>
+            <a:r>
+              <a:rPr lang="ru-RU" dirty="0" err="1" smtClean="0"/>
+              <a:t>permission_required</a:t>
+            </a:r>
+            <a:r>
+              <a:rPr lang="ru-RU" dirty="0" smtClean="0"/>
+              <a:t>.</a:t>
+            </a:r>
             <a:endParaRPr lang="bg-BG" dirty="0"/>
           </a:p>
         </p:txBody>
@@ -4750,7 +4539,7 @@
             <a:fld id="{1D8BD707-D9CF-40AE-B4C6-C98DA3205C09}" type="datetimeFigureOut">
               <a:rPr lang="en-US" smtClean="0"/>
               <a:pPr/>
-              <a:t>5/13/2025</a:t>
+              <a:t>5/14/2025</a:t>
             </a:fld>
             <a:endParaRPr lang="en-US"/>
           </a:p>
@@ -5018,7 +4807,7 @@
             <a:fld id="{1D8BD707-D9CF-40AE-B4C6-C98DA3205C09}" type="datetimeFigureOut">
               <a:rPr lang="en-US" smtClean="0"/>
               <a:pPr/>
-              <a:t>5/13/2025</a:t>
+              <a:t>5/14/2025</a:t>
             </a:fld>
             <a:endParaRPr lang="en-US"/>
           </a:p>
@@ -5270,7 +5059,7 @@
             <a:fld id="{1D8BD707-D9CF-40AE-B4C6-C98DA3205C09}" type="datetimeFigureOut">
               <a:rPr lang="en-US" smtClean="0"/>
               <a:pPr/>
-              <a:t>5/13/2025</a:t>
+              <a:t>5/14/2025</a:t>
             </a:fld>
             <a:endParaRPr lang="en-US"/>
           </a:p>
@@ -5580,7 +5369,7 @@
             <a:fld id="{1D8BD707-D9CF-40AE-B4C6-C98DA3205C09}" type="datetimeFigureOut">
               <a:rPr lang="en-US" smtClean="0"/>
               <a:pPr/>
-              <a:t>5/13/2025</a:t>
+              <a:t>5/14/2025</a:t>
             </a:fld>
             <a:endParaRPr lang="en-US"/>
           </a:p>
@@ -5900,7 +5689,7 @@
             <a:fld id="{1D8BD707-D9CF-40AE-B4C6-C98DA3205C09}" type="datetimeFigureOut">
               <a:rPr lang="en-US" smtClean="0"/>
               <a:pPr/>
-              <a:t>5/13/2025</a:t>
+              <a:t>5/14/2025</a:t>
             </a:fld>
             <a:endParaRPr lang="en-US"/>
           </a:p>
@@ -6204,7 +5993,7 @@
             <a:fld id="{1D8BD707-D9CF-40AE-B4C6-C98DA3205C09}" type="datetimeFigureOut">
               <a:rPr lang="en-US" smtClean="0"/>
               <a:pPr/>
-              <a:t>5/13/2025</a:t>
+              <a:t>5/14/2025</a:t>
             </a:fld>
             <a:endParaRPr lang="en-US"/>
           </a:p>
@@ -6573,7 +6362,7 @@
             <a:fld id="{1D8BD707-D9CF-40AE-B4C6-C98DA3205C09}" type="datetimeFigureOut">
               <a:rPr lang="en-US" smtClean="0"/>
               <a:pPr/>
-              <a:t>5/13/2025</a:t>
+              <a:t>5/14/2025</a:t>
             </a:fld>
             <a:endParaRPr lang="en-US"/>
           </a:p>
@@ -6761,7 +6550,7 @@
             <a:fld id="{1D8BD707-D9CF-40AE-B4C6-C98DA3205C09}" type="datetimeFigureOut">
               <a:rPr lang="en-US" smtClean="0"/>
               <a:pPr/>
-              <a:t>5/13/2025</a:t>
+              <a:t>5/14/2025</a:t>
             </a:fld>
             <a:endParaRPr lang="en-US"/>
           </a:p>
@@ -6949,7 +6738,7 @@
             <a:fld id="{1D8BD707-D9CF-40AE-B4C6-C98DA3205C09}" type="datetimeFigureOut">
               <a:rPr lang="en-US" smtClean="0"/>
               <a:pPr/>
-              <a:t>5/13/2025</a:t>
+              <a:t>5/14/2025</a:t>
             </a:fld>
             <a:endParaRPr lang="en-US"/>
           </a:p>
@@ -7131,7 +6920,7 @@
             <a:fld id="{1D8BD707-D9CF-40AE-B4C6-C98DA3205C09}" type="datetimeFigureOut">
               <a:rPr lang="en-US" smtClean="0"/>
               <a:pPr/>
-              <a:t>5/13/2025</a:t>
+              <a:t>5/14/2025</a:t>
             </a:fld>
             <a:endParaRPr lang="en-US"/>
           </a:p>
@@ -7383,7 +7172,7 @@
             <a:fld id="{1D8BD707-D9CF-40AE-B4C6-C98DA3205C09}" type="datetimeFigureOut">
               <a:rPr lang="en-US" smtClean="0"/>
               <a:pPr/>
-              <a:t>5/13/2025</a:t>
+              <a:t>5/14/2025</a:t>
             </a:fld>
             <a:endParaRPr lang="en-US"/>
           </a:p>
@@ -7632,7 +7421,7 @@
             <a:fld id="{1D8BD707-D9CF-40AE-B4C6-C98DA3205C09}" type="datetimeFigureOut">
               <a:rPr lang="en-US" smtClean="0"/>
               <a:pPr/>
-              <a:t>5/13/2025</a:t>
+              <a:t>5/14/2025</a:t>
             </a:fld>
             <a:endParaRPr lang="en-US"/>
           </a:p>
@@ -8023,7 +7812,7 @@
             <a:fld id="{1D8BD707-D9CF-40AE-B4C6-C98DA3205C09}" type="datetimeFigureOut">
               <a:rPr lang="en-US" smtClean="0"/>
               <a:pPr/>
-              <a:t>5/13/2025</a:t>
+              <a:t>5/14/2025</a:t>
             </a:fld>
             <a:endParaRPr lang="en-US"/>
           </a:p>
@@ -8154,7 +7943,7 @@
             <a:fld id="{1D8BD707-D9CF-40AE-B4C6-C98DA3205C09}" type="datetimeFigureOut">
               <a:rPr lang="en-US" smtClean="0"/>
               <a:pPr/>
-              <a:t>5/13/2025</a:t>
+              <a:t>5/14/2025</a:t>
             </a:fld>
             <a:endParaRPr lang="en-US"/>
           </a:p>
@@ -8251,7 +8040,7 @@
             <a:fld id="{1D8BD707-D9CF-40AE-B4C6-C98DA3205C09}" type="datetimeFigureOut">
               <a:rPr lang="en-US" smtClean="0"/>
               <a:pPr/>
-              <a:t>5/13/2025</a:t>
+              <a:t>5/14/2025</a:t>
             </a:fld>
             <a:endParaRPr lang="en-US"/>
           </a:p>
@@ -8508,7 +8297,7 @@
             <a:fld id="{1D8BD707-D9CF-40AE-B4C6-C98DA3205C09}" type="datetimeFigureOut">
               <a:rPr lang="en-US" smtClean="0"/>
               <a:pPr/>
-              <a:t>5/13/2025</a:t>
+              <a:t>5/14/2025</a:t>
             </a:fld>
             <a:endParaRPr lang="en-US"/>
           </a:p>
@@ -8793,7 +8582,7 @@
             <a:fld id="{1D8BD707-D9CF-40AE-B4C6-C98DA3205C09}" type="datetimeFigureOut">
               <a:rPr lang="en-US" smtClean="0"/>
               <a:pPr/>
-              <a:t>5/13/2025</a:t>
+              <a:t>5/14/2025</a:t>
             </a:fld>
             <a:endParaRPr lang="en-US"/>
           </a:p>
@@ -9206,7 +8995,7 @@
             <a:fld id="{1D8BD707-D9CF-40AE-B4C6-C98DA3205C09}" type="datetimeFigureOut">
               <a:rPr lang="en-US" smtClean="0"/>
               <a:pPr/>
-              <a:t>5/13/2025</a:t>
+              <a:t>5/14/2025</a:t>
             </a:fld>
             <a:endParaRPr lang="en-US"/>
           </a:p>
@@ -10101,6 +9890,111 @@
           <a:chExt cx="0" cy="0"/>
         </a:xfrm>
       </p:grpSpPr>
+      <p:pic>
+        <p:nvPicPr>
+          <p:cNvPr id="2" name="Картина 1"/>
+          <p:cNvPicPr>
+            <a:picLocks noChangeAspect="1"/>
+          </p:cNvPicPr>
+          <p:nvPr/>
+        </p:nvPicPr>
+        <p:blipFill>
+          <a:blip r:embed="rId3"/>
+          <a:stretch>
+            <a:fillRect/>
+          </a:stretch>
+        </p:blipFill>
+        <p:spPr>
+          <a:xfrm>
+            <a:off x="228600" y="1752600"/>
+            <a:ext cx="3295650" cy="4762500"/>
+          </a:xfrm>
+          <a:prstGeom prst="rect">
+            <a:avLst/>
+          </a:prstGeom>
+          <a:ln>
+            <a:noFill/>
+          </a:ln>
+          <a:effectLst>
+            <a:softEdge rad="112500"/>
+          </a:effectLst>
+        </p:spPr>
+      </p:pic>
+      <p:pic>
+        <p:nvPicPr>
+          <p:cNvPr id="3" name="Картина 2"/>
+          <p:cNvPicPr>
+            <a:picLocks noChangeAspect="1"/>
+          </p:cNvPicPr>
+          <p:nvPr/>
+        </p:nvPicPr>
+        <p:blipFill>
+          <a:blip r:embed="rId4">
+            <a:extLst>
+              <a:ext uri="{28A0092B-C50C-407E-A947-70E740481C1C}">
+                <a14:useLocalDpi xmlns:a14="http://schemas.microsoft.com/office/drawing/2010/main" val="0"/>
+              </a:ext>
+            </a:extLst>
+          </a:blip>
+          <a:stretch>
+            <a:fillRect/>
+          </a:stretch>
+        </p:blipFill>
+        <p:spPr>
+          <a:xfrm>
+            <a:off x="4419600" y="1413611"/>
+            <a:ext cx="4210638" cy="5411051"/>
+          </a:xfrm>
+          <a:prstGeom prst="rect">
+            <a:avLst/>
+          </a:prstGeom>
+          <a:ln>
+            <a:noFill/>
+          </a:ln>
+          <a:effectLst>
+            <a:softEdge rad="112500"/>
+          </a:effectLst>
+        </p:spPr>
+      </p:pic>
+      <p:sp>
+        <p:nvSpPr>
+          <p:cNvPr id="4" name="Текстово поле 3"/>
+          <p:cNvSpPr txBox="1"/>
+          <p:nvPr/>
+        </p:nvSpPr>
+        <p:spPr>
+          <a:xfrm>
+            <a:off x="228600" y="483316"/>
+            <a:ext cx="5105400" cy="954107"/>
+          </a:xfrm>
+          <a:prstGeom prst="rect">
+            <a:avLst/>
+          </a:prstGeom>
+          <a:noFill/>
+          <a:ln>
+            <a:solidFill>
+              <a:schemeClr val="bg1"/>
+            </a:solidFill>
+          </a:ln>
+        </p:spPr>
+        <p:txBody>
+          <a:bodyPr wrap="square" rtlCol="0">
+            <a:spAutoFit/>
+          </a:bodyPr>
+          <a:lstStyle/>
+          <a:p>
+            <a:pPr algn="ctr"/>
+            <a:r>
+              <a:rPr lang="bg-BG" dirty="0"/>
+              <a:t>	</a:t>
+            </a:r>
+            <a:r>
+              <a:rPr lang="bg-BG" sz="2800" b="1" dirty="0"/>
+              <a:t>Практическа реализация</a:t>
+            </a:r>
+          </a:p>
+        </p:txBody>
+      </p:sp>
     </p:spTree>
     <p:extLst>
       <p:ext uri="{BB962C8B-B14F-4D97-AF65-F5344CB8AC3E}">
@@ -10131,6 +10025,96 @@
           <a:chExt cx="0" cy="0"/>
         </a:xfrm>
       </p:grpSpPr>
+      <p:pic>
+        <p:nvPicPr>
+          <p:cNvPr id="2" name="Картина 1"/>
+          <p:cNvPicPr>
+            <a:picLocks noChangeAspect="1"/>
+          </p:cNvPicPr>
+          <p:nvPr/>
+        </p:nvPicPr>
+        <p:blipFill>
+          <a:blip r:embed="rId3"/>
+          <a:stretch>
+            <a:fillRect/>
+          </a:stretch>
+        </p:blipFill>
+        <p:spPr>
+          <a:xfrm>
+            <a:off x="1250156" y="381000"/>
+            <a:ext cx="2143125" cy="2143125"/>
+          </a:xfrm>
+          <a:prstGeom prst="rect">
+            <a:avLst/>
+          </a:prstGeom>
+          <a:ln>
+            <a:noFill/>
+          </a:ln>
+          <a:effectLst>
+            <a:softEdge rad="112500"/>
+          </a:effectLst>
+        </p:spPr>
+      </p:pic>
+      <p:pic>
+        <p:nvPicPr>
+          <p:cNvPr id="3" name="Картина 2"/>
+          <p:cNvPicPr>
+            <a:picLocks noChangeAspect="1"/>
+          </p:cNvPicPr>
+          <p:nvPr/>
+        </p:nvPicPr>
+        <p:blipFill>
+          <a:blip r:embed="rId4"/>
+          <a:stretch>
+            <a:fillRect/>
+          </a:stretch>
+        </p:blipFill>
+        <p:spPr>
+          <a:xfrm>
+            <a:off x="4724400" y="1833562"/>
+            <a:ext cx="2514600" cy="2266950"/>
+          </a:xfrm>
+          <a:prstGeom prst="rect">
+            <a:avLst/>
+          </a:prstGeom>
+          <a:ln>
+            <a:noFill/>
+          </a:ln>
+          <a:effectLst>
+            <a:softEdge rad="112500"/>
+          </a:effectLst>
+        </p:spPr>
+      </p:pic>
+      <p:pic>
+        <p:nvPicPr>
+          <p:cNvPr id="4" name="Картина 3"/>
+          <p:cNvPicPr>
+            <a:picLocks noChangeAspect="1"/>
+          </p:cNvPicPr>
+          <p:nvPr/>
+        </p:nvPicPr>
+        <p:blipFill>
+          <a:blip r:embed="rId5"/>
+          <a:stretch>
+            <a:fillRect/>
+          </a:stretch>
+        </p:blipFill>
+        <p:spPr>
+          <a:xfrm>
+            <a:off x="1763315" y="3962400"/>
+            <a:ext cx="2295525" cy="2143125"/>
+          </a:xfrm>
+          <a:prstGeom prst="rect">
+            <a:avLst/>
+          </a:prstGeom>
+          <a:ln>
+            <a:noFill/>
+          </a:ln>
+          <a:effectLst>
+            <a:softEdge rad="112500"/>
+          </a:effectLst>
+        </p:spPr>
+      </p:pic>
     </p:spTree>
     <p:extLst>
       <p:ext uri="{BB962C8B-B14F-4D97-AF65-F5344CB8AC3E}">
@@ -10161,10 +10145,127 @@
           <a:chExt cx="0" cy="0"/>
         </a:xfrm>
       </p:grpSpPr>
+      <p:pic>
+        <p:nvPicPr>
+          <p:cNvPr id="2" name="Картина 1"/>
+          <p:cNvPicPr>
+            <a:picLocks noChangeAspect="1"/>
+          </p:cNvPicPr>
+          <p:nvPr/>
+        </p:nvPicPr>
+        <p:blipFill>
+          <a:blip r:embed="rId3"/>
+          <a:stretch>
+            <a:fillRect/>
+          </a:stretch>
+        </p:blipFill>
+        <p:spPr>
+          <a:xfrm>
+            <a:off x="0" y="0"/>
+            <a:ext cx="9144000" cy="6858000"/>
+          </a:xfrm>
+          <a:prstGeom prst="rect">
+            <a:avLst/>
+          </a:prstGeom>
+        </p:spPr>
+      </p:pic>
     </p:spTree>
     <p:extLst>
       <p:ext uri="{BB962C8B-B14F-4D97-AF65-F5344CB8AC3E}">
         <p14:creationId xmlns:p14="http://schemas.microsoft.com/office/powerpoint/2010/main" val="25323764"/>
+      </p:ext>
+    </p:extLst>
+  </p:cSld>
+  <p:clrMapOvr>
+    <a:masterClrMapping/>
+  </p:clrMapOvr>
+</p:sld>
+</file>
+
+<file path=ppt/slides/slide13.xml><?xml version="1.0" encoding="utf-8"?>
+<p:sld xmlns:a="http://schemas.openxmlformats.org/drawingml/2006/main" xmlns:r="http://schemas.openxmlformats.org/officeDocument/2006/relationships" xmlns:p="http://schemas.openxmlformats.org/presentationml/2006/main">
+  <p:cSld>
+    <p:spTree>
+      <p:nvGrpSpPr>
+        <p:cNvPr id="1" name=""/>
+        <p:cNvGrpSpPr/>
+        <p:nvPr/>
+      </p:nvGrpSpPr>
+      <p:grpSpPr>
+        <a:xfrm>
+          <a:off x="0" y="0"/>
+          <a:ext cx="0" cy="0"/>
+          <a:chOff x="0" y="0"/>
+          <a:chExt cx="0" cy="0"/>
+        </a:xfrm>
+      </p:grpSpPr>
+      <p:sp>
+        <p:nvSpPr>
+          <p:cNvPr id="2" name="Заглавие 1"/>
+          <p:cNvSpPr>
+            <a:spLocks noGrp="1"/>
+          </p:cNvSpPr>
+          <p:nvPr>
+            <p:ph type="title"/>
+          </p:nvPr>
+        </p:nvSpPr>
+        <p:spPr>
+          <a:xfrm>
+            <a:off x="1143000" y="2057400"/>
+            <a:ext cx="6554867" cy="1524000"/>
+          </a:xfrm>
+        </p:spPr>
+        <p:txBody>
+          <a:bodyPr>
+            <a:normAutofit/>
+          </a:bodyPr>
+          <a:lstStyle/>
+          <a:p>
+            <a:r>
+              <a:rPr lang="bg-BG" b="1" dirty="0" smtClean="0"/>
+              <a:t>Благодаря за вниманието!</a:t>
+            </a:r>
+            <a:br>
+              <a:rPr lang="bg-BG" b="1" dirty="0" smtClean="0"/>
+            </a:br>
+            <a:endParaRPr lang="bg-BG" b="1" dirty="0"/>
+          </a:p>
+        </p:txBody>
+      </p:sp>
+      <p:sp>
+        <p:nvSpPr>
+          <p:cNvPr id="3" name="Текстово поле 2"/>
+          <p:cNvSpPr txBox="1"/>
+          <p:nvPr/>
+        </p:nvSpPr>
+        <p:spPr>
+          <a:xfrm>
+            <a:off x="4724400" y="5486400"/>
+            <a:ext cx="4191000" cy="369332"/>
+          </a:xfrm>
+          <a:prstGeom prst="rect">
+            <a:avLst/>
+          </a:prstGeom>
+          <a:noFill/>
+        </p:spPr>
+        <p:txBody>
+          <a:bodyPr wrap="square" rtlCol="0">
+            <a:spAutoFit/>
+          </a:bodyPr>
+          <a:lstStyle/>
+          <a:p>
+            <a:r>
+              <a:rPr lang="bg-BG" dirty="0" smtClean="0"/>
+              <a:t>Дипломант: Мирослава Тодева</a:t>
+            </a:r>
+            <a:endParaRPr lang="bg-BG" dirty="0"/>
+          </a:p>
+        </p:txBody>
+      </p:sp>
+    </p:spTree>
+    <p:extLst>
+      <p:ext uri="{BB962C8B-B14F-4D97-AF65-F5344CB8AC3E}">
+        <p14:creationId xmlns:p14="http://schemas.microsoft.com/office/powerpoint/2010/main" val="3004728871"/>
       </p:ext>
     </p:extLst>
   </p:cSld>
@@ -10213,9 +10314,14 @@
         </p:nvSpPr>
         <p:spPr>
           <a:xfrm>
-            <a:off x="63790" y="5105400"/>
+            <a:off x="914400" y="5105400"/>
             <a:ext cx="7556210" cy="1600200"/>
           </a:xfrm>
+          <a:ln>
+            <a:solidFill>
+              <a:schemeClr val="bg1"/>
+            </a:solidFill>
+          </a:ln>
         </p:spPr>
         <p:txBody>
           <a:bodyPr/>
@@ -10301,7 +10407,7 @@
         </p:blipFill>
         <p:spPr>
           <a:xfrm>
-            <a:off x="914400" y="381000"/>
+            <a:off x="1295400" y="381000"/>
             <a:ext cx="6554788" cy="3688973"/>
           </a:xfrm>
           <a:prstGeom prst="roundRect">
@@ -10315,7 +10421,9 @@
             </a:srgbClr>
           </a:solidFill>
           <a:ln>
-            <a:noFill/>
+            <a:solidFill>
+              <a:schemeClr val="bg1"/>
+            </a:solidFill>
           </a:ln>
           <a:effectLst>
             <a:reflection blurRad="12700" stA="38000" endPos="28000" dist="5000" dir="5400000" sy="-100000" algn="bl" rotWithShape="0"/>
@@ -10507,6 +10615,11 @@
             <a:avLst/>
           </a:prstGeom>
           <a:noFill/>
+          <a:ln>
+            <a:solidFill>
+              <a:schemeClr val="bg1"/>
+            </a:solidFill>
+          </a:ln>
         </p:spPr>
         <p:txBody>
           <a:bodyPr wrap="square" rtlCol="0">
@@ -10514,8 +10627,9 @@
           </a:bodyPr>
           <a:lstStyle/>
           <a:p>
-            <a:r>
-              <a:rPr lang="ru-RU" dirty="0" smtClean="0">
+            <a:pPr algn="ctr"/>
+            <a:r>
+              <a:rPr lang="ru-RU" b="1" dirty="0" smtClean="0">
                 <a:solidFill>
                   <a:schemeClr val="bg1"/>
                 </a:solidFill>
@@ -10523,7 +10637,7 @@
               <a:t>Значение </a:t>
             </a:r>
             <a:r>
-              <a:rPr lang="ru-RU" dirty="0">
+              <a:rPr lang="ru-RU" b="1" dirty="0">
                 <a:solidFill>
                   <a:schemeClr val="bg1"/>
                 </a:solidFill>
@@ -10531,7 +10645,7 @@
               <a:t>на </a:t>
             </a:r>
             <a:r>
-              <a:rPr lang="ru-RU" dirty="0" err="1">
+              <a:rPr lang="ru-RU" b="1" dirty="0" err="1">
                 <a:solidFill>
                   <a:schemeClr val="bg1"/>
                 </a:solidFill>
@@ -10539,7 +10653,7 @@
               <a:t>сигурността</a:t>
             </a:r>
             <a:r>
-              <a:rPr lang="ru-RU" dirty="0">
+              <a:rPr lang="ru-RU" b="1" dirty="0">
                 <a:solidFill>
                   <a:schemeClr val="bg1"/>
                 </a:solidFill>
@@ -10547,7 +10661,7 @@
               <a:t> в </a:t>
             </a:r>
             <a:r>
-              <a:rPr lang="ru-RU" dirty="0" err="1" smtClean="0">
+              <a:rPr lang="ru-RU" b="1" dirty="0" err="1" smtClean="0">
                 <a:solidFill>
                   <a:schemeClr val="bg1"/>
                 </a:solidFill>
@@ -10555,7 +10669,7 @@
               <a:t>уеб</a:t>
             </a:r>
             <a:r>
-              <a:rPr lang="en-US" dirty="0" smtClean="0">
+              <a:rPr lang="en-US" b="1" dirty="0" smtClean="0">
                 <a:solidFill>
                   <a:schemeClr val="bg1"/>
                 </a:solidFill>
@@ -10563,7 +10677,7 @@
               <a:t> </a:t>
             </a:r>
             <a:r>
-              <a:rPr lang="ru-RU" dirty="0" smtClean="0">
+              <a:rPr lang="ru-RU" b="1" dirty="0" smtClean="0">
                 <a:solidFill>
                   <a:schemeClr val="bg1"/>
                 </a:solidFill>
@@ -10571,14 +10685,14 @@
               <a:t> </a:t>
             </a:r>
             <a:r>
-              <a:rPr lang="ru-RU" dirty="0" err="1">
+              <a:rPr lang="ru-RU" b="1" dirty="0" err="1">
                 <a:solidFill>
                   <a:schemeClr val="bg1"/>
                 </a:solidFill>
               </a:rPr>
               <a:t>приложенията</a:t>
             </a:r>
-            <a:endParaRPr lang="bg-BG" dirty="0">
+            <a:endParaRPr lang="bg-BG" b="1" dirty="0">
               <a:solidFill>
                 <a:schemeClr val="bg1"/>
               </a:solidFill>
@@ -10700,18 +10814,18 @@
               <a:t>	</a:t>
             </a:r>
             <a:r>
-              <a:rPr lang="ru-RU" sz="2000" dirty="0" err="1"/>
+              <a:rPr lang="ru-RU" sz="2000" b="1" dirty="0" err="1"/>
               <a:t>Основни</a:t>
             </a:r>
             <a:r>
-              <a:rPr lang="ru-RU" sz="2000" dirty="0"/>
+              <a:rPr lang="ru-RU" sz="2000" b="1" dirty="0"/>
               <a:t> подходи за </a:t>
             </a:r>
             <a:r>
-              <a:rPr lang="ru-RU" sz="2000" dirty="0" err="1"/>
+              <a:rPr lang="ru-RU" sz="2000" b="1" dirty="0" err="1"/>
               <a:t>удостоверяване</a:t>
             </a:r>
-            <a:endParaRPr lang="bg-BG" sz="2000" dirty="0"/>
+            <a:endParaRPr lang="bg-BG" sz="2000" b="1" dirty="0"/>
           </a:p>
         </p:txBody>
       </p:sp>
@@ -10745,9 +10859,60 @@
           <a:chExt cx="0" cy="0"/>
         </a:xfrm>
       </p:grpSpPr>
+      <p:sp>
+        <p:nvSpPr>
+          <p:cNvPr id="3" name="Текстово поле 2"/>
+          <p:cNvSpPr txBox="1"/>
+          <p:nvPr/>
+        </p:nvSpPr>
+        <p:spPr>
+          <a:xfrm>
+            <a:off x="1104900" y="0"/>
+            <a:ext cx="6934200" cy="830997"/>
+          </a:xfrm>
+          <a:prstGeom prst="rect">
+            <a:avLst/>
+          </a:prstGeom>
+          <a:noFill/>
+        </p:spPr>
+        <p:txBody>
+          <a:bodyPr wrap="square" rtlCol="0">
+            <a:spAutoFit/>
+          </a:bodyPr>
+          <a:lstStyle/>
+          <a:p>
+            <a:pPr algn="ctr"/>
+            <a:r>
+              <a:rPr lang="ru-RU" dirty="0"/>
+              <a:t>	</a:t>
+            </a:r>
+            <a:r>
+              <a:rPr lang="ru-RU" sz="2400" b="1" dirty="0" err="1"/>
+              <a:t>Типични</a:t>
+            </a:r>
+            <a:r>
+              <a:rPr lang="ru-RU" sz="2400" b="1" dirty="0"/>
+              <a:t> уязвимости и </a:t>
+            </a:r>
+            <a:r>
+              <a:rPr lang="ru-RU" sz="2400" b="1" dirty="0" err="1"/>
+              <a:t>добри</a:t>
+            </a:r>
+            <a:r>
+              <a:rPr lang="ru-RU" sz="2400" b="1" dirty="0"/>
+              <a:t> практики</a:t>
+            </a:r>
+            <a:r>
+              <a:rPr lang="ru-RU" dirty="0"/>
+              <a:t>	</a:t>
+            </a:r>
+            <a:endParaRPr lang="bg-BG" sz="2800" b="1" dirty="0"/>
+          </a:p>
+        </p:txBody>
+      </p:sp>
       <p:pic>
         <p:nvPicPr>
-          <p:cNvPr id="2" name="Картина 1"/>
+          <p:cNvPr id="4" name="Картина 3"/>
           <p:cNvPicPr>
             <a:picLocks noChangeAspect="1"/>
           </p:cNvPicPr>
@@ -10767,64 +10932,50 @@
         </p:blipFill>
         <p:spPr>
           <a:xfrm>
-            <a:off x="0" y="914400"/>
-            <a:ext cx="9144000" cy="5972577"/>
+            <a:off x="0" y="2057400"/>
+            <a:ext cx="4114800" cy="3943350"/>
           </a:xfrm>
           <a:prstGeom prst="rect">
             <a:avLst/>
           </a:prstGeom>
+          <a:ln>
+            <a:noFill/>
+          </a:ln>
+          <a:effectLst>
+            <a:softEdge rad="112500"/>
+          </a:effectLst>
         </p:spPr>
       </p:pic>
-      <p:sp>
-        <p:nvSpPr>
-          <p:cNvPr id="3" name="Текстово поле 2"/>
-          <p:cNvSpPr txBox="1"/>
+      <p:pic>
+        <p:nvPicPr>
+          <p:cNvPr id="6" name="Картина 5"/>
+          <p:cNvPicPr>
+            <a:picLocks noChangeAspect="1"/>
+          </p:cNvPicPr>
           <p:nvPr/>
-        </p:nvSpPr>
+        </p:nvPicPr>
+        <p:blipFill>
+          <a:blip r:embed="rId4"/>
+          <a:stretch>
+            <a:fillRect/>
+          </a:stretch>
+        </p:blipFill>
         <p:spPr>
           <a:xfrm>
-            <a:off x="1219200" y="457200"/>
-            <a:ext cx="6934200" cy="400110"/>
+            <a:off x="4267200" y="1612137"/>
+            <a:ext cx="4648200" cy="4388613"/>
           </a:xfrm>
           <a:prstGeom prst="rect">
             <a:avLst/>
           </a:prstGeom>
-          <a:noFill/>
+          <a:ln>
+            <a:noFill/>
+          </a:ln>
+          <a:effectLst>
+            <a:softEdge rad="112500"/>
+          </a:effectLst>
         </p:spPr>
-        <p:txBody>
-          <a:bodyPr wrap="square" rtlCol="0">
-            <a:spAutoFit/>
-          </a:bodyPr>
-          <a:lstStyle/>
-          <a:p>
-            <a:r>
-              <a:rPr lang="ru-RU" dirty="0"/>
-              <a:t>	</a:t>
-            </a:r>
-            <a:r>
-              <a:rPr lang="ru-RU" sz="2000" dirty="0" err="1"/>
-              <a:t>Механизми</a:t>
-            </a:r>
-            <a:r>
-              <a:rPr lang="ru-RU" sz="2000" dirty="0"/>
-              <a:t> и </a:t>
-            </a:r>
-            <a:r>
-              <a:rPr lang="ru-RU" sz="2000" dirty="0" err="1"/>
-              <a:t>протоколи</a:t>
-            </a:r>
-            <a:r>
-              <a:rPr lang="ru-RU" sz="2000" dirty="0"/>
-              <a:t> за </a:t>
-            </a:r>
-            <a:r>
-              <a:rPr lang="ru-RU" sz="2000" dirty="0" err="1"/>
-              <a:t>удостоверяване</a:t>
-            </a:r>
-            <a:endParaRPr lang="bg-BG" sz="2000" dirty="0"/>
-          </a:p>
-        </p:txBody>
-      </p:sp>
+      </p:pic>
     </p:spTree>
     <p:extLst>
       <p:ext uri="{BB962C8B-B14F-4D97-AF65-F5344CB8AC3E}">
@@ -10855,6 +11006,69 @@
           <a:chExt cx="0" cy="0"/>
         </a:xfrm>
       </p:grpSpPr>
+      <p:pic>
+        <p:nvPicPr>
+          <p:cNvPr id="2" name="Картина 1"/>
+          <p:cNvPicPr>
+            <a:picLocks noChangeAspect="1"/>
+          </p:cNvPicPr>
+          <p:nvPr/>
+        </p:nvPicPr>
+        <p:blipFill>
+          <a:blip r:embed="rId3"/>
+          <a:stretch>
+            <a:fillRect/>
+          </a:stretch>
+        </p:blipFill>
+        <p:spPr>
+          <a:xfrm>
+            <a:off x="19050" y="1676400"/>
+            <a:ext cx="9144000" cy="4785360"/>
+          </a:xfrm>
+          <a:prstGeom prst="rect">
+            <a:avLst/>
+          </a:prstGeom>
+        </p:spPr>
+      </p:pic>
+      <p:sp>
+        <p:nvSpPr>
+          <p:cNvPr id="3" name="Текстово поле 2"/>
+          <p:cNvSpPr txBox="1"/>
+          <p:nvPr/>
+        </p:nvSpPr>
+        <p:spPr>
+          <a:xfrm>
+            <a:off x="914400" y="533400"/>
+            <a:ext cx="7086600" cy="523220"/>
+          </a:xfrm>
+          <a:prstGeom prst="rect">
+            <a:avLst/>
+          </a:prstGeom>
+          <a:noFill/>
+          <a:ln>
+            <a:solidFill>
+              <a:schemeClr val="bg1"/>
+            </a:solidFill>
+          </a:ln>
+        </p:spPr>
+        <p:txBody>
+          <a:bodyPr wrap="square" rtlCol="0">
+            <a:spAutoFit/>
+          </a:bodyPr>
+          <a:lstStyle/>
+          <a:p>
+            <a:pPr algn="ctr"/>
+            <a:r>
+              <a:rPr lang="bg-BG" dirty="0"/>
+              <a:t>	</a:t>
+            </a:r>
+            <a:r>
+              <a:rPr lang="bg-BG" sz="2800" b="1" dirty="0"/>
+              <a:t>Процес на оторизация</a:t>
+            </a:r>
+          </a:p>
+        </p:txBody>
+      </p:sp>
     </p:spTree>
     <p:extLst>
       <p:ext uri="{BB962C8B-B14F-4D97-AF65-F5344CB8AC3E}">
@@ -10885,30 +11099,72 @@
           <a:chExt cx="0" cy="0"/>
         </a:xfrm>
       </p:grpSpPr>
+      <p:sp>
+        <p:nvSpPr>
+          <p:cNvPr id="3" name="Текстово поле 2"/>
+          <p:cNvSpPr txBox="1"/>
+          <p:nvPr/>
+        </p:nvSpPr>
+        <p:spPr>
+          <a:xfrm>
+            <a:off x="700087" y="762000"/>
+            <a:ext cx="7696200" cy="461665"/>
+          </a:xfrm>
+          <a:prstGeom prst="rect">
+            <a:avLst/>
+          </a:prstGeom>
+          <a:noFill/>
+          <a:ln>
+            <a:solidFill>
+              <a:schemeClr val="bg1"/>
+            </a:solidFill>
+          </a:ln>
+        </p:spPr>
+        <p:txBody>
+          <a:bodyPr wrap="square" rtlCol="0">
+            <a:spAutoFit/>
+          </a:bodyPr>
+          <a:lstStyle/>
+          <a:p>
+            <a:pPr algn="ctr"/>
+            <a:r>
+              <a:rPr lang="ru-RU" sz="2000" b="1" dirty="0"/>
+              <a:t>	</a:t>
+            </a:r>
+            <a:r>
+              <a:rPr lang="ru-RU" sz="2400" b="1" dirty="0" err="1"/>
+              <a:t>Архитектурни</a:t>
+            </a:r>
+            <a:r>
+              <a:rPr lang="ru-RU" sz="2400" b="1" dirty="0"/>
+              <a:t> модели и </a:t>
+            </a:r>
+            <a:r>
+              <a:rPr lang="ru-RU" sz="2400" b="1" dirty="0" err="1"/>
+              <a:t>стандарти</a:t>
+            </a:r>
+            <a:endParaRPr lang="bg-BG" sz="2400" b="1" dirty="0"/>
+          </a:p>
+        </p:txBody>
+      </p:sp>
       <p:pic>
         <p:nvPicPr>
-          <p:cNvPr id="2" name="Картина 1"/>
+          <p:cNvPr id="6" name="Картина 5"/>
           <p:cNvPicPr>
             <a:picLocks noChangeAspect="1"/>
           </p:cNvPicPr>
           <p:nvPr/>
         </p:nvPicPr>
         <p:blipFill>
-          <a:blip r:embed="rId3">
-            <a:extLst>
-              <a:ext uri="{28A0092B-C50C-407E-A947-70E740481C1C}">
-                <a14:useLocalDpi xmlns:a14="http://schemas.microsoft.com/office/drawing/2010/main" val="0"/>
-              </a:ext>
-            </a:extLst>
-          </a:blip>
+          <a:blip r:embed="rId3"/>
           <a:stretch>
             <a:fillRect/>
           </a:stretch>
         </p:blipFill>
         <p:spPr>
           <a:xfrm>
-            <a:off x="18245" y="1447800"/>
-            <a:ext cx="9144000" cy="4786313"/>
+            <a:off x="761999" y="2057400"/>
+            <a:ext cx="7572375" cy="3638550"/>
           </a:xfrm>
           <a:prstGeom prst="rect">
             <a:avLst/>
@@ -10921,49 +11177,6 @@
           </a:effectLst>
         </p:spPr>
       </p:pic>
-      <p:sp>
-        <p:nvSpPr>
-          <p:cNvPr id="3" name="Текстово поле 2"/>
-          <p:cNvSpPr txBox="1"/>
-          <p:nvPr/>
-        </p:nvSpPr>
-        <p:spPr>
-          <a:xfrm>
-            <a:off x="457200" y="533400"/>
-            <a:ext cx="7696200" cy="400110"/>
-          </a:xfrm>
-          <a:prstGeom prst="rect">
-            <a:avLst/>
-          </a:prstGeom>
-          <a:noFill/>
-        </p:spPr>
-        <p:txBody>
-          <a:bodyPr wrap="square" rtlCol="0">
-            <a:spAutoFit/>
-          </a:bodyPr>
-          <a:lstStyle/>
-          <a:p>
-            <a:pPr algn="ctr"/>
-            <a:r>
-              <a:rPr lang="ru-RU" dirty="0"/>
-              <a:t>	</a:t>
-            </a:r>
-            <a:r>
-              <a:rPr lang="ru-RU" sz="2000" b="1" dirty="0" err="1"/>
-              <a:t>Процес</a:t>
-            </a:r>
-            <a:r>
-              <a:rPr lang="ru-RU" sz="2000" b="1" dirty="0"/>
-              <a:t> на </a:t>
-            </a:r>
-            <a:r>
-              <a:rPr lang="ru-RU" sz="2000" b="1" dirty="0" err="1"/>
-              <a:t>оторизация</a:t>
-            </a:r>
-            <a:endParaRPr lang="bg-BG" sz="2000" b="1" dirty="0"/>
-          </a:p>
-        </p:txBody>
-      </p:sp>
     </p:spTree>
     <p:extLst>
       <p:ext uri="{BB962C8B-B14F-4D97-AF65-F5344CB8AC3E}">
@@ -11016,8 +11229,8 @@
         </p:blipFill>
         <p:spPr>
           <a:xfrm>
-            <a:off x="285750" y="571500"/>
-            <a:ext cx="8572500" cy="5715000"/>
+            <a:off x="304800" y="1447800"/>
+            <a:ext cx="8420100" cy="5207000"/>
           </a:xfrm>
           <a:prstGeom prst="rect">
             <a:avLst/>
@@ -11030,6 +11243,66 @@
           </a:effectLst>
         </p:spPr>
       </p:pic>
+      <p:sp>
+        <p:nvSpPr>
+          <p:cNvPr id="3" name="Текстово поле 2"/>
+          <p:cNvSpPr txBox="1"/>
+          <p:nvPr/>
+        </p:nvSpPr>
+        <p:spPr>
+          <a:xfrm>
+            <a:off x="1066800" y="381000"/>
+            <a:ext cx="7162800" cy="830997"/>
+          </a:xfrm>
+          <a:prstGeom prst="rect">
+            <a:avLst/>
+          </a:prstGeom>
+          <a:noFill/>
+          <a:ln>
+            <a:solidFill>
+              <a:schemeClr val="bg1"/>
+            </a:solidFill>
+          </a:ln>
+        </p:spPr>
+        <p:txBody>
+          <a:bodyPr wrap="square" rtlCol="0">
+            <a:spAutoFit/>
+          </a:bodyPr>
+          <a:lstStyle/>
+          <a:p>
+            <a:pPr algn="ctr"/>
+            <a:r>
+              <a:rPr lang="ru-RU" dirty="0"/>
+              <a:t>	</a:t>
+            </a:r>
+            <a:r>
+              <a:rPr lang="ru-RU" sz="2400" b="1" dirty="0"/>
+              <a:t>Средства за </a:t>
+            </a:r>
+            <a:r>
+              <a:rPr lang="ru-RU" sz="2400" b="1" dirty="0" err="1"/>
+              <a:t>удостоверяване</a:t>
+            </a:r>
+            <a:r>
+              <a:rPr lang="ru-RU" sz="2400" b="1" dirty="0"/>
+              <a:t> и </a:t>
+            </a:r>
+            <a:r>
+              <a:rPr lang="ru-RU" sz="2400" b="1" dirty="0" err="1"/>
+              <a:t>оторизация</a:t>
+            </a:r>
+            <a:r>
+              <a:rPr lang="ru-RU" sz="2400" b="1" dirty="0"/>
+              <a:t> в </a:t>
+            </a:r>
+            <a:r>
+              <a:rPr lang="ru-RU" sz="2400" b="1" dirty="0" err="1"/>
+              <a:t>Django</a:t>
+            </a:r>
+            <a:endParaRPr lang="bg-BG" sz="2400" b="1" dirty="0"/>
+          </a:p>
+        </p:txBody>
+      </p:sp>
     </p:spTree>
     <p:extLst>
       <p:ext uri="{BB962C8B-B14F-4D97-AF65-F5344CB8AC3E}">

--- a/dr/Защита.pptx
+++ b/dr/Защита.pptx
@@ -220,7 +220,7 @@
           <a:p>
             <a:fld id="{38E7F258-C5CB-487D-925B-D501708AF133}" type="datetimeFigureOut">
               <a:rPr lang="bg-BG" smtClean="0"/>
-              <a:t>14.5.2025 г.</a:t>
+              <a:t>20.5.2025 г.</a:t>
             </a:fld>
             <a:endParaRPr lang="bg-BG"/>
           </a:p>
@@ -1162,12 +1162,12 @@
               <a:t> на </a:t>
             </a:r>
             <a:r>
-              <a:rPr lang="ru-RU" dirty="0" err="1" smtClean="0"/>
-              <a:t>тропична</a:t>
-            </a:r>
-            <a:r>
-              <a:rPr lang="ru-RU" dirty="0" smtClean="0"/>
-              <a:t> клиент-</a:t>
+              <a:rPr lang="ru-RU" dirty="0" smtClean="0"/>
+              <a:t> </a:t>
+            </a:r>
+            <a:r>
+              <a:rPr lang="ru-RU" dirty="0" smtClean="0"/>
+              <a:t>клиент-</a:t>
             </a:r>
             <a:r>
               <a:rPr lang="ru-RU" dirty="0" err="1" smtClean="0"/>
@@ -3247,11 +3247,7 @@
           <a:p>
             <a:r>
               <a:rPr lang="ru-RU" dirty="0" smtClean="0"/>
-              <a:t>6</a:t>
-            </a:r>
-            <a:r>
-              <a:rPr lang="ru-RU" dirty="0" smtClean="0"/>
-              <a:t>. Интернет </a:t>
+              <a:t>6. Интернет </a:t>
             </a:r>
             <a:r>
               <a:rPr lang="ru-RU" dirty="0" err="1" smtClean="0"/>
@@ -3435,11 +3431,7 @@
             </a:r>
             <a:r>
               <a:rPr lang="ru-RU" dirty="0" smtClean="0"/>
-              <a:t> система.</a:t>
-            </a:r>
-            <a:r>
-              <a:rPr lang="ru-RU" dirty="0" smtClean="0"/>
-              <a:t>	</a:t>
+              <a:t> система.	</a:t>
             </a:r>
             <a:endParaRPr lang="bg-BG" dirty="0"/>
           </a:p>
@@ -3621,78 +3613,32 @@
             </a:r>
             <a:r>
               <a:rPr lang="ru-RU" dirty="0" err="1" smtClean="0"/>
-              <a:t>ролева</a:t>
-            </a:r>
-            <a:r>
-              <a:rPr lang="ru-RU" dirty="0" smtClean="0"/>
-              <a:t> (RBAC) или </a:t>
-            </a:r>
-            <a:r>
-              <a:rPr lang="ru-RU" dirty="0" err="1" smtClean="0"/>
-              <a:t>атрибутна</a:t>
-            </a:r>
-            <a:r>
-              <a:rPr lang="ru-RU" dirty="0" smtClean="0"/>
-              <a:t> (ABAC) модели. </a:t>
-            </a:r>
-            <a:r>
-              <a:rPr lang="ru-RU" dirty="0" err="1" smtClean="0"/>
-              <a:t>Примери</a:t>
-            </a:r>
-            <a:r>
-              <a:rPr lang="ru-RU" dirty="0" smtClean="0"/>
-              <a:t> за нива на </a:t>
-            </a:r>
-            <a:r>
-              <a:rPr lang="ru-RU" dirty="0" err="1" smtClean="0"/>
-              <a:t>достъп</a:t>
-            </a:r>
-            <a:r>
-              <a:rPr lang="ru-RU" dirty="0" smtClean="0"/>
-              <a:t> </a:t>
-            </a:r>
-            <a:r>
-              <a:rPr lang="ru-RU" dirty="0" err="1" smtClean="0"/>
-              <a:t>са</a:t>
-            </a:r>
-            <a:r>
-              <a:rPr lang="ru-RU" dirty="0" smtClean="0"/>
-              <a:t> гост, </a:t>
-            </a:r>
-            <a:r>
-              <a:rPr lang="ru-RU" dirty="0" err="1" smtClean="0"/>
-              <a:t>регистриран</a:t>
-            </a:r>
-            <a:r>
-              <a:rPr lang="ru-RU" dirty="0" smtClean="0"/>
-              <a:t> или администратор, </a:t>
-            </a:r>
-            <a:r>
-              <a:rPr lang="ru-RU" dirty="0" err="1" smtClean="0"/>
-              <a:t>всеки</a:t>
-            </a:r>
-            <a:r>
-              <a:rPr lang="ru-RU" dirty="0" smtClean="0"/>
-              <a:t> </a:t>
-            </a:r>
-            <a:r>
-              <a:rPr lang="ru-RU" dirty="0" err="1" smtClean="0"/>
-              <a:t>със</a:t>
-            </a:r>
-            <a:r>
-              <a:rPr lang="ru-RU" dirty="0" smtClean="0"/>
-              <a:t> </a:t>
-            </a:r>
-            <a:r>
-              <a:rPr lang="ru-RU" dirty="0" err="1" smtClean="0"/>
-              <a:t>собствен</a:t>
-            </a:r>
-            <a:r>
-              <a:rPr lang="ru-RU" dirty="0" smtClean="0"/>
-              <a:t> набор от права.</a:t>
-            </a:r>
-          </a:p>
-          <a:p>
+              <a:t>ролев</a:t>
+            </a:r>
+            <a:r>
+              <a:rPr lang="bg-BG" dirty="0" smtClean="0"/>
+              <a:t>и</a:t>
+            </a:r>
+            <a:r>
+              <a:rPr lang="ru-RU" dirty="0" smtClean="0"/>
+              <a:t>  </a:t>
+            </a:r>
+            <a:r>
+              <a:rPr lang="ru-RU" dirty="0" smtClean="0"/>
+              <a:t>или </a:t>
+            </a:r>
+            <a:r>
+              <a:rPr lang="ru-RU" dirty="0" err="1" smtClean="0"/>
+              <a:t>атрибутни</a:t>
+            </a:r>
+            <a:r>
+              <a:rPr lang="ru-RU" dirty="0" smtClean="0"/>
+              <a:t> </a:t>
+            </a:r>
+            <a:r>
+              <a:rPr lang="ru-RU" dirty="0" smtClean="0"/>
+              <a:t>модели. </a:t>
+            </a:r>
             <a:endParaRPr lang="bg-BG" dirty="0"/>
           </a:p>
         </p:txBody>
@@ -4539,7 +4485,7 @@
             <a:fld id="{1D8BD707-D9CF-40AE-B4C6-C98DA3205C09}" type="datetimeFigureOut">
               <a:rPr lang="en-US" smtClean="0"/>
               <a:pPr/>
-              <a:t>5/14/2025</a:t>
+              <a:t>5/20/2025</a:t>
             </a:fld>
             <a:endParaRPr lang="en-US"/>
           </a:p>
@@ -4807,7 +4753,7 @@
             <a:fld id="{1D8BD707-D9CF-40AE-B4C6-C98DA3205C09}" type="datetimeFigureOut">
               <a:rPr lang="en-US" smtClean="0"/>
               <a:pPr/>
-              <a:t>5/14/2025</a:t>
+              <a:t>5/20/2025</a:t>
             </a:fld>
             <a:endParaRPr lang="en-US"/>
           </a:p>
@@ -5059,7 +5005,7 @@
             <a:fld id="{1D8BD707-D9CF-40AE-B4C6-C98DA3205C09}" type="datetimeFigureOut">
               <a:rPr lang="en-US" smtClean="0"/>
               <a:pPr/>
-              <a:t>5/14/2025</a:t>
+              <a:t>5/20/2025</a:t>
             </a:fld>
             <a:endParaRPr lang="en-US"/>
           </a:p>
@@ -5369,7 +5315,7 @@
             <a:fld id="{1D8BD707-D9CF-40AE-B4C6-C98DA3205C09}" type="datetimeFigureOut">
               <a:rPr lang="en-US" smtClean="0"/>
               <a:pPr/>
-              <a:t>5/14/2025</a:t>
+              <a:t>5/20/2025</a:t>
             </a:fld>
             <a:endParaRPr lang="en-US"/>
           </a:p>
@@ -5689,7 +5635,7 @@
             <a:fld id="{1D8BD707-D9CF-40AE-B4C6-C98DA3205C09}" type="datetimeFigureOut">
               <a:rPr lang="en-US" smtClean="0"/>
               <a:pPr/>
-              <a:t>5/14/2025</a:t>
+              <a:t>5/20/2025</a:t>
             </a:fld>
             <a:endParaRPr lang="en-US"/>
           </a:p>
@@ -5993,7 +5939,7 @@
             <a:fld id="{1D8BD707-D9CF-40AE-B4C6-C98DA3205C09}" type="datetimeFigureOut">
               <a:rPr lang="en-US" smtClean="0"/>
               <a:pPr/>
-              <a:t>5/14/2025</a:t>
+              <a:t>5/20/2025</a:t>
             </a:fld>
             <a:endParaRPr lang="en-US"/>
           </a:p>
@@ -6362,7 +6308,7 @@
             <a:fld id="{1D8BD707-D9CF-40AE-B4C6-C98DA3205C09}" type="datetimeFigureOut">
               <a:rPr lang="en-US" smtClean="0"/>
               <a:pPr/>
-              <a:t>5/14/2025</a:t>
+              <a:t>5/20/2025</a:t>
             </a:fld>
             <a:endParaRPr lang="en-US"/>
           </a:p>
@@ -6550,7 +6496,7 @@
             <a:fld id="{1D8BD707-D9CF-40AE-B4C6-C98DA3205C09}" type="datetimeFigureOut">
               <a:rPr lang="en-US" smtClean="0"/>
               <a:pPr/>
-              <a:t>5/14/2025</a:t>
+              <a:t>5/20/2025</a:t>
             </a:fld>
             <a:endParaRPr lang="en-US"/>
           </a:p>
@@ -6738,7 +6684,7 @@
             <a:fld id="{1D8BD707-D9CF-40AE-B4C6-C98DA3205C09}" type="datetimeFigureOut">
               <a:rPr lang="en-US" smtClean="0"/>
               <a:pPr/>
-              <a:t>5/14/2025</a:t>
+              <a:t>5/20/2025</a:t>
             </a:fld>
             <a:endParaRPr lang="en-US"/>
           </a:p>
@@ -6920,7 +6866,7 @@
             <a:fld id="{1D8BD707-D9CF-40AE-B4C6-C98DA3205C09}" type="datetimeFigureOut">
               <a:rPr lang="en-US" smtClean="0"/>
               <a:pPr/>
-              <a:t>5/14/2025</a:t>
+              <a:t>5/20/2025</a:t>
             </a:fld>
             <a:endParaRPr lang="en-US"/>
           </a:p>
@@ -7172,7 +7118,7 @@
             <a:fld id="{1D8BD707-D9CF-40AE-B4C6-C98DA3205C09}" type="datetimeFigureOut">
               <a:rPr lang="en-US" smtClean="0"/>
               <a:pPr/>
-              <a:t>5/14/2025</a:t>
+              <a:t>5/20/2025</a:t>
             </a:fld>
             <a:endParaRPr lang="en-US"/>
           </a:p>
@@ -7421,7 +7367,7 @@
             <a:fld id="{1D8BD707-D9CF-40AE-B4C6-C98DA3205C09}" type="datetimeFigureOut">
               <a:rPr lang="en-US" smtClean="0"/>
               <a:pPr/>
-              <a:t>5/14/2025</a:t>
+              <a:t>5/20/2025</a:t>
             </a:fld>
             <a:endParaRPr lang="en-US"/>
           </a:p>
@@ -7812,7 +7758,7 @@
             <a:fld id="{1D8BD707-D9CF-40AE-B4C6-C98DA3205C09}" type="datetimeFigureOut">
               <a:rPr lang="en-US" smtClean="0"/>
               <a:pPr/>
-              <a:t>5/14/2025</a:t>
+              <a:t>5/20/2025</a:t>
             </a:fld>
             <a:endParaRPr lang="en-US"/>
           </a:p>
@@ -7943,7 +7889,7 @@
             <a:fld id="{1D8BD707-D9CF-40AE-B4C6-C98DA3205C09}" type="datetimeFigureOut">
               <a:rPr lang="en-US" smtClean="0"/>
               <a:pPr/>
-              <a:t>5/14/2025</a:t>
+              <a:t>5/20/2025</a:t>
             </a:fld>
             <a:endParaRPr lang="en-US"/>
           </a:p>
@@ -8040,7 +7986,7 @@
             <a:fld id="{1D8BD707-D9CF-40AE-B4C6-C98DA3205C09}" type="datetimeFigureOut">
               <a:rPr lang="en-US" smtClean="0"/>
               <a:pPr/>
-              <a:t>5/14/2025</a:t>
+              <a:t>5/20/2025</a:t>
             </a:fld>
             <a:endParaRPr lang="en-US"/>
           </a:p>
@@ -8297,7 +8243,7 @@
             <a:fld id="{1D8BD707-D9CF-40AE-B4C6-C98DA3205C09}" type="datetimeFigureOut">
               <a:rPr lang="en-US" smtClean="0"/>
               <a:pPr/>
-              <a:t>5/14/2025</a:t>
+              <a:t>5/20/2025</a:t>
             </a:fld>
             <a:endParaRPr lang="en-US"/>
           </a:p>
@@ -8582,7 +8528,7 @@
             <a:fld id="{1D8BD707-D9CF-40AE-B4C6-C98DA3205C09}" type="datetimeFigureOut">
               <a:rPr lang="en-US" smtClean="0"/>
               <a:pPr/>
-              <a:t>5/14/2025</a:t>
+              <a:t>5/20/2025</a:t>
             </a:fld>
             <a:endParaRPr lang="en-US"/>
           </a:p>
@@ -8995,7 +8941,7 @@
             <a:fld id="{1D8BD707-D9CF-40AE-B4C6-C98DA3205C09}" type="datetimeFigureOut">
               <a:rPr lang="en-US" smtClean="0"/>
               <a:pPr/>
-              <a:t>5/14/2025</a:t>
+              <a:t>5/20/2025</a:t>
             </a:fld>
             <a:endParaRPr lang="en-US"/>
           </a:p>

--- a/dr/Защита.pptx
+++ b/dr/Защита.pptx
@@ -220,7 +220,7 @@
           <a:p>
             <a:fld id="{38E7F258-C5CB-487D-925B-D501708AF133}" type="datetimeFigureOut">
               <a:rPr lang="bg-BG" smtClean="0"/>
-              <a:t>16.5.2025 г.</a:t>
+              <a:t>21.5.2025 г.</a:t>
             </a:fld>
             <a:endParaRPr lang="bg-BG"/>
           </a:p>
@@ -538,107 +538,26 @@
           <a:lstStyle/>
           <a:p>
             <a:r>
-              <a:rPr lang="ru-RU" dirty="0" smtClean="0"/>
-              <a:t>Уважаема г-</a:t>
-            </a:r>
-            <a:r>
-              <a:rPr lang="ru-RU" dirty="0" err="1" smtClean="0"/>
-              <a:t>жо</a:t>
-            </a:r>
-            <a:r>
-              <a:rPr lang="ru-RU" dirty="0" smtClean="0"/>
-              <a:t> Директор, Уважаема </a:t>
-            </a:r>
-            <a:r>
-              <a:rPr lang="ru-RU" dirty="0" err="1" smtClean="0"/>
-              <a:t>комисия</a:t>
-            </a:r>
-            <a:r>
-              <a:rPr lang="ru-RU" dirty="0" smtClean="0"/>
-              <a:t>, </a:t>
-            </a:r>
-            <a:r>
-              <a:rPr lang="ru-RU" dirty="0" err="1" smtClean="0"/>
-              <a:t>уважаеми</a:t>
-            </a:r>
-            <a:r>
-              <a:rPr lang="ru-RU" dirty="0" smtClean="0"/>
-              <a:t> гости.</a:t>
-            </a:r>
-          </a:p>
-          <a:p>
-            <a:endParaRPr lang="ru-RU" dirty="0" smtClean="0"/>
-          </a:p>
-          <a:p>
-            <a:r>
-              <a:rPr lang="ru-RU" dirty="0" smtClean="0"/>
-              <a:t>Аз </a:t>
-            </a:r>
-            <a:r>
-              <a:rPr lang="ru-RU" dirty="0" err="1" smtClean="0"/>
-              <a:t>съм</a:t>
-            </a:r>
-            <a:r>
-              <a:rPr lang="ru-RU" dirty="0" smtClean="0"/>
-              <a:t> Мирослава </a:t>
-            </a:r>
-            <a:r>
-              <a:rPr lang="ru-RU" dirty="0" err="1" smtClean="0"/>
-              <a:t>Тодева</a:t>
-            </a:r>
-            <a:endParaRPr lang="ru-RU" dirty="0" smtClean="0"/>
-          </a:p>
-          <a:p>
-            <a:endParaRPr lang="ru-RU" dirty="0" smtClean="0"/>
-          </a:p>
-          <a:p>
-            <a:r>
-              <a:rPr lang="ru-RU" dirty="0" err="1" smtClean="0"/>
-              <a:t>Темата</a:t>
-            </a:r>
-            <a:r>
-              <a:rPr lang="ru-RU" dirty="0" smtClean="0"/>
-              <a:t> на </a:t>
-            </a:r>
-            <a:r>
-              <a:rPr lang="ru-RU" dirty="0" err="1" smtClean="0"/>
-              <a:t>моят</a:t>
-            </a:r>
-            <a:r>
-              <a:rPr lang="ru-RU" dirty="0" smtClean="0"/>
-              <a:t> проект е „</a:t>
-            </a:r>
-            <a:r>
-              <a:rPr lang="ru-RU" dirty="0" err="1" smtClean="0"/>
-              <a:t>Удостоверяване</a:t>
-            </a:r>
-            <a:r>
-              <a:rPr lang="ru-RU" dirty="0" smtClean="0"/>
-              <a:t> на </a:t>
-            </a:r>
-            <a:r>
-              <a:rPr lang="ru-RU" dirty="0" err="1" smtClean="0"/>
-              <a:t>самоличността</a:t>
-            </a:r>
-            <a:r>
-              <a:rPr lang="ru-RU" dirty="0" smtClean="0"/>
-              <a:t> и </a:t>
-            </a:r>
-            <a:r>
-              <a:rPr lang="ru-RU" dirty="0" err="1" smtClean="0"/>
-              <a:t>оторизация</a:t>
-            </a:r>
-            <a:r>
-              <a:rPr lang="ru-RU" dirty="0" smtClean="0"/>
-              <a:t> в </a:t>
-            </a:r>
-            <a:r>
-              <a:rPr lang="ru-RU" dirty="0" err="1" smtClean="0"/>
-              <a:t>уеб</a:t>
-            </a:r>
-            <a:r>
-              <a:rPr lang="ru-RU" dirty="0" smtClean="0"/>
-              <a:t> приложения.“</a:t>
+              <a:rPr lang="bg-BG" noProof="0" dirty="0" smtClean="0"/>
+              <a:t>Уважаема г-жо Директор, Уважаема комисия, уважаеми гости.</a:t>
+            </a:r>
+          </a:p>
+          <a:p>
+            <a:endParaRPr lang="bg-BG" noProof="0" dirty="0" smtClean="0"/>
+          </a:p>
+          <a:p>
+            <a:r>
+              <a:rPr lang="bg-BG" noProof="0" dirty="0" smtClean="0"/>
+              <a:t>Аз съм Мирослава Тодева</a:t>
+            </a:r>
+          </a:p>
+          <a:p>
+            <a:endParaRPr lang="bg-BG" noProof="0" dirty="0" smtClean="0"/>
+          </a:p>
+          <a:p>
+            <a:r>
+              <a:rPr lang="bg-BG" noProof="0" dirty="0" smtClean="0"/>
+              <a:t>Темата на моят проект е „Удостоверяване на самоличността и оторизация в уеб приложения.“</a:t>
             </a:r>
           </a:p>
           <a:p>
@@ -732,346 +651,10 @@
           <a:lstStyle/>
           <a:p>
             <a:r>
-              <a:rPr lang="ru-RU" dirty="0" smtClean="0"/>
-              <a:t>В </a:t>
-            </a:r>
-            <a:r>
-              <a:rPr lang="ru-RU" dirty="0" err="1" smtClean="0"/>
-              <a:t>рамките</a:t>
-            </a:r>
-            <a:r>
-              <a:rPr lang="ru-RU" dirty="0" smtClean="0"/>
-              <a:t> на проекта </a:t>
-            </a:r>
-            <a:r>
-              <a:rPr lang="ru-RU" dirty="0" err="1" smtClean="0"/>
-              <a:t>беше</a:t>
-            </a:r>
-            <a:r>
-              <a:rPr lang="ru-RU" dirty="0" smtClean="0"/>
-              <a:t> </a:t>
-            </a:r>
-            <a:r>
-              <a:rPr lang="ru-RU" dirty="0" err="1" smtClean="0"/>
-              <a:t>създадено</a:t>
-            </a:r>
-            <a:r>
-              <a:rPr lang="ru-RU" dirty="0" smtClean="0"/>
-              <a:t> </a:t>
-            </a:r>
-            <a:r>
-              <a:rPr lang="ru-RU" dirty="0" err="1" smtClean="0"/>
-              <a:t>уеб</a:t>
-            </a:r>
-            <a:r>
-              <a:rPr lang="ru-RU" dirty="0" smtClean="0"/>
-              <a:t> приложение с </a:t>
-            </a:r>
-            <a:r>
-              <a:rPr lang="ru-RU" dirty="0" err="1" smtClean="0"/>
-              <a:t>използване</a:t>
-            </a:r>
-            <a:r>
-              <a:rPr lang="ru-RU" dirty="0" smtClean="0"/>
-              <a:t> на </a:t>
-            </a:r>
-            <a:r>
-              <a:rPr lang="ru-RU" dirty="0" err="1" smtClean="0"/>
-              <a:t>Django</a:t>
-            </a:r>
-            <a:r>
-              <a:rPr lang="ru-RU" dirty="0" smtClean="0"/>
-              <a:t> </a:t>
-            </a:r>
-            <a:r>
-              <a:rPr lang="ru-RU" dirty="0" err="1" smtClean="0"/>
-              <a:t>framework</a:t>
-            </a:r>
-            <a:r>
-              <a:rPr lang="ru-RU" dirty="0" smtClean="0"/>
-              <a:t>, </a:t>
-            </a:r>
-            <a:r>
-              <a:rPr lang="ru-RU" dirty="0" err="1" smtClean="0"/>
-              <a:t>което</a:t>
-            </a:r>
-            <a:r>
-              <a:rPr lang="ru-RU" dirty="0" smtClean="0"/>
-              <a:t> </a:t>
-            </a:r>
-            <a:r>
-              <a:rPr lang="ru-RU" dirty="0" err="1" smtClean="0"/>
-              <a:t>демонстрира</a:t>
-            </a:r>
-            <a:r>
-              <a:rPr lang="ru-RU" dirty="0" smtClean="0"/>
-              <a:t> </a:t>
-            </a:r>
-            <a:r>
-              <a:rPr lang="ru-RU" dirty="0" err="1" smtClean="0"/>
-              <a:t>процеса</a:t>
-            </a:r>
-            <a:r>
-              <a:rPr lang="ru-RU" dirty="0" smtClean="0"/>
-              <a:t> на </a:t>
-            </a:r>
-            <a:r>
-              <a:rPr lang="ru-RU" dirty="0" err="1" smtClean="0"/>
-              <a:t>удостоверяване</a:t>
-            </a:r>
-            <a:r>
-              <a:rPr lang="ru-RU" dirty="0" smtClean="0"/>
-              <a:t> и </a:t>
-            </a:r>
-            <a:r>
-              <a:rPr lang="ru-RU" dirty="0" err="1" smtClean="0"/>
-              <a:t>оторизация</a:t>
-            </a:r>
-            <a:r>
-              <a:rPr lang="ru-RU" dirty="0" smtClean="0"/>
-              <a:t> на </a:t>
-            </a:r>
-            <a:r>
-              <a:rPr lang="ru-RU" dirty="0" err="1" smtClean="0"/>
-              <a:t>потребителите</a:t>
-            </a:r>
-            <a:r>
-              <a:rPr lang="ru-RU" dirty="0" smtClean="0"/>
-              <a:t>. </a:t>
-            </a:r>
-            <a:r>
-              <a:rPr lang="ru-RU" dirty="0" err="1" smtClean="0"/>
-              <a:t>Реализирани</a:t>
-            </a:r>
-            <a:r>
-              <a:rPr lang="ru-RU" dirty="0" smtClean="0"/>
-              <a:t> </a:t>
-            </a:r>
-            <a:r>
-              <a:rPr lang="ru-RU" dirty="0" err="1" smtClean="0"/>
-              <a:t>бяха</a:t>
-            </a:r>
-            <a:r>
-              <a:rPr lang="ru-RU" dirty="0" smtClean="0"/>
-              <a:t> функции за регистрация, вход, управление на </a:t>
-            </a:r>
-            <a:r>
-              <a:rPr lang="ru-RU" dirty="0" err="1" smtClean="0"/>
-              <a:t>профил</a:t>
-            </a:r>
-            <a:r>
-              <a:rPr lang="ru-RU" dirty="0" smtClean="0"/>
-              <a:t> и </a:t>
-            </a:r>
-            <a:r>
-              <a:rPr lang="ru-RU" dirty="0" err="1" smtClean="0"/>
-              <a:t>контрол</a:t>
-            </a:r>
-            <a:r>
-              <a:rPr lang="ru-RU" dirty="0" smtClean="0"/>
-              <a:t> на </a:t>
-            </a:r>
-            <a:r>
-              <a:rPr lang="ru-RU" dirty="0" err="1" smtClean="0"/>
-              <a:t>достъпа</a:t>
-            </a:r>
-            <a:r>
-              <a:rPr lang="ru-RU" dirty="0" smtClean="0"/>
-              <a:t> до </a:t>
-            </a:r>
-            <a:r>
-              <a:rPr lang="ru-RU" dirty="0" err="1" smtClean="0"/>
-              <a:t>различни</a:t>
-            </a:r>
-            <a:r>
-              <a:rPr lang="ru-RU" dirty="0" smtClean="0"/>
-              <a:t> части на </a:t>
-            </a:r>
-            <a:r>
-              <a:rPr lang="ru-RU" dirty="0" err="1" smtClean="0"/>
-              <a:t>системата</a:t>
-            </a:r>
-            <a:r>
-              <a:rPr lang="ru-RU" dirty="0" smtClean="0"/>
-              <a:t> чрез роли и права. </a:t>
-            </a:r>
-            <a:r>
-              <a:rPr lang="ru-RU" dirty="0" err="1" smtClean="0"/>
-              <a:t>Използваха</a:t>
-            </a:r>
-            <a:r>
-              <a:rPr lang="ru-RU" dirty="0" smtClean="0"/>
-              <a:t> се </a:t>
-            </a:r>
-            <a:r>
-              <a:rPr lang="ru-RU" dirty="0" err="1" smtClean="0"/>
-              <a:t>стандартни</a:t>
-            </a:r>
-            <a:r>
-              <a:rPr lang="ru-RU" dirty="0" smtClean="0"/>
-              <a:t> </a:t>
-            </a:r>
-            <a:r>
-              <a:rPr lang="ru-RU" dirty="0" err="1" smtClean="0"/>
-              <a:t>компоненти</a:t>
-            </a:r>
-            <a:r>
-              <a:rPr lang="ru-RU" dirty="0" smtClean="0"/>
-              <a:t> </a:t>
-            </a:r>
-            <a:r>
-              <a:rPr lang="ru-RU" dirty="0" err="1" smtClean="0"/>
-              <a:t>като</a:t>
-            </a:r>
-            <a:r>
-              <a:rPr lang="ru-RU" dirty="0" smtClean="0"/>
-              <a:t> </a:t>
-            </a:r>
-            <a:r>
-              <a:rPr lang="ru-RU" dirty="0" err="1" smtClean="0"/>
-              <a:t>форми</a:t>
-            </a:r>
-            <a:r>
-              <a:rPr lang="ru-RU" dirty="0" smtClean="0"/>
-              <a:t> за вход, </a:t>
-            </a:r>
-            <a:r>
-              <a:rPr lang="ru-RU" dirty="0" err="1" smtClean="0"/>
-              <a:t>сесии</a:t>
-            </a:r>
-            <a:r>
-              <a:rPr lang="ru-RU" dirty="0" smtClean="0"/>
-              <a:t> и </a:t>
-            </a:r>
-            <a:r>
-              <a:rPr lang="ru-RU" dirty="0" err="1" smtClean="0"/>
-              <a:t>бисквитки</a:t>
-            </a:r>
-            <a:r>
-              <a:rPr lang="ru-RU" dirty="0" smtClean="0"/>
-              <a:t> за </a:t>
-            </a:r>
-            <a:r>
-              <a:rPr lang="ru-RU" dirty="0" err="1" smtClean="0"/>
-              <a:t>съхраняване</a:t>
-            </a:r>
-            <a:r>
-              <a:rPr lang="ru-RU" dirty="0" smtClean="0"/>
-              <a:t> на </a:t>
-            </a:r>
-            <a:r>
-              <a:rPr lang="ru-RU" dirty="0" err="1" smtClean="0"/>
-              <a:t>състоянието</a:t>
-            </a:r>
-            <a:r>
-              <a:rPr lang="ru-RU" dirty="0" smtClean="0"/>
-              <a:t>. </a:t>
-            </a:r>
-            <a:r>
-              <a:rPr lang="ru-RU" dirty="0" err="1" smtClean="0"/>
-              <a:t>Освен</a:t>
-            </a:r>
-            <a:r>
-              <a:rPr lang="ru-RU" dirty="0" smtClean="0"/>
-              <a:t> </a:t>
-            </a:r>
-            <a:r>
-              <a:rPr lang="ru-RU" dirty="0" err="1" smtClean="0"/>
-              <a:t>това</a:t>
-            </a:r>
-            <a:r>
-              <a:rPr lang="ru-RU" dirty="0" smtClean="0"/>
-              <a:t>, </a:t>
-            </a:r>
-            <a:r>
-              <a:rPr lang="ru-RU" dirty="0" err="1" smtClean="0"/>
-              <a:t>беше</a:t>
-            </a:r>
-            <a:r>
-              <a:rPr lang="ru-RU" dirty="0" smtClean="0"/>
-              <a:t> внедрена система за защита </a:t>
-            </a:r>
-            <a:r>
-              <a:rPr lang="ru-RU" dirty="0" err="1" smtClean="0"/>
-              <a:t>срещу</a:t>
-            </a:r>
-            <a:r>
-              <a:rPr lang="ru-RU" dirty="0" smtClean="0"/>
-              <a:t> </a:t>
-            </a:r>
-            <a:r>
-              <a:rPr lang="ru-RU" dirty="0" err="1" smtClean="0"/>
-              <a:t>типични</a:t>
-            </a:r>
-            <a:r>
-              <a:rPr lang="ru-RU" dirty="0" smtClean="0"/>
-              <a:t> уязвимости </a:t>
-            </a:r>
-            <a:r>
-              <a:rPr lang="ru-RU" dirty="0" err="1" smtClean="0"/>
-              <a:t>като</a:t>
-            </a:r>
-            <a:r>
-              <a:rPr lang="ru-RU" dirty="0" smtClean="0"/>
-              <a:t> SQL инжекции и XSS атаки, чрез проверка и </a:t>
-            </a:r>
-            <a:r>
-              <a:rPr lang="ru-RU" dirty="0" err="1" smtClean="0"/>
-              <a:t>валидиране</a:t>
-            </a:r>
-            <a:r>
-              <a:rPr lang="ru-RU" dirty="0" smtClean="0"/>
-              <a:t> на </a:t>
-            </a:r>
-            <a:r>
-              <a:rPr lang="ru-RU" dirty="0" err="1" smtClean="0"/>
-              <a:t>входните</a:t>
-            </a:r>
-            <a:r>
-              <a:rPr lang="ru-RU" dirty="0" smtClean="0"/>
-              <a:t> </a:t>
-            </a:r>
-            <a:r>
-              <a:rPr lang="ru-RU" dirty="0" err="1" smtClean="0"/>
-              <a:t>данни</a:t>
-            </a:r>
-            <a:r>
-              <a:rPr lang="ru-RU" dirty="0" smtClean="0"/>
-              <a:t>, </a:t>
-            </a:r>
-            <a:r>
-              <a:rPr lang="ru-RU" dirty="0" err="1" smtClean="0"/>
-              <a:t>както</a:t>
-            </a:r>
-            <a:r>
-              <a:rPr lang="ru-RU" dirty="0" smtClean="0"/>
-              <a:t> и </a:t>
-            </a:r>
-            <a:r>
-              <a:rPr lang="ru-RU" dirty="0" err="1" smtClean="0"/>
-              <a:t>използване</a:t>
-            </a:r>
-            <a:r>
-              <a:rPr lang="ru-RU" dirty="0" smtClean="0"/>
-              <a:t> на </a:t>
-            </a:r>
-            <a:r>
-              <a:rPr lang="ru-RU" dirty="0" err="1" smtClean="0"/>
-              <a:t>криптиране</a:t>
-            </a:r>
-            <a:r>
-              <a:rPr lang="ru-RU" dirty="0" smtClean="0"/>
-              <a:t> и </a:t>
-            </a:r>
-            <a:r>
-              <a:rPr lang="ru-RU" dirty="0" err="1" smtClean="0"/>
-              <a:t>хеширане</a:t>
-            </a:r>
-            <a:r>
-              <a:rPr lang="ru-RU" dirty="0" smtClean="0"/>
-              <a:t> на пароли.</a:t>
-            </a:r>
-            <a:endParaRPr lang="bg-BG" dirty="0"/>
+              <a:rPr lang="bg-BG" noProof="0" dirty="0" smtClean="0"/>
+              <a:t>В рамките на проекта беше създадено уеб приложение с използване на Django framework, което демонстрира процеса на удостоверяване и оторизация на потребителите. Реализирани бяха функции за регистрация, вход, управление на профил и контрол на достъпа до различни части на системата чрез роли и права. Използваха се стандартни компоненти като форми за вход, сесии и бисквитки за съхраняване на състоянието. Освен това, беше внедрена система за защита срещу типични уязвимости като SQL инжекции и XSS атаки, чрез проверка и валидиране на входните данни, както и използване на криптиране и хеширане на пароли.</a:t>
+            </a:r>
+            <a:endParaRPr lang="bg-BG" noProof="0" dirty="0"/>
           </a:p>
         </p:txBody>
       </p:sp>
@@ -1161,64 +744,20 @@
           <a:lstStyle/>
           <a:p>
             <a:r>
-              <a:rPr lang="ru-RU" dirty="0" err="1" smtClean="0"/>
+              <a:rPr lang="bg-BG" noProof="0" dirty="0" smtClean="0"/>
               <a:t>Приложението</a:t>
             </a:r>
             <a:r>
               <a:rPr lang="ru-RU" dirty="0" smtClean="0"/>
-              <a:t> е </a:t>
-            </a:r>
-            <a:r>
-              <a:rPr lang="ru-RU" dirty="0" err="1" smtClean="0"/>
-              <a:t>базирано</a:t>
+              <a:t> е базирано на </a:t>
+            </a:r>
+            <a:r>
+              <a:rPr lang="bg-BG" dirty="0" smtClean="0"/>
+              <a:t>типична</a:t>
             </a:r>
             <a:r>
               <a:rPr lang="ru-RU" dirty="0" smtClean="0"/>
-              <a:t> на </a:t>
-            </a:r>
-            <a:r>
-              <a:rPr lang="ru-RU" dirty="0" err="1" smtClean="0"/>
-              <a:t>тропична</a:t>
-            </a:r>
-            <a:r>
-              <a:rPr lang="ru-RU" dirty="0" smtClean="0"/>
-              <a:t> клиент-</a:t>
-            </a:r>
-            <a:r>
-              <a:rPr lang="ru-RU" dirty="0" err="1" smtClean="0"/>
-              <a:t>сървър</a:t>
-            </a:r>
-            <a:r>
-              <a:rPr lang="ru-RU" dirty="0" smtClean="0"/>
-              <a:t> архитектура, </a:t>
-            </a:r>
-            <a:r>
-              <a:rPr lang="ru-RU" dirty="0" err="1" smtClean="0"/>
-              <a:t>реализирана</a:t>
-            </a:r>
-            <a:r>
-              <a:rPr lang="ru-RU" dirty="0" smtClean="0"/>
-              <a:t> с </a:t>
-            </a:r>
-            <a:r>
-              <a:rPr lang="ru-RU" dirty="0" err="1" smtClean="0"/>
-              <a:t>Django</a:t>
-            </a:r>
-            <a:r>
-              <a:rPr lang="ru-RU" dirty="0" smtClean="0"/>
-              <a:t> </a:t>
-            </a:r>
-            <a:r>
-              <a:rPr lang="ru-RU" dirty="0" err="1" smtClean="0"/>
-              <a:t>като</a:t>
-            </a:r>
-            <a:r>
-              <a:rPr lang="ru-RU" dirty="0" smtClean="0"/>
-              <a:t> </a:t>
-            </a:r>
-            <a:r>
-              <a:rPr lang="ru-RU" dirty="0" err="1" smtClean="0"/>
-              <a:t>сървъ</a:t>
+              <a:t> клиент-сървър архитектура, реализирана с Django като сървъ</a:t>
             </a:r>
             <a:r>
               <a:rPr lang="bg-BG" dirty="0" smtClean="0"/>
@@ -1230,295 +769,39 @@
             </a:r>
             <a:r>
               <a:rPr lang="ru-RU" dirty="0" smtClean="0"/>
-              <a:t>сайт и HTML/CSS/</a:t>
-            </a:r>
-            <a:r>
-              <a:rPr lang="ru-RU" dirty="0" err="1" smtClean="0"/>
-              <a:t>JavaScript</a:t>
+              <a:t>сайт и </a:t>
+            </a:r>
+            <a:r>
+              <a:rPr lang="bg-BG" noProof="0" dirty="0" smtClean="0"/>
+              <a:t>HTML/CSS/JavaScript</a:t>
             </a:r>
             <a:r>
               <a:rPr lang="ru-RU" dirty="0" smtClean="0"/>
-              <a:t> </a:t>
-            </a:r>
-            <a:r>
-              <a:rPr lang="ru-RU" dirty="0" err="1" smtClean="0"/>
-              <a:t>като</a:t>
+              <a:t> като клиентски интерфейс. Backend системата </a:t>
+            </a:r>
+            <a:r>
+              <a:rPr lang="bg-BG" noProof="0" dirty="0" smtClean="0"/>
+              <a:t>включва</a:t>
             </a:r>
             <a:r>
               <a:rPr lang="ru-RU" dirty="0" smtClean="0"/>
-              <a:t> </a:t>
-            </a:r>
-            <a:r>
-              <a:rPr lang="ru-RU" dirty="0" err="1" smtClean="0"/>
-              <a:t>клиентски</a:t>
+              <a:t> модели за потребители, роли и права, както и логика за удостоверяване и контрол на достъпа. Данните се съхраняват в релационна база данни (например </a:t>
+            </a:r>
+            <a:r>
+              <a:rPr lang="en-US" dirty="0" smtClean="0"/>
+              <a:t>My</a:t>
             </a:r>
             <a:r>
               <a:rPr lang="ru-RU" dirty="0" smtClean="0"/>
-              <a:t> интерфейс. </a:t>
-            </a:r>
-            <a:r>
-              <a:rPr lang="ru-RU" dirty="0" err="1" smtClean="0"/>
-              <a:t>Backend</a:t>
-            </a:r>
-            <a:r>
-              <a:rPr lang="ru-RU" dirty="0" smtClean="0"/>
-              <a:t> </a:t>
-            </a:r>
-            <a:r>
-              <a:rPr lang="ru-RU" dirty="0" err="1" smtClean="0"/>
-              <a:t>системата</a:t>
-            </a:r>
-            <a:r>
-              <a:rPr lang="ru-RU" dirty="0" smtClean="0"/>
-              <a:t> </a:t>
-            </a:r>
-            <a:r>
-              <a:rPr lang="ru-RU" dirty="0" err="1" smtClean="0"/>
-              <a:t>включва</a:t>
-            </a:r>
-            <a:r>
-              <a:rPr lang="ru-RU" dirty="0" smtClean="0"/>
-              <a:t> модели за потребители, роли и права, </a:t>
-            </a:r>
-            <a:r>
-              <a:rPr lang="ru-RU" dirty="0" err="1" smtClean="0"/>
-              <a:t>както</a:t>
-            </a:r>
-            <a:r>
-              <a:rPr lang="ru-RU" dirty="0" smtClean="0"/>
-              <a:t> и логика за </a:t>
-            </a:r>
-            <a:r>
-              <a:rPr lang="ru-RU" dirty="0" err="1" smtClean="0"/>
-              <a:t>удостоверяване</a:t>
-            </a:r>
-            <a:r>
-              <a:rPr lang="ru-RU" dirty="0" smtClean="0"/>
-              <a:t> и </a:t>
-            </a:r>
-            <a:r>
-              <a:rPr lang="ru-RU" dirty="0" err="1" smtClean="0"/>
-              <a:t>контрол</a:t>
-            </a:r>
-            <a:r>
-              <a:rPr lang="ru-RU" dirty="0" smtClean="0"/>
-              <a:t> на </a:t>
-            </a:r>
-            <a:r>
-              <a:rPr lang="ru-RU" dirty="0" err="1" smtClean="0"/>
-              <a:t>достъпа</a:t>
-            </a:r>
-            <a:r>
-              <a:rPr lang="ru-RU" dirty="0" smtClean="0"/>
-              <a:t>. </a:t>
-            </a:r>
-            <a:r>
-              <a:rPr lang="ru-RU" dirty="0" err="1" smtClean="0"/>
-              <a:t>Данните</a:t>
-            </a:r>
-            <a:r>
-              <a:rPr lang="ru-RU" dirty="0" smtClean="0"/>
-              <a:t> се </a:t>
-            </a:r>
-            <a:r>
-              <a:rPr lang="ru-RU" dirty="0" err="1" smtClean="0"/>
-              <a:t>съхраняват</a:t>
-            </a:r>
-            <a:r>
-              <a:rPr lang="ru-RU" dirty="0" smtClean="0"/>
-              <a:t> в </a:t>
-            </a:r>
-            <a:r>
-              <a:rPr lang="ru-RU" dirty="0" err="1" smtClean="0"/>
-              <a:t>релационна</a:t>
-            </a:r>
-            <a:r>
-              <a:rPr lang="ru-RU" dirty="0" smtClean="0"/>
-              <a:t> база </a:t>
-            </a:r>
-            <a:r>
-              <a:rPr lang="ru-RU" dirty="0" err="1" smtClean="0"/>
-              <a:t>данни</a:t>
-            </a:r>
-            <a:r>
-              <a:rPr lang="ru-RU" dirty="0" smtClean="0"/>
-              <a:t> (например </a:t>
-            </a:r>
-            <a:r>
-              <a:rPr lang="ru-RU" dirty="0" err="1" smtClean="0"/>
-              <a:t>PostgreSQL</a:t>
-            </a:r>
-            <a:r>
-              <a:rPr lang="ru-RU" dirty="0" smtClean="0"/>
-              <a:t>), </a:t>
-            </a:r>
-            <a:r>
-              <a:rPr lang="ru-RU" dirty="0" err="1" smtClean="0"/>
-              <a:t>която</a:t>
-            </a:r>
-            <a:r>
-              <a:rPr lang="ru-RU" dirty="0" smtClean="0"/>
-              <a:t> </a:t>
-            </a:r>
-            <a:r>
-              <a:rPr lang="ru-RU" dirty="0" err="1" smtClean="0"/>
-              <a:t>поддържа</a:t>
-            </a:r>
-            <a:r>
-              <a:rPr lang="ru-RU" dirty="0" smtClean="0"/>
-              <a:t> </a:t>
-            </a:r>
-            <a:r>
-              <a:rPr lang="ru-RU" dirty="0" err="1" smtClean="0"/>
-              <a:t>връзки</a:t>
-            </a:r>
-            <a:r>
-              <a:rPr lang="ru-RU" dirty="0" smtClean="0"/>
-              <a:t> между </a:t>
-            </a:r>
-            <a:r>
-              <a:rPr lang="ru-RU" dirty="0" err="1" smtClean="0"/>
-              <a:t>таблиците</a:t>
-            </a:r>
-            <a:r>
-              <a:rPr lang="ru-RU" dirty="0" smtClean="0"/>
-              <a:t> и </a:t>
-            </a:r>
-            <a:r>
-              <a:rPr lang="ru-RU" dirty="0" err="1" smtClean="0"/>
-              <a:t>гарантира</a:t>
-            </a:r>
-            <a:r>
-              <a:rPr lang="ru-RU" dirty="0" smtClean="0"/>
-              <a:t> </a:t>
-            </a:r>
-            <a:r>
-              <a:rPr lang="ru-RU" dirty="0" err="1" smtClean="0"/>
-              <a:t>цялостност</a:t>
-            </a:r>
-            <a:r>
-              <a:rPr lang="ru-RU" dirty="0" smtClean="0"/>
-              <a:t> и </a:t>
-            </a:r>
-            <a:r>
-              <a:rPr lang="ru-RU" dirty="0" err="1" smtClean="0"/>
-              <a:t>сигурност</a:t>
-            </a:r>
-            <a:r>
-              <a:rPr lang="ru-RU" dirty="0" smtClean="0"/>
-              <a:t> на </a:t>
-            </a:r>
-            <a:r>
-              <a:rPr lang="ru-RU" dirty="0" err="1" smtClean="0"/>
-              <a:t>информацията</a:t>
-            </a:r>
-            <a:r>
-              <a:rPr lang="ru-RU" dirty="0" smtClean="0"/>
-              <a:t>. </a:t>
-            </a:r>
-            <a:r>
-              <a:rPr lang="ru-RU" dirty="0" err="1" smtClean="0"/>
-              <a:t>Клиентската</a:t>
-            </a:r>
-            <a:r>
-              <a:rPr lang="ru-RU" dirty="0" smtClean="0"/>
-              <a:t> част </a:t>
-            </a:r>
-            <a:r>
-              <a:rPr lang="ru-RU" dirty="0" err="1" smtClean="0"/>
-              <a:t>комуникира</a:t>
-            </a:r>
-            <a:r>
-              <a:rPr lang="ru-RU" dirty="0" smtClean="0"/>
-              <a:t> с </a:t>
-            </a:r>
-            <a:r>
-              <a:rPr lang="ru-RU" dirty="0" err="1" smtClean="0"/>
-              <a:t>сървъра</a:t>
-            </a:r>
-            <a:r>
-              <a:rPr lang="ru-RU" dirty="0" smtClean="0"/>
-              <a:t> чрез HTTP заявки, </a:t>
-            </a:r>
-            <a:r>
-              <a:rPr lang="ru-RU" dirty="0" err="1" smtClean="0"/>
-              <a:t>използвайки</a:t>
-            </a:r>
-            <a:r>
-              <a:rPr lang="ru-RU" dirty="0" smtClean="0"/>
-              <a:t> REST API или </a:t>
-            </a:r>
-            <a:r>
-              <a:rPr lang="ru-RU" dirty="0" err="1" smtClean="0"/>
-              <a:t>стандартни</a:t>
-            </a:r>
-            <a:r>
-              <a:rPr lang="ru-RU" dirty="0" smtClean="0"/>
-              <a:t> </a:t>
-            </a:r>
-            <a:r>
-              <a:rPr lang="ru-RU" dirty="0" err="1" smtClean="0"/>
-              <a:t>Django</a:t>
-            </a:r>
-            <a:r>
-              <a:rPr lang="ru-RU" dirty="0" smtClean="0"/>
-              <a:t> </a:t>
-            </a:r>
-            <a:r>
-              <a:rPr lang="ru-RU" dirty="0" err="1" smtClean="0"/>
-              <a:t>изгледи</a:t>
-            </a:r>
-            <a:r>
-              <a:rPr lang="ru-RU" dirty="0" smtClean="0"/>
-              <a:t>, </a:t>
-            </a:r>
-            <a:r>
-              <a:rPr lang="ru-RU" dirty="0" err="1" smtClean="0"/>
-              <a:t>като</a:t>
-            </a:r>
-            <a:r>
-              <a:rPr lang="ru-RU" dirty="0" smtClean="0"/>
-              <a:t> при успешна </a:t>
-            </a:r>
-            <a:r>
-              <a:rPr lang="ru-RU" dirty="0" err="1" smtClean="0"/>
-              <a:t>автентикация</a:t>
-            </a:r>
-            <a:r>
-              <a:rPr lang="ru-RU" dirty="0" smtClean="0"/>
-              <a:t> се </a:t>
-            </a:r>
-            <a:r>
-              <a:rPr lang="ru-RU" dirty="0" err="1" smtClean="0"/>
-              <a:t>използват</a:t>
-            </a:r>
-            <a:r>
-              <a:rPr lang="ru-RU" dirty="0" smtClean="0"/>
-              <a:t> </a:t>
-            </a:r>
-            <a:r>
-              <a:rPr lang="ru-RU" dirty="0" err="1" smtClean="0"/>
-              <a:t>бисквитки</a:t>
-            </a:r>
-            <a:r>
-              <a:rPr lang="ru-RU" dirty="0" smtClean="0"/>
-              <a:t> или JSON </a:t>
-            </a:r>
-            <a:r>
-              <a:rPr lang="ru-RU" dirty="0" err="1" smtClean="0"/>
-              <a:t>Web</a:t>
-            </a:r>
-            <a:r>
-              <a:rPr lang="ru-RU" dirty="0" smtClean="0"/>
-              <a:t> </a:t>
-            </a:r>
-            <a:r>
-              <a:rPr lang="ru-RU" dirty="0" err="1" smtClean="0"/>
-              <a:t>Tokens</a:t>
-            </a:r>
-            <a:r>
-              <a:rPr lang="ru-RU" dirty="0" smtClean="0"/>
-              <a:t> за </a:t>
+              <a:t>SQL), която поддържа връзки между таблиците и гарантира цялостност и сигурност на информацията. Клиентската част комуникира със сървъра чрез HTTP заявки, използвайки REST API или стандартни Django изгледи, като при успешна автентикация се използват бисквитки или JSON Web Tokens за </a:t>
+            </a:r>
+            <a:r>
+              <a:rPr lang="bg-BG" noProof="0" dirty="0" smtClean="0"/>
+              <a:t>оторизация</a:t>
+            </a:r>
+            <a:r>
+              <a:rPr lang="en-US" noProof="0" dirty="0" smtClean="0"/>
+              <a:t>.</a:t>
             </a:r>
             <a:endParaRPr lang="bg-BG" dirty="0"/>
           </a:p>
@@ -1610,214 +893,10 @@
           <a:lstStyle/>
           <a:p>
             <a:r>
-              <a:rPr lang="ru-RU" dirty="0" err="1" smtClean="0"/>
-              <a:t>Обобщавайки</a:t>
-            </a:r>
-            <a:r>
-              <a:rPr lang="ru-RU" dirty="0" smtClean="0"/>
-              <a:t> </a:t>
-            </a:r>
-            <a:r>
-              <a:rPr lang="ru-RU" dirty="0" err="1" smtClean="0"/>
-              <a:t>всичко</a:t>
-            </a:r>
-            <a:r>
-              <a:rPr lang="ru-RU" dirty="0" smtClean="0"/>
-              <a:t>, можем да кажем, че </a:t>
-            </a:r>
-            <a:r>
-              <a:rPr lang="ru-RU" dirty="0" err="1" smtClean="0"/>
-              <a:t>сигурността</a:t>
-            </a:r>
-            <a:r>
-              <a:rPr lang="ru-RU" dirty="0" smtClean="0"/>
-              <a:t> на </a:t>
-            </a:r>
-            <a:r>
-              <a:rPr lang="ru-RU" dirty="0" err="1" smtClean="0"/>
-              <a:t>уеб</a:t>
-            </a:r>
-            <a:r>
-              <a:rPr lang="ru-RU" dirty="0" smtClean="0"/>
-              <a:t> </a:t>
-            </a:r>
-            <a:r>
-              <a:rPr lang="ru-RU" dirty="0" err="1" smtClean="0"/>
-              <a:t>приложенията</a:t>
-            </a:r>
-            <a:r>
-              <a:rPr lang="ru-RU" dirty="0" smtClean="0"/>
-              <a:t> е </a:t>
-            </a:r>
-            <a:r>
-              <a:rPr lang="ru-RU" dirty="0" err="1" smtClean="0"/>
-              <a:t>нещо</a:t>
-            </a:r>
-            <a:r>
-              <a:rPr lang="ru-RU" dirty="0" smtClean="0"/>
-              <a:t> </a:t>
-            </a:r>
-            <a:r>
-              <a:rPr lang="ru-RU" dirty="0" err="1" smtClean="0"/>
-              <a:t>изключително</a:t>
-            </a:r>
-            <a:r>
-              <a:rPr lang="ru-RU" dirty="0" smtClean="0"/>
-              <a:t> важно и </a:t>
-            </a:r>
-            <a:r>
-              <a:rPr lang="ru-RU" dirty="0" err="1" smtClean="0"/>
-              <a:t>трябва</a:t>
-            </a:r>
-            <a:r>
-              <a:rPr lang="ru-RU" dirty="0" smtClean="0"/>
-              <a:t> да се </a:t>
-            </a:r>
-            <a:r>
-              <a:rPr lang="ru-RU" dirty="0" err="1" smtClean="0"/>
-              <a:t>поддържа</a:t>
-            </a:r>
-            <a:r>
-              <a:rPr lang="ru-RU" dirty="0" smtClean="0"/>
-              <a:t> постоянно. </a:t>
-            </a:r>
-            <a:r>
-              <a:rPr lang="ru-RU" dirty="0" err="1" smtClean="0"/>
-              <a:t>Трябва</a:t>
-            </a:r>
-            <a:r>
-              <a:rPr lang="ru-RU" dirty="0" smtClean="0"/>
-              <a:t> да </a:t>
-            </a:r>
-            <a:r>
-              <a:rPr lang="ru-RU" dirty="0" err="1" smtClean="0"/>
-              <a:t>използваме</a:t>
-            </a:r>
-            <a:r>
-              <a:rPr lang="ru-RU" dirty="0" smtClean="0"/>
-              <a:t> </a:t>
-            </a:r>
-            <a:r>
-              <a:rPr lang="ru-RU" dirty="0" err="1" smtClean="0"/>
-              <a:t>всички</a:t>
-            </a:r>
-            <a:r>
-              <a:rPr lang="ru-RU" dirty="0" smtClean="0"/>
-              <a:t> </a:t>
-            </a:r>
-            <a:r>
-              <a:rPr lang="ru-RU" dirty="0" err="1" smtClean="0"/>
-              <a:t>съвременни</a:t>
-            </a:r>
-            <a:r>
-              <a:rPr lang="ru-RU" dirty="0" smtClean="0"/>
-              <a:t> </a:t>
-            </a:r>
-            <a:r>
-              <a:rPr lang="ru-RU" dirty="0" err="1" smtClean="0"/>
-              <a:t>методи</a:t>
-            </a:r>
-            <a:r>
-              <a:rPr lang="ru-RU" dirty="0" smtClean="0"/>
-              <a:t> и технологии, </a:t>
-            </a:r>
-            <a:r>
-              <a:rPr lang="ru-RU" dirty="0" err="1" smtClean="0"/>
-              <a:t>както</a:t>
-            </a:r>
-            <a:r>
-              <a:rPr lang="ru-RU" dirty="0" smtClean="0"/>
-              <a:t> и да </a:t>
-            </a:r>
-            <a:r>
-              <a:rPr lang="ru-RU" dirty="0" err="1" smtClean="0"/>
-              <a:t>обучаваме</a:t>
-            </a:r>
-            <a:r>
-              <a:rPr lang="ru-RU" dirty="0" smtClean="0"/>
-              <a:t> </a:t>
-            </a:r>
-            <a:r>
-              <a:rPr lang="ru-RU" dirty="0" err="1" smtClean="0"/>
-              <a:t>потребителите</a:t>
-            </a:r>
-            <a:r>
-              <a:rPr lang="ru-RU" dirty="0" smtClean="0"/>
-              <a:t> как да </a:t>
-            </a:r>
-            <a:r>
-              <a:rPr lang="ru-RU" dirty="0" err="1" smtClean="0"/>
-              <a:t>защитават</a:t>
-            </a:r>
-            <a:r>
-              <a:rPr lang="ru-RU" dirty="0" smtClean="0"/>
-              <a:t> себе си. </a:t>
-            </a:r>
-            <a:r>
-              <a:rPr lang="ru-RU" dirty="0" err="1" smtClean="0"/>
-              <a:t>Това</a:t>
-            </a:r>
-            <a:r>
-              <a:rPr lang="ru-RU" dirty="0" smtClean="0"/>
-              <a:t> е не само </a:t>
-            </a:r>
-            <a:r>
-              <a:rPr lang="ru-RU" dirty="0" err="1" smtClean="0"/>
-              <a:t>бъдещето</a:t>
-            </a:r>
-            <a:r>
-              <a:rPr lang="ru-RU" dirty="0" smtClean="0"/>
-              <a:t> на интернет, но и </a:t>
-            </a:r>
-            <a:r>
-              <a:rPr lang="ru-RU" dirty="0" err="1" smtClean="0"/>
-              <a:t>отговорност</a:t>
-            </a:r>
-            <a:r>
-              <a:rPr lang="ru-RU" dirty="0" smtClean="0"/>
-              <a:t> на </a:t>
-            </a:r>
-            <a:r>
-              <a:rPr lang="ru-RU" dirty="0" err="1" smtClean="0"/>
-              <a:t>всеки</a:t>
-            </a:r>
-            <a:r>
-              <a:rPr lang="ru-RU" dirty="0" smtClean="0"/>
-              <a:t>, </a:t>
-            </a:r>
-            <a:r>
-              <a:rPr lang="ru-RU" dirty="0" err="1" smtClean="0"/>
-              <a:t>който</a:t>
-            </a:r>
-            <a:r>
-              <a:rPr lang="ru-RU" dirty="0" smtClean="0"/>
-              <a:t> </a:t>
-            </a:r>
-            <a:r>
-              <a:rPr lang="ru-RU" dirty="0" err="1" smtClean="0"/>
-              <a:t>работи</a:t>
-            </a:r>
-            <a:r>
-              <a:rPr lang="ru-RU" dirty="0" smtClean="0"/>
-              <a:t> с </a:t>
-            </a:r>
-            <a:r>
-              <a:rPr lang="ru-RU" dirty="0" err="1" smtClean="0"/>
-              <a:t>такива</a:t>
-            </a:r>
-            <a:r>
-              <a:rPr lang="ru-RU" dirty="0" smtClean="0"/>
-              <a:t> </a:t>
-            </a:r>
-            <a:r>
-              <a:rPr lang="ru-RU" dirty="0" err="1" smtClean="0"/>
-              <a:t>системи</a:t>
-            </a:r>
-            <a:r>
-              <a:rPr lang="ru-RU" dirty="0" smtClean="0"/>
-              <a:t>.</a:t>
-            </a:r>
-            <a:endParaRPr lang="bg-BG" dirty="0"/>
+              <a:rPr lang="bg-BG" noProof="0" dirty="0" smtClean="0"/>
+              <a:t>Обобщавайки всичко, можем да кажем, че сигурността на уеб приложенията е нещо изключително важно и трябва да се поддържа постоянно. Трябва да използваме всички съвременни методи и технологии, както и да обучаваме потребителите как да защитават себе си. Това е не само бъдещето на интернет, но и отговорност на всеки, който работи с такива системи.</a:t>
+            </a:r>
+            <a:endParaRPr lang="bg-BG" noProof="0" dirty="0"/>
           </a:p>
         </p:txBody>
       </p:sp>
@@ -1907,250 +986,10 @@
           <a:lstStyle/>
           <a:p>
             <a:r>
-              <a:rPr lang="ru-RU" dirty="0" smtClean="0"/>
-              <a:t>В </a:t>
-            </a:r>
-            <a:r>
-              <a:rPr lang="ru-RU" dirty="0" err="1" smtClean="0"/>
-              <a:t>днешно</a:t>
-            </a:r>
-            <a:r>
-              <a:rPr lang="ru-RU" dirty="0" smtClean="0"/>
-              <a:t> </a:t>
-            </a:r>
-            <a:r>
-              <a:rPr lang="ru-RU" dirty="0" err="1" smtClean="0"/>
-              <a:t>време</a:t>
-            </a:r>
-            <a:r>
-              <a:rPr lang="ru-RU" dirty="0" smtClean="0"/>
-              <a:t> </a:t>
-            </a:r>
-            <a:r>
-              <a:rPr lang="ru-RU" dirty="0" err="1" smtClean="0"/>
-              <a:t>уеб</a:t>
-            </a:r>
-            <a:r>
-              <a:rPr lang="ru-RU" dirty="0" smtClean="0"/>
-              <a:t> </a:t>
-            </a:r>
-            <a:r>
-              <a:rPr lang="ru-RU" dirty="0" err="1" smtClean="0"/>
-              <a:t>сигурността</a:t>
-            </a:r>
-            <a:r>
-              <a:rPr lang="ru-RU" dirty="0" smtClean="0"/>
-              <a:t> е </a:t>
-            </a:r>
-            <a:r>
-              <a:rPr lang="ru-RU" dirty="0" err="1" smtClean="0"/>
-              <a:t>едно</a:t>
-            </a:r>
-            <a:r>
-              <a:rPr lang="ru-RU" dirty="0" smtClean="0"/>
-              <a:t> от </a:t>
-            </a:r>
-            <a:r>
-              <a:rPr lang="ru-RU" dirty="0" err="1" smtClean="0"/>
-              <a:t>най-важните</a:t>
-            </a:r>
-            <a:r>
-              <a:rPr lang="ru-RU" dirty="0" smtClean="0"/>
-              <a:t> </a:t>
-            </a:r>
-            <a:r>
-              <a:rPr lang="ru-RU" dirty="0" err="1" smtClean="0"/>
-              <a:t>неща</a:t>
-            </a:r>
-            <a:r>
-              <a:rPr lang="ru-RU" dirty="0" smtClean="0"/>
-              <a:t>, </a:t>
-            </a:r>
-            <a:r>
-              <a:rPr lang="ru-RU" dirty="0" err="1" smtClean="0"/>
-              <a:t>когато</a:t>
-            </a:r>
-            <a:r>
-              <a:rPr lang="ru-RU" dirty="0" smtClean="0"/>
-              <a:t> говорим за защита на </a:t>
-            </a:r>
-            <a:r>
-              <a:rPr lang="ru-RU" dirty="0" err="1" smtClean="0"/>
-              <a:t>личните</a:t>
-            </a:r>
-            <a:r>
-              <a:rPr lang="ru-RU" dirty="0" smtClean="0"/>
-              <a:t> </a:t>
-            </a:r>
-            <a:r>
-              <a:rPr lang="ru-RU" dirty="0" err="1" smtClean="0"/>
-              <a:t>данни</a:t>
-            </a:r>
-            <a:r>
-              <a:rPr lang="ru-RU" dirty="0" smtClean="0"/>
-              <a:t> и </a:t>
-            </a:r>
-            <a:r>
-              <a:rPr lang="ru-RU" dirty="0" err="1" smtClean="0"/>
-              <a:t>гарантиране</a:t>
-            </a:r>
-            <a:r>
-              <a:rPr lang="ru-RU" dirty="0" smtClean="0"/>
-              <a:t> на </a:t>
-            </a:r>
-            <a:r>
-              <a:rPr lang="ru-RU" dirty="0" err="1" smtClean="0"/>
-              <a:t>поверителността</a:t>
-            </a:r>
-            <a:r>
-              <a:rPr lang="ru-RU" dirty="0" smtClean="0"/>
-              <a:t> в интернет. </a:t>
-            </a:r>
-            <a:r>
-              <a:rPr lang="ru-RU" dirty="0" err="1" smtClean="0"/>
-              <a:t>Всеки</a:t>
-            </a:r>
-            <a:r>
-              <a:rPr lang="ru-RU" dirty="0" smtClean="0"/>
-              <a:t> </a:t>
-            </a:r>
-            <a:r>
-              <a:rPr lang="ru-RU" dirty="0" err="1" smtClean="0"/>
-              <a:t>ден</a:t>
-            </a:r>
-            <a:r>
-              <a:rPr lang="ru-RU" dirty="0" smtClean="0"/>
-              <a:t> </a:t>
-            </a:r>
-            <a:r>
-              <a:rPr lang="ru-RU" dirty="0" err="1" smtClean="0"/>
-              <a:t>ние</a:t>
-            </a:r>
-            <a:r>
-              <a:rPr lang="ru-RU" dirty="0" smtClean="0"/>
-              <a:t> </a:t>
-            </a:r>
-            <a:r>
-              <a:rPr lang="ru-RU" dirty="0" err="1" smtClean="0"/>
-              <a:t>използваме</a:t>
-            </a:r>
-            <a:r>
-              <a:rPr lang="ru-RU" dirty="0" smtClean="0"/>
-              <a:t> </a:t>
-            </a:r>
-            <a:r>
-              <a:rPr lang="ru-RU" dirty="0" err="1" smtClean="0"/>
-              <a:t>различни</a:t>
-            </a:r>
-            <a:r>
-              <a:rPr lang="ru-RU" dirty="0" smtClean="0"/>
-              <a:t> </a:t>
-            </a:r>
-            <a:r>
-              <a:rPr lang="ru-RU" dirty="0" err="1" smtClean="0"/>
-              <a:t>уеб</a:t>
-            </a:r>
-            <a:r>
-              <a:rPr lang="ru-RU" dirty="0" smtClean="0"/>
-              <a:t> приложения и </a:t>
-            </a:r>
-            <a:r>
-              <a:rPr lang="ru-RU" dirty="0" err="1" smtClean="0"/>
-              <a:t>сайтове</a:t>
-            </a:r>
-            <a:r>
-              <a:rPr lang="ru-RU" dirty="0" smtClean="0"/>
-              <a:t>, и за да </a:t>
-            </a:r>
-            <a:r>
-              <a:rPr lang="ru-RU" dirty="0" err="1" smtClean="0"/>
-              <a:t>сме</a:t>
-            </a:r>
-            <a:r>
-              <a:rPr lang="ru-RU" dirty="0" smtClean="0"/>
-              <a:t> </a:t>
-            </a:r>
-            <a:r>
-              <a:rPr lang="ru-RU" dirty="0" err="1" smtClean="0"/>
-              <a:t>сигурни</a:t>
-            </a:r>
-            <a:r>
-              <a:rPr lang="ru-RU" dirty="0" smtClean="0"/>
-              <a:t>, че само </a:t>
-            </a:r>
-            <a:r>
-              <a:rPr lang="ru-RU" dirty="0" err="1" smtClean="0"/>
-              <a:t>упълномощените</a:t>
-            </a:r>
-            <a:r>
-              <a:rPr lang="ru-RU" dirty="0" smtClean="0"/>
-              <a:t> хора </a:t>
-            </a:r>
-            <a:r>
-              <a:rPr lang="ru-RU" dirty="0" err="1" smtClean="0"/>
-              <a:t>имат</a:t>
-            </a:r>
-            <a:r>
-              <a:rPr lang="ru-RU" dirty="0" smtClean="0"/>
-              <a:t> </a:t>
-            </a:r>
-            <a:r>
-              <a:rPr lang="ru-RU" dirty="0" err="1" smtClean="0"/>
-              <a:t>достъп</a:t>
-            </a:r>
-            <a:r>
-              <a:rPr lang="ru-RU" dirty="0" smtClean="0"/>
-              <a:t> до </a:t>
-            </a:r>
-            <a:r>
-              <a:rPr lang="ru-RU" dirty="0" err="1" smtClean="0"/>
-              <a:t>тях</a:t>
-            </a:r>
-            <a:r>
-              <a:rPr lang="ru-RU" dirty="0" smtClean="0"/>
-              <a:t>, се </a:t>
-            </a:r>
-            <a:r>
-              <a:rPr lang="ru-RU" dirty="0" err="1" smtClean="0"/>
-              <a:t>използват</a:t>
-            </a:r>
-            <a:r>
-              <a:rPr lang="ru-RU" dirty="0" smtClean="0"/>
-              <a:t> </a:t>
-            </a:r>
-            <a:r>
-              <a:rPr lang="ru-RU" dirty="0" err="1" smtClean="0"/>
-              <a:t>различни</a:t>
-            </a:r>
-            <a:r>
-              <a:rPr lang="ru-RU" dirty="0" smtClean="0"/>
-              <a:t> </a:t>
-            </a:r>
-            <a:r>
-              <a:rPr lang="ru-RU" dirty="0" err="1" smtClean="0"/>
-              <a:t>методи</a:t>
-            </a:r>
-            <a:r>
-              <a:rPr lang="ru-RU" dirty="0" smtClean="0"/>
-              <a:t> за </a:t>
-            </a:r>
-            <a:r>
-              <a:rPr lang="ru-RU" dirty="0" err="1" smtClean="0"/>
-              <a:t>удостоверяване</a:t>
-            </a:r>
-            <a:r>
-              <a:rPr lang="ru-RU" dirty="0" smtClean="0"/>
-              <a:t> и </a:t>
-            </a:r>
-            <a:r>
-              <a:rPr lang="ru-RU" dirty="0" err="1" smtClean="0"/>
-              <a:t>оторизация</a:t>
-            </a:r>
-            <a:r>
-              <a:rPr lang="ru-RU" dirty="0" smtClean="0"/>
-              <a:t>.</a:t>
-            </a:r>
-            <a:endParaRPr lang="bg-BG" dirty="0"/>
+              <a:rPr lang="bg-BG" noProof="0" dirty="0" smtClean="0"/>
+              <a:t>В днешно време уеб сигурността е едно от най-важните неща, когато говорим за защита на личните данни и гарантиране на поверителността в интернет. Всеки ден ние използваме различни уеб приложения и сайтове, и за да сме сигурни, че само упълномощените хора имат достъп до тях, се използват различни методи за удостоверяване и оторизация.</a:t>
+            </a:r>
+            <a:endParaRPr lang="bg-BG" noProof="0" dirty="0"/>
           </a:p>
         </p:txBody>
       </p:sp>
@@ -2240,254 +1079,10 @@
           <a:lstStyle/>
           <a:p>
             <a:r>
-              <a:rPr lang="ru-RU" dirty="0" err="1" smtClean="0"/>
-              <a:t>Удостоверяването</a:t>
-            </a:r>
-            <a:r>
-              <a:rPr lang="ru-RU" dirty="0" smtClean="0"/>
-              <a:t> е </a:t>
-            </a:r>
-            <a:r>
-              <a:rPr lang="ru-RU" dirty="0" err="1" smtClean="0"/>
-              <a:t>процесът</a:t>
-            </a:r>
-            <a:r>
-              <a:rPr lang="ru-RU" dirty="0" smtClean="0"/>
-              <a:t>, чрез </a:t>
-            </a:r>
-            <a:r>
-              <a:rPr lang="ru-RU" dirty="0" err="1" smtClean="0"/>
-              <a:t>който</a:t>
-            </a:r>
-            <a:r>
-              <a:rPr lang="ru-RU" dirty="0" smtClean="0"/>
-              <a:t> </a:t>
-            </a:r>
-            <a:r>
-              <a:rPr lang="ru-RU" dirty="0" err="1" smtClean="0"/>
-              <a:t>системата</a:t>
-            </a:r>
-            <a:r>
-              <a:rPr lang="ru-RU" dirty="0" smtClean="0"/>
-              <a:t> </a:t>
-            </a:r>
-            <a:r>
-              <a:rPr lang="ru-RU" dirty="0" err="1" smtClean="0"/>
-              <a:t>проверява</a:t>
-            </a:r>
-            <a:r>
-              <a:rPr lang="ru-RU" dirty="0" smtClean="0"/>
-              <a:t> кой си </a:t>
-            </a:r>
-            <a:r>
-              <a:rPr lang="ru-RU" dirty="0" err="1" smtClean="0"/>
-              <a:t>ти</a:t>
-            </a:r>
-            <a:r>
-              <a:rPr lang="ru-RU" dirty="0" smtClean="0"/>
-              <a:t>. </a:t>
-            </a:r>
-            <a:r>
-              <a:rPr lang="ru-RU" dirty="0" err="1" smtClean="0"/>
-              <a:t>Обикновено</a:t>
-            </a:r>
-            <a:r>
-              <a:rPr lang="ru-RU" dirty="0" smtClean="0"/>
-              <a:t> </a:t>
-            </a:r>
-            <a:r>
-              <a:rPr lang="ru-RU" dirty="0" err="1" smtClean="0"/>
-              <a:t>това</a:t>
-            </a:r>
-            <a:r>
-              <a:rPr lang="ru-RU" dirty="0" smtClean="0"/>
-              <a:t> става чрез </a:t>
-            </a:r>
-            <a:r>
-              <a:rPr lang="ru-RU" dirty="0" err="1" smtClean="0"/>
-              <a:t>въвеждане</a:t>
-            </a:r>
-            <a:r>
-              <a:rPr lang="ru-RU" dirty="0" smtClean="0"/>
-              <a:t> на </a:t>
-            </a:r>
-            <a:r>
-              <a:rPr lang="ru-RU" dirty="0" err="1" smtClean="0"/>
-              <a:t>потребителско</a:t>
-            </a:r>
-            <a:r>
-              <a:rPr lang="ru-RU" dirty="0" smtClean="0"/>
-              <a:t> </a:t>
-            </a:r>
-            <a:r>
-              <a:rPr lang="ru-RU" dirty="0" err="1" smtClean="0"/>
-              <a:t>име</a:t>
-            </a:r>
-            <a:r>
-              <a:rPr lang="ru-RU" dirty="0" smtClean="0"/>
-              <a:t> и </a:t>
-            </a:r>
-            <a:r>
-              <a:rPr lang="ru-RU" dirty="0" err="1" smtClean="0"/>
-              <a:t>парола</a:t>
-            </a:r>
-            <a:r>
-              <a:rPr lang="ru-RU" dirty="0" smtClean="0"/>
-              <a:t>, но </a:t>
-            </a:r>
-            <a:r>
-              <a:rPr lang="ru-RU" dirty="0" err="1" smtClean="0"/>
-              <a:t>има</a:t>
-            </a:r>
-            <a:r>
-              <a:rPr lang="ru-RU" dirty="0" smtClean="0"/>
-              <a:t> и </a:t>
-            </a:r>
-            <a:r>
-              <a:rPr lang="ru-RU" dirty="0" err="1" smtClean="0"/>
-              <a:t>по-сложни</a:t>
-            </a:r>
-            <a:r>
-              <a:rPr lang="ru-RU" dirty="0" smtClean="0"/>
-              <a:t> начини </a:t>
-            </a:r>
-            <a:r>
-              <a:rPr lang="ru-RU" dirty="0" err="1" smtClean="0"/>
-              <a:t>като</a:t>
-            </a:r>
-            <a:r>
-              <a:rPr lang="ru-RU" dirty="0" smtClean="0"/>
-              <a:t> </a:t>
-            </a:r>
-            <a:r>
-              <a:rPr lang="ru-RU" dirty="0" err="1" smtClean="0"/>
-              <a:t>двуфакторна</a:t>
-            </a:r>
-            <a:r>
-              <a:rPr lang="ru-RU" dirty="0" smtClean="0"/>
-              <a:t> идентификация, </a:t>
-            </a:r>
-            <a:r>
-              <a:rPr lang="ru-RU" dirty="0" err="1" smtClean="0"/>
-              <a:t>където</a:t>
-            </a:r>
-            <a:r>
-              <a:rPr lang="ru-RU" dirty="0" smtClean="0"/>
-              <a:t> </a:t>
-            </a:r>
-            <a:r>
-              <a:rPr lang="ru-RU" dirty="0" err="1" smtClean="0"/>
-              <a:t>трябва</a:t>
-            </a:r>
-            <a:r>
-              <a:rPr lang="ru-RU" dirty="0" smtClean="0"/>
-              <a:t> да </a:t>
-            </a:r>
-            <a:r>
-              <a:rPr lang="ru-RU" dirty="0" err="1" smtClean="0"/>
-              <a:t>въведеш</a:t>
-            </a:r>
-            <a:r>
-              <a:rPr lang="ru-RU" dirty="0" smtClean="0"/>
-              <a:t> код, </a:t>
-            </a:r>
-            <a:r>
-              <a:rPr lang="ru-RU" dirty="0" err="1" smtClean="0"/>
-              <a:t>изпратен</a:t>
-            </a:r>
-            <a:r>
-              <a:rPr lang="ru-RU" dirty="0" smtClean="0"/>
-              <a:t> по SMS, или </a:t>
-            </a:r>
-            <a:r>
-              <a:rPr lang="ru-RU" dirty="0" err="1" smtClean="0"/>
-              <a:t>биометрични</a:t>
-            </a:r>
-            <a:r>
-              <a:rPr lang="ru-RU" dirty="0" smtClean="0"/>
-              <a:t> </a:t>
-            </a:r>
-            <a:r>
-              <a:rPr lang="ru-RU" dirty="0" err="1" smtClean="0"/>
-              <a:t>данни</a:t>
-            </a:r>
-            <a:r>
-              <a:rPr lang="ru-RU" dirty="0" smtClean="0"/>
-              <a:t> </a:t>
-            </a:r>
-            <a:r>
-              <a:rPr lang="ru-RU" dirty="0" err="1" smtClean="0"/>
-              <a:t>като</a:t>
-            </a:r>
-            <a:r>
-              <a:rPr lang="ru-RU" dirty="0" smtClean="0"/>
-              <a:t> </a:t>
-            </a:r>
-            <a:r>
-              <a:rPr lang="ru-RU" dirty="0" err="1" smtClean="0"/>
-              <a:t>пръстов</a:t>
-            </a:r>
-            <a:r>
-              <a:rPr lang="ru-RU" dirty="0" smtClean="0"/>
-              <a:t> </a:t>
-            </a:r>
-            <a:r>
-              <a:rPr lang="ru-RU" dirty="0" err="1" smtClean="0"/>
-              <a:t>отпечатък</a:t>
-            </a:r>
-            <a:r>
-              <a:rPr lang="ru-RU" dirty="0" smtClean="0"/>
-              <a:t>. </a:t>
-            </a:r>
-            <a:r>
-              <a:rPr lang="ru-RU" dirty="0" err="1" smtClean="0"/>
-              <a:t>Важното</a:t>
-            </a:r>
-            <a:r>
-              <a:rPr lang="ru-RU" dirty="0" smtClean="0"/>
-              <a:t> е </a:t>
-            </a:r>
-            <a:r>
-              <a:rPr lang="ru-RU" dirty="0" err="1" smtClean="0"/>
-              <a:t>потребителят</a:t>
-            </a:r>
-            <a:r>
-              <a:rPr lang="ru-RU" dirty="0" smtClean="0"/>
-              <a:t> да </a:t>
-            </a:r>
-            <a:r>
-              <a:rPr lang="ru-RU" dirty="0" err="1" smtClean="0"/>
-              <a:t>докаже</a:t>
-            </a:r>
-            <a:r>
-              <a:rPr lang="ru-RU" dirty="0" smtClean="0"/>
-              <a:t>, че именно той е </a:t>
-            </a:r>
-            <a:r>
-              <a:rPr lang="ru-RU" dirty="0" err="1" smtClean="0"/>
-              <a:t>човека</a:t>
-            </a:r>
-            <a:r>
-              <a:rPr lang="ru-RU" dirty="0" smtClean="0"/>
-              <a:t>, </a:t>
-            </a:r>
-            <a:r>
-              <a:rPr lang="ru-RU" dirty="0" err="1" smtClean="0"/>
-              <a:t>който</a:t>
-            </a:r>
-            <a:r>
-              <a:rPr lang="ru-RU" dirty="0" smtClean="0"/>
-              <a:t> иска </a:t>
-            </a:r>
-            <a:r>
-              <a:rPr lang="ru-RU" dirty="0" err="1" smtClean="0"/>
-              <a:t>достъп</a:t>
-            </a:r>
-            <a:r>
-              <a:rPr lang="ru-RU" dirty="0" smtClean="0"/>
-              <a:t>.</a:t>
-            </a:r>
-            <a:endParaRPr lang="bg-BG" dirty="0"/>
+              <a:rPr lang="bg-BG" noProof="0" dirty="0" smtClean="0"/>
+              <a:t>Удостоверяването е процесът, чрез който системата проверява кой си ти. Обикновено това става чрез въвеждане на потребителско име и парола, но има и по-сложни начини като двуфакторна идентификация, където трябва да въведеш код, изпратен по SMS, или биометрични данни като пръстов отпечатък. Важното е потребителят да докаже, че именно той е човека, който иска достъп.</a:t>
+            </a:r>
+            <a:endParaRPr lang="bg-BG" noProof="0" dirty="0"/>
           </a:p>
         </p:txBody>
       </p:sp>
@@ -2577,282 +1172,10 @@
           <a:lstStyle/>
           <a:p>
             <a:r>
-              <a:rPr lang="ru-RU" dirty="0" smtClean="0"/>
-              <a:t>След </a:t>
-            </a:r>
-            <a:r>
-              <a:rPr lang="ru-RU" dirty="0" err="1" smtClean="0"/>
-              <a:t>като</a:t>
-            </a:r>
-            <a:r>
-              <a:rPr lang="ru-RU" dirty="0" smtClean="0"/>
-              <a:t> удостоверим потребителя, </a:t>
-            </a:r>
-            <a:r>
-              <a:rPr lang="ru-RU" dirty="0" err="1" smtClean="0"/>
-              <a:t>идва</a:t>
-            </a:r>
-            <a:r>
-              <a:rPr lang="ru-RU" dirty="0" smtClean="0"/>
-              <a:t> </a:t>
-            </a:r>
-            <a:r>
-              <a:rPr lang="ru-RU" dirty="0" err="1" smtClean="0"/>
-              <a:t>ред</a:t>
-            </a:r>
-            <a:r>
-              <a:rPr lang="ru-RU" dirty="0" smtClean="0"/>
-              <a:t> на </a:t>
-            </a:r>
-            <a:r>
-              <a:rPr lang="ru-RU" dirty="0" err="1" smtClean="0"/>
-              <a:t>оторизацията</a:t>
-            </a:r>
-            <a:r>
-              <a:rPr lang="ru-RU" dirty="0" smtClean="0"/>
-              <a:t>. </a:t>
-            </a:r>
-            <a:r>
-              <a:rPr lang="ru-RU" dirty="0" err="1" smtClean="0"/>
-              <a:t>Тя</a:t>
-            </a:r>
-            <a:r>
-              <a:rPr lang="ru-RU" dirty="0" smtClean="0"/>
-              <a:t> </a:t>
-            </a:r>
-            <a:r>
-              <a:rPr lang="ru-RU" dirty="0" err="1" smtClean="0"/>
-              <a:t>определя</a:t>
-            </a:r>
-            <a:r>
-              <a:rPr lang="ru-RU" dirty="0" smtClean="0"/>
-              <a:t> </a:t>
-            </a:r>
-            <a:r>
-              <a:rPr lang="ru-RU" dirty="0" err="1" smtClean="0"/>
-              <a:t>какви</a:t>
-            </a:r>
-            <a:r>
-              <a:rPr lang="ru-RU" dirty="0" smtClean="0"/>
-              <a:t> </a:t>
-            </a:r>
-            <a:r>
-              <a:rPr lang="ru-RU" dirty="0" err="1" smtClean="0"/>
-              <a:t>ресурси</a:t>
-            </a:r>
-            <a:r>
-              <a:rPr lang="ru-RU" dirty="0" smtClean="0"/>
-              <a:t> или действия </a:t>
-            </a:r>
-            <a:r>
-              <a:rPr lang="ru-RU" dirty="0" err="1" smtClean="0"/>
-              <a:t>му</a:t>
-            </a:r>
-            <a:r>
-              <a:rPr lang="ru-RU" dirty="0" smtClean="0"/>
-              <a:t> </a:t>
-            </a:r>
-            <a:r>
-              <a:rPr lang="ru-RU" dirty="0" err="1" smtClean="0"/>
-              <a:t>позволяваме</a:t>
-            </a:r>
-            <a:r>
-              <a:rPr lang="ru-RU" dirty="0" smtClean="0"/>
-              <a:t> да </a:t>
-            </a:r>
-            <a:r>
-              <a:rPr lang="ru-RU" dirty="0" err="1" smtClean="0"/>
-              <a:t>извърши</a:t>
-            </a:r>
-            <a:r>
-              <a:rPr lang="ru-RU" dirty="0" smtClean="0"/>
-              <a:t>. Например, </a:t>
-            </a:r>
-            <a:r>
-              <a:rPr lang="ru-RU" dirty="0" err="1" smtClean="0"/>
-              <a:t>някой</a:t>
-            </a:r>
-            <a:r>
-              <a:rPr lang="ru-RU" dirty="0" smtClean="0"/>
-              <a:t> </a:t>
-            </a:r>
-            <a:r>
-              <a:rPr lang="ru-RU" dirty="0" err="1" smtClean="0"/>
-              <a:t>може</a:t>
-            </a:r>
-            <a:r>
-              <a:rPr lang="ru-RU" dirty="0" smtClean="0"/>
-              <a:t> да </a:t>
-            </a:r>
-            <a:r>
-              <a:rPr lang="ru-RU" dirty="0" err="1" smtClean="0"/>
-              <a:t>има</a:t>
-            </a:r>
-            <a:r>
-              <a:rPr lang="ru-RU" dirty="0" smtClean="0"/>
-              <a:t> право само да </a:t>
-            </a:r>
-            <a:r>
-              <a:rPr lang="ru-RU" dirty="0" err="1" smtClean="0"/>
-              <a:t>гледа</a:t>
-            </a:r>
-            <a:r>
-              <a:rPr lang="ru-RU" dirty="0" smtClean="0"/>
-              <a:t> </a:t>
-            </a:r>
-            <a:r>
-              <a:rPr lang="ru-RU" dirty="0" err="1" smtClean="0"/>
-              <a:t>данни</a:t>
-            </a:r>
-            <a:r>
-              <a:rPr lang="ru-RU" dirty="0" smtClean="0"/>
-              <a:t>, а друг – да </a:t>
-            </a:r>
-            <a:r>
-              <a:rPr lang="ru-RU" dirty="0" err="1" smtClean="0"/>
-              <a:t>ги</a:t>
-            </a:r>
-            <a:r>
-              <a:rPr lang="ru-RU" dirty="0" smtClean="0"/>
-              <a:t> </a:t>
-            </a:r>
-            <a:r>
-              <a:rPr lang="ru-RU" dirty="0" err="1" smtClean="0"/>
-              <a:t>редактира</a:t>
-            </a:r>
-            <a:r>
-              <a:rPr lang="ru-RU" dirty="0" smtClean="0"/>
-              <a:t> или </a:t>
-            </a:r>
-            <a:r>
-              <a:rPr lang="ru-RU" dirty="0" err="1" smtClean="0"/>
-              <a:t>изтрива</a:t>
-            </a:r>
-            <a:r>
-              <a:rPr lang="ru-RU" dirty="0" smtClean="0"/>
-              <a:t>. </a:t>
-            </a:r>
-            <a:r>
-              <a:rPr lang="ru-RU" dirty="0" err="1" smtClean="0"/>
-              <a:t>Влезлият</a:t>
-            </a:r>
-            <a:r>
-              <a:rPr lang="ru-RU" dirty="0" smtClean="0"/>
-              <a:t> в </a:t>
-            </a:r>
-            <a:r>
-              <a:rPr lang="ru-RU" dirty="0" err="1" smtClean="0"/>
-              <a:t>системата</a:t>
-            </a:r>
-            <a:r>
-              <a:rPr lang="ru-RU" dirty="0" smtClean="0"/>
-              <a:t> </a:t>
-            </a:r>
-            <a:r>
-              <a:rPr lang="ru-RU" dirty="0" err="1" smtClean="0"/>
-              <a:t>може</a:t>
-            </a:r>
-            <a:r>
-              <a:rPr lang="ru-RU" dirty="0" smtClean="0"/>
-              <a:t> да </a:t>
-            </a:r>
-            <a:r>
-              <a:rPr lang="ru-RU" dirty="0" err="1" smtClean="0"/>
-              <a:t>има</a:t>
-            </a:r>
-            <a:r>
-              <a:rPr lang="ru-RU" dirty="0" smtClean="0"/>
-              <a:t> </a:t>
-            </a:r>
-            <a:r>
-              <a:rPr lang="ru-RU" dirty="0" err="1" smtClean="0"/>
-              <a:t>различни</a:t>
-            </a:r>
-            <a:r>
-              <a:rPr lang="ru-RU" dirty="0" smtClean="0"/>
-              <a:t> роли: гост, </a:t>
-            </a:r>
-            <a:r>
-              <a:rPr lang="ru-RU" dirty="0" err="1" smtClean="0"/>
-              <a:t>обикновен</a:t>
-            </a:r>
-            <a:r>
-              <a:rPr lang="ru-RU" dirty="0" smtClean="0"/>
-              <a:t> </a:t>
-            </a:r>
-            <a:r>
-              <a:rPr lang="ru-RU" dirty="0" err="1" smtClean="0"/>
-              <a:t>потребител</a:t>
-            </a:r>
-            <a:r>
-              <a:rPr lang="ru-RU" dirty="0" smtClean="0"/>
-              <a:t> или администратор. Всяка роля </a:t>
-            </a:r>
-            <a:r>
-              <a:rPr lang="ru-RU" dirty="0" err="1" smtClean="0"/>
-              <a:t>има</a:t>
-            </a:r>
-            <a:r>
-              <a:rPr lang="ru-RU" dirty="0" smtClean="0"/>
-              <a:t> </a:t>
-            </a:r>
-            <a:r>
-              <a:rPr lang="ru-RU" dirty="0" err="1" smtClean="0"/>
-              <a:t>различни</a:t>
-            </a:r>
-            <a:r>
-              <a:rPr lang="ru-RU" dirty="0" smtClean="0"/>
-              <a:t> права, </a:t>
-            </a:r>
-            <a:r>
-              <a:rPr lang="ru-RU" dirty="0" err="1" smtClean="0"/>
-              <a:t>като</a:t>
-            </a:r>
-            <a:r>
-              <a:rPr lang="ru-RU" dirty="0" smtClean="0"/>
-              <a:t> </a:t>
-            </a:r>
-            <a:r>
-              <a:rPr lang="ru-RU" dirty="0" err="1" smtClean="0"/>
-              <a:t>това</a:t>
-            </a:r>
-            <a:r>
-              <a:rPr lang="ru-RU" dirty="0" smtClean="0"/>
-              <a:t> се </a:t>
-            </a:r>
-            <a:r>
-              <a:rPr lang="ru-RU" dirty="0" err="1" smtClean="0"/>
-              <a:t>нарича</a:t>
-            </a:r>
-            <a:r>
-              <a:rPr lang="ru-RU" dirty="0" smtClean="0"/>
-              <a:t> </a:t>
-            </a:r>
-            <a:r>
-              <a:rPr lang="ru-RU" dirty="0" err="1" smtClean="0"/>
-              <a:t>ролеви</a:t>
-            </a:r>
-            <a:r>
-              <a:rPr lang="ru-RU" dirty="0" smtClean="0"/>
-              <a:t> </a:t>
-            </a:r>
-            <a:r>
-              <a:rPr lang="ru-RU" dirty="0" err="1" smtClean="0"/>
-              <a:t>базиран</a:t>
-            </a:r>
-            <a:r>
-              <a:rPr lang="ru-RU" dirty="0" smtClean="0"/>
-              <a:t> </a:t>
-            </a:r>
-            <a:r>
-              <a:rPr lang="ru-RU" dirty="0" err="1" smtClean="0"/>
-              <a:t>достъп</a:t>
-            </a:r>
-            <a:r>
-              <a:rPr lang="ru-RU" dirty="0" smtClean="0"/>
-              <a:t>.</a:t>
-            </a:r>
-            <a:endParaRPr lang="bg-BG" dirty="0"/>
+              <a:rPr lang="bg-BG" noProof="0" dirty="0" smtClean="0"/>
+              <a:t>След като удостоверим потребителя, идва ред на оторизацията. Тя определя какви ресурси или действия му позволяваме да извърши. Например, някой може да има право само да гледа данни, а друг – да ги редактира или изтрива. Влезлият в системата може да има различни роли: гост, обикновен потребител или администратор. Всяка роля има различни права, като това се нарича ролеви базиран достъп.</a:t>
+            </a:r>
+            <a:endParaRPr lang="bg-BG" noProof="0" dirty="0"/>
           </a:p>
         </p:txBody>
       </p:sp>
@@ -2942,266 +1265,10 @@
           <a:lstStyle/>
           <a:p>
             <a:r>
-              <a:rPr lang="ru-RU" dirty="0" smtClean="0"/>
-              <a:t>При </a:t>
-            </a:r>
-            <a:r>
-              <a:rPr lang="ru-RU" dirty="0" err="1" smtClean="0"/>
-              <a:t>реализацията</a:t>
-            </a:r>
-            <a:r>
-              <a:rPr lang="ru-RU" dirty="0" smtClean="0"/>
-              <a:t> на </a:t>
-            </a:r>
-            <a:r>
-              <a:rPr lang="ru-RU" dirty="0" err="1" smtClean="0"/>
-              <a:t>уеб</a:t>
-            </a:r>
-            <a:r>
-              <a:rPr lang="ru-RU" dirty="0" smtClean="0"/>
-              <a:t> приложения </a:t>
-            </a:r>
-            <a:r>
-              <a:rPr lang="ru-RU" dirty="0" err="1" smtClean="0"/>
-              <a:t>тези</a:t>
-            </a:r>
-            <a:r>
-              <a:rPr lang="ru-RU" dirty="0" smtClean="0"/>
-              <a:t> </a:t>
-            </a:r>
-            <a:r>
-              <a:rPr lang="ru-RU" dirty="0" err="1" smtClean="0"/>
-              <a:t>процеси</a:t>
-            </a:r>
-            <a:r>
-              <a:rPr lang="ru-RU" dirty="0" smtClean="0"/>
-              <a:t> </a:t>
-            </a:r>
-            <a:r>
-              <a:rPr lang="ru-RU" dirty="0" err="1" smtClean="0"/>
-              <a:t>обикновено</a:t>
-            </a:r>
-            <a:r>
-              <a:rPr lang="ru-RU" dirty="0" smtClean="0"/>
-              <a:t> се </a:t>
-            </a:r>
-            <a:r>
-              <a:rPr lang="ru-RU" dirty="0" err="1" smtClean="0"/>
-              <a:t>грижат</a:t>
-            </a:r>
-            <a:r>
-              <a:rPr lang="ru-RU" dirty="0" smtClean="0"/>
-              <a:t> за </a:t>
-            </a:r>
-            <a:r>
-              <a:rPr lang="ru-RU" dirty="0" err="1" smtClean="0"/>
-              <a:t>тях</a:t>
-            </a:r>
-            <a:r>
-              <a:rPr lang="ru-RU" dirty="0" smtClean="0"/>
-              <a:t> с </a:t>
-            </a:r>
-            <a:r>
-              <a:rPr lang="ru-RU" dirty="0" err="1" smtClean="0"/>
-              <a:t>помощта</a:t>
-            </a:r>
-            <a:r>
-              <a:rPr lang="ru-RU" dirty="0" smtClean="0"/>
-              <a:t> на </a:t>
-            </a:r>
-            <a:r>
-              <a:rPr lang="ru-RU" dirty="0" err="1" smtClean="0"/>
-              <a:t>специални</a:t>
-            </a:r>
-            <a:r>
-              <a:rPr lang="ru-RU" dirty="0" smtClean="0"/>
-              <a:t> </a:t>
-            </a:r>
-            <a:r>
-              <a:rPr lang="ru-RU" dirty="0" err="1" smtClean="0"/>
-              <a:t>протоколи</a:t>
-            </a:r>
-            <a:r>
-              <a:rPr lang="ru-RU" dirty="0" smtClean="0"/>
-              <a:t> и технологии. Например, </a:t>
-            </a:r>
-            <a:r>
-              <a:rPr lang="ru-RU" dirty="0" err="1" smtClean="0"/>
-              <a:t>използваме</a:t>
-            </a:r>
-            <a:r>
-              <a:rPr lang="ru-RU" dirty="0" smtClean="0"/>
-              <a:t> </a:t>
-            </a:r>
-            <a:r>
-              <a:rPr lang="ru-RU" dirty="0" err="1" smtClean="0"/>
-              <a:t>бисквитки</a:t>
-            </a:r>
-            <a:r>
-              <a:rPr lang="ru-RU" dirty="0" smtClean="0"/>
-              <a:t> или JSON </a:t>
-            </a:r>
-            <a:r>
-              <a:rPr lang="ru-RU" dirty="0" err="1" smtClean="0"/>
-              <a:t>Web</a:t>
-            </a:r>
-            <a:r>
-              <a:rPr lang="ru-RU" dirty="0" smtClean="0"/>
-              <a:t> </a:t>
-            </a:r>
-            <a:r>
-              <a:rPr lang="ru-RU" dirty="0" err="1" smtClean="0"/>
-              <a:t>Token</a:t>
-            </a:r>
-            <a:r>
-              <a:rPr lang="ru-RU" dirty="0" smtClean="0"/>
-              <a:t>, за да запомним кой е </a:t>
-            </a:r>
-            <a:r>
-              <a:rPr lang="ru-RU" dirty="0" err="1" smtClean="0"/>
-              <a:t>влязъл</a:t>
-            </a:r>
-            <a:r>
-              <a:rPr lang="ru-RU" dirty="0" smtClean="0"/>
-              <a:t> и </a:t>
-            </a:r>
-            <a:r>
-              <a:rPr lang="ru-RU" dirty="0" err="1" smtClean="0"/>
-              <a:t>какви</a:t>
-            </a:r>
-            <a:r>
-              <a:rPr lang="ru-RU" dirty="0" smtClean="0"/>
-              <a:t> права </a:t>
-            </a:r>
-            <a:r>
-              <a:rPr lang="ru-RU" dirty="0" err="1" smtClean="0"/>
-              <a:t>има</a:t>
-            </a:r>
-            <a:r>
-              <a:rPr lang="ru-RU" dirty="0" smtClean="0"/>
-              <a:t>. За </a:t>
-            </a:r>
-            <a:r>
-              <a:rPr lang="ru-RU" dirty="0" err="1" smtClean="0"/>
-              <a:t>по-сигурна</a:t>
-            </a:r>
-            <a:r>
-              <a:rPr lang="ru-RU" dirty="0" smtClean="0"/>
-              <a:t> </a:t>
-            </a:r>
-            <a:r>
-              <a:rPr lang="ru-RU" dirty="0" err="1" smtClean="0"/>
-              <a:t>комуникация</a:t>
-            </a:r>
-            <a:r>
-              <a:rPr lang="ru-RU" dirty="0" smtClean="0"/>
-              <a:t> </a:t>
-            </a:r>
-            <a:r>
-              <a:rPr lang="ru-RU" dirty="0" err="1" smtClean="0"/>
-              <a:t>често</a:t>
-            </a:r>
-            <a:r>
-              <a:rPr lang="ru-RU" dirty="0" smtClean="0"/>
-              <a:t> се </a:t>
-            </a:r>
-            <a:r>
-              <a:rPr lang="ru-RU" dirty="0" err="1" smtClean="0"/>
-              <a:t>ползват</a:t>
-            </a:r>
-            <a:r>
-              <a:rPr lang="ru-RU" dirty="0" smtClean="0"/>
-              <a:t> </a:t>
-            </a:r>
-            <a:r>
-              <a:rPr lang="ru-RU" dirty="0" err="1" smtClean="0"/>
-              <a:t>сертификати</a:t>
-            </a:r>
-            <a:r>
-              <a:rPr lang="ru-RU" dirty="0" smtClean="0"/>
-              <a:t> и </a:t>
-            </a:r>
-            <a:r>
-              <a:rPr lang="ru-RU" dirty="0" err="1" smtClean="0"/>
-              <a:t>различни</a:t>
-            </a:r>
-            <a:r>
-              <a:rPr lang="ru-RU" dirty="0" smtClean="0"/>
-              <a:t> </a:t>
-            </a:r>
-            <a:r>
-              <a:rPr lang="ru-RU" dirty="0" err="1" smtClean="0"/>
-              <a:t>стандарти</a:t>
-            </a:r>
-            <a:r>
-              <a:rPr lang="ru-RU" dirty="0" smtClean="0"/>
-              <a:t> </a:t>
-            </a:r>
-            <a:r>
-              <a:rPr lang="ru-RU" dirty="0" err="1" smtClean="0"/>
-              <a:t>като</a:t>
-            </a:r>
-            <a:r>
-              <a:rPr lang="ru-RU" dirty="0" smtClean="0"/>
-              <a:t> </a:t>
-            </a:r>
-            <a:r>
-              <a:rPr lang="ru-RU" dirty="0" err="1" smtClean="0"/>
-              <a:t>OAuth</a:t>
-            </a:r>
-            <a:r>
-              <a:rPr lang="ru-RU" dirty="0" smtClean="0"/>
-              <a:t> или SSO, </a:t>
-            </a:r>
-            <a:r>
-              <a:rPr lang="ru-RU" dirty="0" err="1" smtClean="0"/>
-              <a:t>които</a:t>
-            </a:r>
-            <a:r>
-              <a:rPr lang="ru-RU" dirty="0" smtClean="0"/>
-              <a:t> </a:t>
-            </a:r>
-            <a:r>
-              <a:rPr lang="ru-RU" dirty="0" err="1" smtClean="0"/>
-              <a:t>улесняват</a:t>
-            </a:r>
-            <a:r>
-              <a:rPr lang="ru-RU" dirty="0" smtClean="0"/>
-              <a:t> </a:t>
-            </a:r>
-            <a:r>
-              <a:rPr lang="ru-RU" dirty="0" err="1" smtClean="0"/>
-              <a:t>потребителите</a:t>
-            </a:r>
-            <a:r>
-              <a:rPr lang="ru-RU" dirty="0" smtClean="0"/>
-              <a:t> и </a:t>
-            </a:r>
-            <a:r>
-              <a:rPr lang="ru-RU" dirty="0" err="1" smtClean="0"/>
-              <a:t>същевременно</a:t>
-            </a:r>
-            <a:r>
-              <a:rPr lang="ru-RU" dirty="0" smtClean="0"/>
-              <a:t> </a:t>
-            </a:r>
-            <a:r>
-              <a:rPr lang="ru-RU" dirty="0" err="1" smtClean="0"/>
-              <a:t>изграждат</a:t>
-            </a:r>
-            <a:r>
-              <a:rPr lang="ru-RU" dirty="0" smtClean="0"/>
-              <a:t> </a:t>
-            </a:r>
-            <a:r>
-              <a:rPr lang="ru-RU" dirty="0" err="1" smtClean="0"/>
-              <a:t>надеждна</a:t>
-            </a:r>
-            <a:r>
-              <a:rPr lang="ru-RU" dirty="0" smtClean="0"/>
-              <a:t> защита.</a:t>
-            </a:r>
-            <a:endParaRPr lang="bg-BG" dirty="0"/>
+              <a:rPr lang="bg-BG" noProof="0" dirty="0" smtClean="0"/>
+              <a:t>При реализацията на уеб приложения тези процеси обикновено се грижат за тях с помощта на специални протоколи и технологии. Например, използваме бисквитки или JSON Web Token, за да запомним кой е влязъл и какви права има. За по-сигурна комуникация често се ползват сертификати и различни стандарти като OAuth или SSO, които улесняват потребителите и същевременно изграждат надеждна защита.</a:t>
+            </a:r>
+            <a:endParaRPr lang="bg-BG" noProof="0" dirty="0"/>
           </a:p>
         </p:txBody>
       </p:sp>
@@ -3291,192 +1358,12 @@
           <a:lstStyle/>
           <a:p>
             <a:r>
+              <a:rPr lang="bg-BG" noProof="0" dirty="0" smtClean="0"/>
+              <a:t>Интернет системите често са уязвими към слабости като слаби пароли, SQL инжекции, XSS атаки и други. За да се предпазим от това , е важно да използваме силни пароли, криптиране и двуфакторна автентикация, което осигурява по-висока сигурност както за личната информация, така и за цялата система.</a:t>
+            </a:r>
+            <a:r>
               <a:rPr lang="ru-RU" dirty="0" smtClean="0"/>
-              <a:t>6. Интернет </a:t>
-            </a:r>
-            <a:r>
-              <a:rPr lang="ru-RU" dirty="0" err="1" smtClean="0"/>
-              <a:t>системите</a:t>
-            </a:r>
-            <a:r>
-              <a:rPr lang="ru-RU" dirty="0" smtClean="0"/>
-              <a:t> </a:t>
-            </a:r>
-            <a:r>
-              <a:rPr lang="ru-RU" dirty="0" err="1" smtClean="0"/>
-              <a:t>често</a:t>
-            </a:r>
-            <a:r>
-              <a:rPr lang="ru-RU" dirty="0" smtClean="0"/>
-              <a:t> </a:t>
-            </a:r>
-            <a:r>
-              <a:rPr lang="ru-RU" dirty="0" err="1" smtClean="0"/>
-              <a:t>са</a:t>
-            </a:r>
-            <a:r>
-              <a:rPr lang="ru-RU" dirty="0" smtClean="0"/>
-              <a:t> </a:t>
-            </a:r>
-            <a:r>
-              <a:rPr lang="ru-RU" dirty="0" err="1" smtClean="0"/>
-              <a:t>уязвими</a:t>
-            </a:r>
-            <a:r>
-              <a:rPr lang="ru-RU" dirty="0" smtClean="0"/>
-              <a:t> </a:t>
-            </a:r>
-            <a:r>
-              <a:rPr lang="ru-RU" dirty="0" err="1" smtClean="0"/>
-              <a:t>към</a:t>
-            </a:r>
-            <a:r>
-              <a:rPr lang="ru-RU" dirty="0" smtClean="0"/>
-              <a:t> слабости </a:t>
-            </a:r>
-            <a:r>
-              <a:rPr lang="ru-RU" dirty="0" err="1" smtClean="0"/>
-              <a:t>като</a:t>
-            </a:r>
-            <a:r>
-              <a:rPr lang="ru-RU" dirty="0" smtClean="0"/>
-              <a:t> </a:t>
-            </a:r>
-            <a:r>
-              <a:rPr lang="ru-RU" dirty="0" err="1" smtClean="0"/>
-              <a:t>слаби</a:t>
-            </a:r>
-            <a:r>
-              <a:rPr lang="ru-RU" dirty="0" smtClean="0"/>
-              <a:t> пароли, SQL инжекции, XSS атаки и </a:t>
-            </a:r>
-            <a:r>
-              <a:rPr lang="ru-RU" dirty="0" err="1" smtClean="0"/>
-              <a:t>други</a:t>
-            </a:r>
-            <a:r>
-              <a:rPr lang="ru-RU" dirty="0" smtClean="0"/>
-              <a:t>. За да се </a:t>
-            </a:r>
-            <a:r>
-              <a:rPr lang="ru-RU" dirty="0" err="1" smtClean="0"/>
-              <a:t>предпазим</a:t>
-            </a:r>
-            <a:r>
-              <a:rPr lang="ru-RU" dirty="0" smtClean="0"/>
-              <a:t> от </a:t>
-            </a:r>
-            <a:r>
-              <a:rPr lang="ru-RU" dirty="0" err="1" smtClean="0"/>
-              <a:t>това</a:t>
-            </a:r>
-            <a:r>
-              <a:rPr lang="ru-RU" dirty="0" smtClean="0"/>
-              <a:t> , е важно да </a:t>
-            </a:r>
-            <a:r>
-              <a:rPr lang="ru-RU" dirty="0" err="1" smtClean="0"/>
-              <a:t>използваме</a:t>
-            </a:r>
-            <a:r>
-              <a:rPr lang="ru-RU" dirty="0" smtClean="0"/>
-              <a:t> </a:t>
-            </a:r>
-            <a:r>
-              <a:rPr lang="ru-RU" dirty="0" err="1" smtClean="0"/>
-              <a:t>силни</a:t>
-            </a:r>
-            <a:r>
-              <a:rPr lang="ru-RU" dirty="0" smtClean="0"/>
-              <a:t> пароли, </a:t>
-            </a:r>
-            <a:r>
-              <a:rPr lang="ru-RU" dirty="0" err="1" smtClean="0"/>
-              <a:t>криптиране</a:t>
-            </a:r>
-            <a:r>
-              <a:rPr lang="ru-RU" dirty="0" smtClean="0"/>
-              <a:t> и </a:t>
-            </a:r>
-            <a:r>
-              <a:rPr lang="ru-RU" dirty="0" err="1" smtClean="0"/>
-              <a:t>двуфакторна</a:t>
-            </a:r>
-            <a:r>
-              <a:rPr lang="ru-RU" dirty="0" smtClean="0"/>
-              <a:t> </a:t>
-            </a:r>
-            <a:r>
-              <a:rPr lang="ru-RU" dirty="0" err="1" smtClean="0"/>
-              <a:t>автентикация</a:t>
-            </a:r>
-            <a:r>
-              <a:rPr lang="ru-RU" dirty="0" smtClean="0"/>
-              <a:t>, </a:t>
-            </a:r>
-            <a:r>
-              <a:rPr lang="ru-RU" dirty="0" err="1" smtClean="0"/>
-              <a:t>което</a:t>
-            </a:r>
-            <a:r>
-              <a:rPr lang="ru-RU" dirty="0" smtClean="0"/>
-              <a:t> </a:t>
-            </a:r>
-            <a:r>
-              <a:rPr lang="ru-RU" dirty="0" err="1" smtClean="0"/>
-              <a:t>осигурява</a:t>
-            </a:r>
-            <a:r>
-              <a:rPr lang="ru-RU" dirty="0" smtClean="0"/>
-              <a:t> </a:t>
-            </a:r>
-            <a:r>
-              <a:rPr lang="ru-RU" dirty="0" err="1" smtClean="0"/>
-              <a:t>по-висока</a:t>
-            </a:r>
-            <a:r>
-              <a:rPr lang="ru-RU" dirty="0" smtClean="0"/>
-              <a:t> </a:t>
-            </a:r>
-            <a:r>
-              <a:rPr lang="ru-RU" dirty="0" err="1" smtClean="0"/>
-              <a:t>сигурност</a:t>
-            </a:r>
-            <a:r>
-              <a:rPr lang="ru-RU" dirty="0" smtClean="0"/>
-              <a:t> </a:t>
-            </a:r>
-            <a:r>
-              <a:rPr lang="ru-RU" dirty="0" err="1" smtClean="0"/>
-              <a:t>както</a:t>
-            </a:r>
-            <a:r>
-              <a:rPr lang="ru-RU" dirty="0" smtClean="0"/>
-              <a:t> за </a:t>
-            </a:r>
-            <a:r>
-              <a:rPr lang="ru-RU" dirty="0" err="1" smtClean="0"/>
-              <a:t>личната</a:t>
-            </a:r>
-            <a:r>
-              <a:rPr lang="ru-RU" dirty="0" smtClean="0"/>
-              <a:t> информация, </a:t>
-            </a:r>
-            <a:r>
-              <a:rPr lang="ru-RU" dirty="0" err="1" smtClean="0"/>
-              <a:t>така</a:t>
-            </a:r>
-            <a:r>
-              <a:rPr lang="ru-RU" dirty="0" smtClean="0"/>
-              <a:t> и за </a:t>
-            </a:r>
-            <a:r>
-              <a:rPr lang="ru-RU" dirty="0" err="1" smtClean="0"/>
-              <a:t>цялата</a:t>
-            </a:r>
-            <a:r>
-              <a:rPr lang="ru-RU" dirty="0" smtClean="0"/>
-              <a:t> система.	</a:t>
+              <a:t>	</a:t>
             </a:r>
             <a:endParaRPr lang="bg-BG" dirty="0"/>
           </a:p>
@@ -3568,170 +1455,30 @@
           <a:lstStyle/>
           <a:p>
             <a:r>
-              <a:rPr lang="ru-RU" dirty="0" smtClean="0"/>
-              <a:t>Примерите за </a:t>
-            </a:r>
-            <a:r>
-              <a:rPr lang="ru-RU" dirty="0" err="1" smtClean="0"/>
-              <a:t>нивата</a:t>
-            </a:r>
-            <a:r>
-              <a:rPr lang="ru-RU" baseline="0" dirty="0" smtClean="0"/>
+              <a:rPr lang="bg-BG" noProof="0" dirty="0" smtClean="0"/>
+              <a:t>Примерите за нивата</a:t>
+            </a:r>
+            <a:r>
+              <a:rPr lang="bg-BG" baseline="0" noProof="0" dirty="0" smtClean="0"/>
               <a:t> </a:t>
             </a:r>
             <a:r>
-              <a:rPr lang="ru-RU" dirty="0" smtClean="0"/>
-              <a:t>на </a:t>
-            </a:r>
-            <a:r>
-              <a:rPr lang="ru-RU" dirty="0" err="1" smtClean="0"/>
-              <a:t>достъп</a:t>
-            </a:r>
-            <a:r>
-              <a:rPr lang="ru-RU" baseline="0" dirty="0" smtClean="0"/>
-              <a:t> </a:t>
-            </a:r>
-            <a:r>
-              <a:rPr lang="ru-RU" baseline="0" dirty="0" err="1" smtClean="0"/>
-              <a:t>са</a:t>
-            </a:r>
-            <a:r>
-              <a:rPr lang="ru-RU" baseline="0" dirty="0" smtClean="0"/>
-              <a:t> </a:t>
-            </a:r>
-            <a:r>
-              <a:rPr lang="ru-RU" dirty="0" smtClean="0"/>
-              <a:t>гост, </a:t>
-            </a:r>
-            <a:r>
-              <a:rPr lang="ru-RU" dirty="0" err="1" smtClean="0"/>
-              <a:t>регистриран</a:t>
-            </a:r>
-            <a:r>
-              <a:rPr lang="ru-RU" dirty="0" smtClean="0"/>
-              <a:t>, администратор.</a:t>
-            </a:r>
-          </a:p>
-          <a:p>
-            <a:r>
-              <a:rPr lang="ru-RU" dirty="0" err="1" smtClean="0"/>
-              <a:t>Оторизацията</a:t>
-            </a:r>
-            <a:r>
-              <a:rPr lang="ru-RU" dirty="0" smtClean="0"/>
-              <a:t> </a:t>
-            </a:r>
-            <a:r>
-              <a:rPr lang="ru-RU" dirty="0" err="1" smtClean="0"/>
-              <a:t>определя</a:t>
-            </a:r>
-            <a:r>
-              <a:rPr lang="ru-RU" dirty="0" smtClean="0"/>
-              <a:t> </a:t>
-            </a:r>
-            <a:r>
-              <a:rPr lang="ru-RU" dirty="0" err="1" smtClean="0"/>
-              <a:t>правата</a:t>
-            </a:r>
-            <a:r>
-              <a:rPr lang="ru-RU" dirty="0" smtClean="0"/>
-              <a:t> на потребителя след </a:t>
-            </a:r>
-            <a:r>
-              <a:rPr lang="ru-RU" dirty="0" err="1" smtClean="0"/>
-              <a:t>удостоверяване</a:t>
-            </a:r>
-            <a:r>
-              <a:rPr lang="ru-RU" dirty="0" smtClean="0"/>
-              <a:t>. </a:t>
-            </a:r>
-            <a:r>
-              <a:rPr lang="ru-RU" dirty="0" err="1" smtClean="0"/>
-              <a:t>Системи</a:t>
-            </a:r>
-            <a:r>
-              <a:rPr lang="ru-RU" dirty="0" smtClean="0"/>
-              <a:t> </a:t>
-            </a:r>
-            <a:r>
-              <a:rPr lang="ru-RU" dirty="0" err="1" smtClean="0"/>
-              <a:t>използват</a:t>
-            </a:r>
-            <a:r>
-              <a:rPr lang="ru-RU" dirty="0" smtClean="0"/>
-              <a:t> </a:t>
-            </a:r>
-            <a:r>
-              <a:rPr lang="ru-RU" dirty="0" err="1" smtClean="0"/>
-              <a:t>ролева</a:t>
-            </a:r>
-            <a:r>
-              <a:rPr lang="ru-RU" dirty="0" smtClean="0"/>
-              <a:t> (RBAC) или </a:t>
-            </a:r>
-            <a:r>
-              <a:rPr lang="ru-RU" dirty="0" err="1" smtClean="0"/>
-              <a:t>атрибутна</a:t>
-            </a:r>
-            <a:r>
-              <a:rPr lang="ru-RU" dirty="0" smtClean="0"/>
-              <a:t> (ABAC) модели. </a:t>
-            </a:r>
-            <a:r>
-              <a:rPr lang="ru-RU" dirty="0" err="1" smtClean="0"/>
-              <a:t>Примери</a:t>
-            </a:r>
-            <a:r>
-              <a:rPr lang="ru-RU" dirty="0" smtClean="0"/>
-              <a:t> за нива на </a:t>
-            </a:r>
-            <a:r>
-              <a:rPr lang="ru-RU" dirty="0" err="1" smtClean="0"/>
-              <a:t>достъп</a:t>
-            </a:r>
-            <a:r>
-              <a:rPr lang="ru-RU" dirty="0" smtClean="0"/>
-              <a:t> </a:t>
-            </a:r>
-            <a:r>
-              <a:rPr lang="ru-RU" dirty="0" err="1" smtClean="0"/>
-              <a:t>са</a:t>
-            </a:r>
-            <a:r>
-              <a:rPr lang="ru-RU" dirty="0" smtClean="0"/>
-              <a:t> гост, </a:t>
-            </a:r>
-            <a:r>
-              <a:rPr lang="ru-RU" dirty="0" err="1" smtClean="0"/>
-              <a:t>регистриран</a:t>
-            </a:r>
-            <a:r>
-              <a:rPr lang="ru-RU" dirty="0" smtClean="0"/>
-              <a:t> или администратор, </a:t>
-            </a:r>
-            <a:r>
-              <a:rPr lang="ru-RU" dirty="0" err="1" smtClean="0"/>
-              <a:t>всеки</a:t>
-            </a:r>
-            <a:r>
-              <a:rPr lang="ru-RU" dirty="0" smtClean="0"/>
-              <a:t> </a:t>
-            </a:r>
-            <a:r>
-              <a:rPr lang="ru-RU" dirty="0" err="1" smtClean="0"/>
-              <a:t>със</a:t>
-            </a:r>
-            <a:r>
-              <a:rPr lang="ru-RU" dirty="0" smtClean="0"/>
-              <a:t> </a:t>
-            </a:r>
-            <a:r>
-              <a:rPr lang="ru-RU" dirty="0" err="1" smtClean="0"/>
-              <a:t>собствен</a:t>
-            </a:r>
-            <a:r>
-              <a:rPr lang="ru-RU" dirty="0" smtClean="0"/>
-              <a:t> набор от права.</a:t>
+              <a:rPr lang="bg-BG" noProof="0" dirty="0" smtClean="0"/>
+              <a:t>на достъп</a:t>
+            </a:r>
+            <a:r>
+              <a:rPr lang="bg-BG" baseline="0" noProof="0" dirty="0" smtClean="0"/>
+              <a:t> са </a:t>
+            </a:r>
+            <a:r>
+              <a:rPr lang="bg-BG" noProof="0" dirty="0" smtClean="0"/>
+              <a:t>гост, регистриран, администратор.</a:t>
+            </a:r>
+          </a:p>
+          <a:p>
+            <a:r>
+              <a:rPr lang="bg-BG" noProof="0" dirty="0" smtClean="0"/>
+              <a:t>Оторизацията определя правата на потребителя след удостоверяване. Системи използват ролева (RBAC) или атрибутна (ABAC) модели. Примери за нива на достъп са гост, регистриран или администратор, всеки със собствен набор от права.</a:t>
             </a:r>
           </a:p>
           <a:p>
@@ -3825,134 +1572,10 @@
           <a:lstStyle/>
           <a:p>
             <a:r>
-              <a:rPr lang="ru-RU" sz="3200" dirty="0" err="1" smtClean="0"/>
-              <a:t>Използват</a:t>
-            </a:r>
-            <a:r>
-              <a:rPr lang="ru-RU" sz="3200" dirty="0" smtClean="0"/>
-              <a:t> се </a:t>
-            </a:r>
-            <a:r>
-              <a:rPr lang="ru-RU" sz="3200" dirty="0" err="1" smtClean="0"/>
-              <a:t>механизми</a:t>
-            </a:r>
-            <a:r>
-              <a:rPr lang="ru-RU" sz="3200" dirty="0" smtClean="0"/>
-              <a:t> </a:t>
-            </a:r>
-            <a:r>
-              <a:rPr lang="ru-RU" sz="3200" dirty="0" err="1" smtClean="0"/>
-              <a:t>като</a:t>
-            </a:r>
-            <a:r>
-              <a:rPr lang="ru-RU" sz="3200" dirty="0" smtClean="0"/>
-              <a:t> </a:t>
-            </a:r>
-            <a:r>
-              <a:rPr lang="ru-RU" sz="3200" dirty="0" err="1" smtClean="0"/>
-              <a:t>сесии</a:t>
-            </a:r>
-            <a:r>
-              <a:rPr lang="ru-RU" sz="3200" dirty="0" smtClean="0"/>
-              <a:t>, </a:t>
-            </a:r>
-            <a:r>
-              <a:rPr lang="ru-RU" sz="3200" dirty="0" err="1" smtClean="0"/>
-              <a:t>бисквитки</a:t>
-            </a:r>
-            <a:r>
-              <a:rPr lang="ru-RU" sz="3200" dirty="0" smtClean="0"/>
-              <a:t> и JSON </a:t>
-            </a:r>
-            <a:r>
-              <a:rPr lang="ru-RU" sz="3200" dirty="0" err="1" smtClean="0"/>
-              <a:t>Web</a:t>
-            </a:r>
-            <a:r>
-              <a:rPr lang="ru-RU" sz="3200" dirty="0" smtClean="0"/>
-              <a:t> </a:t>
-            </a:r>
-            <a:r>
-              <a:rPr lang="ru-RU" sz="3200" dirty="0" err="1" smtClean="0"/>
-              <a:t>Tokens</a:t>
-            </a:r>
-            <a:r>
-              <a:rPr lang="ru-RU" sz="3200" dirty="0" smtClean="0"/>
-              <a:t> (JWT) за управление на </a:t>
-            </a:r>
-            <a:r>
-              <a:rPr lang="ru-RU" sz="3200" dirty="0" err="1" smtClean="0"/>
-              <a:t>удостоверяването</a:t>
-            </a:r>
-            <a:r>
-              <a:rPr lang="ru-RU" sz="3200" dirty="0" smtClean="0"/>
-              <a:t> и </a:t>
-            </a:r>
-            <a:r>
-              <a:rPr lang="ru-RU" sz="3200" dirty="0" err="1" smtClean="0"/>
-              <a:t>достъпа</a:t>
-            </a:r>
-            <a:r>
-              <a:rPr lang="ru-RU" sz="3200" dirty="0" smtClean="0"/>
-              <a:t>. </a:t>
-            </a:r>
-            <a:r>
-              <a:rPr lang="ru-RU" sz="3200" dirty="0" err="1" smtClean="0"/>
-              <a:t>Възможно</a:t>
-            </a:r>
-            <a:r>
-              <a:rPr lang="ru-RU" sz="3200" dirty="0" smtClean="0"/>
-              <a:t> е </a:t>
-            </a:r>
-            <a:r>
-              <a:rPr lang="ru-RU" sz="3200" dirty="0" err="1" smtClean="0"/>
-              <a:t>използване</a:t>
-            </a:r>
-            <a:r>
-              <a:rPr lang="ru-RU" sz="3200" dirty="0" smtClean="0"/>
-              <a:t> на </a:t>
-            </a:r>
-            <a:r>
-              <a:rPr lang="ru-RU" sz="3200" dirty="0" err="1" smtClean="0"/>
-              <a:t>различни</a:t>
-            </a:r>
-            <a:r>
-              <a:rPr lang="ru-RU" sz="3200" dirty="0" smtClean="0"/>
-              <a:t> библиотеки и рамки </a:t>
-            </a:r>
-            <a:r>
-              <a:rPr lang="ru-RU" sz="3200" dirty="0" err="1" smtClean="0"/>
-              <a:t>като</a:t>
-            </a:r>
-            <a:r>
-              <a:rPr lang="ru-RU" sz="3200" dirty="0" smtClean="0"/>
-              <a:t> </a:t>
-            </a:r>
-            <a:r>
-              <a:rPr lang="ru-RU" sz="3200" dirty="0" err="1" smtClean="0"/>
-              <a:t>Django</a:t>
-            </a:r>
-            <a:r>
-              <a:rPr lang="ru-RU" sz="3200" dirty="0" smtClean="0"/>
-              <a:t> </a:t>
-            </a:r>
-            <a:r>
-              <a:rPr lang="ru-RU" sz="3200" dirty="0" err="1" smtClean="0"/>
-              <a:t>системата</a:t>
-            </a:r>
-            <a:r>
-              <a:rPr lang="ru-RU" sz="3200" dirty="0" smtClean="0"/>
-              <a:t> за </a:t>
-            </a:r>
-            <a:r>
-              <a:rPr lang="ru-RU" sz="3200" dirty="0" err="1" smtClean="0"/>
-              <a:t>удостоверяване</a:t>
-            </a:r>
-            <a:r>
-              <a:rPr lang="ru-RU" sz="3200" dirty="0" smtClean="0"/>
-              <a:t> и авторизация.</a:t>
-            </a:r>
-            <a:endParaRPr lang="bg-BG" sz="3200" dirty="0"/>
+              <a:rPr lang="bg-BG" sz="3200" noProof="0" dirty="0" smtClean="0"/>
+              <a:t>Използват се механизми като сесии, бисквитки и JSON Web Tokens (JWT) за управление на удостоверяването и достъпа. Възможно е използване на различни библиотеки и рамки като Django системата за удостоверяване и авторизация.</a:t>
+            </a:r>
+            <a:endParaRPr lang="bg-BG" sz="3200" noProof="0" dirty="0"/>
           </a:p>
         </p:txBody>
       </p:sp>
@@ -4042,134 +1665,10 @@
           <a:lstStyle/>
           <a:p>
             <a:r>
-              <a:rPr lang="ru-RU" dirty="0" err="1" smtClean="0"/>
-              <a:t>Django</a:t>
-            </a:r>
-            <a:r>
-              <a:rPr lang="ru-RU" dirty="0" smtClean="0"/>
-              <a:t> </a:t>
-            </a:r>
-            <a:r>
-              <a:rPr lang="ru-RU" dirty="0" err="1" smtClean="0"/>
-              <a:t>разполага</a:t>
-            </a:r>
-            <a:r>
-              <a:rPr lang="ru-RU" dirty="0" smtClean="0"/>
-              <a:t> с </a:t>
-            </a:r>
-            <a:r>
-              <a:rPr lang="ru-RU" dirty="0" err="1" smtClean="0"/>
-              <a:t>вградена</a:t>
-            </a:r>
-            <a:r>
-              <a:rPr lang="ru-RU" dirty="0" smtClean="0"/>
-              <a:t> система </a:t>
-            </a:r>
-            <a:r>
-              <a:rPr lang="ru-RU" dirty="0" err="1" smtClean="0"/>
-              <a:t>django.contrib.auth</a:t>
-            </a:r>
-            <a:r>
-              <a:rPr lang="ru-RU" dirty="0" smtClean="0"/>
-              <a:t>, </a:t>
-            </a:r>
-            <a:r>
-              <a:rPr lang="ru-RU" dirty="0" err="1" smtClean="0"/>
-              <a:t>която</a:t>
-            </a:r>
-            <a:r>
-              <a:rPr lang="ru-RU" dirty="0" smtClean="0"/>
-              <a:t> </a:t>
-            </a:r>
-            <a:r>
-              <a:rPr lang="ru-RU" dirty="0" err="1" smtClean="0"/>
-              <a:t>предлага</a:t>
-            </a:r>
-            <a:r>
-              <a:rPr lang="ru-RU" dirty="0" smtClean="0"/>
-              <a:t> модели за потребители, </a:t>
-            </a:r>
-            <a:r>
-              <a:rPr lang="ru-RU" dirty="0" err="1" smtClean="0"/>
-              <a:t>групи</a:t>
-            </a:r>
-            <a:r>
-              <a:rPr lang="ru-RU" dirty="0" smtClean="0"/>
-              <a:t> и права. </a:t>
-            </a:r>
-            <a:r>
-              <a:rPr lang="ru-RU" dirty="0" err="1" smtClean="0"/>
-              <a:t>Има</a:t>
-            </a:r>
-            <a:r>
-              <a:rPr lang="ru-RU" dirty="0" smtClean="0"/>
-              <a:t> </a:t>
-            </a:r>
-            <a:r>
-              <a:rPr lang="ru-RU" dirty="0" err="1" smtClean="0"/>
-              <a:t>готови</a:t>
-            </a:r>
-            <a:r>
-              <a:rPr lang="ru-RU" dirty="0" smtClean="0"/>
-              <a:t> </a:t>
-            </a:r>
-            <a:r>
-              <a:rPr lang="ru-RU" dirty="0" err="1" smtClean="0"/>
-              <a:t>форми</a:t>
-            </a:r>
-            <a:r>
-              <a:rPr lang="ru-RU" dirty="0" smtClean="0"/>
-              <a:t> за логин и регистрация, </a:t>
-            </a:r>
-            <a:r>
-              <a:rPr lang="ru-RU" dirty="0" err="1" smtClean="0"/>
-              <a:t>както</a:t>
-            </a:r>
-            <a:r>
-              <a:rPr lang="ru-RU" dirty="0" smtClean="0"/>
-              <a:t> и </a:t>
-            </a:r>
-            <a:r>
-              <a:rPr lang="ru-RU" dirty="0" err="1" smtClean="0"/>
-              <a:t>методи</a:t>
-            </a:r>
-            <a:r>
-              <a:rPr lang="ru-RU" dirty="0" smtClean="0"/>
-              <a:t> за защита чрез </a:t>
-            </a:r>
-            <a:r>
-              <a:rPr lang="ru-RU" dirty="0" err="1" smtClean="0"/>
-              <a:t>декоратори</a:t>
-            </a:r>
-            <a:r>
-              <a:rPr lang="ru-RU" dirty="0" smtClean="0"/>
-              <a:t> </a:t>
-            </a:r>
-            <a:r>
-              <a:rPr lang="ru-RU" dirty="0" err="1" smtClean="0"/>
-              <a:t>като</a:t>
-            </a:r>
-            <a:r>
-              <a:rPr lang="ru-RU" dirty="0" smtClean="0"/>
-              <a:t> @</a:t>
-            </a:r>
-            <a:r>
-              <a:rPr lang="ru-RU" dirty="0" err="1" smtClean="0"/>
-              <a:t>login_required</a:t>
-            </a:r>
-            <a:r>
-              <a:rPr lang="ru-RU" dirty="0" smtClean="0"/>
-              <a:t> и @</a:t>
-            </a:r>
-            <a:r>
-              <a:rPr lang="ru-RU" dirty="0" err="1" smtClean="0"/>
-              <a:t>permission_required</a:t>
-            </a:r>
-            <a:r>
-              <a:rPr lang="ru-RU" dirty="0" smtClean="0"/>
-              <a:t>.</a:t>
-            </a:r>
-            <a:endParaRPr lang="bg-BG" dirty="0"/>
+              <a:rPr lang="bg-BG" noProof="0" dirty="0" smtClean="0"/>
+              <a:t>Django разполага с вградена система django.contrib.auth, която предлага модели за потребители, групи и права. Има готови форми за логин и регистрация, както и методи за защита чрез декоратори като @login_required и @permission_required.</a:t>
+            </a:r>
+            <a:endParaRPr lang="bg-BG" noProof="0" dirty="0"/>
           </a:p>
         </p:txBody>
       </p:sp>
@@ -4401,9 +1900,9 @@
             <a:fld id="{1D8BD707-D9CF-40AE-B4C6-C98DA3205C09}" type="datetimeFigureOut">
               <a:rPr lang="en-US" smtClean="0"/>
               <a:pPr/>
-              <a:t>5/16/2025</a:t>
+              <a:t>5/21/2025</a:t>
             </a:fld>
-            <a:endParaRPr lang="en-US"/>
+            <a:endParaRPr lang="en-US" dirty="0"/>
           </a:p>
         </p:txBody>
       </p:sp>
@@ -4422,7 +1921,7 @@
           <a:bodyPr/>
           <a:lstStyle/>
           <a:p>
-            <a:endParaRPr lang="en-US"/>
+            <a:endParaRPr lang="en-US" dirty="0"/>
           </a:p>
         </p:txBody>
       </p:sp>
@@ -4446,7 +1945,7 @@
               <a:pPr/>
               <a:t>‹#›</a:t>
             </a:fld>
-            <a:endParaRPr lang="en-US"/>
+            <a:endParaRPr lang="en-US" dirty="0"/>
           </a:p>
         </p:txBody>
       </p:sp>
@@ -4758,7 +2257,7 @@
           </a:lstStyle>
           <a:p>
             <a:r>
-              <a:rPr lang="en-US" smtClean="0"/>
+              <a:rPr lang="en-US" dirty="0" smtClean="0"/>
               <a:t>Click icon to add picture</a:t>
             </a:r>
             <a:endParaRPr lang="en-US" dirty="0"/>
@@ -4839,9 +2338,9 @@
             <a:fld id="{1D8BD707-D9CF-40AE-B4C6-C98DA3205C09}" type="datetimeFigureOut">
               <a:rPr lang="en-US" smtClean="0"/>
               <a:pPr/>
-              <a:t>5/16/2025</a:t>
+              <a:t>5/21/2025</a:t>
             </a:fld>
-            <a:endParaRPr lang="en-US"/>
+            <a:endParaRPr lang="en-US" dirty="0"/>
           </a:p>
         </p:txBody>
       </p:sp>
@@ -4860,7 +2359,7 @@
           <a:bodyPr/>
           <a:lstStyle/>
           <a:p>
-            <a:endParaRPr lang="en-US"/>
+            <a:endParaRPr lang="en-US" dirty="0"/>
           </a:p>
         </p:txBody>
       </p:sp>
@@ -4884,7 +2383,7 @@
               <a:pPr/>
               <a:t>‹#›</a:t>
             </a:fld>
-            <a:endParaRPr lang="en-US"/>
+            <a:endParaRPr lang="en-US" dirty="0"/>
           </a:p>
         </p:txBody>
       </p:sp>
@@ -5091,9 +2590,9 @@
             <a:fld id="{1D8BD707-D9CF-40AE-B4C6-C98DA3205C09}" type="datetimeFigureOut">
               <a:rPr lang="en-US" smtClean="0"/>
               <a:pPr/>
-              <a:t>5/16/2025</a:t>
+              <a:t>5/21/2025</a:t>
             </a:fld>
-            <a:endParaRPr lang="en-US"/>
+            <a:endParaRPr lang="en-US" dirty="0"/>
           </a:p>
         </p:txBody>
       </p:sp>
@@ -5112,7 +2611,7 @@
           <a:bodyPr/>
           <a:lstStyle/>
           <a:p>
-            <a:endParaRPr lang="en-US"/>
+            <a:endParaRPr lang="en-US" dirty="0"/>
           </a:p>
         </p:txBody>
       </p:sp>
@@ -5136,7 +2635,7 @@
               <a:pPr/>
               <a:t>‹#›</a:t>
             </a:fld>
-            <a:endParaRPr lang="en-US"/>
+            <a:endParaRPr lang="en-US" dirty="0"/>
           </a:p>
         </p:txBody>
       </p:sp>
@@ -5401,9 +2900,9 @@
             <a:fld id="{1D8BD707-D9CF-40AE-B4C6-C98DA3205C09}" type="datetimeFigureOut">
               <a:rPr lang="en-US" smtClean="0"/>
               <a:pPr/>
-              <a:t>5/16/2025</a:t>
+              <a:t>5/21/2025</a:t>
             </a:fld>
-            <a:endParaRPr lang="en-US"/>
+            <a:endParaRPr lang="en-US" dirty="0"/>
           </a:p>
         </p:txBody>
       </p:sp>
@@ -5422,7 +2921,7 @@
           <a:bodyPr/>
           <a:lstStyle/>
           <a:p>
-            <a:endParaRPr lang="en-US"/>
+            <a:endParaRPr lang="en-US" dirty="0"/>
           </a:p>
         </p:txBody>
       </p:sp>
@@ -5446,7 +2945,7 @@
               <a:pPr/>
               <a:t>‹#›</a:t>
             </a:fld>
-            <a:endParaRPr lang="en-US"/>
+            <a:endParaRPr lang="en-US" dirty="0"/>
           </a:p>
         </p:txBody>
       </p:sp>
@@ -5721,9 +3220,9 @@
             <a:fld id="{1D8BD707-D9CF-40AE-B4C6-C98DA3205C09}" type="datetimeFigureOut">
               <a:rPr lang="en-US" smtClean="0"/>
               <a:pPr/>
-              <a:t>5/16/2025</a:t>
+              <a:t>5/21/2025</a:t>
             </a:fld>
-            <a:endParaRPr lang="en-US"/>
+            <a:endParaRPr lang="en-US" dirty="0"/>
           </a:p>
         </p:txBody>
       </p:sp>
@@ -5742,7 +3241,7 @@
           <a:bodyPr/>
           <a:lstStyle/>
           <a:p>
-            <a:endParaRPr lang="en-US"/>
+            <a:endParaRPr lang="en-US" dirty="0"/>
           </a:p>
         </p:txBody>
       </p:sp>
@@ -5766,7 +3265,7 @@
               <a:pPr/>
               <a:t>‹#›</a:t>
             </a:fld>
-            <a:endParaRPr lang="en-US"/>
+            <a:endParaRPr lang="en-US" dirty="0"/>
           </a:p>
         </p:txBody>
       </p:sp>
@@ -6025,9 +3524,9 @@
             <a:fld id="{1D8BD707-D9CF-40AE-B4C6-C98DA3205C09}" type="datetimeFigureOut">
               <a:rPr lang="en-US" smtClean="0"/>
               <a:pPr/>
-              <a:t>5/16/2025</a:t>
+              <a:t>5/21/2025</a:t>
             </a:fld>
-            <a:endParaRPr lang="en-US"/>
+            <a:endParaRPr lang="en-US" dirty="0"/>
           </a:p>
         </p:txBody>
       </p:sp>
@@ -6046,7 +3545,7 @@
           <a:bodyPr/>
           <a:lstStyle/>
           <a:p>
-            <a:endParaRPr lang="en-US"/>
+            <a:endParaRPr lang="en-US" dirty="0"/>
           </a:p>
         </p:txBody>
       </p:sp>
@@ -6070,7 +3569,7 @@
               <a:pPr/>
               <a:t>‹#›</a:t>
             </a:fld>
-            <a:endParaRPr lang="en-US"/>
+            <a:endParaRPr lang="en-US" dirty="0"/>
           </a:p>
         </p:txBody>
       </p:sp>
@@ -6394,9 +3893,9 @@
             <a:fld id="{1D8BD707-D9CF-40AE-B4C6-C98DA3205C09}" type="datetimeFigureOut">
               <a:rPr lang="en-US" smtClean="0"/>
               <a:pPr/>
-              <a:t>5/16/2025</a:t>
+              <a:t>5/21/2025</a:t>
             </a:fld>
-            <a:endParaRPr lang="en-US"/>
+            <a:endParaRPr lang="en-US" dirty="0"/>
           </a:p>
         </p:txBody>
       </p:sp>
@@ -6415,7 +3914,7 @@
           <a:bodyPr/>
           <a:lstStyle/>
           <a:p>
-            <a:endParaRPr lang="en-US"/>
+            <a:endParaRPr lang="en-US" dirty="0"/>
           </a:p>
         </p:txBody>
       </p:sp>
@@ -6439,7 +3938,7 @@
               <a:pPr/>
               <a:t>‹#›</a:t>
             </a:fld>
-            <a:endParaRPr lang="en-US"/>
+            <a:endParaRPr lang="en-US" dirty="0"/>
           </a:p>
         </p:txBody>
       </p:sp>
@@ -6570,9 +4069,9 @@
             <a:fld id="{1D8BD707-D9CF-40AE-B4C6-C98DA3205C09}" type="datetimeFigureOut">
               <a:rPr lang="en-US" smtClean="0"/>
               <a:pPr/>
-              <a:t>5/16/2025</a:t>
+              <a:t>5/21/2025</a:t>
             </a:fld>
-            <a:endParaRPr lang="en-US"/>
+            <a:endParaRPr lang="en-US" dirty="0"/>
           </a:p>
         </p:txBody>
       </p:sp>
@@ -6591,7 +4090,7 @@
           <a:bodyPr/>
           <a:lstStyle/>
           <a:p>
-            <a:endParaRPr lang="en-US"/>
+            <a:endParaRPr lang="en-US" dirty="0"/>
           </a:p>
         </p:txBody>
       </p:sp>
@@ -6615,7 +4114,7 @@
               <a:pPr/>
               <a:t>‹#›</a:t>
             </a:fld>
-            <a:endParaRPr lang="en-US"/>
+            <a:endParaRPr lang="en-US" dirty="0"/>
           </a:p>
         </p:txBody>
       </p:sp>
@@ -6752,9 +4251,9 @@
             <a:fld id="{1D8BD707-D9CF-40AE-B4C6-C98DA3205C09}" type="datetimeFigureOut">
               <a:rPr lang="en-US" smtClean="0"/>
               <a:pPr/>
-              <a:t>5/16/2025</a:t>
+              <a:t>5/21/2025</a:t>
             </a:fld>
-            <a:endParaRPr lang="en-US"/>
+            <a:endParaRPr lang="en-US" dirty="0"/>
           </a:p>
         </p:txBody>
       </p:sp>
@@ -6773,7 +4272,7 @@
           <a:bodyPr/>
           <a:lstStyle/>
           <a:p>
-            <a:endParaRPr lang="en-US"/>
+            <a:endParaRPr lang="en-US" dirty="0"/>
           </a:p>
         </p:txBody>
       </p:sp>
@@ -6797,7 +4296,7 @@
               <a:pPr/>
               <a:t>‹#›</a:t>
             </a:fld>
-            <a:endParaRPr lang="en-US"/>
+            <a:endParaRPr lang="en-US" dirty="0"/>
           </a:p>
         </p:txBody>
       </p:sp>
@@ -6924,9 +4423,9 @@
             <a:fld id="{1D8BD707-D9CF-40AE-B4C6-C98DA3205C09}" type="datetimeFigureOut">
               <a:rPr lang="en-US" smtClean="0"/>
               <a:pPr/>
-              <a:t>5/16/2025</a:t>
+              <a:t>5/21/2025</a:t>
             </a:fld>
-            <a:endParaRPr lang="en-US"/>
+            <a:endParaRPr lang="en-US" dirty="0"/>
           </a:p>
         </p:txBody>
       </p:sp>
@@ -6945,7 +4444,7 @@
           <a:bodyPr/>
           <a:lstStyle/>
           <a:p>
-            <a:endParaRPr lang="en-US"/>
+            <a:endParaRPr lang="en-US" dirty="0"/>
           </a:p>
         </p:txBody>
       </p:sp>
@@ -6969,7 +4468,7 @@
               <a:pPr/>
               <a:t>‹#›</a:t>
             </a:fld>
-            <a:endParaRPr lang="en-US"/>
+            <a:endParaRPr lang="en-US" dirty="0"/>
           </a:p>
         </p:txBody>
       </p:sp>
@@ -7176,9 +4675,9 @@
             <a:fld id="{1D8BD707-D9CF-40AE-B4C6-C98DA3205C09}" type="datetimeFigureOut">
               <a:rPr lang="en-US" smtClean="0"/>
               <a:pPr/>
-              <a:t>5/16/2025</a:t>
+              <a:t>5/21/2025</a:t>
             </a:fld>
-            <a:endParaRPr lang="en-US"/>
+            <a:endParaRPr lang="en-US" dirty="0"/>
           </a:p>
         </p:txBody>
       </p:sp>
@@ -7197,7 +4696,7 @@
           <a:bodyPr/>
           <a:lstStyle/>
           <a:p>
-            <a:endParaRPr lang="en-US"/>
+            <a:endParaRPr lang="en-US" dirty="0"/>
           </a:p>
         </p:txBody>
       </p:sp>
@@ -7221,7 +4720,7 @@
               <a:pPr/>
               <a:t>‹#›</a:t>
             </a:fld>
-            <a:endParaRPr lang="en-US"/>
+            <a:endParaRPr lang="en-US" dirty="0"/>
           </a:p>
         </p:txBody>
       </p:sp>
@@ -7414,9 +4913,9 @@
             <a:fld id="{1D8BD707-D9CF-40AE-B4C6-C98DA3205C09}" type="datetimeFigureOut">
               <a:rPr lang="en-US" smtClean="0"/>
               <a:pPr/>
-              <a:t>5/16/2025</a:t>
+              <a:t>5/21/2025</a:t>
             </a:fld>
-            <a:endParaRPr lang="en-US"/>
+            <a:endParaRPr lang="en-US" dirty="0"/>
           </a:p>
         </p:txBody>
       </p:sp>
@@ -7435,7 +4934,7 @@
           <a:bodyPr/>
           <a:lstStyle/>
           <a:p>
-            <a:endParaRPr lang="en-US"/>
+            <a:endParaRPr lang="en-US" dirty="0"/>
           </a:p>
         </p:txBody>
       </p:sp>
@@ -7459,7 +4958,7 @@
               <a:pPr/>
               <a:t>‹#›</a:t>
             </a:fld>
-            <a:endParaRPr lang="en-US"/>
+            <a:endParaRPr lang="en-US" dirty="0"/>
           </a:p>
         </p:txBody>
       </p:sp>
@@ -7798,9 +5297,9 @@
             <a:fld id="{1D8BD707-D9CF-40AE-B4C6-C98DA3205C09}" type="datetimeFigureOut">
               <a:rPr lang="en-US" smtClean="0"/>
               <a:pPr/>
-              <a:t>5/16/2025</a:t>
+              <a:t>5/21/2025</a:t>
             </a:fld>
-            <a:endParaRPr lang="en-US"/>
+            <a:endParaRPr lang="en-US" dirty="0"/>
           </a:p>
         </p:txBody>
       </p:sp>
@@ -7819,7 +5318,7 @@
           <a:bodyPr/>
           <a:lstStyle/>
           <a:p>
-            <a:endParaRPr lang="en-US"/>
+            <a:endParaRPr lang="en-US" dirty="0"/>
           </a:p>
         </p:txBody>
       </p:sp>
@@ -7843,7 +5342,7 @@
               <a:pPr/>
               <a:t>‹#›</a:t>
             </a:fld>
-            <a:endParaRPr lang="en-US"/>
+            <a:endParaRPr lang="en-US" dirty="0"/>
           </a:p>
         </p:txBody>
       </p:sp>
@@ -7918,9 +5417,9 @@
             <a:fld id="{1D8BD707-D9CF-40AE-B4C6-C98DA3205C09}" type="datetimeFigureOut">
               <a:rPr lang="en-US" smtClean="0"/>
               <a:pPr/>
-              <a:t>5/16/2025</a:t>
+              <a:t>5/21/2025</a:t>
             </a:fld>
-            <a:endParaRPr lang="en-US"/>
+            <a:endParaRPr lang="en-US" dirty="0"/>
           </a:p>
         </p:txBody>
       </p:sp>
@@ -7939,7 +5438,7 @@
           <a:bodyPr/>
           <a:lstStyle/>
           <a:p>
-            <a:endParaRPr lang="en-US"/>
+            <a:endParaRPr lang="en-US" dirty="0"/>
           </a:p>
         </p:txBody>
       </p:sp>
@@ -7963,7 +5462,7 @@
               <a:pPr/>
               <a:t>‹#›</a:t>
             </a:fld>
-            <a:endParaRPr lang="en-US"/>
+            <a:endParaRPr lang="en-US" dirty="0"/>
           </a:p>
         </p:txBody>
       </p:sp>
@@ -8015,9 +5514,9 @@
             <a:fld id="{1D8BD707-D9CF-40AE-B4C6-C98DA3205C09}" type="datetimeFigureOut">
               <a:rPr lang="en-US" smtClean="0"/>
               <a:pPr/>
-              <a:t>5/16/2025</a:t>
+              <a:t>5/21/2025</a:t>
             </a:fld>
-            <a:endParaRPr lang="en-US"/>
+            <a:endParaRPr lang="en-US" dirty="0"/>
           </a:p>
         </p:txBody>
       </p:sp>
@@ -8036,7 +5535,7 @@
           <a:bodyPr/>
           <a:lstStyle/>
           <a:p>
-            <a:endParaRPr lang="en-US"/>
+            <a:endParaRPr lang="en-US" dirty="0"/>
           </a:p>
         </p:txBody>
       </p:sp>
@@ -8060,7 +5559,7 @@
               <a:pPr/>
               <a:t>‹#›</a:t>
             </a:fld>
-            <a:endParaRPr lang="en-US"/>
+            <a:endParaRPr lang="en-US" dirty="0"/>
           </a:p>
         </p:txBody>
       </p:sp>
@@ -8272,9 +5771,9 @@
             <a:fld id="{1D8BD707-D9CF-40AE-B4C6-C98DA3205C09}" type="datetimeFigureOut">
               <a:rPr lang="en-US" smtClean="0"/>
               <a:pPr/>
-              <a:t>5/16/2025</a:t>
+              <a:t>5/21/2025</a:t>
             </a:fld>
-            <a:endParaRPr lang="en-US"/>
+            <a:endParaRPr lang="en-US" dirty="0"/>
           </a:p>
         </p:txBody>
       </p:sp>
@@ -8293,7 +5792,7 @@
           <a:bodyPr/>
           <a:lstStyle/>
           <a:p>
-            <a:endParaRPr lang="en-US"/>
+            <a:endParaRPr lang="en-US" dirty="0"/>
           </a:p>
         </p:txBody>
       </p:sp>
@@ -8317,7 +5816,7 @@
               <a:pPr/>
               <a:t>‹#›</a:t>
             </a:fld>
-            <a:endParaRPr lang="en-US"/>
+            <a:endParaRPr lang="en-US" dirty="0"/>
           </a:p>
         </p:txBody>
       </p:sp>
@@ -8465,7 +5964,7 @@
           </a:lstStyle>
           <a:p>
             <a:r>
-              <a:rPr lang="en-US" smtClean="0"/>
+              <a:rPr lang="en-US" dirty="0" smtClean="0"/>
               <a:t>Click icon to add picture</a:t>
             </a:r>
             <a:endParaRPr lang="en-US" dirty="0"/>
@@ -8557,9 +6056,9 @@
             <a:fld id="{1D8BD707-D9CF-40AE-B4C6-C98DA3205C09}" type="datetimeFigureOut">
               <a:rPr lang="en-US" smtClean="0"/>
               <a:pPr/>
-              <a:t>5/16/2025</a:t>
+              <a:t>5/21/2025</a:t>
             </a:fld>
-            <a:endParaRPr lang="en-US"/>
+            <a:endParaRPr lang="en-US" dirty="0"/>
           </a:p>
         </p:txBody>
       </p:sp>
@@ -8578,7 +6077,7 @@
           <a:bodyPr/>
           <a:lstStyle/>
           <a:p>
-            <a:endParaRPr lang="en-US"/>
+            <a:endParaRPr lang="en-US" dirty="0"/>
           </a:p>
         </p:txBody>
       </p:sp>
@@ -8602,7 +6101,7 @@
               <a:pPr/>
               <a:t>‹#›</a:t>
             </a:fld>
-            <a:endParaRPr lang="en-US"/>
+            <a:endParaRPr lang="en-US" dirty="0"/>
           </a:p>
         </p:txBody>
       </p:sp>
@@ -8965,9 +6464,9 @@
             <a:fld id="{1D8BD707-D9CF-40AE-B4C6-C98DA3205C09}" type="datetimeFigureOut">
               <a:rPr lang="en-US" smtClean="0"/>
               <a:pPr/>
-              <a:t>5/16/2025</a:t>
+              <a:t>5/21/2025</a:t>
             </a:fld>
-            <a:endParaRPr lang="en-US"/>
+            <a:endParaRPr lang="en-US" dirty="0"/>
           </a:p>
         </p:txBody>
       </p:sp>
@@ -9006,7 +6505,7 @@
             </a:lvl1pPr>
           </a:lstStyle>
           <a:p>
-            <a:endParaRPr lang="en-US"/>
+            <a:endParaRPr lang="en-US" dirty="0"/>
           </a:p>
         </p:txBody>
       </p:sp>
@@ -9050,7 +6549,7 @@
               <a:pPr/>
               <a:t>‹#›</a:t>
             </a:fld>
-            <a:endParaRPr lang="en-US"/>
+            <a:endParaRPr lang="en-US" dirty="0"/>
           </a:p>
         </p:txBody>
       </p:sp>
@@ -9692,15 +7191,7 @@
                   <a:schemeClr val="tx1"/>
                 </a:solidFill>
               </a:rPr>
-              <a:t> </a:t>
-            </a:r>
-            <a:r>
-              <a:rPr lang="ru-RU" sz="1600" dirty="0">
-                <a:solidFill>
-                  <a:schemeClr val="tx1"/>
-                </a:solidFill>
-              </a:rPr>
-              <a:t>на </a:t>
+              <a:t> на </a:t>
             </a:r>
             <a:r>
               <a:rPr lang="ru-RU" sz="1600" dirty="0" err="1">
@@ -9748,15 +7239,7 @@
                   <a:schemeClr val="tx1"/>
                 </a:solidFill>
               </a:rPr>
-              <a:t> приложения</a:t>
-            </a:r>
-            <a:r>
-              <a:rPr lang="ru-RU" sz="1600" dirty="0">
-                <a:solidFill>
-                  <a:schemeClr val="tx1"/>
-                </a:solidFill>
-              </a:rPr>
-              <a:t>.</a:t>
+              <a:t> приложения.</a:t>
             </a:r>
             <a:endParaRPr lang="bg-BG" sz="1600" dirty="0">
               <a:solidFill>
@@ -9802,7 +7285,6 @@
               <a:rPr lang="bg-BG" dirty="0"/>
               <a:t>     Мирослава Тодева</a:t>
             </a:r>
-            <a:endParaRPr lang="bg-BG" dirty="0"/>
           </a:p>
         </p:txBody>
       </p:sp>
@@ -9840,6 +7322,13 @@
   <p:clrMapOvr>
     <a:masterClrMapping/>
   </p:clrMapOvr>
+  <p:timing>
+    <p:tnLst>
+      <p:par>
+        <p:cTn id="1" dur="indefinite" restart="never" nodeType="tmRoot"/>
+      </p:par>
+    </p:tnLst>
+  </p:timing>
 </p:sld>
 </file>
 
@@ -9876,8 +7365,8 @@
         </p:blipFill>
         <p:spPr>
           <a:xfrm>
-            <a:off x="1752600" y="1752600"/>
-            <a:ext cx="3295650" cy="4762500"/>
+            <a:off x="2133600" y="1104049"/>
+            <a:ext cx="3657819" cy="5285865"/>
           </a:xfrm>
           <a:prstGeom prst="rect">
             <a:avLst/>
@@ -9912,7 +7401,7 @@
         </p:blipFill>
         <p:spPr>
           <a:xfrm>
-            <a:off x="5943600" y="1413612"/>
+            <a:off x="6324600" y="1104049"/>
             <a:ext cx="4210638" cy="5411051"/>
           </a:xfrm>
           <a:prstGeom prst="rect">
@@ -9935,17 +7424,22 @@
         <p:spPr>
           <a:xfrm>
             <a:off x="1752600" y="483317"/>
-            <a:ext cx="5105400" cy="954107"/>
+            <a:ext cx="8610600" cy="523220"/>
           </a:xfrm>
           <a:prstGeom prst="rect">
             <a:avLst/>
           </a:prstGeom>
           <a:noFill/>
           <a:ln>
-            <a:solidFill>
-              <a:schemeClr val="bg1"/>
-            </a:solidFill>
+            <a:noFill/>
           </a:ln>
+          <a:effectLst>
+            <a:outerShdw blurRad="50800" dist="38100" dir="2700000" algn="tl" rotWithShape="0">
+              <a:prstClr val="black">
+                <a:alpha val="40000"/>
+              </a:prstClr>
+            </a:outerShdw>
+          </a:effectLst>
         </p:spPr>
         <p:txBody>
           <a:bodyPr wrap="square" rtlCol="0">
@@ -9955,7 +7449,7 @@
           <a:p>
             <a:pPr algn="ctr"/>
             <a:r>
-              <a:rPr lang="bg-BG" dirty="0"/>
+              <a:rPr lang="bg-BG" sz="2800" dirty="0"/>
               <a:t>	</a:t>
             </a:r>
             <a:r>
@@ -9975,6 +7469,13 @@
   <p:clrMapOvr>
     <a:masterClrMapping/>
   </p:clrMapOvr>
+  <p:timing>
+    <p:tnLst>
+      <p:par>
+        <p:cTn id="1" dur="indefinite" restart="never" nodeType="tmRoot"/>
+      </p:par>
+    </p:tnLst>
+  </p:timing>
 </p:sld>
 </file>
 
@@ -10011,8 +7512,8 @@
         </p:blipFill>
         <p:spPr>
           <a:xfrm>
-            <a:off x="2774157" y="381001"/>
-            <a:ext cx="2143125" cy="2143125"/>
+            <a:off x="2700933" y="762000"/>
+            <a:ext cx="2143125" cy="2460170"/>
           </a:xfrm>
           <a:prstGeom prst="rect">
             <a:avLst/>
@@ -10041,8 +7542,8 @@
         </p:blipFill>
         <p:spPr>
           <a:xfrm>
-            <a:off x="6248400" y="1833562"/>
-            <a:ext cx="2514600" cy="2266950"/>
+            <a:off x="6248399" y="1676400"/>
+            <a:ext cx="2688931" cy="2424112"/>
           </a:xfrm>
           <a:prstGeom prst="rect">
             <a:avLst/>
@@ -10072,7 +7573,7 @@
         <p:spPr>
           <a:xfrm>
             <a:off x="3287316" y="3962401"/>
-            <a:ext cx="2295525" cy="2143125"/>
+            <a:ext cx="2366940" cy="2209799"/>
           </a:xfrm>
           <a:prstGeom prst="rect">
             <a:avLst/>
@@ -10095,6 +7596,13 @@
   <p:clrMapOvr>
     <a:masterClrMapping/>
   </p:clrMapOvr>
+  <p:timing>
+    <p:tnLst>
+      <p:par>
+        <p:cTn id="1" dur="indefinite" restart="never" nodeType="tmRoot"/>
+      </p:par>
+    </p:tnLst>
+  </p:timing>
 </p:sld>
 </file>
 
@@ -10149,6 +7657,13 @@
   <p:clrMapOvr>
     <a:masterClrMapping/>
   </p:clrMapOvr>
+  <p:timing>
+    <p:tnLst>
+      <p:par>
+        <p:cTn id="1" dur="indefinite" restart="never" nodeType="tmRoot"/>
+      </p:par>
+    </p:tnLst>
+  </p:timing>
 </p:sld>
 </file>
 
@@ -10228,7 +7743,6 @@
               <a:rPr lang="bg-BG" dirty="0"/>
               <a:t>Дипломант: Мирослава Тодева</a:t>
             </a:r>
-            <a:endParaRPr lang="bg-BG" dirty="0"/>
           </a:p>
         </p:txBody>
       </p:sp>
@@ -10242,6 +7756,13 @@
   <p:clrMapOvr>
     <a:masterClrMapping/>
   </p:clrMapOvr>
+  <p:timing>
+    <p:tnLst>
+      <p:par>
+        <p:cTn id="1" dur="indefinite" restart="never" nodeType="tmRoot"/>
+      </p:par>
+    </p:tnLst>
+  </p:timing>
 </p:sld>
 </file>
 
@@ -10284,66 +7805,32 @@
         </p:nvSpPr>
         <p:spPr>
           <a:xfrm>
-            <a:off x="2438400" y="5105400"/>
-            <a:ext cx="7556210" cy="1600200"/>
+            <a:off x="2013889" y="5187043"/>
+            <a:ext cx="8165810" cy="1600200"/>
           </a:xfrm>
           <a:ln>
-            <a:solidFill>
-              <a:schemeClr val="bg1"/>
-            </a:solidFill>
+            <a:noFill/>
           </a:ln>
+          <a:effectLst>
+            <a:outerShdw blurRad="50800" dist="38100" dir="2700000" algn="tl" rotWithShape="0">
+              <a:prstClr val="black">
+                <a:alpha val="40000"/>
+              </a:prstClr>
+            </a:outerShdw>
+          </a:effectLst>
         </p:spPr>
         <p:txBody>
           <a:bodyPr/>
           <a:lstStyle/>
           <a:p>
-            <a:r>
-              <a:rPr lang="ru-RU" dirty="0">
+            <a:pPr algn="ctr"/>
+            <a:r>
+              <a:rPr lang="bg-BG" dirty="0" smtClean="0">
                 <a:solidFill>
                   <a:schemeClr val="bg1"/>
                 </a:solidFill>
               </a:rPr>
-              <a:t>	</a:t>
-            </a:r>
-            <a:r>
-              <a:rPr lang="ru-RU" dirty="0" err="1">
-                <a:solidFill>
-                  <a:schemeClr val="bg1"/>
-                </a:solidFill>
-              </a:rPr>
-              <a:t>Въведение</a:t>
-            </a:r>
-            <a:r>
-              <a:rPr lang="ru-RU" dirty="0">
-                <a:solidFill>
-                  <a:schemeClr val="bg1"/>
-                </a:solidFill>
-              </a:rPr>
-              <a:t> в </a:t>
-            </a:r>
-            <a:r>
-              <a:rPr lang="ru-RU" dirty="0" err="1">
-                <a:solidFill>
-                  <a:schemeClr val="bg1"/>
-                </a:solidFill>
-              </a:rPr>
-              <a:t>уеб</a:t>
-            </a:r>
-            <a:r>
-              <a:rPr lang="ru-RU" dirty="0">
-                <a:solidFill>
-                  <a:schemeClr val="bg1"/>
-                </a:solidFill>
-              </a:rPr>
-              <a:t> </a:t>
-            </a:r>
-            <a:r>
-              <a:rPr lang="ru-RU" dirty="0" err="1">
-                <a:solidFill>
-                  <a:schemeClr val="bg1"/>
-                </a:solidFill>
-              </a:rPr>
-              <a:t>сигурността</a:t>
+              <a:t>Въведение в уеб сигурността</a:t>
             </a:r>
             <a:endParaRPr lang="bg-BG" dirty="0">
               <a:solidFill>
@@ -10391,9 +7878,7 @@
             </a:srgbClr>
           </a:solidFill>
           <a:ln>
-            <a:solidFill>
-              <a:schemeClr val="bg1"/>
-            </a:solidFill>
+            <a:noFill/>
           </a:ln>
           <a:effectLst>
             <a:reflection blurRad="12700" stA="38000" endPos="28000" dist="5000" dir="5400000" sy="-100000" algn="bl" rotWithShape="0"/>
@@ -10410,6 +7895,13 @@
   <p:clrMapOvr>
     <a:masterClrMapping/>
   </p:clrMapOvr>
+  <p:timing>
+    <p:tnLst>
+      <p:par>
+        <p:cTn id="1" dur="indefinite" restart="never" nodeType="tmRoot"/>
+      </p:par>
+    </p:tnLst>
+  </p:timing>
 </p:sld>
 </file>
 
@@ -10493,6 +7985,13 @@
   <p:clrMapOvr>
     <a:masterClrMapping/>
   </p:clrMapOvr>
+  <p:timing>
+    <p:tnLst>
+      <p:par>
+        <p:cTn id="1" dur="indefinite" restart="never" nodeType="tmRoot"/>
+      </p:par>
+    </p:tnLst>
+  </p:timing>
 </p:sld>
 </file>
 
@@ -10578,18 +8077,23 @@
         </p:nvSpPr>
         <p:spPr>
           <a:xfrm>
-            <a:off x="5715000" y="533401"/>
-            <a:ext cx="4953000" cy="646331"/>
+            <a:off x="2057400" y="533401"/>
+            <a:ext cx="8610600" cy="461665"/>
           </a:xfrm>
           <a:prstGeom prst="rect">
             <a:avLst/>
           </a:prstGeom>
           <a:noFill/>
           <a:ln>
-            <a:solidFill>
-              <a:schemeClr val="bg1"/>
-            </a:solidFill>
+            <a:noFill/>
           </a:ln>
+          <a:effectLst>
+            <a:outerShdw blurRad="50800" dist="38100" dir="2700000" algn="tl" rotWithShape="0">
+              <a:prstClr val="black">
+                <a:alpha val="40000"/>
+              </a:prstClr>
+            </a:outerShdw>
+          </a:effectLst>
         </p:spPr>
         <p:txBody>
           <a:bodyPr wrap="square" rtlCol="0">
@@ -10599,23 +8103,15 @@
           <a:p>
             <a:pPr algn="ctr"/>
             <a:r>
-              <a:rPr lang="ru-RU" b="1" dirty="0">
+              <a:rPr lang="ru-RU" sz="2400" b="1" dirty="0">
                 <a:solidFill>
                   <a:schemeClr val="bg1"/>
                 </a:solidFill>
               </a:rPr>
-              <a:t>Значение </a:t>
-            </a:r>
-            <a:r>
-              <a:rPr lang="ru-RU" b="1" dirty="0">
-                <a:solidFill>
-                  <a:schemeClr val="bg1"/>
-                </a:solidFill>
-              </a:rPr>
-              <a:t>на </a:t>
-            </a:r>
-            <a:r>
-              <a:rPr lang="ru-RU" b="1" dirty="0" err="1">
+              <a:t>Значение на </a:t>
+            </a:r>
+            <a:r>
+              <a:rPr lang="bg-BG" sz="2400" b="1" dirty="0" smtClean="0">
                 <a:solidFill>
                   <a:schemeClr val="bg1"/>
                 </a:solidFill>
@@ -10623,23 +8119,7 @@
               <a:t>сигурността</a:t>
             </a:r>
             <a:r>
-              <a:rPr lang="ru-RU" b="1" dirty="0">
-                <a:solidFill>
-                  <a:schemeClr val="bg1"/>
-                </a:solidFill>
-              </a:rPr>
-              <a:t> в </a:t>
-            </a:r>
-            <a:r>
-              <a:rPr lang="ru-RU" b="1" dirty="0" err="1">
-                <a:solidFill>
-                  <a:schemeClr val="bg1"/>
-                </a:solidFill>
-              </a:rPr>
-              <a:t>уеб</a:t>
-            </a:r>
-            <a:r>
-              <a:rPr lang="en-US" b="1" dirty="0">
+              <a:rPr lang="ru-RU" sz="2400" b="1" dirty="0" smtClean="0">
                 <a:solidFill>
                   <a:schemeClr val="bg1"/>
                 </a:solidFill>
@@ -10647,7 +8127,15 @@
               <a:t> </a:t>
             </a:r>
             <a:r>
-              <a:rPr lang="ru-RU" b="1" dirty="0">
+              <a:rPr lang="ru-RU" sz="2400" b="1" dirty="0">
+                <a:solidFill>
+                  <a:schemeClr val="bg1"/>
+                </a:solidFill>
+              </a:rPr>
+              <a:t>в уеб</a:t>
+            </a:r>
+            <a:r>
+              <a:rPr lang="en-US" sz="2400" b="1" dirty="0">
                 <a:solidFill>
                   <a:schemeClr val="bg1"/>
                 </a:solidFill>
@@ -10655,14 +8143,22 @@
               <a:t> </a:t>
             </a:r>
             <a:r>
-              <a:rPr lang="ru-RU" b="1" dirty="0" err="1">
+              <a:rPr lang="ru-RU" sz="2400" b="1" dirty="0">
+                <a:solidFill>
+                  <a:schemeClr val="bg1"/>
+                </a:solidFill>
+              </a:rPr>
+              <a:t> </a:t>
+            </a:r>
+            <a:r>
+              <a:rPr lang="bg-BG" sz="2400" b="1" dirty="0" smtClean="0">
                 <a:solidFill>
                   <a:schemeClr val="bg1"/>
                 </a:solidFill>
               </a:rPr>
               <a:t>приложенията</a:t>
             </a:r>
-            <a:endParaRPr lang="bg-BG" b="1" dirty="0">
+            <a:endParaRPr lang="bg-BG" sz="2400" b="1" dirty="0">
               <a:solidFill>
                 <a:schemeClr val="bg1"/>
               </a:solidFill>
@@ -10680,6 +8176,13 @@
   <p:clrMapOvr>
     <a:masterClrMapping/>
   </p:clrMapOvr>
+  <p:timing>
+    <p:tnLst>
+      <p:par>
+        <p:cTn id="1" dur="indefinite" restart="never" nodeType="tmRoot"/>
+      </p:par>
+    </p:tnLst>
+  </p:timing>
 </p:sld>
 </file>
 
@@ -10766,12 +8269,19 @@
         <p:spPr>
           <a:xfrm>
             <a:off x="1295400" y="5715000"/>
-            <a:ext cx="6553200" cy="400110"/>
+            <a:ext cx="9220200" cy="523220"/>
           </a:xfrm>
           <a:prstGeom prst="rect">
             <a:avLst/>
           </a:prstGeom>
           <a:noFill/>
+          <a:effectLst>
+            <a:outerShdw blurRad="50800" dist="38100" dir="2700000" algn="tl" rotWithShape="0">
+              <a:prstClr val="black">
+                <a:alpha val="40000"/>
+              </a:prstClr>
+            </a:outerShdw>
+          </a:effectLst>
         </p:spPr>
         <p:txBody>
           <a:bodyPr wrap="square" rtlCol="0">
@@ -10784,18 +8294,10 @@
               <a:t>	</a:t>
             </a:r>
             <a:r>
-              <a:rPr lang="ru-RU" sz="2000" b="1" dirty="0" err="1"/>
-              <a:t>Основни</a:t>
-            </a:r>
-            <a:r>
-              <a:rPr lang="ru-RU" sz="2000" b="1" dirty="0"/>
-              <a:t> подходи за </a:t>
-            </a:r>
-            <a:r>
-              <a:rPr lang="ru-RU" sz="2000" b="1" dirty="0" err="1"/>
-              <a:t>удостоверяване</a:t>
-            </a:r>
-            <a:endParaRPr lang="bg-BG" sz="2000" b="1" dirty="0"/>
+              <a:rPr lang="bg-BG" sz="2800" b="1" dirty="0" smtClean="0"/>
+              <a:t>Основни подходи за удостоверяване</a:t>
+            </a:r>
+            <a:endParaRPr lang="bg-BG" sz="2800" b="1" dirty="0"/>
           </a:p>
         </p:txBody>
       </p:sp>
@@ -10809,6 +8311,13 @@
   <p:clrMapOvr>
     <a:masterClrMapping/>
   </p:clrMapOvr>
+  <p:timing>
+    <p:tnLst>
+      <p:par>
+        <p:cTn id="1" dur="indefinite" restart="never" nodeType="tmRoot"/>
+      </p:par>
+    </p:tnLst>
+  </p:timing>
 </p:sld>
 </file>
 
@@ -10837,13 +8346,20 @@
         </p:nvSpPr>
         <p:spPr>
           <a:xfrm>
-            <a:off x="2628900" y="1"/>
-            <a:ext cx="6934200" cy="830997"/>
+            <a:off x="1524000" y="533400"/>
+            <a:ext cx="9144000" cy="584775"/>
           </a:xfrm>
           <a:prstGeom prst="rect">
             <a:avLst/>
           </a:prstGeom>
           <a:noFill/>
+          <a:effectLst>
+            <a:outerShdw blurRad="50800" dist="38100" dir="2700000" algn="tl" rotWithShape="0">
+              <a:prstClr val="black">
+                <a:alpha val="40000"/>
+              </a:prstClr>
+            </a:outerShdw>
+          </a:effectLst>
         </p:spPr>
         <p:txBody>
           <a:bodyPr wrap="square" rtlCol="0">
@@ -10853,30 +8369,30 @@
           <a:p>
             <a:pPr algn="ctr"/>
             <a:r>
-              <a:rPr lang="ru-RU" dirty="0"/>
+              <a:rPr lang="ru-RU" sz="3200" b="1" dirty="0" smtClean="0"/>
+              <a:t>Типични </a:t>
+            </a:r>
+            <a:r>
+              <a:rPr lang="ru-RU" sz="3200" b="1" dirty="0"/>
+              <a:t>уязвимости и </a:t>
+            </a:r>
+            <a:r>
+              <a:rPr lang="bg-BG" sz="3200" b="1" dirty="0" smtClean="0"/>
+              <a:t>добри</a:t>
+            </a:r>
+            <a:r>
+              <a:rPr lang="ru-RU" sz="3200" b="1" dirty="0" smtClean="0"/>
+              <a:t> </a:t>
+            </a:r>
+            <a:r>
+              <a:rPr lang="ru-RU" sz="3200" b="1" dirty="0"/>
+              <a:t>практики</a:t>
+            </a:r>
+            <a:r>
+              <a:rPr lang="ru-RU" sz="2400" dirty="0"/>
               <a:t>	</a:t>
             </a:r>
-            <a:r>
-              <a:rPr lang="ru-RU" sz="2400" b="1" dirty="0" err="1"/>
-              <a:t>Типични</a:t>
-            </a:r>
-            <a:r>
-              <a:rPr lang="ru-RU" sz="2400" b="1" dirty="0"/>
-              <a:t> уязвимости и </a:t>
-            </a:r>
-            <a:r>
-              <a:rPr lang="ru-RU" sz="2400" b="1" dirty="0" err="1"/>
-              <a:t>добри</a:t>
-            </a:r>
-            <a:r>
-              <a:rPr lang="ru-RU" sz="2400" b="1" dirty="0"/>
-              <a:t> практики</a:t>
-            </a:r>
-            <a:r>
-              <a:rPr lang="ru-RU" dirty="0"/>
-              <a:t>	</a:t>
-            </a:r>
-            <a:endParaRPr lang="bg-BG" sz="2800" b="1" dirty="0"/>
+            <a:endParaRPr lang="bg-BG" sz="3600" b="1" dirty="0"/>
           </a:p>
         </p:txBody>
       </p:sp>
@@ -10956,6 +8472,13 @@
   <p:clrMapOvr>
     <a:masterClrMapping/>
   </p:clrMapOvr>
+  <p:timing>
+    <p:tnLst>
+      <p:par>
+        <p:cTn id="1" dur="indefinite" restart="never" nodeType="tmRoot"/>
+      </p:par>
+    </p:tnLst>
+  </p:timing>
 </p:sld>
 </file>
 
@@ -11008,7 +8531,7 @@
         </p:nvSpPr>
         <p:spPr>
           <a:xfrm>
-            <a:off x="2438400" y="533400"/>
+            <a:off x="2552700" y="533400"/>
             <a:ext cx="7086600" cy="523220"/>
           </a:xfrm>
           <a:prstGeom prst="rect">
@@ -11016,10 +8539,15 @@
           </a:prstGeom>
           <a:noFill/>
           <a:ln>
-            <a:solidFill>
-              <a:schemeClr val="bg1"/>
-            </a:solidFill>
+            <a:noFill/>
           </a:ln>
+          <a:effectLst>
+            <a:outerShdw blurRad="50800" dist="38100" dir="2700000" algn="tl" rotWithShape="0">
+              <a:prstClr val="black">
+                <a:alpha val="40000"/>
+              </a:prstClr>
+            </a:outerShdw>
+          </a:effectLst>
         </p:spPr>
         <p:txBody>
           <a:bodyPr wrap="square" rtlCol="0">
@@ -11029,12 +8557,12 @@
           <a:p>
             <a:pPr algn="ctr"/>
             <a:r>
-              <a:rPr lang="bg-BG" dirty="0"/>
-              <a:t>	</a:t>
+              <a:rPr lang="bg-BG" sz="2800" b="1" dirty="0" smtClean="0"/>
+              <a:t>Процес </a:t>
             </a:r>
             <a:r>
               <a:rPr lang="bg-BG" sz="2800" b="1" dirty="0"/>
-              <a:t>Процес на оторизация</a:t>
+              <a:t>на оторизация</a:t>
             </a:r>
           </a:p>
         </p:txBody>
@@ -11049,6 +8577,13 @@
   <p:clrMapOvr>
     <a:masterClrMapping/>
   </p:clrMapOvr>
+  <p:timing>
+    <p:tnLst>
+      <p:par>
+        <p:cTn id="1" dur="indefinite" restart="never" nodeType="tmRoot"/>
+      </p:par>
+    </p:tnLst>
+  </p:timing>
 </p:sld>
 </file>
 
@@ -11078,17 +8613,22 @@
         <p:spPr>
           <a:xfrm>
             <a:off x="2224087" y="762001"/>
-            <a:ext cx="7696200" cy="461665"/>
+            <a:ext cx="7696200" cy="523220"/>
           </a:xfrm>
           <a:prstGeom prst="rect">
             <a:avLst/>
           </a:prstGeom>
           <a:noFill/>
           <a:ln>
-            <a:solidFill>
-              <a:schemeClr val="bg1"/>
-            </a:solidFill>
+            <a:noFill/>
           </a:ln>
+          <a:effectLst>
+            <a:outerShdw blurRad="50800" dist="38100" dir="2700000" algn="tl" rotWithShape="0">
+              <a:prstClr val="black">
+                <a:alpha val="40000"/>
+              </a:prstClr>
+            </a:outerShdw>
+          </a:effectLst>
         </p:spPr>
         <p:txBody>
           <a:bodyPr wrap="square" rtlCol="0">
@@ -11098,22 +8638,10 @@
           <a:p>
             <a:pPr algn="ctr"/>
             <a:r>
-              <a:rPr lang="ru-RU" sz="2000" b="1" dirty="0"/>
-              <a:t>	</a:t>
-            </a:r>
-            <a:r>
-              <a:rPr lang="ru-RU" sz="2400" b="1" dirty="0" err="1"/>
-              <a:t>Архитектурни</a:t>
-            </a:r>
-            <a:r>
-              <a:rPr lang="ru-RU" sz="2400" b="1" dirty="0"/>
-              <a:t> модели и </a:t>
-            </a:r>
-            <a:r>
-              <a:rPr lang="ru-RU" sz="2400" b="1" dirty="0" err="1"/>
-              <a:t>стандарти</a:t>
-            </a:r>
-            <a:endParaRPr lang="bg-BG" sz="2400" b="1" dirty="0"/>
+              <a:rPr lang="bg-BG" sz="2800" b="1" dirty="0" smtClean="0"/>
+              <a:t>Архитектурни модели и стандарти</a:t>
+            </a:r>
+            <a:endParaRPr lang="bg-BG" sz="2800" b="1" dirty="0"/>
           </a:p>
         </p:txBody>
       </p:sp>
@@ -11157,6 +8685,13 @@
   <p:clrMapOvr>
     <a:masterClrMapping/>
   </p:clrMapOvr>
+  <p:timing>
+    <p:tnLst>
+      <p:par>
+        <p:cTn id="1" dur="indefinite" restart="never" nodeType="tmRoot"/>
+      </p:par>
+    </p:tnLst>
+  </p:timing>
 </p:sld>
 </file>
 
@@ -11221,8 +8756,8 @@
         </p:nvSpPr>
         <p:spPr>
           <a:xfrm>
-            <a:off x="2590800" y="381001"/>
-            <a:ext cx="7162800" cy="830997"/>
+            <a:off x="1638300" y="457200"/>
+            <a:ext cx="8915400" cy="461665"/>
           </a:xfrm>
           <a:prstGeom prst="rect">
             <a:avLst/>
@@ -11233,6 +8768,13 @@
               <a:schemeClr val="bg1"/>
             </a:solidFill>
           </a:ln>
+          <a:effectLst>
+            <a:outerShdw blurRad="50800" dist="38100" dir="2700000" algn="tl" rotWithShape="0">
+              <a:prstClr val="black">
+                <a:alpha val="40000"/>
+              </a:prstClr>
+            </a:outerShdw>
+          </a:effectLst>
         </p:spPr>
         <p:txBody>
           <a:bodyPr wrap="square" rtlCol="0">
@@ -11242,32 +8784,8 @@
           <a:p>
             <a:pPr algn="ctr"/>
             <a:r>
-              <a:rPr lang="ru-RU" dirty="0"/>
-              <a:t>	</a:t>
-            </a:r>
-            <a:r>
-              <a:rPr lang="ru-RU" sz="2400" b="1" dirty="0"/>
-              <a:t>Средства за </a:t>
-            </a:r>
-            <a:r>
-              <a:rPr lang="ru-RU" sz="2400" b="1" dirty="0" err="1"/>
-              <a:t>удостоверяване</a:t>
-            </a:r>
-            <a:r>
-              <a:rPr lang="ru-RU" sz="2400" b="1" dirty="0"/>
-              <a:t> и </a:t>
-            </a:r>
-            <a:r>
-              <a:rPr lang="ru-RU" sz="2400" b="1" dirty="0" err="1"/>
-              <a:t>оторизация</a:t>
-            </a:r>
-            <a:r>
-              <a:rPr lang="ru-RU" sz="2400" b="1" dirty="0"/>
-              <a:t> в </a:t>
-            </a:r>
-            <a:r>
-              <a:rPr lang="ru-RU" sz="2400" b="1" dirty="0" err="1"/>
-              <a:t>Django</a:t>
+              <a:rPr lang="bg-BG" sz="2400" b="1" dirty="0" smtClean="0"/>
+              <a:t>Средства за удостоверяване и оторизация в Django</a:t>
             </a:r>
             <a:endParaRPr lang="bg-BG" sz="2400" b="1" dirty="0"/>
           </a:p>
@@ -11283,6 +8801,13 @@
   <p:clrMapOvr>
     <a:masterClrMapping/>
   </p:clrMapOvr>
+  <p:timing>
+    <p:tnLst>
+      <p:par>
+        <p:cTn id="1" dur="indefinite" restart="never" nodeType="tmRoot"/>
+      </p:par>
+    </p:tnLst>
+  </p:timing>
 </p:sld>
 </file>
 
